--- a/ch2. Supervised Learning/presentation/ch2. Overview of Supervised Learning.pptx
+++ b/ch2. Supervised Learning/presentation/ch2. Overview of Supervised Learning.pptx
@@ -32,6 +32,12 @@
     <p:sldId id="277" r:id="rId27"/>
     <p:sldId id="278" r:id="rId28"/>
     <p:sldId id="279" r:id="rId29"/>
+    <p:sldId id="280" r:id="rId30"/>
+    <p:sldId id="281" r:id="rId31"/>
+    <p:sldId id="282" r:id="rId32"/>
+    <p:sldId id="283" r:id="rId33"/>
+    <p:sldId id="284" r:id="rId34"/>
+    <p:sldId id="285" r:id="rId35"/>
   </p:sldIdLst>
   <p:sldSz cy="5143500" cx="9144000"/>
   <p:notesSz cx="6858000" cy="9144000"/>
@@ -813,7 +819,7 @@
   <p:cSld>
     <p:spTree>
       <p:nvGrpSpPr>
-        <p:cNvPr id="131" name="Shape 131"/>
+        <p:cNvPr id="134" name="Shape 134"/>
         <p:cNvGrpSpPr/>
         <p:nvPr/>
       </p:nvGrpSpPr>
@@ -827,7 +833,7 @@
       </p:grpSpPr>
       <p:sp>
         <p:nvSpPr>
-          <p:cNvPr id="132" name="Google Shape;132;gb2c654c6d7_0_50:notes"/>
+          <p:cNvPr id="135" name="Google Shape;135;gaa0f91eac0_0_18:notes"/>
           <p:cNvSpPr/>
           <p:nvPr>
             <p:ph idx="2" type="sldImg"/>
@@ -862,7 +868,7 @@
       </p:sp>
       <p:sp>
         <p:nvSpPr>
-          <p:cNvPr id="133" name="Google Shape;133;gb2c654c6d7_0_50:notes"/>
+          <p:cNvPr id="136" name="Google Shape;136;gaa0f91eac0_0_18:notes"/>
           <p:cNvSpPr txBox="1"/>
           <p:nvPr>
             <p:ph idx="1" type="body"/>
@@ -882,6 +888,210 @@
             <a:noAutofit/>
           </a:bodyPr>
           <a:lstStyle/>
+          <a:p>
+            <a:pPr indent="0" lvl="0" marL="0" rtl="0" algn="l">
+              <a:spcBef>
+                <a:spcPts val="0"/>
+              </a:spcBef>
+              <a:spcAft>
+                <a:spcPts val="0"/>
+              </a:spcAft>
+              <a:buNone/>
+            </a:pPr>
+            <a:r>
+              <a:rPr lang="ko"/>
+              <a:t>first we could see how to classify it via left figure.</a:t>
+            </a:r>
+            <a:endParaRPr/>
+          </a:p>
+          <a:p>
+            <a:pPr indent="0" lvl="0" marL="0" rtl="0" algn="l">
+              <a:spcBef>
+                <a:spcPts val="0"/>
+              </a:spcBef>
+              <a:spcAft>
+                <a:spcPts val="0"/>
+              </a:spcAft>
+              <a:buNone/>
+            </a:pPr>
+            <a:r>
+              <a:t/>
+            </a:r>
+            <a:endParaRPr/>
+          </a:p>
+          <a:p>
+            <a:pPr indent="0" lvl="0" marL="0" rtl="0" algn="l">
+              <a:spcBef>
+                <a:spcPts val="0"/>
+              </a:spcBef>
+              <a:spcAft>
+                <a:spcPts val="0"/>
+              </a:spcAft>
+              <a:buNone/>
+            </a:pPr>
+            <a:r>
+              <a:rPr lang="ko"/>
+              <a:t>If I wanna classify one new point on the training dataset, we define number of neighbors(k) for it.</a:t>
+            </a:r>
+            <a:endParaRPr/>
+          </a:p>
+          <a:p>
+            <a:pPr indent="0" lvl="0" marL="0" rtl="0" algn="l">
+              <a:spcBef>
+                <a:spcPts val="0"/>
+              </a:spcBef>
+              <a:spcAft>
+                <a:spcPts val="0"/>
+              </a:spcAft>
+              <a:buNone/>
+            </a:pPr>
+            <a:r>
+              <a:rPr lang="ko"/>
+              <a:t>If I set k =1, the point will be orange and set k=3, will be green.</a:t>
+            </a:r>
+            <a:endParaRPr/>
+          </a:p>
+          <a:p>
+            <a:pPr indent="0" lvl="0" marL="0" rtl="0" algn="l">
+              <a:spcBef>
+                <a:spcPts val="0"/>
+              </a:spcBef>
+              <a:spcAft>
+                <a:spcPts val="0"/>
+              </a:spcAft>
+              <a:buNone/>
+            </a:pPr>
+            <a:r>
+              <a:t/>
+            </a:r>
+            <a:endParaRPr/>
+          </a:p>
+          <a:p>
+            <a:pPr indent="0" lvl="0" marL="0" rtl="0" algn="l">
+              <a:spcBef>
+                <a:spcPts val="0"/>
+              </a:spcBef>
+              <a:spcAft>
+                <a:spcPts val="0"/>
+              </a:spcAft>
+              <a:buNone/>
+            </a:pPr>
+            <a:r>
+              <a:rPr lang="ko"/>
+              <a:t>and how it works in mathematically? it’s equation is right side of this slide.</a:t>
+            </a:r>
+            <a:endParaRPr/>
+          </a:p>
+          <a:p>
+            <a:pPr indent="0" lvl="0" marL="0" rtl="0" algn="l">
+              <a:spcBef>
+                <a:spcPts val="0"/>
+              </a:spcBef>
+              <a:spcAft>
+                <a:spcPts val="0"/>
+              </a:spcAft>
+              <a:buNone/>
+            </a:pPr>
+            <a:r>
+              <a:rPr lang="ko"/>
+              <a:t>if i set orange =1 and green =0,</a:t>
+            </a:r>
+            <a:endParaRPr/>
+          </a:p>
+          <a:p>
+            <a:pPr indent="0" lvl="0" marL="0" rtl="0" algn="l">
+              <a:spcBef>
+                <a:spcPts val="0"/>
+              </a:spcBef>
+              <a:spcAft>
+                <a:spcPts val="0"/>
+              </a:spcAft>
+              <a:buNone/>
+            </a:pPr>
+            <a:r>
+              <a:rPr lang="ko"/>
+              <a:t>in k=1 the value of y hat will be 1/1 * (1) = 1</a:t>
+            </a:r>
+            <a:endParaRPr/>
+          </a:p>
+          <a:p>
+            <a:pPr indent="0" lvl="0" marL="0" rtl="0" algn="l">
+              <a:spcBef>
+                <a:spcPts val="0"/>
+              </a:spcBef>
+              <a:spcAft>
+                <a:spcPts val="0"/>
+              </a:spcAft>
+              <a:buNone/>
+            </a:pPr>
+            <a:r>
+              <a:rPr lang="ko"/>
+              <a:t>in k=3 the value of y hat will be ⅓ * (1+0+0) = ⅓</a:t>
+            </a:r>
+            <a:endParaRPr/>
+          </a:p>
+          <a:p>
+            <a:pPr indent="0" lvl="0" marL="0" rtl="0" algn="l">
+              <a:spcBef>
+                <a:spcPts val="0"/>
+              </a:spcBef>
+              <a:spcAft>
+                <a:spcPts val="0"/>
+              </a:spcAft>
+              <a:buNone/>
+            </a:pPr>
+            <a:r>
+              <a:t/>
+            </a:r>
+            <a:endParaRPr/>
+          </a:p>
+          <a:p>
+            <a:pPr indent="0" lvl="0" marL="0" rtl="0" algn="l">
+              <a:spcBef>
+                <a:spcPts val="0"/>
+              </a:spcBef>
+              <a:spcAft>
+                <a:spcPts val="0"/>
+              </a:spcAft>
+              <a:buNone/>
+            </a:pPr>
+            <a:r>
+              <a:rPr lang="ko"/>
+              <a:t>and if we set prob of classification between them fairly, 0.5 each other.</a:t>
+            </a:r>
+            <a:endParaRPr/>
+          </a:p>
+          <a:p>
+            <a:pPr indent="0" lvl="0" marL="0" rtl="0" algn="l">
+              <a:spcBef>
+                <a:spcPts val="0"/>
+              </a:spcBef>
+              <a:spcAft>
+                <a:spcPts val="0"/>
+              </a:spcAft>
+              <a:buNone/>
+            </a:pPr>
+            <a:r>
+              <a:rPr lang="ko"/>
+              <a:t>k=1, Orange; k=3, Green.</a:t>
+            </a:r>
+            <a:endParaRPr/>
+          </a:p>
+          <a:p>
+            <a:pPr indent="0" lvl="0" marL="0" rtl="0" algn="l">
+              <a:spcBef>
+                <a:spcPts val="0"/>
+              </a:spcBef>
+              <a:spcAft>
+                <a:spcPts val="0"/>
+              </a:spcAft>
+              <a:buNone/>
+            </a:pPr>
+            <a:r>
+              <a:t/>
+            </a:r>
+            <a:endParaRPr/>
+          </a:p>
           <a:p>
             <a:pPr indent="0" lvl="0" marL="0" rtl="0" algn="l">
               <a:spcBef>
@@ -912,7 +1122,7 @@
   <p:cSld>
     <p:spTree>
       <p:nvGrpSpPr>
-        <p:cNvPr id="138" name="Shape 138"/>
+        <p:cNvPr id="143" name="Shape 143"/>
         <p:cNvGrpSpPr/>
         <p:nvPr/>
       </p:nvGrpSpPr>
@@ -926,7 +1136,7 @@
       </p:grpSpPr>
       <p:sp>
         <p:nvSpPr>
-          <p:cNvPr id="139" name="Google Shape;139;gb2c654c6d7_0_56:notes"/>
+          <p:cNvPr id="144" name="Google Shape;144;gb2c654c6d7_0_44:notes"/>
           <p:cNvSpPr/>
           <p:nvPr>
             <p:ph idx="2" type="sldImg"/>
@@ -961,7 +1171,7 @@
       </p:sp>
       <p:sp>
         <p:nvSpPr>
-          <p:cNvPr id="140" name="Google Shape;140;gb2c654c6d7_0_56:notes"/>
+          <p:cNvPr id="145" name="Google Shape;145;gb2c654c6d7_0_44:notes"/>
           <p:cNvSpPr txBox="1"/>
           <p:nvPr>
             <p:ph idx="1" type="body"/>
@@ -981,6 +1191,147 @@
             <a:noAutofit/>
           </a:bodyPr>
           <a:lstStyle/>
+          <a:p>
+            <a:pPr indent="0" lvl="0" marL="0" rtl="0" algn="l">
+              <a:spcBef>
+                <a:spcPts val="0"/>
+              </a:spcBef>
+              <a:spcAft>
+                <a:spcPts val="0"/>
+              </a:spcAft>
+              <a:buNone/>
+            </a:pPr>
+            <a:r>
+              <a:rPr lang="ko"/>
+              <a:t>comparison between two nn model (k=15 and k=1).</a:t>
+            </a:r>
+            <a:endParaRPr/>
+          </a:p>
+          <a:p>
+            <a:pPr indent="0" lvl="0" marL="0" rtl="0" algn="l">
+              <a:spcBef>
+                <a:spcPts val="0"/>
+              </a:spcBef>
+              <a:spcAft>
+                <a:spcPts val="0"/>
+              </a:spcAft>
+              <a:buNone/>
+            </a:pPr>
+            <a:r>
+              <a:t/>
+            </a:r>
+            <a:endParaRPr/>
+          </a:p>
+          <a:p>
+            <a:pPr indent="0" lvl="0" marL="0" rtl="0" algn="l">
+              <a:spcBef>
+                <a:spcPts val="0"/>
+              </a:spcBef>
+              <a:spcAft>
+                <a:spcPts val="0"/>
+              </a:spcAft>
+              <a:buNone/>
+            </a:pPr>
+            <a:r>
+              <a:rPr lang="ko"/>
+              <a:t>decision boundary of k=15 seems better than linear model. and decision boundary of k=1 seems that there is no misclassification and detail dividing about two classes.</a:t>
+            </a:r>
+            <a:endParaRPr/>
+          </a:p>
+          <a:p>
+            <a:pPr indent="0" lvl="0" marL="0" rtl="0" algn="l">
+              <a:spcBef>
+                <a:spcPts val="0"/>
+              </a:spcBef>
+              <a:spcAft>
+                <a:spcPts val="0"/>
+              </a:spcAft>
+              <a:buNone/>
+            </a:pPr>
+            <a:r>
+              <a:t/>
+            </a:r>
+            <a:endParaRPr/>
+          </a:p>
+          <a:p>
+            <a:pPr indent="0" lvl="0" marL="0" rtl="0" algn="l">
+              <a:spcBef>
+                <a:spcPts val="0"/>
+              </a:spcBef>
+              <a:spcAft>
+                <a:spcPts val="0"/>
+              </a:spcAft>
+              <a:buNone/>
+            </a:pPr>
+            <a:r>
+              <a:rPr lang="ko"/>
+              <a:t>Then we could think, ‘choose k=1 always get correct answer without any misclassification!’. but it’s not.</a:t>
+            </a:r>
+            <a:endParaRPr/>
+          </a:p>
+          <a:p>
+            <a:pPr indent="0" lvl="0" marL="0" rtl="0" algn="l">
+              <a:spcBef>
+                <a:spcPts val="0"/>
+              </a:spcBef>
+              <a:spcAft>
+                <a:spcPts val="0"/>
+              </a:spcAft>
+              <a:buNone/>
+            </a:pPr>
+            <a:r>
+              <a:rPr lang="ko"/>
+              <a:t>There are some problems by selecting k=1, one of those is over-fitting that will be described later as well.</a:t>
+            </a:r>
+            <a:endParaRPr/>
+          </a:p>
+          <a:p>
+            <a:pPr indent="0" lvl="0" marL="0" rtl="0" algn="l">
+              <a:spcBef>
+                <a:spcPts val="0"/>
+              </a:spcBef>
+              <a:spcAft>
+                <a:spcPts val="0"/>
+              </a:spcAft>
+              <a:buNone/>
+            </a:pPr>
+            <a:r>
+              <a:t/>
+            </a:r>
+            <a:endParaRPr/>
+          </a:p>
+          <a:p>
+            <a:pPr indent="0" lvl="0" marL="0" rtl="0" algn="l">
+              <a:spcBef>
+                <a:spcPts val="0"/>
+              </a:spcBef>
+              <a:spcAft>
+                <a:spcPts val="0"/>
+              </a:spcAft>
+              <a:buNone/>
+            </a:pPr>
+            <a:r>
+              <a:rPr lang="ko"/>
+              <a:t>then what is the optimal value of k?</a:t>
+            </a:r>
+            <a:endParaRPr/>
+          </a:p>
+          <a:p>
+            <a:pPr indent="0" lvl="0" marL="0" rtl="0" algn="l">
+              <a:spcBef>
+                <a:spcPts val="0"/>
+              </a:spcBef>
+              <a:spcAft>
+                <a:spcPts val="0"/>
+              </a:spcAft>
+              <a:buNone/>
+            </a:pPr>
+            <a:r>
+              <a:rPr lang="ko"/>
+              <a:t>= makes N/k more than parameter p of linear model(the number of features).</a:t>
+            </a:r>
+            <a:endParaRPr/>
+          </a:p>
           <a:p>
             <a:pPr indent="0" lvl="0" marL="0" rtl="0" algn="l">
               <a:spcBef>
@@ -1011,7 +1362,7 @@
   <p:cSld>
     <p:spTree>
       <p:nvGrpSpPr>
-        <p:cNvPr id="145" name="Shape 145"/>
+        <p:cNvPr id="152" name="Shape 152"/>
         <p:cNvGrpSpPr/>
         <p:nvPr/>
       </p:nvGrpSpPr>
@@ -1025,7 +1376,7 @@
       </p:grpSpPr>
       <p:sp>
         <p:nvSpPr>
-          <p:cNvPr id="146" name="Google Shape;146;gb2c654c6d7_0_62:notes"/>
+          <p:cNvPr id="153" name="Google Shape;153;gaa0f91eac0_0_28:notes"/>
           <p:cNvSpPr/>
           <p:nvPr>
             <p:ph idx="2" type="sldImg"/>
@@ -1060,7 +1411,7 @@
       </p:sp>
       <p:sp>
         <p:nvSpPr>
-          <p:cNvPr id="147" name="Google Shape;147;gb2c654c6d7_0_62:notes"/>
+          <p:cNvPr id="154" name="Google Shape;154;gaa0f91eac0_0_28:notes"/>
           <p:cNvSpPr txBox="1"/>
           <p:nvPr>
             <p:ph idx="1" type="body"/>
@@ -1091,7 +1442,63 @@
               <a:buNone/>
             </a:pPr>
             <a:r>
+              <a:rPr lang="ko"/>
+              <a:t>Linear Model has strong assumption optimal decision boundary seems linear. So, model has high bias and Low variance.</a:t>
+            </a:r>
+            <a:endParaRPr/>
+          </a:p>
+          <a:p>
+            <a:pPr indent="0" lvl="0" marL="0" rtl="0" algn="l">
+              <a:spcBef>
+                <a:spcPts val="0"/>
+              </a:spcBef>
+              <a:spcAft>
+                <a:spcPts val="0"/>
+              </a:spcAft>
+              <a:buNone/>
+            </a:pPr>
+            <a:r>
               <a:t/>
+            </a:r>
+            <a:endParaRPr/>
+          </a:p>
+          <a:p>
+            <a:pPr indent="0" lvl="0" marL="0" rtl="0" algn="l">
+              <a:spcBef>
+                <a:spcPts val="0"/>
+              </a:spcBef>
+              <a:spcAft>
+                <a:spcPts val="0"/>
+              </a:spcAft>
+              <a:buNone/>
+            </a:pPr>
+            <a:r>
+              <a:rPr lang="ko"/>
+              <a:t>Nearest Neighbor has any strong assumption unlike linear model and it can adopt any situation. but, the specific point of decision boundary is unstable</a:t>
+            </a:r>
+            <a:endParaRPr/>
+          </a:p>
+          <a:p>
+            <a:pPr indent="0" lvl="0" marL="0" rtl="0" algn="l">
+              <a:spcBef>
+                <a:spcPts val="0"/>
+              </a:spcBef>
+              <a:spcAft>
+                <a:spcPts val="0"/>
+              </a:spcAft>
+              <a:buNone/>
+            </a:pPr>
+            <a:r>
+              <a:rPr lang="ko"/>
+              <a:t>So, </a:t>
+            </a:r>
+            <a:r>
+              <a:rPr lang="ko">
+                <a:solidFill>
+                  <a:schemeClr val="dk1"/>
+                </a:solidFill>
+              </a:rPr>
+              <a:t>model has low bias and Low variance.</a:t>
             </a:r>
             <a:endParaRPr/>
           </a:p>
@@ -1110,7 +1517,7 @@
   <p:cSld>
     <p:spTree>
       <p:nvGrpSpPr>
-        <p:cNvPr id="152" name="Shape 152"/>
+        <p:cNvPr id="162" name="Shape 162"/>
         <p:cNvGrpSpPr/>
         <p:nvPr/>
       </p:nvGrpSpPr>
@@ -1124,7 +1531,7 @@
       </p:grpSpPr>
       <p:sp>
         <p:nvSpPr>
-          <p:cNvPr id="153" name="Google Shape;153;gb2c654c6d7_0_68:notes"/>
+          <p:cNvPr id="163" name="Google Shape;163;gb2c654c6d7_0_50:notes"/>
           <p:cNvSpPr/>
           <p:nvPr>
             <p:ph idx="2" type="sldImg"/>
@@ -1159,7 +1566,7 @@
       </p:sp>
       <p:sp>
         <p:nvSpPr>
-          <p:cNvPr id="154" name="Google Shape;154;gb2c654c6d7_0_68:notes"/>
+          <p:cNvPr id="164" name="Google Shape;164;gb2c654c6d7_0_50:notes"/>
           <p:cNvSpPr txBox="1"/>
           <p:nvPr>
             <p:ph idx="1" type="body"/>
@@ -1179,6 +1586,270 @@
             <a:noAutofit/>
           </a:bodyPr>
           <a:lstStyle/>
+          <a:p>
+            <a:pPr indent="0" lvl="0" marL="0" rtl="0" algn="l">
+              <a:spcBef>
+                <a:spcPts val="0"/>
+              </a:spcBef>
+              <a:spcAft>
+                <a:spcPts val="0"/>
+              </a:spcAft>
+              <a:buNone/>
+            </a:pPr>
+            <a:r>
+              <a:rPr lang="ko"/>
+              <a:t>make some development about our theories what we discussed.</a:t>
+            </a:r>
+            <a:endParaRPr/>
+          </a:p>
+          <a:p>
+            <a:pPr indent="0" lvl="0" marL="0" rtl="0" algn="l">
+              <a:spcBef>
+                <a:spcPts val="0"/>
+              </a:spcBef>
+              <a:spcAft>
+                <a:spcPts val="0"/>
+              </a:spcAft>
+              <a:buNone/>
+            </a:pPr>
+            <a:r>
+              <a:rPr lang="ko"/>
+              <a:t>I think, Statistical Decision Theory means that how to decide the parameter for the most optimal regression line in Statistical way. </a:t>
+            </a:r>
+            <a:endParaRPr/>
+          </a:p>
+          <a:p>
+            <a:pPr indent="0" lvl="0" marL="0" rtl="0" algn="l">
+              <a:spcBef>
+                <a:spcPts val="0"/>
+              </a:spcBef>
+              <a:spcAft>
+                <a:spcPts val="0"/>
+              </a:spcAft>
+              <a:buNone/>
+            </a:pPr>
+            <a:r>
+              <a:t/>
+            </a:r>
+            <a:endParaRPr/>
+          </a:p>
+          <a:p>
+            <a:pPr indent="0" lvl="0" marL="0" rtl="0" algn="l">
+              <a:spcBef>
+                <a:spcPts val="0"/>
+              </a:spcBef>
+              <a:spcAft>
+                <a:spcPts val="0"/>
+              </a:spcAft>
+              <a:buNone/>
+            </a:pPr>
+            <a:r>
+              <a:rPr lang="ko"/>
+              <a:t>first, it’s about quantitative output.</a:t>
+            </a:r>
+            <a:endParaRPr/>
+          </a:p>
+          <a:p>
+            <a:pPr indent="0" lvl="0" marL="0" rtl="0" algn="l">
+              <a:spcBef>
+                <a:spcPts val="0"/>
+              </a:spcBef>
+              <a:spcAft>
+                <a:spcPts val="0"/>
+              </a:spcAft>
+              <a:buNone/>
+            </a:pPr>
+            <a:r>
+              <a:rPr lang="ko"/>
+              <a:t>we define X is random input vector what has p column and Y is also random real value vector.</a:t>
+            </a:r>
+            <a:endParaRPr/>
+          </a:p>
+          <a:p>
+            <a:pPr indent="0" lvl="0" marL="0" rtl="0" algn="l">
+              <a:spcBef>
+                <a:spcPts val="0"/>
+              </a:spcBef>
+              <a:spcAft>
+                <a:spcPts val="0"/>
+              </a:spcAft>
+              <a:buNone/>
+            </a:pPr>
+            <a:r>
+              <a:rPr lang="ko"/>
+              <a:t>the objective is find function f(X) for predicting Y given X vectors.</a:t>
+            </a:r>
+            <a:endParaRPr/>
+          </a:p>
+          <a:p>
+            <a:pPr indent="0" lvl="0" marL="0" rtl="0" algn="l">
+              <a:spcBef>
+                <a:spcPts val="0"/>
+              </a:spcBef>
+              <a:spcAft>
+                <a:spcPts val="0"/>
+              </a:spcAft>
+              <a:buNone/>
+            </a:pPr>
+            <a:r>
+              <a:rPr lang="ko"/>
+              <a:t>for doing that we need some penalties at the function. among them, squared error loss is very common and simple one we talk about.</a:t>
+            </a:r>
+            <a:endParaRPr/>
+          </a:p>
+          <a:p>
+            <a:pPr indent="0" lvl="0" marL="0" rtl="0" algn="l">
+              <a:spcBef>
+                <a:spcPts val="0"/>
+              </a:spcBef>
+              <a:spcAft>
+                <a:spcPts val="0"/>
+              </a:spcAft>
+              <a:buNone/>
+            </a:pPr>
+            <a:r>
+              <a:t/>
+            </a:r>
+            <a:endParaRPr/>
+          </a:p>
+          <a:p>
+            <a:pPr indent="0" lvl="0" marL="0" rtl="0" algn="l">
+              <a:spcBef>
+                <a:spcPts val="0"/>
+              </a:spcBef>
+              <a:spcAft>
+                <a:spcPts val="0"/>
+              </a:spcAft>
+              <a:buNone/>
+            </a:pPr>
+            <a:r>
+              <a:rPr lang="ko"/>
+              <a:t>according to this, the criterion of choosing function f is Expected Prediction Error(EPE).</a:t>
+            </a:r>
+            <a:endParaRPr/>
+          </a:p>
+          <a:p>
+            <a:pPr indent="0" lvl="0" marL="0" rtl="0" algn="l">
+              <a:spcBef>
+                <a:spcPts val="0"/>
+              </a:spcBef>
+              <a:spcAft>
+                <a:spcPts val="0"/>
+              </a:spcAft>
+              <a:buNone/>
+            </a:pPr>
+            <a:r>
+              <a:rPr lang="ko"/>
+              <a:t>EPE seems like equation 2.9. and it will be derived equation 2.13 by some processes like the right side of slide.</a:t>
+            </a:r>
+            <a:endParaRPr/>
+          </a:p>
+          <a:p>
+            <a:pPr indent="0" lvl="0" marL="0" rtl="0" algn="l">
+              <a:spcBef>
+                <a:spcPts val="0"/>
+              </a:spcBef>
+              <a:spcAft>
+                <a:spcPts val="0"/>
+              </a:spcAft>
+              <a:buNone/>
+            </a:pPr>
+            <a:r>
+              <a:rPr lang="ko"/>
+              <a:t> </a:t>
+            </a:r>
+            <a:endParaRPr/>
+          </a:p>
+          <a:p>
+            <a:pPr indent="0" lvl="0" marL="0" rtl="0" algn="l">
+              <a:spcBef>
+                <a:spcPts val="0"/>
+              </a:spcBef>
+              <a:spcAft>
+                <a:spcPts val="0"/>
+              </a:spcAft>
+              <a:buNone/>
+            </a:pPr>
+            <a:r>
+              <a:t/>
+            </a:r>
+            <a:endParaRPr/>
+          </a:p>
+          <a:p>
+            <a:pPr indent="0" lvl="0" marL="0" rtl="0" algn="l">
+              <a:spcBef>
+                <a:spcPts val="0"/>
+              </a:spcBef>
+              <a:spcAft>
+                <a:spcPts val="0"/>
+              </a:spcAft>
+              <a:buNone/>
+            </a:pPr>
+            <a:r>
+              <a:rPr lang="ko"/>
+              <a:t>eq 2.9 convert to probability density function form like 2.10. and use </a:t>
+            </a:r>
+            <a:r>
+              <a:rPr lang="ko">
+                <a:solidFill>
+                  <a:schemeClr val="dk1"/>
+                </a:solidFill>
+              </a:rPr>
+              <a:t>concept of </a:t>
+            </a:r>
+            <a:r>
+              <a:rPr lang="ko"/>
+              <a:t>conditional probability. it will be equation 2.11</a:t>
+            </a:r>
+            <a:endParaRPr/>
+          </a:p>
+          <a:p>
+            <a:pPr indent="0" lvl="0" marL="0" rtl="0" algn="l">
+              <a:spcBef>
+                <a:spcPts val="0"/>
+              </a:spcBef>
+              <a:spcAft>
+                <a:spcPts val="0"/>
+              </a:spcAft>
+              <a:buNone/>
+            </a:pPr>
+            <a:r>
+              <a:rPr lang="ko"/>
+              <a:t>furthermore, we need to minimize EPE(X) point-wise ‘c’ like equation 2.12.</a:t>
+            </a:r>
+            <a:endParaRPr/>
+          </a:p>
+          <a:p>
+            <a:pPr indent="0" lvl="0" marL="0" rtl="0" algn="l">
+              <a:spcBef>
+                <a:spcPts val="0"/>
+              </a:spcBef>
+              <a:spcAft>
+                <a:spcPts val="0"/>
+              </a:spcAft>
+              <a:buNone/>
+            </a:pPr>
+            <a:r>
+              <a:rPr lang="ko"/>
+              <a:t>and the final solution seems like eq 2.13 </a:t>
+            </a:r>
+            <a:endParaRPr/>
+          </a:p>
+          <a:p>
+            <a:pPr indent="0" lvl="0" marL="0" rtl="0" algn="l">
+              <a:spcBef>
+                <a:spcPts val="0"/>
+              </a:spcBef>
+              <a:spcAft>
+                <a:spcPts val="0"/>
+              </a:spcAft>
+              <a:buNone/>
+            </a:pPr>
+            <a:r>
+              <a:t/>
+            </a:r>
+            <a:endParaRPr/>
+          </a:p>
           <a:p>
             <a:pPr indent="0" lvl="0" marL="0" rtl="0" algn="l">
               <a:spcBef>
@@ -1209,7 +1880,7 @@
   <p:cSld>
     <p:spTree>
       <p:nvGrpSpPr>
-        <p:cNvPr id="159" name="Shape 159"/>
+        <p:cNvPr id="174" name="Shape 174"/>
         <p:cNvGrpSpPr/>
         <p:nvPr/>
       </p:nvGrpSpPr>
@@ -1223,7 +1894,7 @@
       </p:grpSpPr>
       <p:sp>
         <p:nvSpPr>
-          <p:cNvPr id="160" name="Google Shape;160;gb2c654c6d7_0_74:notes"/>
+          <p:cNvPr id="175" name="Google Shape;175;gb2c654c6d7_0_56:notes"/>
           <p:cNvSpPr/>
           <p:nvPr>
             <p:ph idx="2" type="sldImg"/>
@@ -1258,7 +1929,7 @@
       </p:sp>
       <p:sp>
         <p:nvSpPr>
-          <p:cNvPr id="161" name="Google Shape;161;gb2c654c6d7_0_74:notes"/>
+          <p:cNvPr id="176" name="Google Shape;176;gb2c654c6d7_0_56:notes"/>
           <p:cNvSpPr txBox="1"/>
           <p:nvPr>
             <p:ph idx="1" type="body"/>
@@ -1278,6 +1949,262 @@
             <a:noAutofit/>
           </a:bodyPr>
           <a:lstStyle/>
+          <a:p>
+            <a:pPr indent="0" lvl="0" marL="0" rtl="0" algn="l">
+              <a:spcBef>
+                <a:spcPts val="0"/>
+              </a:spcBef>
+              <a:spcAft>
+                <a:spcPts val="0"/>
+              </a:spcAft>
+              <a:buNone/>
+            </a:pPr>
+            <a:r>
+              <a:rPr lang="ko"/>
+              <a:t>nearest neighbor 방식은 주변의 k neighbor point들에 대한 평균으로 표현 가능하기 때문에, 예측을 위한 function f hat은 equation 2.14와 같이 표현할 수 있다.</a:t>
+            </a:r>
+            <a:endParaRPr/>
+          </a:p>
+          <a:p>
+            <a:pPr indent="0" lvl="0" marL="0" rtl="0" algn="l">
+              <a:spcBef>
+                <a:spcPts val="0"/>
+              </a:spcBef>
+              <a:spcAft>
+                <a:spcPts val="0"/>
+              </a:spcAft>
+              <a:buNone/>
+            </a:pPr>
+            <a:r>
+              <a:t/>
+            </a:r>
+            <a:endParaRPr/>
+          </a:p>
+          <a:p>
+            <a:pPr indent="0" lvl="0" marL="0" rtl="0" algn="l">
+              <a:spcBef>
+                <a:spcPts val="0"/>
+              </a:spcBef>
+              <a:spcAft>
+                <a:spcPts val="0"/>
+              </a:spcAft>
+              <a:buNone/>
+            </a:pPr>
+            <a:r>
+              <a:rPr lang="ko"/>
+              <a:t>but there are two approximation for defining like eq 2.14</a:t>
+            </a:r>
+            <a:endParaRPr/>
+          </a:p>
+          <a:p>
+            <a:pPr indent="0" lvl="0" marL="0" rtl="0" algn="l">
+              <a:spcBef>
+                <a:spcPts val="0"/>
+              </a:spcBef>
+              <a:spcAft>
+                <a:spcPts val="0"/>
+              </a:spcAft>
+              <a:buNone/>
+            </a:pPr>
+            <a:r>
+              <a:rPr lang="ko"/>
+              <a:t> </a:t>
+            </a:r>
+            <a:endParaRPr/>
+          </a:p>
+          <a:p>
+            <a:pPr indent="-298450" lvl="0" marL="457200" rtl="0" algn="l">
+              <a:spcBef>
+                <a:spcPts val="0"/>
+              </a:spcBef>
+              <a:spcAft>
+                <a:spcPts val="0"/>
+              </a:spcAft>
+              <a:buSzPts val="1100"/>
+              <a:buChar char="●"/>
+            </a:pPr>
+            <a:r>
+              <a:rPr lang="ko"/>
+              <a:t>expectation is approximated by averaging over sample data;</a:t>
+            </a:r>
+            <a:endParaRPr/>
+          </a:p>
+          <a:p>
+            <a:pPr indent="-298450" lvl="0" marL="457200" rtl="0" algn="l">
+              <a:spcBef>
+                <a:spcPts val="0"/>
+              </a:spcBef>
+              <a:spcAft>
+                <a:spcPts val="0"/>
+              </a:spcAft>
+              <a:buSzPts val="1100"/>
+              <a:buChar char="●"/>
+            </a:pPr>
+            <a:r>
+              <a:rPr lang="ko"/>
+              <a:t>conditioning at a point is relaxed to conditioning on some region “close” to target point.</a:t>
+            </a:r>
+            <a:endParaRPr/>
+          </a:p>
+          <a:p>
+            <a:pPr indent="0" lvl="0" marL="0" rtl="0" algn="l">
+              <a:spcBef>
+                <a:spcPts val="0"/>
+              </a:spcBef>
+              <a:spcAft>
+                <a:spcPts val="0"/>
+              </a:spcAft>
+              <a:buNone/>
+            </a:pPr>
+            <a:r>
+              <a:t/>
+            </a:r>
+            <a:endParaRPr/>
+          </a:p>
+          <a:p>
+            <a:pPr indent="0" lvl="0" marL="0" rtl="0" algn="l">
+              <a:spcBef>
+                <a:spcPts val="0"/>
+              </a:spcBef>
+              <a:spcAft>
+                <a:spcPts val="0"/>
+              </a:spcAft>
+              <a:buNone/>
+            </a:pPr>
+            <a:r>
+              <a:rPr lang="ko"/>
+              <a:t>In nearest neighbor, the bigger N value makes there are many neighbors specific x point and the bigger k value and average value will be stabilized.</a:t>
+            </a:r>
+            <a:endParaRPr/>
+          </a:p>
+          <a:p>
+            <a:pPr indent="0" lvl="0" marL="0" rtl="0" algn="l">
+              <a:spcBef>
+                <a:spcPts val="0"/>
+              </a:spcBef>
+              <a:spcAft>
+                <a:spcPts val="0"/>
+              </a:spcAft>
+              <a:buNone/>
+            </a:pPr>
+            <a:r>
+              <a:rPr lang="ko"/>
+              <a:t>So, eq 2.14 can be seem like 2.13</a:t>
+            </a:r>
+            <a:endParaRPr/>
+          </a:p>
+          <a:p>
+            <a:pPr indent="0" lvl="0" marL="0" rtl="0" algn="l">
+              <a:spcBef>
+                <a:spcPts val="0"/>
+              </a:spcBef>
+              <a:spcAft>
+                <a:spcPts val="0"/>
+              </a:spcAft>
+              <a:buNone/>
+            </a:pPr>
+            <a:r>
+              <a:t/>
+            </a:r>
+            <a:endParaRPr/>
+          </a:p>
+          <a:p>
+            <a:pPr indent="0" lvl="0" marL="0" rtl="0" algn="l">
+              <a:spcBef>
+                <a:spcPts val="0"/>
+              </a:spcBef>
+              <a:spcAft>
+                <a:spcPts val="0"/>
+              </a:spcAft>
+              <a:buNone/>
+            </a:pPr>
+            <a:r>
+              <a:rPr lang="ko"/>
+              <a:t>In Linear model, if we assume f(x) like eq. 2.15, we could find optimal beta value such as eq 2.6 replacing the expectation by average over training data.</a:t>
+            </a:r>
+            <a:endParaRPr/>
+          </a:p>
+          <a:p>
+            <a:pPr indent="0" lvl="0" marL="0" rtl="0" algn="l">
+              <a:spcBef>
+                <a:spcPts val="0"/>
+              </a:spcBef>
+              <a:spcAft>
+                <a:spcPts val="0"/>
+              </a:spcAft>
+              <a:buNone/>
+            </a:pPr>
+            <a:r>
+              <a:rPr lang="ko"/>
+              <a:t>(why???)</a:t>
+            </a:r>
+            <a:endParaRPr/>
+          </a:p>
+          <a:p>
+            <a:pPr indent="0" lvl="0" marL="0" rtl="0" algn="l">
+              <a:spcBef>
+                <a:spcPts val="0"/>
+              </a:spcBef>
+              <a:spcAft>
+                <a:spcPts val="0"/>
+              </a:spcAft>
+              <a:buNone/>
+            </a:pPr>
+            <a:r>
+              <a:t/>
+            </a:r>
+            <a:endParaRPr/>
+          </a:p>
+          <a:p>
+            <a:pPr indent="0" lvl="0" marL="0" rtl="0" algn="l">
+              <a:spcBef>
+                <a:spcPts val="0"/>
+              </a:spcBef>
+              <a:spcAft>
+                <a:spcPts val="0"/>
+              </a:spcAft>
+              <a:buNone/>
+            </a:pPr>
+            <a:r>
+              <a:rPr lang="ko"/>
+              <a:t>both NN and Linear Regression replace Expectation to Average by approximation. but they have different model assumptions.</a:t>
+            </a:r>
+            <a:endParaRPr/>
+          </a:p>
+          <a:p>
+            <a:pPr indent="-298450" lvl="0" marL="457200" rtl="0" algn="l">
+              <a:spcBef>
+                <a:spcPts val="0"/>
+              </a:spcBef>
+              <a:spcAft>
+                <a:spcPts val="0"/>
+              </a:spcAft>
+              <a:buSzPts val="1100"/>
+              <a:buChar char="●"/>
+            </a:pPr>
+            <a:r>
+              <a:rPr lang="ko"/>
+              <a:t>Least Square: function will be globally linear function</a:t>
+            </a:r>
+            <a:endParaRPr/>
+          </a:p>
+          <a:p>
+            <a:pPr indent="-298450" lvl="0" marL="457200" rtl="0" algn="l">
+              <a:spcBef>
+                <a:spcPts val="0"/>
+              </a:spcBef>
+              <a:spcAft>
+                <a:spcPts val="0"/>
+              </a:spcAft>
+              <a:buSzPts val="1100"/>
+              <a:buChar char="●"/>
+            </a:pPr>
+            <a:r>
+              <a:rPr lang="ko"/>
+              <a:t>Nearest Neighbor: locally constant function</a:t>
+            </a:r>
+            <a:endParaRPr/>
+          </a:p>
           <a:p>
             <a:pPr indent="0" lvl="0" marL="0" rtl="0" algn="l">
               <a:spcBef>
@@ -1308,7 +2235,7 @@
   <p:cSld>
     <p:spTree>
       <p:nvGrpSpPr>
-        <p:cNvPr id="166" name="Shape 166"/>
+        <p:cNvPr id="185" name="Shape 185"/>
         <p:cNvGrpSpPr/>
         <p:nvPr/>
       </p:nvGrpSpPr>
@@ -1322,7 +2249,7 @@
       </p:grpSpPr>
       <p:sp>
         <p:nvSpPr>
-          <p:cNvPr id="167" name="Google Shape;167;gb2c654c6d7_0_80:notes"/>
+          <p:cNvPr id="186" name="Google Shape;186;gaa0f91eac0_0_59:notes"/>
           <p:cNvSpPr/>
           <p:nvPr>
             <p:ph idx="2" type="sldImg"/>
@@ -1357,7 +2284,7 @@
       </p:sp>
       <p:sp>
         <p:nvSpPr>
-          <p:cNvPr id="168" name="Google Shape;168;gb2c654c6d7_0_80:notes"/>
+          <p:cNvPr id="187" name="Google Shape;187;gaa0f91eac0_0_59:notes"/>
           <p:cNvSpPr txBox="1"/>
           <p:nvPr>
             <p:ph idx="1" type="body"/>
@@ -1377,6 +2304,182 @@
             <a:noAutofit/>
           </a:bodyPr>
           <a:lstStyle/>
+          <a:p>
+            <a:pPr indent="0" lvl="0" marL="0" rtl="0" algn="l">
+              <a:spcBef>
+                <a:spcPts val="0"/>
+              </a:spcBef>
+              <a:spcAft>
+                <a:spcPts val="0"/>
+              </a:spcAft>
+              <a:buNone/>
+            </a:pPr>
+            <a:r>
+              <a:rPr lang="ko"/>
+              <a:t>see the eq 2.17, it describes additive model among rigid linear models.</a:t>
+            </a:r>
+            <a:endParaRPr/>
+          </a:p>
+          <a:p>
+            <a:pPr indent="0" lvl="0" marL="0" rtl="0" algn="l">
+              <a:spcBef>
+                <a:spcPts val="0"/>
+              </a:spcBef>
+              <a:spcAft>
+                <a:spcPts val="0"/>
+              </a:spcAft>
+              <a:buNone/>
+            </a:pPr>
+            <a:r>
+              <a:rPr lang="ko"/>
+              <a:t>optimal estimate of additive model will be derived by approximation per Xj columns vector.</a:t>
+            </a:r>
+            <a:endParaRPr/>
+          </a:p>
+          <a:p>
+            <a:pPr indent="0" lvl="0" marL="0" rtl="0" algn="l">
+              <a:spcBef>
+                <a:spcPts val="0"/>
+              </a:spcBef>
+              <a:spcAft>
+                <a:spcPts val="0"/>
+              </a:spcAft>
+              <a:buNone/>
+            </a:pPr>
+            <a:r>
+              <a:rPr lang="ko"/>
+              <a:t>So, it could sweep away high dimensionality problem.</a:t>
+            </a:r>
+            <a:endParaRPr/>
+          </a:p>
+          <a:p>
+            <a:pPr indent="0" lvl="0" marL="0" rtl="0" algn="l">
+              <a:spcBef>
+                <a:spcPts val="0"/>
+              </a:spcBef>
+              <a:spcAft>
+                <a:spcPts val="0"/>
+              </a:spcAft>
+              <a:buNone/>
+            </a:pPr>
+            <a:r>
+              <a:t/>
+            </a:r>
+            <a:endParaRPr/>
+          </a:p>
+          <a:p>
+            <a:pPr indent="0" lvl="0" marL="0" rtl="0" algn="l">
+              <a:spcBef>
+                <a:spcPts val="0"/>
+              </a:spcBef>
+              <a:spcAft>
+                <a:spcPts val="0"/>
+              </a:spcAft>
+              <a:buNone/>
+            </a:pPr>
+            <a:r>
+              <a:rPr lang="ko"/>
+              <a:t>and, do you remember Squared Error Loss function before? or how about using absolute value for Loss function.</a:t>
+            </a:r>
+            <a:endParaRPr/>
+          </a:p>
+          <a:p>
+            <a:pPr indent="0" lvl="0" marL="0" rtl="0" algn="l">
+              <a:spcBef>
+                <a:spcPts val="0"/>
+              </a:spcBef>
+              <a:spcAft>
+                <a:spcPts val="0"/>
+              </a:spcAft>
+              <a:buNone/>
+            </a:pPr>
+            <a:r>
+              <a:rPr lang="ko"/>
+              <a:t>if we use absolute value as L1 loss, the result of prediction function will be median value around all x values.</a:t>
+            </a:r>
+            <a:endParaRPr/>
+          </a:p>
+          <a:p>
+            <a:pPr indent="0" lvl="0" marL="0" rtl="0" algn="l">
+              <a:spcBef>
+                <a:spcPts val="0"/>
+              </a:spcBef>
+              <a:spcAft>
+                <a:spcPts val="0"/>
+              </a:spcAft>
+              <a:buNone/>
+            </a:pPr>
+            <a:r>
+              <a:t/>
+            </a:r>
+            <a:endParaRPr/>
+          </a:p>
+          <a:p>
+            <a:pPr indent="0" lvl="0" marL="0" rtl="0" algn="l">
+              <a:spcBef>
+                <a:spcPts val="0"/>
+              </a:spcBef>
+              <a:spcAft>
+                <a:spcPts val="0"/>
+              </a:spcAft>
+              <a:buNone/>
+            </a:pPr>
+            <a:r>
+              <a:rPr lang="ko"/>
+              <a:t>But, author said L2 would be prefer than L1.</a:t>
+            </a:r>
+            <a:endParaRPr/>
+          </a:p>
+          <a:p>
+            <a:pPr indent="0" lvl="0" marL="0" rtl="0" algn="l">
+              <a:spcBef>
+                <a:spcPts val="0"/>
+              </a:spcBef>
+              <a:spcAft>
+                <a:spcPts val="0"/>
+              </a:spcAft>
+              <a:buNone/>
+            </a:pPr>
+            <a:r>
+              <a:rPr lang="ko"/>
+              <a:t>There are some reasons why.</a:t>
+            </a:r>
+            <a:endParaRPr/>
+          </a:p>
+          <a:p>
+            <a:pPr indent="-298450" lvl="0" marL="457200" rtl="0" algn="l">
+              <a:spcBef>
+                <a:spcPts val="0"/>
+              </a:spcBef>
+              <a:spcAft>
+                <a:spcPts val="0"/>
+              </a:spcAft>
+              <a:buSzPts val="1100"/>
+              <a:buAutoNum type="arabicPeriod"/>
+            </a:pPr>
+            <a:r>
+              <a:rPr lang="ko"/>
+              <a:t>L2 loss is more robust than L1 when it encounter with outlier value.</a:t>
+            </a:r>
+            <a:endParaRPr/>
+          </a:p>
+          <a:p>
+            <a:pPr indent="-298450" lvl="0" marL="457200" rtl="0" algn="l">
+              <a:spcBef>
+                <a:spcPts val="0"/>
+              </a:spcBef>
+              <a:spcAft>
+                <a:spcPts val="0"/>
+              </a:spcAft>
+              <a:buSzPts val="1100"/>
+              <a:buAutoNum type="arabicPeriod"/>
+            </a:pPr>
+            <a:r>
+              <a:rPr lang="ko"/>
+              <a:t>L1 has discontinue property when L1 value being 0 due to derivative.</a:t>
+            </a:r>
+            <a:endParaRPr/>
+          </a:p>
           <a:p>
             <a:pPr indent="0" lvl="0" marL="0" rtl="0" algn="l">
               <a:spcBef>
@@ -1407,7 +2510,7 @@
   <p:cSld>
     <p:spTree>
       <p:nvGrpSpPr>
-        <p:cNvPr id="173" name="Shape 173"/>
+        <p:cNvPr id="196" name="Shape 196"/>
         <p:cNvGrpSpPr/>
         <p:nvPr/>
       </p:nvGrpSpPr>
@@ -1421,7 +2524,7 @@
       </p:grpSpPr>
       <p:sp>
         <p:nvSpPr>
-          <p:cNvPr id="174" name="Google Shape;174;gb2c654c6d7_0_86:notes"/>
+          <p:cNvPr id="197" name="Google Shape;197;gb2c654c6d7_0_62:notes"/>
           <p:cNvSpPr/>
           <p:nvPr>
             <p:ph idx="2" type="sldImg"/>
@@ -1456,7 +2559,7 @@
       </p:sp>
       <p:sp>
         <p:nvSpPr>
-          <p:cNvPr id="175" name="Google Shape;175;gb2c654c6d7_0_86:notes"/>
+          <p:cNvPr id="198" name="Google Shape;198;gb2c654c6d7_0_62:notes"/>
           <p:cNvSpPr txBox="1"/>
           <p:nvPr>
             <p:ph idx="1" type="body"/>
@@ -1476,6 +2579,69 @@
             <a:noAutofit/>
           </a:bodyPr>
           <a:lstStyle/>
+          <a:p>
+            <a:pPr indent="0" lvl="0" marL="0" rtl="0" algn="l">
+              <a:spcBef>
+                <a:spcPts val="0"/>
+              </a:spcBef>
+              <a:spcAft>
+                <a:spcPts val="0"/>
+              </a:spcAft>
+              <a:buNone/>
+            </a:pPr>
+            <a:r>
+              <a:rPr lang="ko"/>
+              <a:t>Now we could expand loss function for multi-classification loss.</a:t>
+            </a:r>
+            <a:endParaRPr/>
+          </a:p>
+          <a:p>
+            <a:pPr indent="0" lvl="0" marL="0" rtl="0" algn="l">
+              <a:spcBef>
+                <a:spcPts val="0"/>
+              </a:spcBef>
+              <a:spcAft>
+                <a:spcPts val="0"/>
+              </a:spcAft>
+              <a:buNone/>
+            </a:pPr>
+            <a:r>
+              <a:rPr lang="ko"/>
+              <a:t>Loss function L has K rows and columns what has 0 values for diagonal and nonnegative value elsewhere.</a:t>
+            </a:r>
+            <a:endParaRPr/>
+          </a:p>
+          <a:p>
+            <a:pPr indent="0" lvl="0" marL="0" rtl="0" algn="l">
+              <a:spcBef>
+                <a:spcPts val="0"/>
+              </a:spcBef>
+              <a:spcAft>
+                <a:spcPts val="0"/>
+              </a:spcAft>
+              <a:buNone/>
+            </a:pPr>
+            <a:r>
+              <a:rPr lang="ko"/>
+              <a:t>and L(k,l) means the cost spends when class k specify I instead of actual value.</a:t>
+            </a:r>
+            <a:endParaRPr/>
+          </a:p>
+          <a:p>
+            <a:pPr indent="0" lvl="0" marL="0" rtl="0" algn="l">
+              <a:spcBef>
+                <a:spcPts val="0"/>
+              </a:spcBef>
+              <a:spcAft>
+                <a:spcPts val="0"/>
+              </a:spcAft>
+              <a:buNone/>
+            </a:pPr>
+            <a:r>
+              <a:t/>
+            </a:r>
+            <a:endParaRPr/>
+          </a:p>
           <a:p>
             <a:pPr indent="0" lvl="0" marL="0" rtl="0" algn="l">
               <a:spcBef>
@@ -1506,7 +2672,7 @@
   <p:cSld>
     <p:spTree>
       <p:nvGrpSpPr>
-        <p:cNvPr id="180" name="Shape 180"/>
+        <p:cNvPr id="210" name="Shape 210"/>
         <p:cNvGrpSpPr/>
         <p:nvPr/>
       </p:nvGrpSpPr>
@@ -1520,7 +2686,7 @@
       </p:grpSpPr>
       <p:sp>
         <p:nvSpPr>
-          <p:cNvPr id="181" name="Google Shape;181;gb2c654c6d7_0_92:notes"/>
+          <p:cNvPr id="211" name="Google Shape;211;gb2c654c6d7_0_68:notes"/>
           <p:cNvSpPr/>
           <p:nvPr>
             <p:ph idx="2" type="sldImg"/>
@@ -1555,7 +2721,7 @@
       </p:sp>
       <p:sp>
         <p:nvSpPr>
-          <p:cNvPr id="182" name="Google Shape;182;gb2c654c6d7_0_92:notes"/>
+          <p:cNvPr id="212" name="Google Shape;212;gb2c654c6d7_0_68:notes"/>
           <p:cNvSpPr txBox="1"/>
           <p:nvPr>
             <p:ph idx="1" type="body"/>
@@ -1586,7 +2752,87 @@
               <a:buNone/>
             </a:pPr>
             <a:r>
+              <a:rPr lang="ko"/>
+              <a:t>we have discussed two major prediction models that one is linear model and nearest neighbor.</a:t>
+            </a:r>
+            <a:endParaRPr/>
+          </a:p>
+          <a:p>
+            <a:pPr indent="0" lvl="0" marL="0" rtl="0" algn="l">
+              <a:spcBef>
+                <a:spcPts val="0"/>
+              </a:spcBef>
+              <a:spcAft>
+                <a:spcPts val="0"/>
+              </a:spcAft>
+              <a:buNone/>
+            </a:pPr>
+            <a:r>
+              <a:rPr lang="ko"/>
+              <a:t>In nearest neighbor, for getting good prediction result, Large data samples and high number of neighbors is needed during prediction.</a:t>
+            </a:r>
+            <a:endParaRPr/>
+          </a:p>
+          <a:p>
+            <a:pPr indent="0" lvl="0" marL="0" rtl="0" algn="l">
+              <a:spcBef>
+                <a:spcPts val="0"/>
+              </a:spcBef>
+              <a:spcAft>
+                <a:spcPts val="0"/>
+              </a:spcAft>
+              <a:buNone/>
+            </a:pPr>
+            <a:r>
+              <a:rPr lang="ko"/>
+              <a:t>But it’s not when high dimensional space (parameter p value increased in linear model). It’s one of the curse of dimensionality symptoms.</a:t>
+            </a:r>
+            <a:endParaRPr/>
+          </a:p>
+          <a:p>
+            <a:pPr indent="0" lvl="0" marL="0" rtl="0" algn="l">
+              <a:spcBef>
+                <a:spcPts val="0"/>
+              </a:spcBef>
+              <a:spcAft>
+                <a:spcPts val="0"/>
+              </a:spcAft>
+              <a:buNone/>
+            </a:pPr>
+            <a:r>
+              <a:rPr lang="ko"/>
+              <a:t>Now, we will talk about the symptoms in High Dimension dataset.</a:t>
+            </a:r>
+            <a:endParaRPr/>
+          </a:p>
+          <a:p>
+            <a:pPr indent="0" lvl="0" marL="0" rtl="0" algn="l">
+              <a:spcBef>
+                <a:spcPts val="0"/>
+              </a:spcBef>
+              <a:spcAft>
+                <a:spcPts val="0"/>
+              </a:spcAft>
+              <a:buNone/>
+            </a:pPr>
+            <a:r>
               <a:t/>
+            </a:r>
+            <a:endParaRPr/>
+          </a:p>
+          <a:p>
+            <a:pPr indent="0" lvl="0" marL="0" rtl="0" algn="l">
+              <a:spcBef>
+                <a:spcPts val="0"/>
+              </a:spcBef>
+              <a:spcAft>
+                <a:spcPts val="0"/>
+              </a:spcAft>
+              <a:buNone/>
+            </a:pPr>
+            <a:r>
+              <a:rPr lang="ko"/>
+              <a:t> </a:t>
             </a:r>
             <a:endParaRPr/>
           </a:p>
@@ -1605,7 +2851,7 @@
   <p:cSld>
     <p:spTree>
       <p:nvGrpSpPr>
-        <p:cNvPr id="187" name="Shape 187"/>
+        <p:cNvPr id="218" name="Shape 218"/>
         <p:cNvGrpSpPr/>
         <p:nvPr/>
       </p:nvGrpSpPr>
@@ -1619,7 +2865,7 @@
       </p:grpSpPr>
       <p:sp>
         <p:nvSpPr>
-          <p:cNvPr id="188" name="Google Shape;188;gb2c654c6d7_0_98:notes"/>
+          <p:cNvPr id="219" name="Google Shape;219;gb2c654c6d7_0_74:notes"/>
           <p:cNvSpPr/>
           <p:nvPr>
             <p:ph idx="2" type="sldImg"/>
@@ -1654,7 +2900,7 @@
       </p:sp>
       <p:sp>
         <p:nvSpPr>
-          <p:cNvPr id="189" name="Google Shape;189;gb2c654c6d7_0_98:notes"/>
+          <p:cNvPr id="220" name="Google Shape;220;gb2c654c6d7_0_74:notes"/>
           <p:cNvSpPr txBox="1"/>
           <p:nvPr>
             <p:ph idx="1" type="body"/>
@@ -1685,7 +2931,103 @@
               <a:buNone/>
             </a:pPr>
             <a:r>
+              <a:rPr lang="ko"/>
+              <a:t>inputs of nearest neighbor are uniformly distributed like left image as p-dimensional cube.</a:t>
+            </a:r>
+            <a:endParaRPr/>
+          </a:p>
+          <a:p>
+            <a:pPr indent="0" lvl="0" marL="0" rtl="0" algn="l">
+              <a:spcBef>
+                <a:spcPts val="0"/>
+              </a:spcBef>
+              <a:spcAft>
+                <a:spcPts val="0"/>
+              </a:spcAft>
+              <a:buNone/>
+            </a:pPr>
+            <a:r>
+              <a:rPr lang="ko"/>
+              <a:t>and action to capture fraction r of observation also would be hypercubical neighborhood.</a:t>
+            </a:r>
+            <a:endParaRPr/>
+          </a:p>
+          <a:p>
+            <a:pPr indent="0" lvl="0" marL="0" rtl="0" algn="l">
+              <a:spcBef>
+                <a:spcPts val="0"/>
+              </a:spcBef>
+              <a:spcAft>
+                <a:spcPts val="0"/>
+              </a:spcAft>
+              <a:buNone/>
+            </a:pPr>
+            <a:r>
+              <a:rPr lang="ko"/>
+              <a:t>and expected distance length between neighbor is ep(r) = r 1/p. </a:t>
+            </a:r>
+            <a:endParaRPr/>
+          </a:p>
+          <a:p>
+            <a:pPr indent="0" lvl="0" marL="0" rtl="0" algn="l">
+              <a:spcBef>
+                <a:spcPts val="0"/>
+              </a:spcBef>
+              <a:spcAft>
+                <a:spcPts val="0"/>
+              </a:spcAft>
+              <a:buNone/>
+            </a:pPr>
+            <a:r>
+              <a:rPr lang="ko"/>
+              <a:t>if we want to get 1% of data to local average must cover 63% and 10% need to cover 80% of input.</a:t>
+            </a:r>
+            <a:endParaRPr/>
+          </a:p>
+          <a:p>
+            <a:pPr indent="0" lvl="0" marL="0" rtl="0" algn="l">
+              <a:spcBef>
+                <a:spcPts val="0"/>
+              </a:spcBef>
+              <a:spcAft>
+                <a:spcPts val="0"/>
+              </a:spcAft>
+              <a:buNone/>
+            </a:pPr>
+            <a:r>
+              <a:rPr lang="ko"/>
+              <a:t>So neighbor could not say ‘local’.</a:t>
+            </a:r>
+            <a:endParaRPr/>
+          </a:p>
+          <a:p>
+            <a:pPr indent="0" lvl="0" marL="0" rtl="0" algn="l">
+              <a:spcBef>
+                <a:spcPts val="0"/>
+              </a:spcBef>
+              <a:spcAft>
+                <a:spcPts val="0"/>
+              </a:spcAft>
+              <a:buNone/>
+            </a:pPr>
+            <a:r>
               <a:t/>
+            </a:r>
+            <a:endParaRPr/>
+          </a:p>
+          <a:p>
+            <a:pPr indent="0" lvl="0" marL="0" rtl="0" algn="l">
+              <a:spcBef>
+                <a:spcPts val="0"/>
+              </a:spcBef>
+              <a:spcAft>
+                <a:spcPts val="0"/>
+              </a:spcAft>
+              <a:buNone/>
+            </a:pPr>
+            <a:r>
+              <a:rPr lang="ko"/>
+              <a:t>https://towardsdatascience.com/k-nearest-neighbors-and-the-curse-of-dimensionality-7d64634015d9</a:t>
             </a:r>
             <a:endParaRPr/>
           </a:p>
@@ -1704,7 +3046,7 @@
   <p:cSld>
     <p:spTree>
       <p:nvGrpSpPr>
-        <p:cNvPr id="194" name="Shape 194"/>
+        <p:cNvPr id="233" name="Shape 233"/>
         <p:cNvGrpSpPr/>
         <p:nvPr/>
       </p:nvGrpSpPr>
@@ -1718,7 +3060,7 @@
       </p:grpSpPr>
       <p:sp>
         <p:nvSpPr>
-          <p:cNvPr id="195" name="Google Shape;195;gb2c654c6d7_0_104:notes"/>
+          <p:cNvPr id="234" name="Google Shape;234;gb2c654c6d7_0_80:notes"/>
           <p:cNvSpPr/>
           <p:nvPr>
             <p:ph idx="2" type="sldImg"/>
@@ -1753,7 +3095,7 @@
       </p:sp>
       <p:sp>
         <p:nvSpPr>
-          <p:cNvPr id="196" name="Google Shape;196;gb2c654c6d7_0_104:notes"/>
+          <p:cNvPr id="235" name="Google Shape;235;gb2c654c6d7_0_80:notes"/>
           <p:cNvSpPr txBox="1"/>
           <p:nvPr>
             <p:ph idx="1" type="body"/>
@@ -1784,7 +3126,312 @@
               <a:buNone/>
             </a:pPr>
             <a:r>
+              <a:rPr lang="ko"/>
+              <a:t>we keep thinking about p-dimensional unit ball centered at the origin.</a:t>
+            </a:r>
+            <a:endParaRPr/>
+          </a:p>
+          <a:p>
+            <a:pPr indent="0" lvl="0" marL="0" rtl="0" algn="l">
+              <a:spcBef>
+                <a:spcPts val="0"/>
+              </a:spcBef>
+              <a:spcAft>
+                <a:spcPts val="0"/>
+              </a:spcAft>
+              <a:buNone/>
+            </a:pPr>
+            <a:r>
+              <a:rPr lang="ko"/>
+              <a:t>The equation 2.24 means the median distance from origin data point to neighbor. </a:t>
+            </a:r>
+            <a:endParaRPr/>
+          </a:p>
+          <a:p>
+            <a:pPr indent="0" lvl="0" marL="0" rtl="0" algn="l">
+              <a:spcBef>
+                <a:spcPts val="0"/>
+              </a:spcBef>
+              <a:spcAft>
+                <a:spcPts val="0"/>
+              </a:spcAft>
+              <a:buNone/>
+            </a:pPr>
+            <a:r>
+              <a:rPr lang="ko"/>
+              <a:t>if N=500, p=10 then d(p,N) = 0.52, it says more than half of data near to boundary from origin data point.</a:t>
+            </a:r>
+            <a:endParaRPr/>
+          </a:p>
+          <a:p>
+            <a:pPr indent="0" lvl="0" marL="0" rtl="0" algn="l">
+              <a:spcBef>
+                <a:spcPts val="0"/>
+              </a:spcBef>
+              <a:spcAft>
+                <a:spcPts val="0"/>
+              </a:spcAft>
+              <a:buNone/>
+            </a:pPr>
+            <a:r>
+              <a:rPr lang="ko"/>
+              <a:t>The reason why it is problem is prediction is much more difficult near the edge of training sample(estimating point extrapolate vs interpolate). </a:t>
+            </a:r>
+            <a:endParaRPr/>
+          </a:p>
+          <a:p>
+            <a:pPr indent="0" lvl="0" marL="0" rtl="0" algn="l">
+              <a:spcBef>
+                <a:spcPts val="0"/>
+              </a:spcBef>
+              <a:spcAft>
+                <a:spcPts val="0"/>
+              </a:spcAft>
+              <a:buNone/>
+            </a:pPr>
+            <a:r>
               <a:t/>
+            </a:r>
+            <a:endParaRPr/>
+          </a:p>
+          <a:p>
+            <a:pPr indent="0" lvl="0" marL="0" rtl="0" algn="l">
+              <a:spcBef>
+                <a:spcPts val="0"/>
+              </a:spcBef>
+              <a:spcAft>
+                <a:spcPts val="0"/>
+              </a:spcAft>
+              <a:buNone/>
+            </a:pPr>
+            <a:r>
+              <a:rPr lang="ko"/>
+              <a:t>https://stats.stackexchange.com/questions/206295/curse-of-dimensionality-why-is-it-a-problem-that-most-points-are-near-the-edge</a:t>
+            </a:r>
+            <a:endParaRPr/>
+          </a:p>
+          <a:p>
+            <a:pPr indent="0" lvl="0" marL="0" rtl="0" algn="l">
+              <a:spcBef>
+                <a:spcPts val="0"/>
+              </a:spcBef>
+              <a:spcAft>
+                <a:spcPts val="0"/>
+              </a:spcAft>
+              <a:buNone/>
+            </a:pPr>
+            <a:r>
+              <a:rPr lang="ko" u="sng">
+                <a:solidFill>
+                  <a:schemeClr val="hlink"/>
+                </a:solidFill>
+                <a:hlinkClick r:id="rId2"/>
+              </a:rPr>
+              <a:t>https://juanitorduz.github.io/exploring-the-curse-of-dimensionality-part-ii./</a:t>
+            </a:r>
+            <a:endParaRPr/>
+          </a:p>
+          <a:p>
+            <a:pPr indent="0" lvl="0" marL="0" rtl="0" algn="l">
+              <a:spcBef>
+                <a:spcPts val="0"/>
+              </a:spcBef>
+              <a:spcAft>
+                <a:spcPts val="0"/>
+              </a:spcAft>
+              <a:buNone/>
+            </a:pPr>
+            <a:r>
+              <a:t/>
+            </a:r>
+            <a:endParaRPr/>
+          </a:p>
+          <a:p>
+            <a:pPr indent="0" lvl="0" marL="0" rtl="0" algn="l">
+              <a:spcBef>
+                <a:spcPts val="0"/>
+              </a:spcBef>
+              <a:spcAft>
+                <a:spcPts val="0"/>
+              </a:spcAft>
+              <a:buClr>
+                <a:schemeClr val="dk1"/>
+              </a:buClr>
+              <a:buSzPts val="1100"/>
+              <a:buFont typeface="Arial"/>
+              <a:buNone/>
+            </a:pPr>
+            <a:r>
+              <a:rPr lang="ko">
+                <a:solidFill>
+                  <a:schemeClr val="dk1"/>
+                </a:solidFill>
+              </a:rPr>
+              <a:t>Sampling Density will be changed by size of dimension p and It’s equation N^{1/p}</a:t>
+            </a:r>
+            <a:endParaRPr>
+              <a:solidFill>
+                <a:schemeClr val="dk1"/>
+              </a:solidFill>
+            </a:endParaRPr>
+          </a:p>
+          <a:p>
+            <a:pPr indent="0" lvl="0" marL="0" rtl="0" algn="l">
+              <a:spcBef>
+                <a:spcPts val="0"/>
+              </a:spcBef>
+              <a:spcAft>
+                <a:spcPts val="0"/>
+              </a:spcAft>
+              <a:buClr>
+                <a:schemeClr val="dk1"/>
+              </a:buClr>
+              <a:buSzPts val="1100"/>
+              <a:buFont typeface="Arial"/>
+              <a:buNone/>
+            </a:pPr>
+            <a:r>
+              <a:t/>
+            </a:r>
+            <a:endParaRPr>
+              <a:solidFill>
+                <a:schemeClr val="dk1"/>
+              </a:solidFill>
+            </a:endParaRPr>
+          </a:p>
+          <a:p>
+            <a:pPr indent="0" lvl="0" marL="0" rtl="0" algn="l">
+              <a:spcBef>
+                <a:spcPts val="0"/>
+              </a:spcBef>
+              <a:spcAft>
+                <a:spcPts val="0"/>
+              </a:spcAft>
+              <a:buClr>
+                <a:schemeClr val="dk1"/>
+              </a:buClr>
+              <a:buSzPts val="1100"/>
+              <a:buFont typeface="Arial"/>
+              <a:buNone/>
+            </a:pPr>
+            <a:r>
+              <a:rPr lang="ko">
+                <a:solidFill>
+                  <a:schemeClr val="dk1"/>
+                </a:solidFill>
+              </a:rPr>
+              <a:t>if p=1, and its number of sample 100.</a:t>
+            </a:r>
+            <a:endParaRPr>
+              <a:solidFill>
+                <a:schemeClr val="dk1"/>
+              </a:solidFill>
+            </a:endParaRPr>
+          </a:p>
+          <a:p>
+            <a:pPr indent="0" lvl="0" marL="0" rtl="0" algn="l">
+              <a:spcBef>
+                <a:spcPts val="0"/>
+              </a:spcBef>
+              <a:spcAft>
+                <a:spcPts val="0"/>
+              </a:spcAft>
+              <a:buClr>
+                <a:schemeClr val="dk1"/>
+              </a:buClr>
+              <a:buSzPts val="1100"/>
+              <a:buFont typeface="Arial"/>
+              <a:buNone/>
+            </a:pPr>
+            <a:r>
+              <a:rPr lang="ko">
+                <a:solidFill>
+                  <a:schemeClr val="dk1"/>
+                </a:solidFill>
+              </a:rPr>
+              <a:t>and compare it with high dimensional space p=10.</a:t>
+            </a:r>
+            <a:endParaRPr>
+              <a:solidFill>
+                <a:schemeClr val="dk1"/>
+              </a:solidFill>
+            </a:endParaRPr>
+          </a:p>
+          <a:p>
+            <a:pPr indent="0" lvl="0" marL="0" rtl="0" algn="l">
+              <a:spcBef>
+                <a:spcPts val="0"/>
+              </a:spcBef>
+              <a:spcAft>
+                <a:spcPts val="0"/>
+              </a:spcAft>
+              <a:buClr>
+                <a:schemeClr val="dk1"/>
+              </a:buClr>
+              <a:buSzPts val="1100"/>
+              <a:buFont typeface="Arial"/>
+              <a:buNone/>
+            </a:pPr>
+            <a:r>
+              <a:t/>
+            </a:r>
+            <a:endParaRPr>
+              <a:solidFill>
+                <a:schemeClr val="dk1"/>
+              </a:solidFill>
+            </a:endParaRPr>
+          </a:p>
+          <a:p>
+            <a:pPr indent="0" lvl="0" marL="0" rtl="0" algn="l">
+              <a:spcBef>
+                <a:spcPts val="0"/>
+              </a:spcBef>
+              <a:spcAft>
+                <a:spcPts val="0"/>
+              </a:spcAft>
+              <a:buClr>
+                <a:schemeClr val="dk1"/>
+              </a:buClr>
+              <a:buSzPts val="1100"/>
+              <a:buFont typeface="Arial"/>
+              <a:buNone/>
+            </a:pPr>
+            <a:r>
+              <a:rPr lang="ko">
+                <a:solidFill>
+                  <a:schemeClr val="dk1"/>
+                </a:solidFill>
+              </a:rPr>
+              <a:t>for same density, N_10 = 100^10 data is needed!.</a:t>
+            </a:r>
+            <a:endParaRPr>
+              <a:solidFill>
+                <a:schemeClr val="dk1"/>
+              </a:solidFill>
+            </a:endParaRPr>
+          </a:p>
+          <a:p>
+            <a:pPr indent="0" lvl="0" marL="0" rtl="0" algn="l">
+              <a:spcBef>
+                <a:spcPts val="0"/>
+              </a:spcBef>
+              <a:spcAft>
+                <a:spcPts val="0"/>
+              </a:spcAft>
+              <a:buClr>
+                <a:schemeClr val="dk1"/>
+              </a:buClr>
+              <a:buSzPts val="1100"/>
+              <a:buFont typeface="Arial"/>
+              <a:buNone/>
+            </a:pPr>
+            <a:r>
+              <a:rPr lang="ko">
+                <a:solidFill>
+                  <a:schemeClr val="dk1"/>
+                </a:solidFill>
+              </a:rPr>
+              <a:t>and In high dimensional space we need much more data be trained.</a:t>
             </a:r>
             <a:endParaRPr/>
           </a:p>
@@ -1902,7 +3549,7 @@
   <p:cSld>
     <p:spTree>
       <p:nvGrpSpPr>
-        <p:cNvPr id="201" name="Shape 201"/>
+        <p:cNvPr id="242" name="Shape 242"/>
         <p:cNvGrpSpPr/>
         <p:nvPr/>
       </p:nvGrpSpPr>
@@ -1916,7 +3563,7 @@
       </p:grpSpPr>
       <p:sp>
         <p:nvSpPr>
-          <p:cNvPr id="202" name="Google Shape;202;gb2c654c6d7_0_110:notes"/>
+          <p:cNvPr id="243" name="Google Shape;243;gaa0f91eac0_0_103:notes"/>
           <p:cNvSpPr/>
           <p:nvPr>
             <p:ph idx="2" type="sldImg"/>
@@ -1951,7 +3598,7 @@
       </p:sp>
       <p:sp>
         <p:nvSpPr>
-          <p:cNvPr id="203" name="Google Shape;203;gb2c654c6d7_0_110:notes"/>
+          <p:cNvPr id="244" name="Google Shape;244;gaa0f91eac0_0_103:notes"/>
           <p:cNvSpPr txBox="1"/>
           <p:nvPr>
             <p:ph idx="1" type="body"/>
@@ -1971,6 +3618,357 @@
             <a:noAutofit/>
           </a:bodyPr>
           <a:lstStyle/>
+          <a:p>
+            <a:pPr indent="0" lvl="0" marL="0" rtl="0" algn="l">
+              <a:spcBef>
+                <a:spcPts val="0"/>
+              </a:spcBef>
+              <a:spcAft>
+                <a:spcPts val="0"/>
+              </a:spcAft>
+              <a:buNone/>
+            </a:pPr>
+            <a:r>
+              <a:rPr lang="ko"/>
+              <a:t>for checking MSE variation by dimensions, define one example there are 1000 data points xi uniformly on [-1,1]^p and Y = f(X) = e −8||X||.</a:t>
+            </a:r>
+            <a:endParaRPr/>
+          </a:p>
+          <a:p>
+            <a:pPr indent="0" lvl="0" marL="0" rtl="0" algn="l">
+              <a:spcBef>
+                <a:spcPts val="0"/>
+              </a:spcBef>
+              <a:spcAft>
+                <a:spcPts val="0"/>
+              </a:spcAft>
+              <a:buNone/>
+            </a:pPr>
+            <a:r>
+              <a:rPr lang="ko"/>
+              <a:t>and to get MSE value in simple way, it uses 1-nearest-neighbor. and think about x0 point only.</a:t>
+            </a:r>
+            <a:endParaRPr/>
+          </a:p>
+          <a:p>
+            <a:pPr indent="0" lvl="0" marL="0" rtl="0" algn="l">
+              <a:spcBef>
+                <a:spcPts val="0"/>
+              </a:spcBef>
+              <a:spcAft>
+                <a:spcPts val="0"/>
+              </a:spcAft>
+              <a:buNone/>
+            </a:pPr>
+            <a:r>
+              <a:t/>
+            </a:r>
+            <a:endParaRPr/>
+          </a:p>
+          <a:p>
+            <a:pPr indent="0" lvl="0" marL="0" rtl="0" algn="l">
+              <a:spcBef>
+                <a:spcPts val="0"/>
+              </a:spcBef>
+              <a:spcAft>
+                <a:spcPts val="0"/>
+              </a:spcAft>
+              <a:buNone/>
+            </a:pPr>
+            <a:r>
+              <a:rPr lang="ko"/>
+              <a:t>how to get MSE value at x0 point via Square Error btw optimal function f(x0) and prediction value y hat 0 like top of those.</a:t>
+            </a:r>
+            <a:endParaRPr/>
+          </a:p>
+          <a:p>
+            <a:pPr indent="0" lvl="0" marL="0" rtl="0" algn="l">
+              <a:spcBef>
+                <a:spcPts val="0"/>
+              </a:spcBef>
+              <a:spcAft>
+                <a:spcPts val="0"/>
+              </a:spcAft>
+              <a:buNone/>
+            </a:pPr>
+            <a:r>
+              <a:rPr lang="ko"/>
+              <a:t>for doing that, we need to do some excecutions of y hats like getting sample using data samples and average them for estimating MSE.</a:t>
+            </a:r>
+            <a:endParaRPr/>
+          </a:p>
+          <a:p>
+            <a:pPr indent="0" lvl="0" marL="0" rtl="0" algn="l">
+              <a:spcBef>
+                <a:spcPts val="0"/>
+              </a:spcBef>
+              <a:spcAft>
+                <a:spcPts val="0"/>
+              </a:spcAft>
+              <a:buNone/>
+            </a:pPr>
+            <a:r>
+              <a:rPr lang="ko"/>
+              <a:t>the simbol what I’m saying now is Et(y hat 0) means Expectation of y hat 0 via some datasets.</a:t>
+            </a:r>
+            <a:endParaRPr/>
+          </a:p>
+          <a:p>
+            <a:pPr indent="0" lvl="0" marL="0" rtl="0" algn="l">
+              <a:spcBef>
+                <a:spcPts val="0"/>
+              </a:spcBef>
+              <a:spcAft>
+                <a:spcPts val="0"/>
+              </a:spcAft>
+              <a:buNone/>
+            </a:pPr>
+            <a:r>
+              <a:rPr lang="ko"/>
+              <a:t>  </a:t>
+            </a:r>
+            <a:endParaRPr/>
+          </a:p>
+          <a:p>
+            <a:pPr indent="0" lvl="0" marL="0" rtl="0" algn="l">
+              <a:spcBef>
+                <a:spcPts val="0"/>
+              </a:spcBef>
+              <a:spcAft>
+                <a:spcPts val="0"/>
+              </a:spcAft>
+              <a:buNone/>
+            </a:pPr>
+            <a:r>
+              <a:t/>
+            </a:r>
+            <a:endParaRPr/>
+          </a:p>
+          <a:p>
+            <a:pPr indent="0" lvl="0" marL="0" rtl="0" algn="l">
+              <a:spcBef>
+                <a:spcPts val="0"/>
+              </a:spcBef>
+              <a:spcAft>
+                <a:spcPts val="0"/>
+              </a:spcAft>
+              <a:buNone/>
+            </a:pPr>
+            <a:r>
+              <a:t/>
+            </a:r>
+            <a:endParaRPr/>
+          </a:p>
+          <a:p>
+            <a:pPr indent="0" lvl="0" marL="0" rtl="0" algn="l">
+              <a:spcBef>
+                <a:spcPts val="0"/>
+              </a:spcBef>
+              <a:spcAft>
+                <a:spcPts val="0"/>
+              </a:spcAft>
+              <a:buNone/>
+            </a:pPr>
+            <a:r>
+              <a:t/>
+            </a:r>
+            <a:endParaRPr/>
+          </a:p>
+          <a:p>
+            <a:pPr indent="0" lvl="0" marL="0" rtl="0" algn="l">
+              <a:spcBef>
+                <a:spcPts val="0"/>
+              </a:spcBef>
+              <a:spcAft>
+                <a:spcPts val="0"/>
+              </a:spcAft>
+              <a:buNone/>
+            </a:pPr>
+            <a:r>
+              <a:rPr lang="ko"/>
+              <a:t>due to that the problem is deterministic now, we could get MSE for estimation f(0) like below.</a:t>
+            </a:r>
+            <a:endParaRPr/>
+          </a:p>
+          <a:p>
+            <a:pPr indent="0" lvl="0" marL="0" rtl="0" algn="l">
+              <a:spcBef>
+                <a:spcPts val="0"/>
+              </a:spcBef>
+              <a:spcAft>
+                <a:spcPts val="0"/>
+              </a:spcAft>
+              <a:buNone/>
+            </a:pPr>
+            <a:r>
+              <a:t/>
+            </a:r>
+            <a:endParaRPr/>
+          </a:p>
+          <a:p>
+            <a:pPr indent="0" lvl="0" marL="0" rtl="0" algn="l">
+              <a:spcBef>
+                <a:spcPts val="0"/>
+              </a:spcBef>
+              <a:spcAft>
+                <a:spcPts val="0"/>
+              </a:spcAft>
+              <a:buNone/>
+            </a:pPr>
+            <a:r>
+              <a:rPr lang="ko"/>
+              <a:t> MSE(x0) = ET [f(x0) − yˆ0] 2 = ET [ˆy0 − ET (ˆy0)]2 + [ET (ˆy0) − f(x0)]2 = VarT (ˆy0) + Bias2 (ˆy0). (2.25)</a:t>
+            </a:r>
+            <a:endParaRPr/>
+          </a:p>
+          <a:p>
+            <a:pPr indent="0" lvl="0" marL="0" rtl="0" algn="l">
+              <a:spcBef>
+                <a:spcPts val="0"/>
+              </a:spcBef>
+              <a:spcAft>
+                <a:spcPts val="0"/>
+              </a:spcAft>
+              <a:buNone/>
+            </a:pPr>
+            <a:r>
+              <a:t/>
+            </a:r>
+            <a:endParaRPr/>
+          </a:p>
+          <a:p>
+            <a:pPr indent="0" lvl="0" marL="0" rtl="0" algn="l">
+              <a:spcBef>
+                <a:spcPts val="0"/>
+              </a:spcBef>
+              <a:spcAft>
+                <a:spcPts val="0"/>
+              </a:spcAft>
+              <a:buNone/>
+            </a:pPr>
+            <a:r>
+              <a:rPr lang="ko"/>
+              <a:t>Through the result of MSE equation 2.25, It could be divided into two part as Variance and Bias. </a:t>
+            </a:r>
+            <a:endParaRPr/>
+          </a:p>
+          <a:p>
+            <a:pPr indent="0" lvl="0" marL="0" rtl="0" algn="l">
+              <a:spcBef>
+                <a:spcPts val="0"/>
+              </a:spcBef>
+              <a:spcAft>
+                <a:spcPts val="0"/>
+              </a:spcAft>
+              <a:buNone/>
+            </a:pPr>
+            <a:r>
+              <a:t/>
+            </a:r>
+            <a:endParaRPr/>
+          </a:p>
+          <a:p>
+            <a:pPr indent="0" lvl="0" marL="0" rtl="0" algn="l">
+              <a:spcBef>
+                <a:spcPts val="0"/>
+              </a:spcBef>
+              <a:spcAft>
+                <a:spcPts val="0"/>
+              </a:spcAft>
+              <a:buNone/>
+            </a:pPr>
+            <a:r>
+              <a:t/>
+            </a:r>
+            <a:endParaRPr/>
+          </a:p>
+          <a:p>
+            <a:pPr indent="0" lvl="0" marL="0" rtl="0" algn="l">
+              <a:spcBef>
+                <a:spcPts val="0"/>
+              </a:spcBef>
+              <a:spcAft>
+                <a:spcPts val="0"/>
+              </a:spcAft>
+              <a:buNone/>
+            </a:pPr>
+            <a:r>
+              <a:rPr lang="ko" u="sng">
+                <a:solidFill>
+                  <a:schemeClr val="hlink"/>
+                </a:solidFill>
+                <a:hlinkClick r:id="rId2"/>
+              </a:rPr>
+              <a:t>https://ratsgo.github.io/machine%20learning/2017/05/19/biasvar/</a:t>
+            </a:r>
+            <a:endParaRPr/>
+          </a:p>
+          <a:p>
+            <a:pPr indent="0" lvl="0" marL="0" rtl="0" algn="l">
+              <a:spcBef>
+                <a:spcPts val="0"/>
+              </a:spcBef>
+              <a:spcAft>
+                <a:spcPts val="0"/>
+              </a:spcAft>
+              <a:buNone/>
+            </a:pPr>
+            <a:r>
+              <a:rPr lang="ko" u="sng">
+                <a:solidFill>
+                  <a:schemeClr val="hlink"/>
+                </a:solidFill>
+                <a:hlinkClick r:id="rId3"/>
+              </a:rPr>
+              <a:t>https://www.youtube.com/watch?v=mZwszY3kQBg</a:t>
+            </a:r>
+            <a:endParaRPr/>
+          </a:p>
+          <a:p>
+            <a:pPr indent="0" lvl="0" marL="0" rtl="0" algn="l">
+              <a:spcBef>
+                <a:spcPts val="0"/>
+              </a:spcBef>
+              <a:spcAft>
+                <a:spcPts val="0"/>
+              </a:spcAft>
+              <a:buNone/>
+            </a:pPr>
+            <a:r>
+              <a:t/>
+            </a:r>
+            <a:endParaRPr/>
+          </a:p>
+          <a:p>
+            <a:pPr indent="0" lvl="0" marL="0" rtl="0" algn="l">
+              <a:spcBef>
+                <a:spcPts val="0"/>
+              </a:spcBef>
+              <a:spcAft>
+                <a:spcPts val="0"/>
+              </a:spcAft>
+              <a:buNone/>
+            </a:pPr>
+            <a:r>
+              <a:t/>
+            </a:r>
+            <a:endParaRPr/>
+          </a:p>
+          <a:p>
+            <a:pPr indent="0" lvl="0" marL="0" rtl="0" algn="l">
+              <a:spcBef>
+                <a:spcPts val="0"/>
+              </a:spcBef>
+              <a:spcAft>
+                <a:spcPts val="0"/>
+              </a:spcAft>
+              <a:buNone/>
+            </a:pPr>
+            <a:r>
+              <a:t/>
+            </a:r>
+            <a:endParaRPr/>
+          </a:p>
           <a:p>
             <a:pPr indent="0" lvl="0" marL="0" rtl="0" algn="l">
               <a:spcBef>
@@ -2001,7 +3999,7 @@
   <p:cSld>
     <p:spTree>
       <p:nvGrpSpPr>
-        <p:cNvPr id="207" name="Shape 207"/>
+        <p:cNvPr id="254" name="Shape 254"/>
         <p:cNvGrpSpPr/>
         <p:nvPr/>
       </p:nvGrpSpPr>
@@ -2015,7 +4013,7 @@
       </p:grpSpPr>
       <p:sp>
         <p:nvSpPr>
-          <p:cNvPr id="208" name="Google Shape;208;gb2c654c6d7_0_121:notes"/>
+          <p:cNvPr id="255" name="Google Shape;255;gaa0f91eac0_0_131:notes"/>
           <p:cNvSpPr/>
           <p:nvPr>
             <p:ph idx="2" type="sldImg"/>
@@ -2050,7 +4048,7 @@
       </p:sp>
       <p:sp>
         <p:nvSpPr>
-          <p:cNvPr id="209" name="Google Shape;209;gb2c654c6d7_0_121:notes"/>
+          <p:cNvPr id="256" name="Google Shape;256;gaa0f91eac0_0_131:notes"/>
           <p:cNvSpPr txBox="1"/>
           <p:nvPr>
             <p:ph idx="1" type="body"/>
@@ -2070,6 +4068,357 @@
             <a:noAutofit/>
           </a:bodyPr>
           <a:lstStyle/>
+          <a:p>
+            <a:pPr indent="0" lvl="0" marL="0" rtl="0" algn="l">
+              <a:spcBef>
+                <a:spcPts val="0"/>
+              </a:spcBef>
+              <a:spcAft>
+                <a:spcPts val="0"/>
+              </a:spcAft>
+              <a:buNone/>
+            </a:pPr>
+            <a:r>
+              <a:rPr lang="ko"/>
+              <a:t>for checking MSE variation by dimensions, define one example there are 1000 data points xi uniformly on [-1,1]^p and Y = f(X) = e −8||X||.</a:t>
+            </a:r>
+            <a:endParaRPr/>
+          </a:p>
+          <a:p>
+            <a:pPr indent="0" lvl="0" marL="0" rtl="0" algn="l">
+              <a:spcBef>
+                <a:spcPts val="0"/>
+              </a:spcBef>
+              <a:spcAft>
+                <a:spcPts val="0"/>
+              </a:spcAft>
+              <a:buNone/>
+            </a:pPr>
+            <a:r>
+              <a:rPr lang="ko"/>
+              <a:t>and to get MSE value in simple way, it uses 1-nearest-neighbor. and think about x0 point only.</a:t>
+            </a:r>
+            <a:endParaRPr/>
+          </a:p>
+          <a:p>
+            <a:pPr indent="0" lvl="0" marL="0" rtl="0" algn="l">
+              <a:spcBef>
+                <a:spcPts val="0"/>
+              </a:spcBef>
+              <a:spcAft>
+                <a:spcPts val="0"/>
+              </a:spcAft>
+              <a:buNone/>
+            </a:pPr>
+            <a:r>
+              <a:t/>
+            </a:r>
+            <a:endParaRPr/>
+          </a:p>
+          <a:p>
+            <a:pPr indent="0" lvl="0" marL="0" rtl="0" algn="l">
+              <a:spcBef>
+                <a:spcPts val="0"/>
+              </a:spcBef>
+              <a:spcAft>
+                <a:spcPts val="0"/>
+              </a:spcAft>
+              <a:buNone/>
+            </a:pPr>
+            <a:r>
+              <a:rPr lang="ko"/>
+              <a:t>how to get MSE value at x0 point via Square Error btw optimal function f(x0) and prediction value y hat 0 like top of those.</a:t>
+            </a:r>
+            <a:endParaRPr/>
+          </a:p>
+          <a:p>
+            <a:pPr indent="0" lvl="0" marL="0" rtl="0" algn="l">
+              <a:spcBef>
+                <a:spcPts val="0"/>
+              </a:spcBef>
+              <a:spcAft>
+                <a:spcPts val="0"/>
+              </a:spcAft>
+              <a:buNone/>
+            </a:pPr>
+            <a:r>
+              <a:rPr lang="ko"/>
+              <a:t>for doing that, we need to do some excecutions of y hats like getting sample using data samples and average them for estimating MSE.</a:t>
+            </a:r>
+            <a:endParaRPr/>
+          </a:p>
+          <a:p>
+            <a:pPr indent="0" lvl="0" marL="0" rtl="0" algn="l">
+              <a:spcBef>
+                <a:spcPts val="0"/>
+              </a:spcBef>
+              <a:spcAft>
+                <a:spcPts val="0"/>
+              </a:spcAft>
+              <a:buNone/>
+            </a:pPr>
+            <a:r>
+              <a:rPr lang="ko"/>
+              <a:t>the simbol what I’m saying now is Et(y hat 0) means Expectation of y hat 0 via some datasets.</a:t>
+            </a:r>
+            <a:endParaRPr/>
+          </a:p>
+          <a:p>
+            <a:pPr indent="0" lvl="0" marL="0" rtl="0" algn="l">
+              <a:spcBef>
+                <a:spcPts val="0"/>
+              </a:spcBef>
+              <a:spcAft>
+                <a:spcPts val="0"/>
+              </a:spcAft>
+              <a:buNone/>
+            </a:pPr>
+            <a:r>
+              <a:rPr lang="ko"/>
+              <a:t>  </a:t>
+            </a:r>
+            <a:endParaRPr/>
+          </a:p>
+          <a:p>
+            <a:pPr indent="0" lvl="0" marL="0" rtl="0" algn="l">
+              <a:spcBef>
+                <a:spcPts val="0"/>
+              </a:spcBef>
+              <a:spcAft>
+                <a:spcPts val="0"/>
+              </a:spcAft>
+              <a:buNone/>
+            </a:pPr>
+            <a:r>
+              <a:t/>
+            </a:r>
+            <a:endParaRPr/>
+          </a:p>
+          <a:p>
+            <a:pPr indent="0" lvl="0" marL="0" rtl="0" algn="l">
+              <a:spcBef>
+                <a:spcPts val="0"/>
+              </a:spcBef>
+              <a:spcAft>
+                <a:spcPts val="0"/>
+              </a:spcAft>
+              <a:buNone/>
+            </a:pPr>
+            <a:r>
+              <a:t/>
+            </a:r>
+            <a:endParaRPr/>
+          </a:p>
+          <a:p>
+            <a:pPr indent="0" lvl="0" marL="0" rtl="0" algn="l">
+              <a:spcBef>
+                <a:spcPts val="0"/>
+              </a:spcBef>
+              <a:spcAft>
+                <a:spcPts val="0"/>
+              </a:spcAft>
+              <a:buNone/>
+            </a:pPr>
+            <a:r>
+              <a:t/>
+            </a:r>
+            <a:endParaRPr/>
+          </a:p>
+          <a:p>
+            <a:pPr indent="0" lvl="0" marL="0" rtl="0" algn="l">
+              <a:spcBef>
+                <a:spcPts val="0"/>
+              </a:spcBef>
+              <a:spcAft>
+                <a:spcPts val="0"/>
+              </a:spcAft>
+              <a:buNone/>
+            </a:pPr>
+            <a:r>
+              <a:rPr lang="ko"/>
+              <a:t>due to that the problem is deterministic now, we could get MSE for estimation f(0) like below.</a:t>
+            </a:r>
+            <a:endParaRPr/>
+          </a:p>
+          <a:p>
+            <a:pPr indent="0" lvl="0" marL="0" rtl="0" algn="l">
+              <a:spcBef>
+                <a:spcPts val="0"/>
+              </a:spcBef>
+              <a:spcAft>
+                <a:spcPts val="0"/>
+              </a:spcAft>
+              <a:buNone/>
+            </a:pPr>
+            <a:r>
+              <a:t/>
+            </a:r>
+            <a:endParaRPr/>
+          </a:p>
+          <a:p>
+            <a:pPr indent="0" lvl="0" marL="0" rtl="0" algn="l">
+              <a:spcBef>
+                <a:spcPts val="0"/>
+              </a:spcBef>
+              <a:spcAft>
+                <a:spcPts val="0"/>
+              </a:spcAft>
+              <a:buNone/>
+            </a:pPr>
+            <a:r>
+              <a:rPr lang="ko"/>
+              <a:t> MSE(x0) = ET [f(x0) − yˆ0] 2 = ET [ˆy0 − ET (ˆy0)]2 + [ET (ˆy0) − f(x0)]2 = VarT (ˆy0) + Bias2 (ˆy0). (2.25)</a:t>
+            </a:r>
+            <a:endParaRPr/>
+          </a:p>
+          <a:p>
+            <a:pPr indent="0" lvl="0" marL="0" rtl="0" algn="l">
+              <a:spcBef>
+                <a:spcPts val="0"/>
+              </a:spcBef>
+              <a:spcAft>
+                <a:spcPts val="0"/>
+              </a:spcAft>
+              <a:buNone/>
+            </a:pPr>
+            <a:r>
+              <a:t/>
+            </a:r>
+            <a:endParaRPr/>
+          </a:p>
+          <a:p>
+            <a:pPr indent="0" lvl="0" marL="0" rtl="0" algn="l">
+              <a:spcBef>
+                <a:spcPts val="0"/>
+              </a:spcBef>
+              <a:spcAft>
+                <a:spcPts val="0"/>
+              </a:spcAft>
+              <a:buNone/>
+            </a:pPr>
+            <a:r>
+              <a:rPr lang="ko"/>
+              <a:t>Through the result of MSE equation 2.25, It could be divided into two part as Variance and Bias. </a:t>
+            </a:r>
+            <a:endParaRPr/>
+          </a:p>
+          <a:p>
+            <a:pPr indent="0" lvl="0" marL="0" rtl="0" algn="l">
+              <a:spcBef>
+                <a:spcPts val="0"/>
+              </a:spcBef>
+              <a:spcAft>
+                <a:spcPts val="0"/>
+              </a:spcAft>
+              <a:buNone/>
+            </a:pPr>
+            <a:r>
+              <a:t/>
+            </a:r>
+            <a:endParaRPr/>
+          </a:p>
+          <a:p>
+            <a:pPr indent="0" lvl="0" marL="0" rtl="0" algn="l">
+              <a:spcBef>
+                <a:spcPts val="0"/>
+              </a:spcBef>
+              <a:spcAft>
+                <a:spcPts val="0"/>
+              </a:spcAft>
+              <a:buNone/>
+            </a:pPr>
+            <a:r>
+              <a:t/>
+            </a:r>
+            <a:endParaRPr/>
+          </a:p>
+          <a:p>
+            <a:pPr indent="0" lvl="0" marL="0" rtl="0" algn="l">
+              <a:spcBef>
+                <a:spcPts val="0"/>
+              </a:spcBef>
+              <a:spcAft>
+                <a:spcPts val="0"/>
+              </a:spcAft>
+              <a:buNone/>
+            </a:pPr>
+            <a:r>
+              <a:rPr lang="ko" u="sng">
+                <a:solidFill>
+                  <a:schemeClr val="hlink"/>
+                </a:solidFill>
+                <a:hlinkClick r:id="rId2"/>
+              </a:rPr>
+              <a:t>https://ratsgo.github.io/machine%20learning/2017/05/19/biasvar/</a:t>
+            </a:r>
+            <a:endParaRPr/>
+          </a:p>
+          <a:p>
+            <a:pPr indent="0" lvl="0" marL="0" rtl="0" algn="l">
+              <a:spcBef>
+                <a:spcPts val="0"/>
+              </a:spcBef>
+              <a:spcAft>
+                <a:spcPts val="0"/>
+              </a:spcAft>
+              <a:buNone/>
+            </a:pPr>
+            <a:r>
+              <a:rPr lang="ko" u="sng">
+                <a:solidFill>
+                  <a:schemeClr val="hlink"/>
+                </a:solidFill>
+                <a:hlinkClick r:id="rId3"/>
+              </a:rPr>
+              <a:t>https://www.youtube.com/watch?v=mZwszY3kQBg</a:t>
+            </a:r>
+            <a:endParaRPr/>
+          </a:p>
+          <a:p>
+            <a:pPr indent="0" lvl="0" marL="0" rtl="0" algn="l">
+              <a:spcBef>
+                <a:spcPts val="0"/>
+              </a:spcBef>
+              <a:spcAft>
+                <a:spcPts val="0"/>
+              </a:spcAft>
+              <a:buNone/>
+            </a:pPr>
+            <a:r>
+              <a:t/>
+            </a:r>
+            <a:endParaRPr/>
+          </a:p>
+          <a:p>
+            <a:pPr indent="0" lvl="0" marL="0" rtl="0" algn="l">
+              <a:spcBef>
+                <a:spcPts val="0"/>
+              </a:spcBef>
+              <a:spcAft>
+                <a:spcPts val="0"/>
+              </a:spcAft>
+              <a:buNone/>
+            </a:pPr>
+            <a:r>
+              <a:t/>
+            </a:r>
+            <a:endParaRPr/>
+          </a:p>
+          <a:p>
+            <a:pPr indent="0" lvl="0" marL="0" rtl="0" algn="l">
+              <a:spcBef>
+                <a:spcPts val="0"/>
+              </a:spcBef>
+              <a:spcAft>
+                <a:spcPts val="0"/>
+              </a:spcAft>
+              <a:buNone/>
+            </a:pPr>
+            <a:r>
+              <a:t/>
+            </a:r>
+            <a:endParaRPr/>
+          </a:p>
           <a:p>
             <a:pPr indent="0" lvl="0" marL="0" rtl="0" algn="l">
               <a:spcBef>
@@ -2100,7 +4449,7 @@
   <p:cSld>
     <p:spTree>
       <p:nvGrpSpPr>
-        <p:cNvPr id="214" name="Shape 214"/>
+        <p:cNvPr id="262" name="Shape 262"/>
         <p:cNvGrpSpPr/>
         <p:nvPr/>
       </p:nvGrpSpPr>
@@ -2114,7 +4463,7 @@
       </p:grpSpPr>
       <p:sp>
         <p:nvSpPr>
-          <p:cNvPr id="215" name="Google Shape;215;gb2c654c6d7_0_127:notes"/>
+          <p:cNvPr id="263" name="Google Shape;263;gaa0f91eac0_0_111:notes"/>
           <p:cNvSpPr/>
           <p:nvPr>
             <p:ph idx="2" type="sldImg"/>
@@ -2149,7 +4498,7 @@
       </p:sp>
       <p:sp>
         <p:nvSpPr>
-          <p:cNvPr id="216" name="Google Shape;216;gb2c654c6d7_0_127:notes"/>
+          <p:cNvPr id="264" name="Google Shape;264;gaa0f91eac0_0_111:notes"/>
           <p:cNvSpPr txBox="1"/>
           <p:nvPr>
             <p:ph idx="1" type="body"/>
@@ -2199,7 +4548,7 @@
   <p:cSld>
     <p:spTree>
       <p:nvGrpSpPr>
-        <p:cNvPr id="221" name="Shape 221"/>
+        <p:cNvPr id="272" name="Shape 272"/>
         <p:cNvGrpSpPr/>
         <p:nvPr/>
       </p:nvGrpSpPr>
@@ -2213,7 +4562,7 @@
       </p:grpSpPr>
       <p:sp>
         <p:nvSpPr>
-          <p:cNvPr id="222" name="Google Shape;222;gb2c654c6d7_0_133:notes"/>
+          <p:cNvPr id="273" name="Google Shape;273;gb2c654c6d7_0_92:notes"/>
           <p:cNvSpPr/>
           <p:nvPr>
             <p:ph idx="2" type="sldImg"/>
@@ -2248,7 +4597,7 @@
       </p:sp>
       <p:sp>
         <p:nvSpPr>
-          <p:cNvPr id="223" name="Google Shape;223;gb2c654c6d7_0_133:notes"/>
+          <p:cNvPr id="274" name="Google Shape;274;gb2c654c6d7_0_92:notes"/>
           <p:cNvSpPr txBox="1"/>
           <p:nvPr>
             <p:ph idx="1" type="body"/>
@@ -2298,7 +4647,7 @@
   <p:cSld>
     <p:spTree>
       <p:nvGrpSpPr>
-        <p:cNvPr id="228" name="Shape 228"/>
+        <p:cNvPr id="279" name="Shape 279"/>
         <p:cNvGrpSpPr/>
         <p:nvPr/>
       </p:nvGrpSpPr>
@@ -2312,7 +4661,7 @@
       </p:grpSpPr>
       <p:sp>
         <p:nvSpPr>
-          <p:cNvPr id="229" name="Google Shape;229;gb2c654c6d7_0_139:notes"/>
+          <p:cNvPr id="280" name="Google Shape;280;gb2c654c6d7_0_98:notes"/>
           <p:cNvSpPr/>
           <p:nvPr>
             <p:ph idx="2" type="sldImg"/>
@@ -2347,7 +4696,502 @@
       </p:sp>
       <p:sp>
         <p:nvSpPr>
-          <p:cNvPr id="230" name="Google Shape;230;gb2c654c6d7_0_139:notes"/>
+          <p:cNvPr id="281" name="Google Shape;281;gb2c654c6d7_0_98:notes"/>
+          <p:cNvSpPr txBox="1"/>
+          <p:nvPr>
+            <p:ph idx="1" type="body"/>
+          </p:nvPr>
+        </p:nvSpPr>
+        <p:spPr>
+          <a:xfrm>
+            <a:off x="685800" y="4343400"/>
+            <a:ext cx="5486400" cy="4114800"/>
+          </a:xfrm>
+          <a:prstGeom prst="rect">
+            <a:avLst/>
+          </a:prstGeom>
+        </p:spPr>
+        <p:txBody>
+          <a:bodyPr anchorCtr="0" anchor="t" bIns="91425" lIns="91425" spcFirstLastPara="1" rIns="91425" wrap="square" tIns="91425">
+            <a:noAutofit/>
+          </a:bodyPr>
+          <a:lstStyle/>
+          <a:p>
+            <a:pPr indent="0" lvl="0" marL="0" rtl="0" algn="l">
+              <a:spcBef>
+                <a:spcPts val="0"/>
+              </a:spcBef>
+              <a:spcAft>
+                <a:spcPts val="0"/>
+              </a:spcAft>
+              <a:buNone/>
+            </a:pPr>
+            <a:r>
+              <a:t/>
+            </a:r>
+            <a:endParaRPr/>
+          </a:p>
+        </p:txBody>
+      </p:sp>
+    </p:spTree>
+  </p:cSld>
+  <p:clrMapOvr>
+    <a:masterClrMapping/>
+  </p:clrMapOvr>
+</p:notes>
+</file>
+
+<file path=ppt/notesSlides/notesSlide25.xml><?xml version="1.0" encoding="utf-8"?>
+<p:notes xmlns:a="http://schemas.openxmlformats.org/drawingml/2006/main" xmlns:r="http://schemas.openxmlformats.org/officeDocument/2006/relationships" xmlns:mc="http://schemas.openxmlformats.org/markup-compatibility/2006" xmlns:mv="urn:schemas-microsoft-com:mac:vml" xmlns:p="http://schemas.openxmlformats.org/presentationml/2006/main" xmlns:c="http://schemas.openxmlformats.org/drawingml/2006/chart" xmlns:dgm="http://schemas.openxmlformats.org/drawingml/2006/diagram" xmlns:o="urn:schemas-microsoft-com:office:office" xmlns:v="urn:schemas-microsoft-com:vml" xmlns:pvml="urn:schemas-microsoft-com:office:powerpoint" xmlns:com="http://schemas.openxmlformats.org/drawingml/2006/compatibility" xmlns:p14="http://schemas.microsoft.com/office/powerpoint/2010/main" xmlns:p15="http://schemas.microsoft.com/office/powerpoint/2012/main" xmlns:ahyp="http://schemas.microsoft.com/office/drawing/2018/hyperlinkcolor" showMasterPhAnim="0" showMasterSp="0">
+  <p:cSld>
+    <p:spTree>
+      <p:nvGrpSpPr>
+        <p:cNvPr id="286" name="Shape 286"/>
+        <p:cNvGrpSpPr/>
+        <p:nvPr/>
+      </p:nvGrpSpPr>
+      <p:grpSpPr>
+        <a:xfrm>
+          <a:off x="0" y="0"/>
+          <a:ext cx="0" cy="0"/>
+          <a:chOff x="0" y="0"/>
+          <a:chExt cx="0" cy="0"/>
+        </a:xfrm>
+      </p:grpSpPr>
+      <p:sp>
+        <p:nvSpPr>
+          <p:cNvPr id="287" name="Google Shape;287;gb2c654c6d7_0_104:notes"/>
+          <p:cNvSpPr/>
+          <p:nvPr>
+            <p:ph idx="2" type="sldImg"/>
+          </p:nvPr>
+        </p:nvSpPr>
+        <p:spPr>
+          <a:xfrm>
+            <a:off x="381300" y="685800"/>
+            <a:ext cx="6096000" cy="3429000"/>
+          </a:xfrm>
+          <a:custGeom>
+            <a:rect b="b" l="l" r="r" t="t"/>
+            <a:pathLst>
+              <a:path extrusionOk="0" h="120000" w="120000">
+                <a:moveTo>
+                  <a:pt x="0" y="0"/>
+                </a:moveTo>
+                <a:lnTo>
+                  <a:pt x="120000" y="0"/>
+                </a:lnTo>
+                <a:lnTo>
+                  <a:pt x="120000" y="120000"/>
+                </a:lnTo>
+                <a:lnTo>
+                  <a:pt x="0" y="120000"/>
+                </a:lnTo>
+                <a:close/>
+              </a:path>
+            </a:pathLst>
+          </a:custGeom>
+        </p:spPr>
+      </p:sp>
+      <p:sp>
+        <p:nvSpPr>
+          <p:cNvPr id="288" name="Google Shape;288;gb2c654c6d7_0_104:notes"/>
+          <p:cNvSpPr txBox="1"/>
+          <p:nvPr>
+            <p:ph idx="1" type="body"/>
+          </p:nvPr>
+        </p:nvSpPr>
+        <p:spPr>
+          <a:xfrm>
+            <a:off x="685800" y="4343400"/>
+            <a:ext cx="5486400" cy="4114800"/>
+          </a:xfrm>
+          <a:prstGeom prst="rect">
+            <a:avLst/>
+          </a:prstGeom>
+        </p:spPr>
+        <p:txBody>
+          <a:bodyPr anchorCtr="0" anchor="t" bIns="91425" lIns="91425" spcFirstLastPara="1" rIns="91425" wrap="square" tIns="91425">
+            <a:noAutofit/>
+          </a:bodyPr>
+          <a:lstStyle/>
+          <a:p>
+            <a:pPr indent="0" lvl="0" marL="0" rtl="0" algn="l">
+              <a:spcBef>
+                <a:spcPts val="0"/>
+              </a:spcBef>
+              <a:spcAft>
+                <a:spcPts val="0"/>
+              </a:spcAft>
+              <a:buNone/>
+            </a:pPr>
+            <a:r>
+              <a:t/>
+            </a:r>
+            <a:endParaRPr/>
+          </a:p>
+        </p:txBody>
+      </p:sp>
+    </p:spTree>
+  </p:cSld>
+  <p:clrMapOvr>
+    <a:masterClrMapping/>
+  </p:clrMapOvr>
+</p:notes>
+</file>
+
+<file path=ppt/notesSlides/notesSlide26.xml><?xml version="1.0" encoding="utf-8"?>
+<p:notes xmlns:a="http://schemas.openxmlformats.org/drawingml/2006/main" xmlns:r="http://schemas.openxmlformats.org/officeDocument/2006/relationships" xmlns:mc="http://schemas.openxmlformats.org/markup-compatibility/2006" xmlns:mv="urn:schemas-microsoft-com:mac:vml" xmlns:p="http://schemas.openxmlformats.org/presentationml/2006/main" xmlns:c="http://schemas.openxmlformats.org/drawingml/2006/chart" xmlns:dgm="http://schemas.openxmlformats.org/drawingml/2006/diagram" xmlns:o="urn:schemas-microsoft-com:office:office" xmlns:v="urn:schemas-microsoft-com:vml" xmlns:pvml="urn:schemas-microsoft-com:office:powerpoint" xmlns:com="http://schemas.openxmlformats.org/drawingml/2006/compatibility" xmlns:p14="http://schemas.microsoft.com/office/powerpoint/2010/main" xmlns:p15="http://schemas.microsoft.com/office/powerpoint/2012/main" xmlns:ahyp="http://schemas.microsoft.com/office/drawing/2018/hyperlinkcolor" showMasterPhAnim="0" showMasterSp="0">
+  <p:cSld>
+    <p:spTree>
+      <p:nvGrpSpPr>
+        <p:cNvPr id="293" name="Shape 293"/>
+        <p:cNvGrpSpPr/>
+        <p:nvPr/>
+      </p:nvGrpSpPr>
+      <p:grpSpPr>
+        <a:xfrm>
+          <a:off x="0" y="0"/>
+          <a:ext cx="0" cy="0"/>
+          <a:chOff x="0" y="0"/>
+          <a:chExt cx="0" cy="0"/>
+        </a:xfrm>
+      </p:grpSpPr>
+      <p:sp>
+        <p:nvSpPr>
+          <p:cNvPr id="294" name="Google Shape;294;gb2c654c6d7_0_110:notes"/>
+          <p:cNvSpPr/>
+          <p:nvPr>
+            <p:ph idx="2" type="sldImg"/>
+          </p:nvPr>
+        </p:nvSpPr>
+        <p:spPr>
+          <a:xfrm>
+            <a:off x="381300" y="685800"/>
+            <a:ext cx="6096000" cy="3429000"/>
+          </a:xfrm>
+          <a:custGeom>
+            <a:rect b="b" l="l" r="r" t="t"/>
+            <a:pathLst>
+              <a:path extrusionOk="0" h="120000" w="120000">
+                <a:moveTo>
+                  <a:pt x="0" y="0"/>
+                </a:moveTo>
+                <a:lnTo>
+                  <a:pt x="120000" y="0"/>
+                </a:lnTo>
+                <a:lnTo>
+                  <a:pt x="120000" y="120000"/>
+                </a:lnTo>
+                <a:lnTo>
+                  <a:pt x="0" y="120000"/>
+                </a:lnTo>
+                <a:close/>
+              </a:path>
+            </a:pathLst>
+          </a:custGeom>
+        </p:spPr>
+      </p:sp>
+      <p:sp>
+        <p:nvSpPr>
+          <p:cNvPr id="295" name="Google Shape;295;gb2c654c6d7_0_110:notes"/>
+          <p:cNvSpPr txBox="1"/>
+          <p:nvPr>
+            <p:ph idx="1" type="body"/>
+          </p:nvPr>
+        </p:nvSpPr>
+        <p:spPr>
+          <a:xfrm>
+            <a:off x="685800" y="4343400"/>
+            <a:ext cx="5486400" cy="4114800"/>
+          </a:xfrm>
+          <a:prstGeom prst="rect">
+            <a:avLst/>
+          </a:prstGeom>
+        </p:spPr>
+        <p:txBody>
+          <a:bodyPr anchorCtr="0" anchor="t" bIns="91425" lIns="91425" spcFirstLastPara="1" rIns="91425" wrap="square" tIns="91425">
+            <a:noAutofit/>
+          </a:bodyPr>
+          <a:lstStyle/>
+          <a:p>
+            <a:pPr indent="0" lvl="0" marL="0" rtl="0" algn="l">
+              <a:spcBef>
+                <a:spcPts val="0"/>
+              </a:spcBef>
+              <a:spcAft>
+                <a:spcPts val="0"/>
+              </a:spcAft>
+              <a:buNone/>
+            </a:pPr>
+            <a:r>
+              <a:t/>
+            </a:r>
+            <a:endParaRPr/>
+          </a:p>
+        </p:txBody>
+      </p:sp>
+    </p:spTree>
+  </p:cSld>
+  <p:clrMapOvr>
+    <a:masterClrMapping/>
+  </p:clrMapOvr>
+</p:notes>
+</file>
+
+<file path=ppt/notesSlides/notesSlide27.xml><?xml version="1.0" encoding="utf-8"?>
+<p:notes xmlns:a="http://schemas.openxmlformats.org/drawingml/2006/main" xmlns:r="http://schemas.openxmlformats.org/officeDocument/2006/relationships" xmlns:mc="http://schemas.openxmlformats.org/markup-compatibility/2006" xmlns:mv="urn:schemas-microsoft-com:mac:vml" xmlns:p="http://schemas.openxmlformats.org/presentationml/2006/main" xmlns:c="http://schemas.openxmlformats.org/drawingml/2006/chart" xmlns:dgm="http://schemas.openxmlformats.org/drawingml/2006/diagram" xmlns:o="urn:schemas-microsoft-com:office:office" xmlns:v="urn:schemas-microsoft-com:vml" xmlns:pvml="urn:schemas-microsoft-com:office:powerpoint" xmlns:com="http://schemas.openxmlformats.org/drawingml/2006/compatibility" xmlns:p14="http://schemas.microsoft.com/office/powerpoint/2010/main" xmlns:p15="http://schemas.microsoft.com/office/powerpoint/2012/main" xmlns:ahyp="http://schemas.microsoft.com/office/drawing/2018/hyperlinkcolor" showMasterPhAnim="0" showMasterSp="0">
+  <p:cSld>
+    <p:spTree>
+      <p:nvGrpSpPr>
+        <p:cNvPr id="299" name="Shape 299"/>
+        <p:cNvGrpSpPr/>
+        <p:nvPr/>
+      </p:nvGrpSpPr>
+      <p:grpSpPr>
+        <a:xfrm>
+          <a:off x="0" y="0"/>
+          <a:ext cx="0" cy="0"/>
+          <a:chOff x="0" y="0"/>
+          <a:chExt cx="0" cy="0"/>
+        </a:xfrm>
+      </p:grpSpPr>
+      <p:sp>
+        <p:nvSpPr>
+          <p:cNvPr id="300" name="Google Shape;300;gb2c654c6d7_0_121:notes"/>
+          <p:cNvSpPr/>
+          <p:nvPr>
+            <p:ph idx="2" type="sldImg"/>
+          </p:nvPr>
+        </p:nvSpPr>
+        <p:spPr>
+          <a:xfrm>
+            <a:off x="381300" y="685800"/>
+            <a:ext cx="6096000" cy="3429000"/>
+          </a:xfrm>
+          <a:custGeom>
+            <a:rect b="b" l="l" r="r" t="t"/>
+            <a:pathLst>
+              <a:path extrusionOk="0" h="120000" w="120000">
+                <a:moveTo>
+                  <a:pt x="0" y="0"/>
+                </a:moveTo>
+                <a:lnTo>
+                  <a:pt x="120000" y="0"/>
+                </a:lnTo>
+                <a:lnTo>
+                  <a:pt x="120000" y="120000"/>
+                </a:lnTo>
+                <a:lnTo>
+                  <a:pt x="0" y="120000"/>
+                </a:lnTo>
+                <a:close/>
+              </a:path>
+            </a:pathLst>
+          </a:custGeom>
+        </p:spPr>
+      </p:sp>
+      <p:sp>
+        <p:nvSpPr>
+          <p:cNvPr id="301" name="Google Shape;301;gb2c654c6d7_0_121:notes"/>
+          <p:cNvSpPr txBox="1"/>
+          <p:nvPr>
+            <p:ph idx="1" type="body"/>
+          </p:nvPr>
+        </p:nvSpPr>
+        <p:spPr>
+          <a:xfrm>
+            <a:off x="685800" y="4343400"/>
+            <a:ext cx="5486400" cy="4114800"/>
+          </a:xfrm>
+          <a:prstGeom prst="rect">
+            <a:avLst/>
+          </a:prstGeom>
+        </p:spPr>
+        <p:txBody>
+          <a:bodyPr anchorCtr="0" anchor="t" bIns="91425" lIns="91425" spcFirstLastPara="1" rIns="91425" wrap="square" tIns="91425">
+            <a:noAutofit/>
+          </a:bodyPr>
+          <a:lstStyle/>
+          <a:p>
+            <a:pPr indent="0" lvl="0" marL="0" rtl="0" algn="l">
+              <a:spcBef>
+                <a:spcPts val="0"/>
+              </a:spcBef>
+              <a:spcAft>
+                <a:spcPts val="0"/>
+              </a:spcAft>
+              <a:buNone/>
+            </a:pPr>
+            <a:r>
+              <a:t/>
+            </a:r>
+            <a:endParaRPr/>
+          </a:p>
+        </p:txBody>
+      </p:sp>
+    </p:spTree>
+  </p:cSld>
+  <p:clrMapOvr>
+    <a:masterClrMapping/>
+  </p:clrMapOvr>
+</p:notes>
+</file>
+
+<file path=ppt/notesSlides/notesSlide28.xml><?xml version="1.0" encoding="utf-8"?>
+<p:notes xmlns:a="http://schemas.openxmlformats.org/drawingml/2006/main" xmlns:r="http://schemas.openxmlformats.org/officeDocument/2006/relationships" xmlns:mc="http://schemas.openxmlformats.org/markup-compatibility/2006" xmlns:mv="urn:schemas-microsoft-com:mac:vml" xmlns:p="http://schemas.openxmlformats.org/presentationml/2006/main" xmlns:c="http://schemas.openxmlformats.org/drawingml/2006/chart" xmlns:dgm="http://schemas.openxmlformats.org/drawingml/2006/diagram" xmlns:o="urn:schemas-microsoft-com:office:office" xmlns:v="urn:schemas-microsoft-com:vml" xmlns:pvml="urn:schemas-microsoft-com:office:powerpoint" xmlns:com="http://schemas.openxmlformats.org/drawingml/2006/compatibility" xmlns:p14="http://schemas.microsoft.com/office/powerpoint/2010/main" xmlns:p15="http://schemas.microsoft.com/office/powerpoint/2012/main" xmlns:ahyp="http://schemas.microsoft.com/office/drawing/2018/hyperlinkcolor" showMasterPhAnim="0" showMasterSp="0">
+  <p:cSld>
+    <p:spTree>
+      <p:nvGrpSpPr>
+        <p:cNvPr id="306" name="Shape 306"/>
+        <p:cNvGrpSpPr/>
+        <p:nvPr/>
+      </p:nvGrpSpPr>
+      <p:grpSpPr>
+        <a:xfrm>
+          <a:off x="0" y="0"/>
+          <a:ext cx="0" cy="0"/>
+          <a:chOff x="0" y="0"/>
+          <a:chExt cx="0" cy="0"/>
+        </a:xfrm>
+      </p:grpSpPr>
+      <p:sp>
+        <p:nvSpPr>
+          <p:cNvPr id="307" name="Google Shape;307;gb2c654c6d7_0_127:notes"/>
+          <p:cNvSpPr/>
+          <p:nvPr>
+            <p:ph idx="2" type="sldImg"/>
+          </p:nvPr>
+        </p:nvSpPr>
+        <p:spPr>
+          <a:xfrm>
+            <a:off x="381300" y="685800"/>
+            <a:ext cx="6096000" cy="3429000"/>
+          </a:xfrm>
+          <a:custGeom>
+            <a:rect b="b" l="l" r="r" t="t"/>
+            <a:pathLst>
+              <a:path extrusionOk="0" h="120000" w="120000">
+                <a:moveTo>
+                  <a:pt x="0" y="0"/>
+                </a:moveTo>
+                <a:lnTo>
+                  <a:pt x="120000" y="0"/>
+                </a:lnTo>
+                <a:lnTo>
+                  <a:pt x="120000" y="120000"/>
+                </a:lnTo>
+                <a:lnTo>
+                  <a:pt x="0" y="120000"/>
+                </a:lnTo>
+                <a:close/>
+              </a:path>
+            </a:pathLst>
+          </a:custGeom>
+        </p:spPr>
+      </p:sp>
+      <p:sp>
+        <p:nvSpPr>
+          <p:cNvPr id="308" name="Google Shape;308;gb2c654c6d7_0_127:notes"/>
+          <p:cNvSpPr txBox="1"/>
+          <p:nvPr>
+            <p:ph idx="1" type="body"/>
+          </p:nvPr>
+        </p:nvSpPr>
+        <p:spPr>
+          <a:xfrm>
+            <a:off x="685800" y="4343400"/>
+            <a:ext cx="5486400" cy="4114800"/>
+          </a:xfrm>
+          <a:prstGeom prst="rect">
+            <a:avLst/>
+          </a:prstGeom>
+        </p:spPr>
+        <p:txBody>
+          <a:bodyPr anchorCtr="0" anchor="t" bIns="91425" lIns="91425" spcFirstLastPara="1" rIns="91425" wrap="square" tIns="91425">
+            <a:noAutofit/>
+          </a:bodyPr>
+          <a:lstStyle/>
+          <a:p>
+            <a:pPr indent="0" lvl="0" marL="0" rtl="0" algn="l">
+              <a:spcBef>
+                <a:spcPts val="0"/>
+              </a:spcBef>
+              <a:spcAft>
+                <a:spcPts val="0"/>
+              </a:spcAft>
+              <a:buNone/>
+            </a:pPr>
+            <a:r>
+              <a:t/>
+            </a:r>
+            <a:endParaRPr/>
+          </a:p>
+        </p:txBody>
+      </p:sp>
+    </p:spTree>
+  </p:cSld>
+  <p:clrMapOvr>
+    <a:masterClrMapping/>
+  </p:clrMapOvr>
+</p:notes>
+</file>
+
+<file path=ppt/notesSlides/notesSlide29.xml><?xml version="1.0" encoding="utf-8"?>
+<p:notes xmlns:a="http://schemas.openxmlformats.org/drawingml/2006/main" xmlns:r="http://schemas.openxmlformats.org/officeDocument/2006/relationships" xmlns:mc="http://schemas.openxmlformats.org/markup-compatibility/2006" xmlns:mv="urn:schemas-microsoft-com:mac:vml" xmlns:p="http://schemas.openxmlformats.org/presentationml/2006/main" xmlns:c="http://schemas.openxmlformats.org/drawingml/2006/chart" xmlns:dgm="http://schemas.openxmlformats.org/drawingml/2006/diagram" xmlns:o="urn:schemas-microsoft-com:office:office" xmlns:v="urn:schemas-microsoft-com:vml" xmlns:pvml="urn:schemas-microsoft-com:office:powerpoint" xmlns:com="http://schemas.openxmlformats.org/drawingml/2006/compatibility" xmlns:p14="http://schemas.microsoft.com/office/powerpoint/2010/main" xmlns:p15="http://schemas.microsoft.com/office/powerpoint/2012/main" xmlns:ahyp="http://schemas.microsoft.com/office/drawing/2018/hyperlinkcolor" showMasterPhAnim="0" showMasterSp="0">
+  <p:cSld>
+    <p:spTree>
+      <p:nvGrpSpPr>
+        <p:cNvPr id="313" name="Shape 313"/>
+        <p:cNvGrpSpPr/>
+        <p:nvPr/>
+      </p:nvGrpSpPr>
+      <p:grpSpPr>
+        <a:xfrm>
+          <a:off x="0" y="0"/>
+          <a:ext cx="0" cy="0"/>
+          <a:chOff x="0" y="0"/>
+          <a:chExt cx="0" cy="0"/>
+        </a:xfrm>
+      </p:grpSpPr>
+      <p:sp>
+        <p:nvSpPr>
+          <p:cNvPr id="314" name="Google Shape;314;gb2c654c6d7_0_133:notes"/>
+          <p:cNvSpPr/>
+          <p:nvPr>
+            <p:ph idx="2" type="sldImg"/>
+          </p:nvPr>
+        </p:nvSpPr>
+        <p:spPr>
+          <a:xfrm>
+            <a:off x="381300" y="685800"/>
+            <a:ext cx="6096000" cy="3429000"/>
+          </a:xfrm>
+          <a:custGeom>
+            <a:rect b="b" l="l" r="r" t="t"/>
+            <a:pathLst>
+              <a:path extrusionOk="0" h="120000" w="120000">
+                <a:moveTo>
+                  <a:pt x="0" y="0"/>
+                </a:moveTo>
+                <a:lnTo>
+                  <a:pt x="120000" y="0"/>
+                </a:lnTo>
+                <a:lnTo>
+                  <a:pt x="120000" y="120000"/>
+                </a:lnTo>
+                <a:lnTo>
+                  <a:pt x="0" y="120000"/>
+                </a:lnTo>
+                <a:close/>
+              </a:path>
+            </a:pathLst>
+          </a:custGeom>
+        </p:spPr>
+      </p:sp>
+      <p:sp>
+        <p:nvSpPr>
+          <p:cNvPr id="315" name="Google Shape;315;gb2c654c6d7_0_133:notes"/>
           <p:cNvSpPr txBox="1"/>
           <p:nvPr>
             <p:ph idx="1" type="body"/>
@@ -2570,6 +5414,105 @@
 </p:notes>
 </file>
 
+<file path=ppt/notesSlides/notesSlide30.xml><?xml version="1.0" encoding="utf-8"?>
+<p:notes xmlns:a="http://schemas.openxmlformats.org/drawingml/2006/main" xmlns:r="http://schemas.openxmlformats.org/officeDocument/2006/relationships" xmlns:mc="http://schemas.openxmlformats.org/markup-compatibility/2006" xmlns:mv="urn:schemas-microsoft-com:mac:vml" xmlns:p="http://schemas.openxmlformats.org/presentationml/2006/main" xmlns:c="http://schemas.openxmlformats.org/drawingml/2006/chart" xmlns:dgm="http://schemas.openxmlformats.org/drawingml/2006/diagram" xmlns:o="urn:schemas-microsoft-com:office:office" xmlns:v="urn:schemas-microsoft-com:vml" xmlns:pvml="urn:schemas-microsoft-com:office:powerpoint" xmlns:com="http://schemas.openxmlformats.org/drawingml/2006/compatibility" xmlns:p14="http://schemas.microsoft.com/office/powerpoint/2010/main" xmlns:p15="http://schemas.microsoft.com/office/powerpoint/2012/main" xmlns:ahyp="http://schemas.microsoft.com/office/drawing/2018/hyperlinkcolor" showMasterPhAnim="0" showMasterSp="0">
+  <p:cSld>
+    <p:spTree>
+      <p:nvGrpSpPr>
+        <p:cNvPr id="320" name="Shape 320"/>
+        <p:cNvGrpSpPr/>
+        <p:nvPr/>
+      </p:nvGrpSpPr>
+      <p:grpSpPr>
+        <a:xfrm>
+          <a:off x="0" y="0"/>
+          <a:ext cx="0" cy="0"/>
+          <a:chOff x="0" y="0"/>
+          <a:chExt cx="0" cy="0"/>
+        </a:xfrm>
+      </p:grpSpPr>
+      <p:sp>
+        <p:nvSpPr>
+          <p:cNvPr id="321" name="Google Shape;321;gb2c654c6d7_0_139:notes"/>
+          <p:cNvSpPr/>
+          <p:nvPr>
+            <p:ph idx="2" type="sldImg"/>
+          </p:nvPr>
+        </p:nvSpPr>
+        <p:spPr>
+          <a:xfrm>
+            <a:off x="381300" y="685800"/>
+            <a:ext cx="6096000" cy="3429000"/>
+          </a:xfrm>
+          <a:custGeom>
+            <a:rect b="b" l="l" r="r" t="t"/>
+            <a:pathLst>
+              <a:path extrusionOk="0" h="120000" w="120000">
+                <a:moveTo>
+                  <a:pt x="0" y="0"/>
+                </a:moveTo>
+                <a:lnTo>
+                  <a:pt x="120000" y="0"/>
+                </a:lnTo>
+                <a:lnTo>
+                  <a:pt x="120000" y="120000"/>
+                </a:lnTo>
+                <a:lnTo>
+                  <a:pt x="0" y="120000"/>
+                </a:lnTo>
+                <a:close/>
+              </a:path>
+            </a:pathLst>
+          </a:custGeom>
+        </p:spPr>
+      </p:sp>
+      <p:sp>
+        <p:nvSpPr>
+          <p:cNvPr id="322" name="Google Shape;322;gb2c654c6d7_0_139:notes"/>
+          <p:cNvSpPr txBox="1"/>
+          <p:nvPr>
+            <p:ph idx="1" type="body"/>
+          </p:nvPr>
+        </p:nvSpPr>
+        <p:spPr>
+          <a:xfrm>
+            <a:off x="685800" y="4343400"/>
+            <a:ext cx="5486400" cy="4114800"/>
+          </a:xfrm>
+          <a:prstGeom prst="rect">
+            <a:avLst/>
+          </a:prstGeom>
+        </p:spPr>
+        <p:txBody>
+          <a:bodyPr anchorCtr="0" anchor="t" bIns="91425" lIns="91425" spcFirstLastPara="1" rIns="91425" wrap="square" tIns="91425">
+            <a:noAutofit/>
+          </a:bodyPr>
+          <a:lstStyle/>
+          <a:p>
+            <a:pPr indent="0" lvl="0" marL="0" rtl="0" algn="l">
+              <a:spcBef>
+                <a:spcPts val="0"/>
+              </a:spcBef>
+              <a:spcAft>
+                <a:spcPts val="0"/>
+              </a:spcAft>
+              <a:buNone/>
+            </a:pPr>
+            <a:r>
+              <a:t/>
+            </a:r>
+            <a:endParaRPr/>
+          </a:p>
+        </p:txBody>
+      </p:sp>
+    </p:spTree>
+  </p:cSld>
+  <p:clrMapOvr>
+    <a:masterClrMapping/>
+  </p:clrMapOvr>
+</p:notes>
+</file>
+
 <file path=ppt/notesSlides/notesSlide4.xml><?xml version="1.0" encoding="utf-8"?>
 <p:notes xmlns:a="http://schemas.openxmlformats.org/drawingml/2006/main" xmlns:r="http://schemas.openxmlformats.org/officeDocument/2006/relationships" xmlns:mc="http://schemas.openxmlformats.org/markup-compatibility/2006" xmlns:mv="urn:schemas-microsoft-com:mac:vml" xmlns:p="http://schemas.openxmlformats.org/presentationml/2006/main" xmlns:c="http://schemas.openxmlformats.org/drawingml/2006/chart" xmlns:dgm="http://schemas.openxmlformats.org/drawingml/2006/diagram" xmlns:o="urn:schemas-microsoft-com:office:office" xmlns:v="urn:schemas-microsoft-com:vml" xmlns:pvml="urn:schemas-microsoft-com:office:powerpoint" xmlns:com="http://schemas.openxmlformats.org/drawingml/2006/compatibility" xmlns:p14="http://schemas.microsoft.com/office/powerpoint/2010/main" xmlns:p15="http://schemas.microsoft.com/office/powerpoint/2012/main" xmlns:ahyp="http://schemas.microsoft.com/office/drawing/2018/hyperlinkcolor" showMasterPhAnim="0" showMasterSp="0">
   <p:cSld>
@@ -3276,23 +6219,106 @@
             </a:pPr>
             <a:r>
               <a:rPr lang="ko"/>
-              <a:t>we want to find optimal beta value in RSS equation. so we could think equation 2.3 as polynomial equation of beta. </a:t>
-            </a:r>
-            <a:endParaRPr/>
-          </a:p>
-          <a:p>
-            <a:pPr indent="0" lvl="0" marL="0" rtl="0" algn="l">
-              <a:spcBef>
-                <a:spcPts val="0"/>
-              </a:spcBef>
-              <a:spcAft>
-                <a:spcPts val="0"/>
-              </a:spcAft>
-              <a:buNone/>
-            </a:pPr>
-            <a:r>
-              <a:rPr lang="ko"/>
-              <a:t>and equation 2.3. can be represented by 2.4. as matrix, thus if we do partial derivative by beta of eq 2.4., equation -2X transpose (y-X beta)is derived.</a:t>
+              <a:t>so, we need to find optimal beta value in RSS equation. and equation 2.3 be as positive polynomial equation of beta.</a:t>
+            </a:r>
+            <a:endParaRPr/>
+          </a:p>
+          <a:p>
+            <a:pPr indent="0" lvl="0" marL="0" rtl="0" algn="l">
+              <a:spcBef>
+                <a:spcPts val="0"/>
+              </a:spcBef>
+              <a:spcAft>
+                <a:spcPts val="0"/>
+              </a:spcAft>
+              <a:buClr>
+                <a:schemeClr val="dk1"/>
+              </a:buClr>
+              <a:buSzPts val="1100"/>
+              <a:buFont typeface="Arial"/>
+              <a:buNone/>
+            </a:pPr>
+            <a:r>
+              <a:rPr lang="ko">
+                <a:solidFill>
+                  <a:schemeClr val="dk1"/>
+                </a:solidFill>
+              </a:rPr>
+              <a:t>To one more step, equation 2.3. can be represented by 2.4 as matrix(like eq 2.2).</a:t>
+            </a:r>
+            <a:endParaRPr/>
+          </a:p>
+          <a:p>
+            <a:pPr indent="0" lvl="0" marL="0" rtl="0" algn="l">
+              <a:spcBef>
+                <a:spcPts val="0"/>
+              </a:spcBef>
+              <a:spcAft>
+                <a:spcPts val="0"/>
+              </a:spcAft>
+              <a:buNone/>
+            </a:pPr>
+            <a:r>
+              <a:t/>
+            </a:r>
+            <a:endParaRPr/>
+          </a:p>
+          <a:p>
+            <a:pPr indent="0" lvl="0" marL="0" rtl="0" algn="l">
+              <a:spcBef>
+                <a:spcPts val="0"/>
+              </a:spcBef>
+              <a:spcAft>
+                <a:spcPts val="0"/>
+              </a:spcAft>
+              <a:buNone/>
+            </a:pPr>
+            <a:r>
+              <a:rPr lang="ko"/>
+              <a:t>And then, for minimizing it, find the point of gradient to 0.</a:t>
+            </a:r>
+            <a:endParaRPr/>
+          </a:p>
+          <a:p>
+            <a:pPr indent="0" lvl="0" marL="0" rtl="0" algn="l">
+              <a:spcBef>
+                <a:spcPts val="0"/>
+              </a:spcBef>
+              <a:spcAft>
+                <a:spcPts val="0"/>
+              </a:spcAft>
+              <a:buNone/>
+            </a:pPr>
+            <a:r>
+              <a:rPr lang="ko"/>
+              <a:t>The </a:t>
+            </a:r>
+            <a:r>
+              <a:rPr lang="ko">
+                <a:solidFill>
+                  <a:schemeClr val="dk1"/>
+                </a:solidFill>
+              </a:rPr>
+              <a:t> derivative by beta is eq 2.5. finally we could find equation 2.6 for optimal beta value</a:t>
+            </a:r>
+            <a:r>
+              <a:rPr lang="ko"/>
+              <a:t>.</a:t>
+            </a:r>
+            <a:endParaRPr/>
+          </a:p>
+          <a:p>
+            <a:pPr indent="0" lvl="0" marL="0" rtl="0" algn="l">
+              <a:spcBef>
+                <a:spcPts val="0"/>
+              </a:spcBef>
+              <a:spcAft>
+                <a:spcPts val="0"/>
+              </a:spcAft>
+              <a:buNone/>
+            </a:pPr>
+            <a:r>
+              <a:t/>
             </a:r>
             <a:endParaRPr/>
           </a:p>
@@ -3324,22 +6350,6 @@
             </a:pPr>
             <a:r>
               <a:t/>
-            </a:r>
-            <a:endParaRPr/>
-          </a:p>
-          <a:p>
-            <a:pPr indent="0" lvl="0" marL="0" rtl="0" algn="l">
-              <a:spcBef>
-                <a:spcPts val="0"/>
-              </a:spcBef>
-              <a:spcAft>
-                <a:spcPts val="0"/>
-              </a:spcAft>
-              <a:buNone/>
-            </a:pPr>
-            <a:r>
-              <a:rPr lang="ko"/>
-              <a:t>partial derivatve by beta </a:t>
             </a:r>
             <a:endParaRPr/>
           </a:p>
@@ -3372,7 +6382,7 @@
       </p:grpSpPr>
       <p:sp>
         <p:nvSpPr>
-          <p:cNvPr id="118" name="Google Shape;118;gb2c654c6d7_0_38:notes"/>
+          <p:cNvPr id="118" name="Google Shape;118;gaa0f91eac0_0_0:notes"/>
           <p:cNvSpPr/>
           <p:nvPr>
             <p:ph idx="2" type="sldImg"/>
@@ -3407,7 +6417,7 @@
       </p:sp>
       <p:sp>
         <p:nvSpPr>
-          <p:cNvPr id="119" name="Google Shape;119;gb2c654c6d7_0_38:notes"/>
+          <p:cNvPr id="119" name="Google Shape;119;gaa0f91eac0_0_0:notes"/>
           <p:cNvSpPr txBox="1"/>
           <p:nvPr>
             <p:ph idx="1" type="body"/>
@@ -3427,6 +6437,85 @@
             <a:noAutofit/>
           </a:bodyPr>
           <a:lstStyle/>
+          <a:p>
+            <a:pPr indent="0" lvl="0" marL="0" rtl="0" algn="l">
+              <a:spcBef>
+                <a:spcPts val="0"/>
+              </a:spcBef>
+              <a:spcAft>
+                <a:spcPts val="0"/>
+              </a:spcAft>
+              <a:buNone/>
+            </a:pPr>
+            <a:r>
+              <a:rPr lang="ko"/>
+              <a:t>Here is one example of Linear Regression Classifier.</a:t>
+            </a:r>
+            <a:endParaRPr/>
+          </a:p>
+          <a:p>
+            <a:pPr indent="0" lvl="0" marL="0" rtl="0" algn="l">
+              <a:spcBef>
+                <a:spcPts val="0"/>
+              </a:spcBef>
+              <a:spcAft>
+                <a:spcPts val="0"/>
+              </a:spcAft>
+              <a:buNone/>
+            </a:pPr>
+            <a:r>
+              <a:rPr lang="ko"/>
+              <a:t>Is it looked correct to classify? there are some misclassified one unlike our intention.</a:t>
+            </a:r>
+            <a:endParaRPr/>
+          </a:p>
+          <a:p>
+            <a:pPr indent="0" lvl="0" marL="0" rtl="0" algn="l">
+              <a:spcBef>
+                <a:spcPts val="0"/>
+              </a:spcBef>
+              <a:spcAft>
+                <a:spcPts val="0"/>
+              </a:spcAft>
+              <a:buNone/>
+            </a:pPr>
+            <a:r>
+              <a:rPr lang="ko"/>
+              <a:t>how to reduce error? It will be handled later of this presentation.</a:t>
+            </a:r>
+            <a:endParaRPr/>
+          </a:p>
+          <a:p>
+            <a:pPr indent="0" lvl="0" marL="0" rtl="0" algn="l">
+              <a:spcBef>
+                <a:spcPts val="0"/>
+              </a:spcBef>
+              <a:spcAft>
+                <a:spcPts val="0"/>
+              </a:spcAft>
+              <a:buNone/>
+            </a:pPr>
+            <a:r>
+              <a:t/>
+            </a:r>
+            <a:endParaRPr/>
+          </a:p>
+          <a:p>
+            <a:pPr indent="0" lvl="0" marL="0" rtl="0" algn="l">
+              <a:spcBef>
+                <a:spcPts val="0"/>
+              </a:spcBef>
+              <a:spcAft>
+                <a:spcPts val="0"/>
+              </a:spcAft>
+              <a:buNone/>
+            </a:pPr>
+            <a:r>
+              <a:rPr lang="ko"/>
+              <a:t> </a:t>
+            </a:r>
+            <a:endParaRPr/>
+          </a:p>
           <a:p>
             <a:pPr indent="0" lvl="0" marL="0" rtl="0" algn="l">
               <a:spcBef>
@@ -3457,7 +6546,7 @@
   <p:cSld>
     <p:spTree>
       <p:nvGrpSpPr>
-        <p:cNvPr id="124" name="Shape 124"/>
+        <p:cNvPr id="125" name="Shape 125"/>
         <p:cNvGrpSpPr/>
         <p:nvPr/>
       </p:nvGrpSpPr>
@@ -3471,7 +6560,7 @@
       </p:grpSpPr>
       <p:sp>
         <p:nvSpPr>
-          <p:cNvPr id="125" name="Google Shape;125;gb2c654c6d7_0_44:notes"/>
+          <p:cNvPr id="126" name="Google Shape;126;gb2c654c6d7_0_38:notes"/>
           <p:cNvSpPr/>
           <p:nvPr>
             <p:ph idx="2" type="sldImg"/>
@@ -3506,7 +6595,7 @@
       </p:sp>
       <p:sp>
         <p:nvSpPr>
-          <p:cNvPr id="126" name="Google Shape;126;gb2c654c6d7_0_44:notes"/>
+          <p:cNvPr id="127" name="Google Shape;127;gb2c654c6d7_0_38:notes"/>
           <p:cNvSpPr txBox="1"/>
           <p:nvPr>
             <p:ph idx="1" type="body"/>
@@ -3526,6 +6615,241 @@
             <a:noAutofit/>
           </a:bodyPr>
           <a:lstStyle/>
+          <a:p>
+            <a:pPr indent="0" lvl="0" marL="0" rtl="0" algn="l">
+              <a:spcBef>
+                <a:spcPts val="0"/>
+              </a:spcBef>
+              <a:spcAft>
+                <a:spcPts val="0"/>
+              </a:spcAft>
+              <a:buNone/>
+            </a:pPr>
+            <a:r>
+              <a:rPr lang="ko"/>
+              <a:t>Nearest Neighbor method the way that reducing prediction value through training set’s observation.</a:t>
+            </a:r>
+            <a:endParaRPr/>
+          </a:p>
+          <a:p>
+            <a:pPr indent="0" lvl="0" marL="0" rtl="0" algn="l">
+              <a:spcBef>
+                <a:spcPts val="0"/>
+              </a:spcBef>
+              <a:spcAft>
+                <a:spcPts val="0"/>
+              </a:spcAft>
+              <a:buNone/>
+            </a:pPr>
+            <a:r>
+              <a:t/>
+            </a:r>
+            <a:endParaRPr/>
+          </a:p>
+          <a:p>
+            <a:pPr indent="0" lvl="0" marL="0" rtl="0" algn="l">
+              <a:spcBef>
+                <a:spcPts val="0"/>
+              </a:spcBef>
+              <a:spcAft>
+                <a:spcPts val="0"/>
+              </a:spcAft>
+              <a:buNone/>
+            </a:pPr>
+            <a:r>
+              <a:rPr lang="ko"/>
+              <a:t>first we could see how to classify it via left figure.</a:t>
+            </a:r>
+            <a:endParaRPr/>
+          </a:p>
+          <a:p>
+            <a:pPr indent="0" lvl="0" marL="0" rtl="0" algn="l">
+              <a:spcBef>
+                <a:spcPts val="0"/>
+              </a:spcBef>
+              <a:spcAft>
+                <a:spcPts val="0"/>
+              </a:spcAft>
+              <a:buNone/>
+            </a:pPr>
+            <a:r>
+              <a:t/>
+            </a:r>
+            <a:endParaRPr/>
+          </a:p>
+          <a:p>
+            <a:pPr indent="0" lvl="0" marL="0" rtl="0" algn="l">
+              <a:spcBef>
+                <a:spcPts val="0"/>
+              </a:spcBef>
+              <a:spcAft>
+                <a:spcPts val="0"/>
+              </a:spcAft>
+              <a:buNone/>
+            </a:pPr>
+            <a:r>
+              <a:rPr lang="ko"/>
+              <a:t>If I wanna classify one new point on the training dataset, we define number of neighbors(k) for it.</a:t>
+            </a:r>
+            <a:endParaRPr/>
+          </a:p>
+          <a:p>
+            <a:pPr indent="0" lvl="0" marL="0" rtl="0" algn="l">
+              <a:spcBef>
+                <a:spcPts val="0"/>
+              </a:spcBef>
+              <a:spcAft>
+                <a:spcPts val="0"/>
+              </a:spcAft>
+              <a:buNone/>
+            </a:pPr>
+            <a:r>
+              <a:rPr lang="ko"/>
+              <a:t>If I set k =1, the point will be orange and set k=3, will be green.</a:t>
+            </a:r>
+            <a:endParaRPr/>
+          </a:p>
+          <a:p>
+            <a:pPr indent="0" lvl="0" marL="0" rtl="0" algn="l">
+              <a:spcBef>
+                <a:spcPts val="0"/>
+              </a:spcBef>
+              <a:spcAft>
+                <a:spcPts val="0"/>
+              </a:spcAft>
+              <a:buNone/>
+            </a:pPr>
+            <a:r>
+              <a:t/>
+            </a:r>
+            <a:endParaRPr/>
+          </a:p>
+          <a:p>
+            <a:pPr indent="0" lvl="0" marL="0" rtl="0" algn="l">
+              <a:spcBef>
+                <a:spcPts val="0"/>
+              </a:spcBef>
+              <a:spcAft>
+                <a:spcPts val="0"/>
+              </a:spcAft>
+              <a:buNone/>
+            </a:pPr>
+            <a:r>
+              <a:rPr lang="ko"/>
+              <a:t>and how it works in mathematically? it’s equation is right side of this slide.</a:t>
+            </a:r>
+            <a:endParaRPr/>
+          </a:p>
+          <a:p>
+            <a:pPr indent="0" lvl="0" marL="0" rtl="0" algn="l">
+              <a:spcBef>
+                <a:spcPts val="0"/>
+              </a:spcBef>
+              <a:spcAft>
+                <a:spcPts val="0"/>
+              </a:spcAft>
+              <a:buNone/>
+            </a:pPr>
+            <a:r>
+              <a:rPr lang="ko"/>
+              <a:t>if i set orange =1 and green =0,</a:t>
+            </a:r>
+            <a:endParaRPr/>
+          </a:p>
+          <a:p>
+            <a:pPr indent="0" lvl="0" marL="0" rtl="0" algn="l">
+              <a:spcBef>
+                <a:spcPts val="0"/>
+              </a:spcBef>
+              <a:spcAft>
+                <a:spcPts val="0"/>
+              </a:spcAft>
+              <a:buNone/>
+            </a:pPr>
+            <a:r>
+              <a:rPr lang="ko"/>
+              <a:t>in k=1 the value of y hat will be 1/1 * (1) = 1</a:t>
+            </a:r>
+            <a:endParaRPr/>
+          </a:p>
+          <a:p>
+            <a:pPr indent="0" lvl="0" marL="0" rtl="0" algn="l">
+              <a:spcBef>
+                <a:spcPts val="0"/>
+              </a:spcBef>
+              <a:spcAft>
+                <a:spcPts val="0"/>
+              </a:spcAft>
+              <a:buNone/>
+            </a:pPr>
+            <a:r>
+              <a:rPr lang="ko"/>
+              <a:t>in k=3 the value of y hat will be ⅓ * (1+0+0) = ⅓</a:t>
+            </a:r>
+            <a:endParaRPr/>
+          </a:p>
+          <a:p>
+            <a:pPr indent="0" lvl="0" marL="0" rtl="0" algn="l">
+              <a:spcBef>
+                <a:spcPts val="0"/>
+              </a:spcBef>
+              <a:spcAft>
+                <a:spcPts val="0"/>
+              </a:spcAft>
+              <a:buNone/>
+            </a:pPr>
+            <a:r>
+              <a:t/>
+            </a:r>
+            <a:endParaRPr/>
+          </a:p>
+          <a:p>
+            <a:pPr indent="0" lvl="0" marL="0" rtl="0" algn="l">
+              <a:spcBef>
+                <a:spcPts val="0"/>
+              </a:spcBef>
+              <a:spcAft>
+                <a:spcPts val="0"/>
+              </a:spcAft>
+              <a:buNone/>
+            </a:pPr>
+            <a:r>
+              <a:rPr lang="ko"/>
+              <a:t>and if we set prob of classification between them fairly, 0.5 each other.</a:t>
+            </a:r>
+            <a:endParaRPr/>
+          </a:p>
+          <a:p>
+            <a:pPr indent="0" lvl="0" marL="0" rtl="0" algn="l">
+              <a:spcBef>
+                <a:spcPts val="0"/>
+              </a:spcBef>
+              <a:spcAft>
+                <a:spcPts val="0"/>
+              </a:spcAft>
+              <a:buNone/>
+            </a:pPr>
+            <a:r>
+              <a:rPr lang="ko"/>
+              <a:t>k=1, Orange; k=3, Green.</a:t>
+            </a:r>
+            <a:endParaRPr/>
+          </a:p>
+          <a:p>
+            <a:pPr indent="0" lvl="0" marL="0" rtl="0" algn="l">
+              <a:spcBef>
+                <a:spcPts val="0"/>
+              </a:spcBef>
+              <a:spcAft>
+                <a:spcPts val="0"/>
+              </a:spcAft>
+              <a:buNone/>
+            </a:pPr>
+            <a:r>
+              <a:t/>
+            </a:r>
+            <a:endParaRPr/>
+          </a:p>
           <a:p>
             <a:pPr indent="0" lvl="0" marL="0" rtl="0" algn="l">
               <a:spcBef>
@@ -8805,7 +12129,7 @@
   <p:cSld>
     <p:spTree>
       <p:nvGrpSpPr>
-        <p:cNvPr id="134" name="Shape 134"/>
+        <p:cNvPr id="137" name="Shape 137"/>
         <p:cNvGrpSpPr/>
         <p:nvPr/>
       </p:nvGrpSpPr>
@@ -8819,7 +12143,7 @@
       </p:grpSpPr>
       <p:sp>
         <p:nvSpPr>
-          <p:cNvPr id="135" name="Google Shape;135;p23"/>
+          <p:cNvPr id="138" name="Google Shape;138;p23"/>
           <p:cNvSpPr txBox="1"/>
           <p:nvPr>
             <p:ph type="title"/>
@@ -8851,11 +12175,7 @@
             </a:pPr>
             <a:r>
               <a:rPr lang="ko"/>
-              <a:t>4</a:t>
-            </a:r>
-            <a:r>
-              <a:rPr lang="ko"/>
-              <a:t>. Statistical Decision Theory</a:t>
+              <a:t>3. Two Simple Approaches to Prediction</a:t>
             </a:r>
             <a:endParaRPr/>
           </a:p>
@@ -8863,7 +12183,7 @@
       </p:sp>
       <p:sp>
         <p:nvSpPr>
-          <p:cNvPr id="136" name="Google Shape;136;p23"/>
+          <p:cNvPr id="139" name="Google Shape;139;p23"/>
           <p:cNvSpPr txBox="1"/>
           <p:nvPr>
             <p:ph idx="12" type="sldNum"/>
@@ -8903,7 +12223,7 @@
       </p:sp>
       <p:sp>
         <p:nvSpPr>
-          <p:cNvPr id="137" name="Google Shape;137;p23"/>
+          <p:cNvPr id="140" name="Google Shape;140;p23"/>
           <p:cNvSpPr txBox="1"/>
           <p:nvPr>
             <p:ph idx="2" type="title"/>
@@ -8935,12 +12255,68 @@
             </a:pPr>
             <a:r>
               <a:rPr lang="ko"/>
-              <a:t>Expected Prediction Error(EPE)</a:t>
+              <a:t>k-nearest neighbor</a:t>
             </a:r>
             <a:endParaRPr/>
           </a:p>
         </p:txBody>
       </p:sp>
+      <p:pic>
+        <p:nvPicPr>
+          <p:cNvPr id="141" name="Google Shape;141;p23"/>
+          <p:cNvPicPr preferRelativeResize="0"/>
+          <p:nvPr/>
+        </p:nvPicPr>
+        <p:blipFill>
+          <a:blip r:embed="rId3">
+            <a:alphaModFix/>
+          </a:blip>
+          <a:stretch>
+            <a:fillRect/>
+          </a:stretch>
+        </p:blipFill>
+        <p:spPr>
+          <a:xfrm>
+            <a:off x="373700" y="1541425"/>
+            <a:ext cx="4148124" cy="2405650"/>
+          </a:xfrm>
+          <a:prstGeom prst="rect">
+            <a:avLst/>
+          </a:prstGeom>
+          <a:noFill/>
+          <a:ln>
+            <a:noFill/>
+          </a:ln>
+        </p:spPr>
+      </p:pic>
+      <p:pic>
+        <p:nvPicPr>
+          <p:cNvPr id="142" name="Google Shape;142;p23"/>
+          <p:cNvPicPr preferRelativeResize="0"/>
+          <p:nvPr/>
+        </p:nvPicPr>
+        <p:blipFill>
+          <a:blip r:embed="rId4">
+            <a:alphaModFix/>
+          </a:blip>
+          <a:stretch>
+            <a:fillRect/>
+          </a:stretch>
+        </p:blipFill>
+        <p:spPr>
+          <a:xfrm>
+            <a:off x="5133350" y="2457900"/>
+            <a:ext cx="3548250" cy="572700"/>
+          </a:xfrm>
+          <a:prstGeom prst="rect">
+            <a:avLst/>
+          </a:prstGeom>
+          <a:noFill/>
+          <a:ln>
+            <a:noFill/>
+          </a:ln>
+        </p:spPr>
+      </p:pic>
     </p:spTree>
   </p:cSld>
   <p:clrMapOvr>
@@ -8954,7 +12330,7 @@
   <p:cSld>
     <p:spTree>
       <p:nvGrpSpPr>
-        <p:cNvPr id="141" name="Shape 141"/>
+        <p:cNvPr id="146" name="Shape 146"/>
         <p:cNvGrpSpPr/>
         <p:nvPr/>
       </p:nvGrpSpPr>
@@ -8968,7 +12344,7 @@
       </p:grpSpPr>
       <p:sp>
         <p:nvSpPr>
-          <p:cNvPr id="142" name="Google Shape;142;p24"/>
+          <p:cNvPr id="147" name="Google Shape;147;p24"/>
           <p:cNvSpPr txBox="1"/>
           <p:nvPr>
             <p:ph type="title"/>
@@ -9000,7 +12376,7 @@
             </a:pPr>
             <a:r>
               <a:rPr lang="ko"/>
-              <a:t>4. Statistical Decision Theory</a:t>
+              <a:t>3. Two Simple Approaches to Prediction</a:t>
             </a:r>
             <a:endParaRPr/>
           </a:p>
@@ -9008,7 +12384,7 @@
       </p:sp>
       <p:sp>
         <p:nvSpPr>
-          <p:cNvPr id="143" name="Google Shape;143;p24"/>
+          <p:cNvPr id="148" name="Google Shape;148;p24"/>
           <p:cNvSpPr txBox="1"/>
           <p:nvPr>
             <p:ph idx="12" type="sldNum"/>
@@ -9048,7 +12424,7 @@
       </p:sp>
       <p:sp>
         <p:nvSpPr>
-          <p:cNvPr id="144" name="Google Shape;144;p24"/>
+          <p:cNvPr id="149" name="Google Shape;149;p24"/>
           <p:cNvSpPr txBox="1"/>
           <p:nvPr>
             <p:ph idx="2" type="title"/>
@@ -9076,16 +12452,77 @@
               <a:spcAft>
                 <a:spcPts val="0"/>
               </a:spcAft>
-              <a:buNone/>
-            </a:pPr>
-            <a:r>
-              <a:rPr lang="ko"/>
-              <a:t>NN Prediction</a:t>
+              <a:buClr>
+                <a:schemeClr val="dk1"/>
+              </a:buClr>
+              <a:buSzPts val="1100"/>
+              <a:buFont typeface="Arial"/>
+              <a:buNone/>
+            </a:pPr>
+            <a:r>
+              <a:rPr lang="ko"/>
+              <a:t>k-nearest neighbor</a:t>
             </a:r>
             <a:endParaRPr/>
           </a:p>
         </p:txBody>
       </p:sp>
+      <p:pic>
+        <p:nvPicPr>
+          <p:cNvPr id="150" name="Google Shape;150;p24"/>
+          <p:cNvPicPr preferRelativeResize="0"/>
+          <p:nvPr/>
+        </p:nvPicPr>
+        <p:blipFill>
+          <a:blip r:embed="rId3">
+            <a:alphaModFix/>
+          </a:blip>
+          <a:stretch>
+            <a:fillRect/>
+          </a:stretch>
+        </p:blipFill>
+        <p:spPr>
+          <a:xfrm>
+            <a:off x="550175" y="1048025"/>
+            <a:ext cx="3982833" cy="3659901"/>
+          </a:xfrm>
+          <a:prstGeom prst="rect">
+            <a:avLst/>
+          </a:prstGeom>
+          <a:noFill/>
+          <a:ln>
+            <a:noFill/>
+          </a:ln>
+        </p:spPr>
+      </p:pic>
+      <p:pic>
+        <p:nvPicPr>
+          <p:cNvPr id="151" name="Google Shape;151;p24"/>
+          <p:cNvPicPr preferRelativeResize="0"/>
+          <p:nvPr/>
+        </p:nvPicPr>
+        <p:blipFill>
+          <a:blip r:embed="rId4">
+            <a:alphaModFix/>
+          </a:blip>
+          <a:stretch>
+            <a:fillRect/>
+          </a:stretch>
+        </p:blipFill>
+        <p:spPr>
+          <a:xfrm>
+            <a:off x="4685408" y="1048025"/>
+            <a:ext cx="4032424" cy="3572627"/>
+          </a:xfrm>
+          <a:prstGeom prst="rect">
+            <a:avLst/>
+          </a:prstGeom>
+          <a:noFill/>
+          <a:ln>
+            <a:noFill/>
+          </a:ln>
+        </p:spPr>
+      </p:pic>
     </p:spTree>
   </p:cSld>
   <p:clrMapOvr>
@@ -9095,151 +12532,6 @@
 </file>
 
 <file path=ppt/slides/slide12.xml><?xml version="1.0" encoding="utf-8"?>
-<p:sld xmlns:a="http://schemas.openxmlformats.org/drawingml/2006/main" xmlns:r="http://schemas.openxmlformats.org/officeDocument/2006/relationships" xmlns:mc="http://schemas.openxmlformats.org/markup-compatibility/2006" xmlns:mv="urn:schemas-microsoft-com:mac:vml" xmlns:p="http://schemas.openxmlformats.org/presentationml/2006/main" xmlns:c="http://schemas.openxmlformats.org/drawingml/2006/chart" xmlns:dgm="http://schemas.openxmlformats.org/drawingml/2006/diagram" xmlns:o="urn:schemas-microsoft-com:office:office" xmlns:v="urn:schemas-microsoft-com:vml" xmlns:pvml="urn:schemas-microsoft-com:office:powerpoint" xmlns:com="http://schemas.openxmlformats.org/drawingml/2006/compatibility" xmlns:p14="http://schemas.microsoft.com/office/powerpoint/2010/main" xmlns:p15="http://schemas.microsoft.com/office/powerpoint/2012/main" xmlns:ahyp="http://schemas.microsoft.com/office/drawing/2018/hyperlinkcolor">
-  <p:cSld>
-    <p:spTree>
-      <p:nvGrpSpPr>
-        <p:cNvPr id="148" name="Shape 148"/>
-        <p:cNvGrpSpPr/>
-        <p:nvPr/>
-      </p:nvGrpSpPr>
-      <p:grpSpPr>
-        <a:xfrm>
-          <a:off x="0" y="0"/>
-          <a:ext cx="0" cy="0"/>
-          <a:chOff x="0" y="0"/>
-          <a:chExt cx="0" cy="0"/>
-        </a:xfrm>
-      </p:grpSpPr>
-      <p:sp>
-        <p:nvSpPr>
-          <p:cNvPr id="149" name="Google Shape;149;p25"/>
-          <p:cNvSpPr txBox="1"/>
-          <p:nvPr>
-            <p:ph type="title"/>
-          </p:nvPr>
-        </p:nvSpPr>
-        <p:spPr>
-          <a:xfrm>
-            <a:off x="161000" y="135500"/>
-            <a:ext cx="8520600" cy="572700"/>
-          </a:xfrm>
-          <a:prstGeom prst="rect">
-            <a:avLst/>
-          </a:prstGeom>
-        </p:spPr>
-        <p:txBody>
-          <a:bodyPr anchorCtr="0" anchor="t" bIns="91425" lIns="91425" spcFirstLastPara="1" rIns="91425" wrap="square" tIns="91425">
-            <a:noAutofit/>
-          </a:bodyPr>
-          <a:lstStyle/>
-          <a:p>
-            <a:pPr indent="0" lvl="0" marL="0" rtl="0" algn="l">
-              <a:spcBef>
-                <a:spcPts val="0"/>
-              </a:spcBef>
-              <a:spcAft>
-                <a:spcPts val="0"/>
-              </a:spcAft>
-              <a:buNone/>
-            </a:pPr>
-            <a:r>
-              <a:rPr lang="ko"/>
-              <a:t>4. Statistical Decision Theory</a:t>
-            </a:r>
-            <a:endParaRPr/>
-          </a:p>
-        </p:txBody>
-      </p:sp>
-      <p:sp>
-        <p:nvSpPr>
-          <p:cNvPr id="150" name="Google Shape;150;p25"/>
-          <p:cNvSpPr txBox="1"/>
-          <p:nvPr>
-            <p:ph idx="12" type="sldNum"/>
-          </p:nvPr>
-        </p:nvSpPr>
-        <p:spPr>
-          <a:xfrm>
-            <a:off x="8472458" y="4663217"/>
-            <a:ext cx="548700" cy="393600"/>
-          </a:xfrm>
-          <a:prstGeom prst="rect">
-            <a:avLst/>
-          </a:prstGeom>
-        </p:spPr>
-        <p:txBody>
-          <a:bodyPr anchorCtr="0" anchor="ctr" bIns="91425" lIns="91425" spcFirstLastPara="1" rIns="91425" wrap="square" tIns="91425">
-            <a:noAutofit/>
-          </a:bodyPr>
-          <a:lstStyle/>
-          <a:p>
-            <a:pPr indent="0" lvl="0" marL="0" rtl="0" algn="r">
-              <a:spcBef>
-                <a:spcPts val="0"/>
-              </a:spcBef>
-              <a:spcAft>
-                <a:spcPts val="0"/>
-              </a:spcAft>
-              <a:buNone/>
-            </a:pPr>
-            <a:fld id="{00000000-1234-1234-1234-123412341234}" type="slidenum">
-              <a:rPr lang="ko"/>
-              <a:t>‹#›</a:t>
-            </a:fld>
-            <a:endParaRPr/>
-          </a:p>
-        </p:txBody>
-      </p:sp>
-      <p:sp>
-        <p:nvSpPr>
-          <p:cNvPr id="151" name="Google Shape;151;p25"/>
-          <p:cNvSpPr txBox="1"/>
-          <p:nvPr>
-            <p:ph idx="2" type="title"/>
-          </p:nvPr>
-        </p:nvSpPr>
-        <p:spPr>
-          <a:xfrm>
-            <a:off x="373700" y="606100"/>
-            <a:ext cx="8520600" cy="572700"/>
-          </a:xfrm>
-          <a:prstGeom prst="rect">
-            <a:avLst/>
-          </a:prstGeom>
-        </p:spPr>
-        <p:txBody>
-          <a:bodyPr anchorCtr="0" anchor="t" bIns="91425" lIns="91425" spcFirstLastPara="1" rIns="91425" wrap="square" tIns="91425">
-            <a:noAutofit/>
-          </a:bodyPr>
-          <a:lstStyle/>
-          <a:p>
-            <a:pPr indent="0" lvl="0" marL="0" rtl="0" algn="l">
-              <a:spcBef>
-                <a:spcPts val="0"/>
-              </a:spcBef>
-              <a:spcAft>
-                <a:spcPts val="0"/>
-              </a:spcAft>
-              <a:buNone/>
-            </a:pPr>
-            <a:r>
-              <a:rPr lang="ko"/>
-              <a:t>Categorical Variable</a:t>
-            </a:r>
-            <a:endParaRPr/>
-          </a:p>
-        </p:txBody>
-      </p:sp>
-    </p:spTree>
-  </p:cSld>
-  <p:clrMapOvr>
-    <a:masterClrMapping/>
-  </p:clrMapOvr>
-</p:sld>
-</file>
-
-<file path=ppt/slides/slide13.xml><?xml version="1.0" encoding="utf-8"?>
 <p:sld xmlns:a="http://schemas.openxmlformats.org/drawingml/2006/main" xmlns:r="http://schemas.openxmlformats.org/officeDocument/2006/relationships" xmlns:mc="http://schemas.openxmlformats.org/markup-compatibility/2006" xmlns:mv="urn:schemas-microsoft-com:mac:vml" xmlns:p="http://schemas.openxmlformats.org/presentationml/2006/main" xmlns:c="http://schemas.openxmlformats.org/drawingml/2006/chart" xmlns:dgm="http://schemas.openxmlformats.org/drawingml/2006/diagram" xmlns:o="urn:schemas-microsoft-com:office:office" xmlns:v="urn:schemas-microsoft-com:vml" xmlns:pvml="urn:schemas-microsoft-com:office:powerpoint" xmlns:com="http://schemas.openxmlformats.org/drawingml/2006/compatibility" xmlns:p14="http://schemas.microsoft.com/office/powerpoint/2010/main" xmlns:p15="http://schemas.microsoft.com/office/powerpoint/2012/main" xmlns:ahyp="http://schemas.microsoft.com/office/drawing/2018/hyperlinkcolor">
   <p:cSld>
     <p:spTree>
@@ -9258,7 +12550,7 @@
       </p:grpSpPr>
       <p:sp>
         <p:nvSpPr>
-          <p:cNvPr id="156" name="Google Shape;156;p26"/>
+          <p:cNvPr id="156" name="Google Shape;156;p25"/>
           <p:cNvSpPr txBox="1"/>
           <p:nvPr>
             <p:ph type="title"/>
@@ -9290,11 +12582,7 @@
             </a:pPr>
             <a:r>
               <a:rPr lang="ko"/>
-              <a:t>5</a:t>
-            </a:r>
-            <a:r>
-              <a:rPr lang="ko"/>
-              <a:t>. Local Methods in High Dimensions</a:t>
+              <a:t>3. Two Simple Approaches to Prediction</a:t>
             </a:r>
             <a:endParaRPr/>
           </a:p>
@@ -9302,7 +12590,7 @@
       </p:sp>
       <p:sp>
         <p:nvSpPr>
-          <p:cNvPr id="157" name="Google Shape;157;p26"/>
+          <p:cNvPr id="157" name="Google Shape;157;p25"/>
           <p:cNvSpPr txBox="1"/>
           <p:nvPr>
             <p:ph idx="12" type="sldNum"/>
@@ -9342,7 +12630,7 @@
       </p:sp>
       <p:sp>
         <p:nvSpPr>
-          <p:cNvPr id="158" name="Google Shape;158;p26"/>
+          <p:cNvPr id="158" name="Google Shape;158;p25"/>
           <p:cNvSpPr txBox="1"/>
           <p:nvPr>
             <p:ph idx="2" type="title"/>
@@ -9374,12 +12662,413 @@
             </a:pPr>
             <a:r>
               <a:rPr lang="ko"/>
-              <a:t>Curse of Dimensionality</a:t>
+              <a:t>comparison</a:t>
             </a:r>
             <a:endParaRPr/>
           </a:p>
         </p:txBody>
       </p:sp>
+      <p:pic>
+        <p:nvPicPr>
+          <p:cNvPr id="159" name="Google Shape;159;p25"/>
+          <p:cNvPicPr preferRelativeResize="0"/>
+          <p:nvPr/>
+        </p:nvPicPr>
+        <p:blipFill>
+          <a:blip r:embed="rId3">
+            <a:alphaModFix/>
+          </a:blip>
+          <a:stretch>
+            <a:fillRect/>
+          </a:stretch>
+        </p:blipFill>
+        <p:spPr>
+          <a:xfrm>
+            <a:off x="2649977" y="970400"/>
+            <a:ext cx="3844046" cy="3659900"/>
+          </a:xfrm>
+          <a:prstGeom prst="rect">
+            <a:avLst/>
+          </a:prstGeom>
+          <a:noFill/>
+          <a:ln>
+            <a:noFill/>
+          </a:ln>
+        </p:spPr>
+      </p:pic>
+      <p:sp>
+        <p:nvSpPr>
+          <p:cNvPr id="160" name="Google Shape;160;p25"/>
+          <p:cNvSpPr txBox="1"/>
+          <p:nvPr/>
+        </p:nvSpPr>
+        <p:spPr>
+          <a:xfrm>
+            <a:off x="3328772" y="4418677"/>
+            <a:ext cx="1252800" cy="393600"/>
+          </a:xfrm>
+          <a:prstGeom prst="rect">
+            <a:avLst/>
+          </a:prstGeom>
+          <a:noFill/>
+          <a:ln>
+            <a:noFill/>
+          </a:ln>
+        </p:spPr>
+        <p:txBody>
+          <a:bodyPr anchorCtr="0" anchor="t" bIns="91425" lIns="91425" spcFirstLastPara="1" rIns="91425" wrap="square" tIns="91425">
+            <a:noAutofit/>
+          </a:bodyPr>
+          <a:lstStyle/>
+          <a:p>
+            <a:pPr indent="0" lvl="0" marL="0" rtl="0" algn="l">
+              <a:spcBef>
+                <a:spcPts val="0"/>
+              </a:spcBef>
+              <a:spcAft>
+                <a:spcPts val="0"/>
+              </a:spcAft>
+              <a:buNone/>
+            </a:pPr>
+            <a:r>
+              <a:rPr lang="ko"/>
+              <a:t>Linear model</a:t>
+            </a:r>
+            <a:endParaRPr/>
+          </a:p>
+        </p:txBody>
+      </p:sp>
+      <p:sp>
+        <p:nvSpPr>
+          <p:cNvPr id="161" name="Google Shape;161;p25"/>
+          <p:cNvSpPr txBox="1"/>
+          <p:nvPr/>
+        </p:nvSpPr>
+        <p:spPr>
+          <a:xfrm>
+            <a:off x="6402488" y="1776484"/>
+            <a:ext cx="951300" cy="646200"/>
+          </a:xfrm>
+          <a:prstGeom prst="rect">
+            <a:avLst/>
+          </a:prstGeom>
+          <a:noFill/>
+          <a:ln>
+            <a:noFill/>
+          </a:ln>
+        </p:spPr>
+        <p:txBody>
+          <a:bodyPr anchorCtr="0" anchor="t" bIns="91425" lIns="91425" spcFirstLastPara="1" rIns="91425" wrap="square" tIns="91425">
+            <a:noAutofit/>
+          </a:bodyPr>
+          <a:lstStyle/>
+          <a:p>
+            <a:pPr indent="0" lvl="0" marL="0" rtl="0" algn="l">
+              <a:spcBef>
+                <a:spcPts val="0"/>
+              </a:spcBef>
+              <a:spcAft>
+                <a:spcPts val="0"/>
+              </a:spcAft>
+              <a:buNone/>
+            </a:pPr>
+            <a:r>
+              <a:rPr lang="ko"/>
+              <a:t>Nearest Neighbor</a:t>
+            </a:r>
+            <a:endParaRPr/>
+          </a:p>
+        </p:txBody>
+      </p:sp>
+    </p:spTree>
+  </p:cSld>
+  <p:clrMapOvr>
+    <a:masterClrMapping/>
+  </p:clrMapOvr>
+</p:sld>
+</file>
+
+<file path=ppt/slides/slide13.xml><?xml version="1.0" encoding="utf-8"?>
+<p:sld xmlns:a="http://schemas.openxmlformats.org/drawingml/2006/main" xmlns:r="http://schemas.openxmlformats.org/officeDocument/2006/relationships" xmlns:mc="http://schemas.openxmlformats.org/markup-compatibility/2006" xmlns:mv="urn:schemas-microsoft-com:mac:vml" xmlns:p="http://schemas.openxmlformats.org/presentationml/2006/main" xmlns:c="http://schemas.openxmlformats.org/drawingml/2006/chart" xmlns:dgm="http://schemas.openxmlformats.org/drawingml/2006/diagram" xmlns:o="urn:schemas-microsoft-com:office:office" xmlns:v="urn:schemas-microsoft-com:vml" xmlns:pvml="urn:schemas-microsoft-com:office:powerpoint" xmlns:com="http://schemas.openxmlformats.org/drawingml/2006/compatibility" xmlns:p14="http://schemas.microsoft.com/office/powerpoint/2010/main" xmlns:p15="http://schemas.microsoft.com/office/powerpoint/2012/main" xmlns:ahyp="http://schemas.microsoft.com/office/drawing/2018/hyperlinkcolor">
+  <p:cSld>
+    <p:spTree>
+      <p:nvGrpSpPr>
+        <p:cNvPr id="165" name="Shape 165"/>
+        <p:cNvGrpSpPr/>
+        <p:nvPr/>
+      </p:nvGrpSpPr>
+      <p:grpSpPr>
+        <a:xfrm>
+          <a:off x="0" y="0"/>
+          <a:ext cx="0" cy="0"/>
+          <a:chOff x="0" y="0"/>
+          <a:chExt cx="0" cy="0"/>
+        </a:xfrm>
+      </p:grpSpPr>
+      <p:sp>
+        <p:nvSpPr>
+          <p:cNvPr id="166" name="Google Shape;166;p26"/>
+          <p:cNvSpPr txBox="1"/>
+          <p:nvPr>
+            <p:ph type="title"/>
+          </p:nvPr>
+        </p:nvSpPr>
+        <p:spPr>
+          <a:xfrm>
+            <a:off x="161000" y="135500"/>
+            <a:ext cx="8520600" cy="572700"/>
+          </a:xfrm>
+          <a:prstGeom prst="rect">
+            <a:avLst/>
+          </a:prstGeom>
+        </p:spPr>
+        <p:txBody>
+          <a:bodyPr anchorCtr="0" anchor="t" bIns="91425" lIns="91425" spcFirstLastPara="1" rIns="91425" wrap="square" tIns="91425">
+            <a:noAutofit/>
+          </a:bodyPr>
+          <a:lstStyle/>
+          <a:p>
+            <a:pPr indent="0" lvl="0" marL="0" rtl="0" algn="l">
+              <a:spcBef>
+                <a:spcPts val="0"/>
+              </a:spcBef>
+              <a:spcAft>
+                <a:spcPts val="0"/>
+              </a:spcAft>
+              <a:buNone/>
+            </a:pPr>
+            <a:r>
+              <a:rPr lang="ko"/>
+              <a:t>4</a:t>
+            </a:r>
+            <a:r>
+              <a:rPr lang="ko"/>
+              <a:t>. Statistical Decision Theory</a:t>
+            </a:r>
+            <a:endParaRPr/>
+          </a:p>
+        </p:txBody>
+      </p:sp>
+      <p:sp>
+        <p:nvSpPr>
+          <p:cNvPr id="167" name="Google Shape;167;p26"/>
+          <p:cNvSpPr txBox="1"/>
+          <p:nvPr>
+            <p:ph idx="12" type="sldNum"/>
+          </p:nvPr>
+        </p:nvSpPr>
+        <p:spPr>
+          <a:xfrm>
+            <a:off x="8472458" y="4663217"/>
+            <a:ext cx="548700" cy="393600"/>
+          </a:xfrm>
+          <a:prstGeom prst="rect">
+            <a:avLst/>
+          </a:prstGeom>
+        </p:spPr>
+        <p:txBody>
+          <a:bodyPr anchorCtr="0" anchor="ctr" bIns="91425" lIns="91425" spcFirstLastPara="1" rIns="91425" wrap="square" tIns="91425">
+            <a:noAutofit/>
+          </a:bodyPr>
+          <a:lstStyle/>
+          <a:p>
+            <a:pPr indent="0" lvl="0" marL="0" rtl="0" algn="r">
+              <a:spcBef>
+                <a:spcPts val="0"/>
+              </a:spcBef>
+              <a:spcAft>
+                <a:spcPts val="0"/>
+              </a:spcAft>
+              <a:buNone/>
+            </a:pPr>
+            <a:fld id="{00000000-1234-1234-1234-123412341234}" type="slidenum">
+              <a:rPr lang="ko"/>
+              <a:t>‹#›</a:t>
+            </a:fld>
+            <a:endParaRPr/>
+          </a:p>
+        </p:txBody>
+      </p:sp>
+      <p:sp>
+        <p:nvSpPr>
+          <p:cNvPr id="168" name="Google Shape;168;p26"/>
+          <p:cNvSpPr txBox="1"/>
+          <p:nvPr>
+            <p:ph idx="2" type="title"/>
+          </p:nvPr>
+        </p:nvSpPr>
+        <p:spPr>
+          <a:xfrm>
+            <a:off x="373700" y="606100"/>
+            <a:ext cx="8520600" cy="572700"/>
+          </a:xfrm>
+          <a:prstGeom prst="rect">
+            <a:avLst/>
+          </a:prstGeom>
+        </p:spPr>
+        <p:txBody>
+          <a:bodyPr anchorCtr="0" anchor="t" bIns="91425" lIns="91425" spcFirstLastPara="1" rIns="91425" wrap="square" tIns="91425">
+            <a:noAutofit/>
+          </a:bodyPr>
+          <a:lstStyle/>
+          <a:p>
+            <a:pPr indent="0" lvl="0" marL="0" rtl="0" algn="l">
+              <a:spcBef>
+                <a:spcPts val="0"/>
+              </a:spcBef>
+              <a:spcAft>
+                <a:spcPts val="0"/>
+              </a:spcAft>
+              <a:buNone/>
+            </a:pPr>
+            <a:r>
+              <a:rPr lang="ko"/>
+              <a:t>Quantitative Variable</a:t>
+            </a:r>
+            <a:endParaRPr/>
+          </a:p>
+        </p:txBody>
+      </p:sp>
+      <p:pic>
+        <p:nvPicPr>
+          <p:cNvPr id="169" name="Google Shape;169;p26"/>
+          <p:cNvPicPr preferRelativeResize="0"/>
+          <p:nvPr/>
+        </p:nvPicPr>
+        <p:blipFill>
+          <a:blip r:embed="rId3">
+            <a:alphaModFix/>
+          </a:blip>
+          <a:stretch>
+            <a:fillRect/>
+          </a:stretch>
+        </p:blipFill>
+        <p:spPr>
+          <a:xfrm>
+            <a:off x="373700" y="1659125"/>
+            <a:ext cx="4356775" cy="710420"/>
+          </a:xfrm>
+          <a:prstGeom prst="rect">
+            <a:avLst/>
+          </a:prstGeom>
+          <a:noFill/>
+          <a:ln>
+            <a:noFill/>
+          </a:ln>
+        </p:spPr>
+      </p:pic>
+      <p:pic>
+        <p:nvPicPr>
+          <p:cNvPr id="170" name="Google Shape;170;p26"/>
+          <p:cNvPicPr preferRelativeResize="0"/>
+          <p:nvPr/>
+        </p:nvPicPr>
+        <p:blipFill>
+          <a:blip r:embed="rId4">
+            <a:alphaModFix/>
+          </a:blip>
+          <a:stretch>
+            <a:fillRect/>
+          </a:stretch>
+        </p:blipFill>
+        <p:spPr>
+          <a:xfrm>
+            <a:off x="373700" y="2485532"/>
+            <a:ext cx="4291532" cy="384207"/>
+          </a:xfrm>
+          <a:prstGeom prst="rect">
+            <a:avLst/>
+          </a:prstGeom>
+          <a:noFill/>
+          <a:ln>
+            <a:noFill/>
+          </a:ln>
+        </p:spPr>
+      </p:pic>
+      <p:pic>
+        <p:nvPicPr>
+          <p:cNvPr id="171" name="Google Shape;171;p26"/>
+          <p:cNvPicPr preferRelativeResize="0"/>
+          <p:nvPr/>
+        </p:nvPicPr>
+        <p:blipFill>
+          <a:blip r:embed="rId5">
+            <a:alphaModFix/>
+          </a:blip>
+          <a:stretch>
+            <a:fillRect/>
+          </a:stretch>
+        </p:blipFill>
+        <p:spPr>
+          <a:xfrm>
+            <a:off x="373700" y="2985726"/>
+            <a:ext cx="4356775" cy="275469"/>
+          </a:xfrm>
+          <a:prstGeom prst="rect">
+            <a:avLst/>
+          </a:prstGeom>
+          <a:noFill/>
+          <a:ln>
+            <a:noFill/>
+          </a:ln>
+        </p:spPr>
+      </p:pic>
+      <p:pic>
+        <p:nvPicPr>
+          <p:cNvPr id="172" name="Google Shape;172;p26"/>
+          <p:cNvPicPr preferRelativeResize="0"/>
+          <p:nvPr/>
+        </p:nvPicPr>
+        <p:blipFill>
+          <a:blip r:embed="rId6">
+            <a:alphaModFix/>
+          </a:blip>
+          <a:stretch>
+            <a:fillRect/>
+          </a:stretch>
+        </p:blipFill>
+        <p:spPr>
+          <a:xfrm>
+            <a:off x="373700" y="3377182"/>
+            <a:ext cx="3617356" cy="282718"/>
+          </a:xfrm>
+          <a:prstGeom prst="rect">
+            <a:avLst/>
+          </a:prstGeom>
+          <a:noFill/>
+          <a:ln>
+            <a:noFill/>
+          </a:ln>
+        </p:spPr>
+      </p:pic>
+      <p:pic>
+        <p:nvPicPr>
+          <p:cNvPr id="173" name="Google Shape;173;p26"/>
+          <p:cNvPicPr preferRelativeResize="0"/>
+          <p:nvPr/>
+        </p:nvPicPr>
+        <p:blipFill>
+          <a:blip r:embed="rId7">
+            <a:alphaModFix/>
+          </a:blip>
+          <a:stretch>
+            <a:fillRect/>
+          </a:stretch>
+        </p:blipFill>
+        <p:spPr>
+          <a:xfrm>
+            <a:off x="5420350" y="589325"/>
+            <a:ext cx="3052100" cy="3964850"/>
+          </a:xfrm>
+          <a:prstGeom prst="rect">
+            <a:avLst/>
+          </a:prstGeom>
+          <a:noFill/>
+          <a:ln>
+            <a:noFill/>
+          </a:ln>
+        </p:spPr>
+      </p:pic>
     </p:spTree>
   </p:cSld>
   <p:clrMapOvr>
@@ -9393,7 +13082,7 @@
   <p:cSld>
     <p:spTree>
       <p:nvGrpSpPr>
-        <p:cNvPr id="162" name="Shape 162"/>
+        <p:cNvPr id="177" name="Shape 177"/>
         <p:cNvGrpSpPr/>
         <p:nvPr/>
       </p:nvGrpSpPr>
@@ -9407,7 +13096,7 @@
       </p:grpSpPr>
       <p:sp>
         <p:nvSpPr>
-          <p:cNvPr id="163" name="Google Shape;163;p27"/>
+          <p:cNvPr id="178" name="Google Shape;178;p27"/>
           <p:cNvSpPr txBox="1"/>
           <p:nvPr>
             <p:ph type="title"/>
@@ -9439,7 +13128,7 @@
             </a:pPr>
             <a:r>
               <a:rPr lang="ko"/>
-              <a:t>5. Local Methods in High Dimensions</a:t>
+              <a:t>4. Statistical Decision Theory</a:t>
             </a:r>
             <a:endParaRPr/>
           </a:p>
@@ -9447,7 +13136,7 @@
       </p:sp>
       <p:sp>
         <p:nvSpPr>
-          <p:cNvPr id="164" name="Google Shape;164;p27"/>
+          <p:cNvPr id="179" name="Google Shape;179;p27"/>
           <p:cNvSpPr txBox="1"/>
           <p:nvPr>
             <p:ph idx="12" type="sldNum"/>
@@ -9487,7 +13176,7 @@
       </p:sp>
       <p:sp>
         <p:nvSpPr>
-          <p:cNvPr id="165" name="Google Shape;165;p27"/>
+          <p:cNvPr id="180" name="Google Shape;180;p27"/>
           <p:cNvSpPr txBox="1"/>
           <p:nvPr>
             <p:ph idx="2" type="title"/>
@@ -9519,12 +13208,124 @@
             </a:pPr>
             <a:r>
               <a:rPr lang="ko"/>
-              <a:t>1.</a:t>
+              <a:t>NN and Linear Regression</a:t>
             </a:r>
             <a:endParaRPr/>
           </a:p>
         </p:txBody>
       </p:sp>
+      <p:pic>
+        <p:nvPicPr>
+          <p:cNvPr id="181" name="Google Shape;181;p27"/>
+          <p:cNvPicPr preferRelativeResize="0"/>
+          <p:nvPr/>
+        </p:nvPicPr>
+        <p:blipFill>
+          <a:blip r:embed="rId3">
+            <a:alphaModFix/>
+          </a:blip>
+          <a:stretch>
+            <a:fillRect/>
+          </a:stretch>
+        </p:blipFill>
+        <p:spPr>
+          <a:xfrm>
+            <a:off x="221300" y="2181225"/>
+            <a:ext cx="4086225" cy="390525"/>
+          </a:xfrm>
+          <a:prstGeom prst="rect">
+            <a:avLst/>
+          </a:prstGeom>
+          <a:noFill/>
+          <a:ln>
+            <a:noFill/>
+          </a:ln>
+        </p:spPr>
+      </p:pic>
+      <p:pic>
+        <p:nvPicPr>
+          <p:cNvPr id="182" name="Google Shape;182;p27"/>
+          <p:cNvPicPr preferRelativeResize="0"/>
+          <p:nvPr/>
+        </p:nvPicPr>
+        <p:blipFill>
+          <a:blip r:embed="rId4">
+            <a:alphaModFix/>
+          </a:blip>
+          <a:stretch>
+            <a:fillRect/>
+          </a:stretch>
+        </p:blipFill>
+        <p:spPr>
+          <a:xfrm>
+            <a:off x="221300" y="2788457"/>
+            <a:ext cx="3617356" cy="282718"/>
+          </a:xfrm>
+          <a:prstGeom prst="rect">
+            <a:avLst/>
+          </a:prstGeom>
+          <a:noFill/>
+          <a:ln>
+            <a:noFill/>
+          </a:ln>
+        </p:spPr>
+      </p:pic>
+      <p:pic>
+        <p:nvPicPr>
+          <p:cNvPr id="183" name="Google Shape;183;p27"/>
+          <p:cNvPicPr preferRelativeResize="0"/>
+          <p:nvPr/>
+        </p:nvPicPr>
+        <p:blipFill>
+          <a:blip r:embed="rId5">
+            <a:alphaModFix/>
+          </a:blip>
+          <a:stretch>
+            <a:fillRect/>
+          </a:stretch>
+        </p:blipFill>
+        <p:spPr>
+          <a:xfrm>
+            <a:off x="4495800" y="2181225"/>
+            <a:ext cx="3848385" cy="391804"/>
+          </a:xfrm>
+          <a:prstGeom prst="rect">
+            <a:avLst/>
+          </a:prstGeom>
+          <a:noFill/>
+          <a:ln>
+            <a:noFill/>
+          </a:ln>
+        </p:spPr>
+      </p:pic>
+      <p:pic>
+        <p:nvPicPr>
+          <p:cNvPr id="184" name="Google Shape;184;p27"/>
+          <p:cNvPicPr preferRelativeResize="0"/>
+          <p:nvPr/>
+        </p:nvPicPr>
+        <p:blipFill>
+          <a:blip r:embed="rId6">
+            <a:alphaModFix/>
+          </a:blip>
+          <a:stretch>
+            <a:fillRect/>
+          </a:stretch>
+        </p:blipFill>
+        <p:spPr>
+          <a:xfrm>
+            <a:off x="4495800" y="2712337"/>
+            <a:ext cx="4449151" cy="356977"/>
+          </a:xfrm>
+          <a:prstGeom prst="rect">
+            <a:avLst/>
+          </a:prstGeom>
+          <a:noFill/>
+          <a:ln>
+            <a:noFill/>
+          </a:ln>
+        </p:spPr>
+      </p:pic>
     </p:spTree>
   </p:cSld>
   <p:clrMapOvr>
@@ -9538,7 +13339,7 @@
   <p:cSld>
     <p:spTree>
       <p:nvGrpSpPr>
-        <p:cNvPr id="169" name="Shape 169"/>
+        <p:cNvPr id="188" name="Shape 188"/>
         <p:cNvGrpSpPr/>
         <p:nvPr/>
       </p:nvGrpSpPr>
@@ -9552,7 +13353,7 @@
       </p:grpSpPr>
       <p:sp>
         <p:nvSpPr>
-          <p:cNvPr id="170" name="Google Shape;170;p28"/>
+          <p:cNvPr id="189" name="Google Shape;189;p28"/>
           <p:cNvSpPr txBox="1"/>
           <p:nvPr>
             <p:ph type="title"/>
@@ -9584,7 +13385,7 @@
             </a:pPr>
             <a:r>
               <a:rPr lang="ko"/>
-              <a:t>5. Local Methods in High Dimensions</a:t>
+              <a:t>4. Statistical Decision Theory</a:t>
             </a:r>
             <a:endParaRPr/>
           </a:p>
@@ -9592,7 +13393,7 @@
       </p:sp>
       <p:sp>
         <p:nvSpPr>
-          <p:cNvPr id="171" name="Google Shape;171;p28"/>
+          <p:cNvPr id="190" name="Google Shape;190;p28"/>
           <p:cNvSpPr txBox="1"/>
           <p:nvPr>
             <p:ph idx="12" type="sldNum"/>
@@ -9632,7 +13433,7 @@
       </p:sp>
       <p:sp>
         <p:nvSpPr>
-          <p:cNvPr id="172" name="Google Shape;172;p28"/>
+          <p:cNvPr id="191" name="Google Shape;191;p28"/>
           <p:cNvSpPr txBox="1"/>
           <p:nvPr>
             <p:ph idx="2" type="title"/>
@@ -9664,16 +13465,111 @@
             </a:pPr>
             <a:r>
               <a:rPr lang="ko"/>
-              <a:t>2</a:t>
-            </a:r>
-            <a:r>
-              <a:rPr lang="ko"/>
-              <a:t>.</a:t>
+              <a:t>Further thinkings</a:t>
             </a:r>
             <a:endParaRPr/>
           </a:p>
         </p:txBody>
       </p:sp>
+      <p:pic>
+        <p:nvPicPr>
+          <p:cNvPr id="192" name="Google Shape;192;p28"/>
+          <p:cNvPicPr preferRelativeResize="0"/>
+          <p:nvPr/>
+        </p:nvPicPr>
+        <p:blipFill>
+          <a:blip r:embed="rId3">
+            <a:alphaModFix/>
+          </a:blip>
+          <a:stretch>
+            <a:fillRect/>
+          </a:stretch>
+        </p:blipFill>
+        <p:spPr>
+          <a:xfrm>
+            <a:off x="2152650" y="1599075"/>
+            <a:ext cx="3438525" cy="600075"/>
+          </a:xfrm>
+          <a:prstGeom prst="rect">
+            <a:avLst/>
+          </a:prstGeom>
+          <a:noFill/>
+          <a:ln>
+            <a:noFill/>
+          </a:ln>
+        </p:spPr>
+      </p:pic>
+      <p:grpSp>
+        <p:nvGrpSpPr>
+          <p:cNvPr id="193" name="Google Shape;193;p28"/>
+          <p:cNvGrpSpPr/>
+          <p:nvPr/>
+        </p:nvGrpSpPr>
+        <p:grpSpPr>
+          <a:xfrm>
+            <a:off x="2152650" y="2784500"/>
+            <a:ext cx="4838700" cy="958800"/>
+            <a:chOff x="2152650" y="3149175"/>
+            <a:chExt cx="4838700" cy="958800"/>
+          </a:xfrm>
+        </p:grpSpPr>
+        <p:pic>
+          <p:nvPicPr>
+            <p:cNvPr id="194" name="Google Shape;194;p28"/>
+            <p:cNvPicPr preferRelativeResize="0"/>
+            <p:nvPr/>
+          </p:nvPicPr>
+          <p:blipFill>
+            <a:blip r:embed="rId4">
+              <a:alphaModFix/>
+            </a:blip>
+            <a:stretch>
+              <a:fillRect/>
+            </a:stretch>
+          </p:blipFill>
+          <p:spPr>
+            <a:xfrm>
+              <a:off x="2152650" y="3546000"/>
+              <a:ext cx="4838700" cy="561975"/>
+            </a:xfrm>
+            <a:prstGeom prst="rect">
+              <a:avLst/>
+            </a:prstGeom>
+            <a:noFill/>
+            <a:ln>
+              <a:noFill/>
+            </a:ln>
+          </p:spPr>
+        </p:pic>
+        <p:pic>
+          <p:nvPicPr>
+            <p:cNvPr id="195" name="Google Shape;195;p28"/>
+            <p:cNvPicPr preferRelativeResize="0"/>
+            <p:nvPr/>
+          </p:nvPicPr>
+          <p:blipFill>
+            <a:blip r:embed="rId5">
+              <a:alphaModFix/>
+            </a:blip>
+            <a:stretch>
+              <a:fillRect/>
+            </a:stretch>
+          </p:blipFill>
+          <p:spPr>
+            <a:xfrm>
+              <a:off x="2221475" y="3149175"/>
+              <a:ext cx="2124625" cy="318525"/>
+            </a:xfrm>
+            <a:prstGeom prst="rect">
+              <a:avLst/>
+            </a:prstGeom>
+            <a:noFill/>
+            <a:ln>
+              <a:noFill/>
+            </a:ln>
+          </p:spPr>
+        </p:pic>
+      </p:grpSp>
     </p:spTree>
   </p:cSld>
   <p:clrMapOvr>
@@ -9687,7 +13583,7 @@
   <p:cSld>
     <p:spTree>
       <p:nvGrpSpPr>
-        <p:cNvPr id="176" name="Shape 176"/>
+        <p:cNvPr id="199" name="Shape 199"/>
         <p:cNvGrpSpPr/>
         <p:nvPr/>
       </p:nvGrpSpPr>
@@ -9701,7 +13597,7 @@
       </p:grpSpPr>
       <p:sp>
         <p:nvSpPr>
-          <p:cNvPr id="177" name="Google Shape;177;p29"/>
+          <p:cNvPr id="200" name="Google Shape;200;p29"/>
           <p:cNvSpPr txBox="1"/>
           <p:nvPr>
             <p:ph type="title"/>
@@ -9733,7 +13629,7 @@
             </a:pPr>
             <a:r>
               <a:rPr lang="ko"/>
-              <a:t>5. Local Methods in High Dimensions</a:t>
+              <a:t>4. Statistical Decision Theory</a:t>
             </a:r>
             <a:endParaRPr/>
           </a:p>
@@ -9741,7 +13637,7 @@
       </p:sp>
       <p:sp>
         <p:nvSpPr>
-          <p:cNvPr id="178" name="Google Shape;178;p29"/>
+          <p:cNvPr id="201" name="Google Shape;201;p29"/>
           <p:cNvSpPr txBox="1"/>
           <p:nvPr>
             <p:ph idx="12" type="sldNum"/>
@@ -9781,7 +13677,7 @@
       </p:sp>
       <p:sp>
         <p:nvSpPr>
-          <p:cNvPr id="179" name="Google Shape;179;p29"/>
+          <p:cNvPr id="202" name="Google Shape;202;p29"/>
           <p:cNvSpPr txBox="1"/>
           <p:nvPr>
             <p:ph idx="2" type="title"/>
@@ -9813,12 +13709,195 @@
             </a:pPr>
             <a:r>
               <a:rPr lang="ko"/>
-              <a:t>sampling density</a:t>
+              <a:t>Categorical Variable</a:t>
             </a:r>
             <a:endParaRPr/>
           </a:p>
         </p:txBody>
       </p:sp>
+      <p:grpSp>
+        <p:nvGrpSpPr>
+          <p:cNvPr id="203" name="Google Shape;203;p29"/>
+          <p:cNvGrpSpPr/>
+          <p:nvPr/>
+        </p:nvGrpSpPr>
+        <p:grpSpPr>
+          <a:xfrm>
+            <a:off x="373700" y="1660450"/>
+            <a:ext cx="4489550" cy="2234775"/>
+            <a:chOff x="161000" y="1687950"/>
+            <a:chExt cx="4489550" cy="2234775"/>
+          </a:xfrm>
+        </p:grpSpPr>
+        <p:pic>
+          <p:nvPicPr>
+            <p:cNvPr id="204" name="Google Shape;204;p29"/>
+            <p:cNvPicPr preferRelativeResize="0"/>
+            <p:nvPr/>
+          </p:nvPicPr>
+          <p:blipFill>
+            <a:blip r:embed="rId3">
+              <a:alphaModFix/>
+            </a:blip>
+            <a:stretch>
+              <a:fillRect/>
+            </a:stretch>
+          </p:blipFill>
+          <p:spPr>
+            <a:xfrm>
+              <a:off x="176231" y="1687950"/>
+              <a:ext cx="3923861" cy="330534"/>
+            </a:xfrm>
+            <a:prstGeom prst="rect">
+              <a:avLst/>
+            </a:prstGeom>
+            <a:noFill/>
+            <a:ln>
+              <a:noFill/>
+            </a:ln>
+          </p:spPr>
+        </p:pic>
+        <p:pic>
+          <p:nvPicPr>
+            <p:cNvPr id="205" name="Google Shape;205;p29"/>
+            <p:cNvPicPr preferRelativeResize="0"/>
+            <p:nvPr/>
+          </p:nvPicPr>
+          <p:blipFill>
+            <a:blip r:embed="rId4">
+              <a:alphaModFix/>
+            </a:blip>
+            <a:stretch>
+              <a:fillRect/>
+            </a:stretch>
+          </p:blipFill>
+          <p:spPr>
+            <a:xfrm>
+              <a:off x="161000" y="1998164"/>
+              <a:ext cx="4121123" cy="611840"/>
+            </a:xfrm>
+            <a:prstGeom prst="rect">
+              <a:avLst/>
+            </a:prstGeom>
+            <a:noFill/>
+            <a:ln>
+              <a:noFill/>
+            </a:ln>
+          </p:spPr>
+        </p:pic>
+        <p:pic>
+          <p:nvPicPr>
+            <p:cNvPr id="206" name="Google Shape;206;p29"/>
+            <p:cNvPicPr preferRelativeResize="0"/>
+            <p:nvPr/>
+          </p:nvPicPr>
+          <p:blipFill>
+            <a:blip r:embed="rId5">
+              <a:alphaModFix/>
+            </a:blip>
+            <a:stretch>
+              <a:fillRect/>
+            </a:stretch>
+          </p:blipFill>
+          <p:spPr>
+            <a:xfrm>
+              <a:off x="232104" y="2546726"/>
+              <a:ext cx="4332102" cy="597775"/>
+            </a:xfrm>
+            <a:prstGeom prst="rect">
+              <a:avLst/>
+            </a:prstGeom>
+            <a:noFill/>
+            <a:ln>
+              <a:noFill/>
+            </a:ln>
+          </p:spPr>
+        </p:pic>
+        <p:pic>
+          <p:nvPicPr>
+            <p:cNvPr id="207" name="Google Shape;207;p29"/>
+            <p:cNvPicPr preferRelativeResize="0"/>
+            <p:nvPr/>
+          </p:nvPicPr>
+          <p:blipFill>
+            <a:blip r:embed="rId6">
+              <a:alphaModFix/>
+            </a:blip>
+            <a:stretch>
+              <a:fillRect/>
+            </a:stretch>
+          </p:blipFill>
+          <p:spPr>
+            <a:xfrm>
+              <a:off x="211784" y="3144501"/>
+              <a:ext cx="4029698" cy="302404"/>
+            </a:xfrm>
+            <a:prstGeom prst="rect">
+              <a:avLst/>
+            </a:prstGeom>
+            <a:noFill/>
+            <a:ln>
+              <a:noFill/>
+            </a:ln>
+          </p:spPr>
+        </p:pic>
+        <p:pic>
+          <p:nvPicPr>
+            <p:cNvPr id="208" name="Google Shape;208;p29"/>
+            <p:cNvPicPr preferRelativeResize="0"/>
+            <p:nvPr/>
+          </p:nvPicPr>
+          <p:blipFill>
+            <a:blip r:embed="rId7">
+              <a:alphaModFix/>
+            </a:blip>
+            <a:stretch>
+              <a:fillRect/>
+            </a:stretch>
+          </p:blipFill>
+          <p:spPr>
+            <a:xfrm>
+              <a:off x="227024" y="3521864"/>
+              <a:ext cx="4423526" cy="400861"/>
+            </a:xfrm>
+            <a:prstGeom prst="rect">
+              <a:avLst/>
+            </a:prstGeom>
+            <a:noFill/>
+            <a:ln>
+              <a:noFill/>
+            </a:ln>
+          </p:spPr>
+        </p:pic>
+      </p:grpSp>
+      <p:pic>
+        <p:nvPicPr>
+          <p:cNvPr id="209" name="Google Shape;209;p29"/>
+          <p:cNvPicPr preferRelativeResize="0"/>
+          <p:nvPr/>
+        </p:nvPicPr>
+        <p:blipFill>
+          <a:blip r:embed="rId8">
+            <a:alphaModFix/>
+          </a:blip>
+          <a:stretch>
+            <a:fillRect/>
+          </a:stretch>
+        </p:blipFill>
+        <p:spPr>
+          <a:xfrm>
+            <a:off x="5614850" y="517375"/>
+            <a:ext cx="2756275" cy="4108726"/>
+          </a:xfrm>
+          <a:prstGeom prst="rect">
+            <a:avLst/>
+          </a:prstGeom>
+          <a:noFill/>
+          <a:ln>
+            <a:noFill/>
+          </a:ln>
+        </p:spPr>
+      </p:pic>
     </p:spTree>
   </p:cSld>
   <p:clrMapOvr>
@@ -9832,7 +13911,7 @@
   <p:cSld>
     <p:spTree>
       <p:nvGrpSpPr>
-        <p:cNvPr id="183" name="Shape 183"/>
+        <p:cNvPr id="213" name="Shape 213"/>
         <p:cNvGrpSpPr/>
         <p:nvPr/>
       </p:nvGrpSpPr>
@@ -9846,7 +13925,7 @@
       </p:grpSpPr>
       <p:sp>
         <p:nvSpPr>
-          <p:cNvPr id="184" name="Google Shape;184;p30"/>
+          <p:cNvPr id="214" name="Google Shape;214;p30"/>
           <p:cNvSpPr txBox="1"/>
           <p:nvPr>
             <p:ph type="title"/>
@@ -9877,20 +13956,20 @@
               <a:buNone/>
             </a:pPr>
             <a:r>
-              <a:rPr lang="ko" sz="2000"/>
-              <a:t>6</a:t>
-            </a:r>
-            <a:r>
-              <a:rPr lang="ko" sz="2000"/>
-              <a:t>. Statistical Models, Supervised Learning and Function Approximation</a:t>
-            </a:r>
-            <a:endParaRPr sz="2000"/>
+              <a:rPr lang="ko"/>
+              <a:t>5</a:t>
+            </a:r>
+            <a:r>
+              <a:rPr lang="ko"/>
+              <a:t>. Local Methods in High Dimensions</a:t>
+            </a:r>
+            <a:endParaRPr/>
           </a:p>
         </p:txBody>
       </p:sp>
       <p:sp>
         <p:nvSpPr>
-          <p:cNvPr id="185" name="Google Shape;185;p30"/>
+          <p:cNvPr id="215" name="Google Shape;215;p30"/>
           <p:cNvSpPr txBox="1"/>
           <p:nvPr>
             <p:ph idx="12" type="sldNum"/>
@@ -9930,7 +14009,7 @@
       </p:sp>
       <p:sp>
         <p:nvSpPr>
-          <p:cNvPr id="186" name="Google Shape;186;p30"/>
+          <p:cNvPr id="216" name="Google Shape;216;p30"/>
           <p:cNvSpPr txBox="1"/>
           <p:nvPr>
             <p:ph idx="2" type="title"/>
@@ -9962,9 +14041,176 @@
             </a:pPr>
             <a:r>
               <a:rPr lang="ko"/>
-              <a:t>Statistical Model from the Joint Distribution</a:t>
-            </a:r>
-            <a:endParaRPr/>
+              <a:t>Curse of Dimensionality</a:t>
+            </a:r>
+            <a:endParaRPr/>
+          </a:p>
+        </p:txBody>
+      </p:sp>
+      <p:sp>
+        <p:nvSpPr>
+          <p:cNvPr id="217" name="Google Shape;217;p30"/>
+          <p:cNvSpPr txBox="1"/>
+          <p:nvPr/>
+        </p:nvSpPr>
+        <p:spPr>
+          <a:xfrm>
+            <a:off x="894500" y="1866450"/>
+            <a:ext cx="7479000" cy="1410600"/>
+          </a:xfrm>
+          <a:prstGeom prst="rect">
+            <a:avLst/>
+          </a:prstGeom>
+          <a:noFill/>
+          <a:ln>
+            <a:noFill/>
+          </a:ln>
+        </p:spPr>
+        <p:txBody>
+          <a:bodyPr anchorCtr="0" anchor="t" bIns="91425" lIns="91425" spcFirstLastPara="1" rIns="91425" wrap="square" tIns="91425">
+            <a:noAutofit/>
+          </a:bodyPr>
+          <a:lstStyle/>
+          <a:p>
+            <a:pPr indent="0" lvl="0" marL="0" rtl="0" algn="l">
+              <a:spcBef>
+                <a:spcPts val="0"/>
+              </a:spcBef>
+              <a:spcAft>
+                <a:spcPts val="0"/>
+              </a:spcAft>
+              <a:buNone/>
+            </a:pPr>
+            <a:r>
+              <a:rPr lang="ko" sz="1950">
+                <a:solidFill>
+                  <a:srgbClr val="202122"/>
+                </a:solidFill>
+                <a:highlight>
+                  <a:srgbClr val="FFFFFF"/>
+                </a:highlight>
+              </a:rPr>
+              <a:t>The </a:t>
+            </a:r>
+            <a:r>
+              <a:rPr b="1" lang="ko" sz="1950">
+                <a:solidFill>
+                  <a:srgbClr val="202122"/>
+                </a:solidFill>
+                <a:highlight>
+                  <a:srgbClr val="FFFFFF"/>
+                </a:highlight>
+              </a:rPr>
+              <a:t>curse of dimensionality</a:t>
+            </a:r>
+            <a:r>
+              <a:rPr lang="ko" sz="1950">
+                <a:solidFill>
+                  <a:srgbClr val="202122"/>
+                </a:solidFill>
+                <a:highlight>
+                  <a:srgbClr val="FFFFFF"/>
+                </a:highlight>
+              </a:rPr>
+              <a:t> refers to various phenomena that arise when analyzing and organizing data in </a:t>
+            </a:r>
+            <a:r>
+              <a:rPr lang="ko" sz="1950">
+                <a:solidFill>
+                  <a:srgbClr val="0B0080"/>
+                </a:solidFill>
+                <a:highlight>
+                  <a:srgbClr val="FFFFFF"/>
+                </a:highlight>
+                <a:uFill>
+                  <a:noFill/>
+                </a:uFill>
+                <a:hlinkClick r:id="rId3">
+                  <a:extLst>
+                    <a:ext uri="{A12FA001-AC4F-418D-AE19-62706E023703}">
+                      <ahyp:hlinkClr val="tx"/>
+                    </a:ext>
+                  </a:extLst>
+                </a:hlinkClick>
+              </a:rPr>
+              <a:t>high-dimensional spaces</a:t>
+            </a:r>
+            <a:r>
+              <a:rPr lang="ko" sz="1950">
+                <a:solidFill>
+                  <a:srgbClr val="202122"/>
+                </a:solidFill>
+                <a:highlight>
+                  <a:srgbClr val="FFFFFF"/>
+                </a:highlight>
+              </a:rPr>
+              <a:t> that do not occur in low-dimensional settings such as the </a:t>
+            </a:r>
+            <a:r>
+              <a:rPr lang="ko" sz="1950">
+                <a:solidFill>
+                  <a:srgbClr val="0B0080"/>
+                </a:solidFill>
+                <a:highlight>
+                  <a:srgbClr val="FFFFFF"/>
+                </a:highlight>
+                <a:uFill>
+                  <a:noFill/>
+                </a:uFill>
+                <a:hlinkClick r:id="rId4">
+                  <a:extLst>
+                    <a:ext uri="{A12FA001-AC4F-418D-AE19-62706E023703}">
+                      <ahyp:hlinkClr val="tx"/>
+                    </a:ext>
+                  </a:extLst>
+                </a:hlinkClick>
+              </a:rPr>
+              <a:t>three-dimensional</a:t>
+            </a:r>
+            <a:r>
+              <a:rPr lang="ko" sz="1950">
+                <a:solidFill>
+                  <a:srgbClr val="202122"/>
+                </a:solidFill>
+                <a:highlight>
+                  <a:srgbClr val="FFFFFF"/>
+                </a:highlight>
+              </a:rPr>
+              <a:t> </a:t>
+            </a:r>
+            <a:r>
+              <a:rPr lang="ko" sz="1950">
+                <a:solidFill>
+                  <a:srgbClr val="0B0080"/>
+                </a:solidFill>
+                <a:highlight>
+                  <a:srgbClr val="FFFFFF"/>
+                </a:highlight>
+                <a:uFill>
+                  <a:noFill/>
+                </a:uFill>
+                <a:hlinkClick r:id="rId5">
+                  <a:extLst>
+                    <a:ext uri="{A12FA001-AC4F-418D-AE19-62706E023703}">
+                      <ahyp:hlinkClr val="tx"/>
+                    </a:ext>
+                  </a:extLst>
+                </a:hlinkClick>
+              </a:rPr>
+              <a:t>physical space</a:t>
+            </a:r>
+            <a:r>
+              <a:rPr lang="ko" sz="1950">
+                <a:solidFill>
+                  <a:srgbClr val="202122"/>
+                </a:solidFill>
+                <a:highlight>
+                  <a:srgbClr val="FFFFFF"/>
+                </a:highlight>
+              </a:rPr>
+              <a:t> of everyday experience.</a:t>
+            </a:r>
+            <a:endParaRPr sz="2300"/>
           </a:p>
         </p:txBody>
       </p:sp>
@@ -9981,7 +14227,7 @@
   <p:cSld>
     <p:spTree>
       <p:nvGrpSpPr>
-        <p:cNvPr id="190" name="Shape 190"/>
+        <p:cNvPr id="221" name="Shape 221"/>
         <p:cNvGrpSpPr/>
         <p:nvPr/>
       </p:nvGrpSpPr>
@@ -9995,7 +14241,7 @@
       </p:grpSpPr>
       <p:sp>
         <p:nvSpPr>
-          <p:cNvPr id="191" name="Google Shape;191;p31"/>
+          <p:cNvPr id="222" name="Google Shape;222;p31"/>
           <p:cNvSpPr txBox="1"/>
           <p:nvPr>
             <p:ph type="title"/>
@@ -10026,16 +14272,16 @@
               <a:buNone/>
             </a:pPr>
             <a:r>
-              <a:rPr lang="ko" sz="2000"/>
-              <a:t>6. Statistical Models, Supervised Learning and Function Approximation</a:t>
-            </a:r>
-            <a:endParaRPr sz="2000"/>
+              <a:rPr lang="ko"/>
+              <a:t>5. Local Methods in High Dimensions</a:t>
+            </a:r>
+            <a:endParaRPr/>
           </a:p>
         </p:txBody>
       </p:sp>
       <p:sp>
         <p:nvSpPr>
-          <p:cNvPr id="192" name="Google Shape;192;p31"/>
+          <p:cNvPr id="223" name="Google Shape;223;p31"/>
           <p:cNvSpPr txBox="1"/>
           <p:nvPr>
             <p:ph idx="12" type="sldNum"/>
@@ -10075,7 +14321,7 @@
       </p:sp>
       <p:sp>
         <p:nvSpPr>
-          <p:cNvPr id="193" name="Google Shape;193;p31"/>
+          <p:cNvPr id="224" name="Google Shape;224;p31"/>
           <p:cNvSpPr txBox="1"/>
           <p:nvPr>
             <p:ph idx="2" type="title"/>
@@ -10107,12 +14353,240 @@
             </a:pPr>
             <a:r>
               <a:rPr lang="ko"/>
-              <a:t>Supervised Learning</a:t>
+              <a:t>1. Distance among neighbors</a:t>
             </a:r>
             <a:endParaRPr/>
           </a:p>
         </p:txBody>
       </p:sp>
+      <p:grpSp>
+        <p:nvGrpSpPr>
+          <p:cNvPr id="225" name="Google Shape;225;p31"/>
+          <p:cNvGrpSpPr/>
+          <p:nvPr/>
+        </p:nvGrpSpPr>
+        <p:grpSpPr>
+          <a:xfrm>
+            <a:off x="319253" y="1598916"/>
+            <a:ext cx="4252742" cy="2566687"/>
+            <a:chOff x="1404935" y="1179300"/>
+            <a:chExt cx="5436203" cy="3280950"/>
+          </a:xfrm>
+        </p:grpSpPr>
+        <p:pic>
+          <p:nvPicPr>
+            <p:cNvPr id="226" name="Google Shape;226;p31"/>
+            <p:cNvPicPr preferRelativeResize="0"/>
+            <p:nvPr/>
+          </p:nvPicPr>
+          <p:blipFill>
+            <a:blip r:embed="rId3">
+              <a:alphaModFix/>
+            </a:blip>
+            <a:stretch>
+              <a:fillRect/>
+            </a:stretch>
+          </p:blipFill>
+          <p:spPr>
+            <a:xfrm>
+              <a:off x="2426863" y="1179300"/>
+              <a:ext cx="4414276" cy="3280950"/>
+            </a:xfrm>
+            <a:prstGeom prst="rect">
+              <a:avLst/>
+            </a:prstGeom>
+            <a:noFill/>
+            <a:ln>
+              <a:noFill/>
+            </a:ln>
+          </p:spPr>
+        </p:pic>
+        <p:pic>
+          <p:nvPicPr>
+            <p:cNvPr id="227" name="Google Shape;227;p31"/>
+            <p:cNvPicPr preferRelativeResize="0"/>
+            <p:nvPr/>
+          </p:nvPicPr>
+          <p:blipFill>
+            <a:blip r:embed="rId4">
+              <a:alphaModFix/>
+            </a:blip>
+            <a:stretch>
+              <a:fillRect/>
+            </a:stretch>
+          </p:blipFill>
+          <p:spPr>
+            <a:xfrm>
+              <a:off x="1441597" y="2429805"/>
+              <a:ext cx="1108725" cy="283900"/>
+            </a:xfrm>
+            <a:prstGeom prst="rect">
+              <a:avLst/>
+            </a:prstGeom>
+            <a:noFill/>
+            <a:ln>
+              <a:noFill/>
+            </a:ln>
+          </p:spPr>
+        </p:pic>
+        <p:sp>
+          <p:nvSpPr>
+            <p:cNvPr id="228" name="Google Shape;228;p31"/>
+            <p:cNvSpPr txBox="1"/>
+            <p:nvPr/>
+          </p:nvSpPr>
+          <p:spPr>
+            <a:xfrm>
+              <a:off x="1404935" y="2875272"/>
+              <a:ext cx="1908900" cy="522900"/>
+            </a:xfrm>
+            <a:prstGeom prst="rect">
+              <a:avLst/>
+            </a:prstGeom>
+            <a:noFill/>
+            <a:ln>
+              <a:noFill/>
+            </a:ln>
+          </p:spPr>
+          <p:txBody>
+            <a:bodyPr anchorCtr="0" anchor="t" bIns="91425" lIns="91425" spcFirstLastPara="1" rIns="91425" wrap="square" tIns="91425">
+              <a:noAutofit/>
+            </a:bodyPr>
+            <a:lstStyle/>
+            <a:p>
+              <a:pPr indent="0" lvl="0" marL="0" rtl="0" algn="l">
+                <a:spcBef>
+                  <a:spcPts val="0"/>
+                </a:spcBef>
+                <a:spcAft>
+                  <a:spcPts val="0"/>
+                </a:spcAft>
+                <a:buNone/>
+              </a:pPr>
+              <a:r>
+                <a:rPr lang="ko" sz="1100"/>
+                <a:t>r=0.01 =&gt; 63%</a:t>
+              </a:r>
+              <a:endParaRPr sz="1100"/>
+            </a:p>
+            <a:p>
+              <a:pPr indent="0" lvl="0" marL="0" rtl="0" algn="l">
+                <a:spcBef>
+                  <a:spcPts val="0"/>
+                </a:spcBef>
+                <a:spcAft>
+                  <a:spcPts val="0"/>
+                </a:spcAft>
+                <a:buNone/>
+              </a:pPr>
+              <a:r>
+                <a:rPr lang="ko" sz="1100"/>
+                <a:t>r=0.1 =&gt; 80%</a:t>
+              </a:r>
+              <a:endParaRPr sz="1100"/>
+            </a:p>
+          </p:txBody>
+        </p:sp>
+      </p:grpSp>
+      <p:grpSp>
+        <p:nvGrpSpPr>
+          <p:cNvPr id="229" name="Google Shape;229;p31"/>
+          <p:cNvGrpSpPr/>
+          <p:nvPr/>
+        </p:nvGrpSpPr>
+        <p:grpSpPr>
+          <a:xfrm>
+            <a:off x="4860638" y="1192313"/>
+            <a:ext cx="3992390" cy="2986804"/>
+            <a:chOff x="4901913" y="1178800"/>
+            <a:chExt cx="3992390" cy="2986804"/>
+          </a:xfrm>
+        </p:grpSpPr>
+        <p:pic>
+          <p:nvPicPr>
+            <p:cNvPr id="230" name="Google Shape;230;p31"/>
+            <p:cNvPicPr preferRelativeResize="0"/>
+            <p:nvPr/>
+          </p:nvPicPr>
+          <p:blipFill>
+            <a:blip r:embed="rId5">
+              <a:alphaModFix/>
+            </a:blip>
+            <a:stretch>
+              <a:fillRect/>
+            </a:stretch>
+          </p:blipFill>
+          <p:spPr>
+            <a:xfrm>
+              <a:off x="5521375" y="1178800"/>
+              <a:ext cx="3028601" cy="819500"/>
+            </a:xfrm>
+            <a:prstGeom prst="rect">
+              <a:avLst/>
+            </a:prstGeom>
+            <a:noFill/>
+            <a:ln>
+              <a:noFill/>
+            </a:ln>
+          </p:spPr>
+        </p:pic>
+        <p:pic>
+          <p:nvPicPr>
+            <p:cNvPr id="231" name="Google Shape;231;p31"/>
+            <p:cNvPicPr preferRelativeResize="0"/>
+            <p:nvPr/>
+          </p:nvPicPr>
+          <p:blipFill>
+            <a:blip r:embed="rId6">
+              <a:alphaModFix/>
+            </a:blip>
+            <a:stretch>
+              <a:fillRect/>
+            </a:stretch>
+          </p:blipFill>
+          <p:spPr>
+            <a:xfrm>
+              <a:off x="4901913" y="2126950"/>
+              <a:ext cx="1998062" cy="2038654"/>
+            </a:xfrm>
+            <a:prstGeom prst="rect">
+              <a:avLst/>
+            </a:prstGeom>
+            <a:noFill/>
+            <a:ln>
+              <a:noFill/>
+            </a:ln>
+          </p:spPr>
+        </p:pic>
+        <p:pic>
+          <p:nvPicPr>
+            <p:cNvPr id="232" name="Google Shape;232;p31"/>
+            <p:cNvPicPr preferRelativeResize="0"/>
+            <p:nvPr/>
+          </p:nvPicPr>
+          <p:blipFill>
+            <a:blip r:embed="rId7">
+              <a:alphaModFix/>
+            </a:blip>
+            <a:stretch>
+              <a:fillRect/>
+            </a:stretch>
+          </p:blipFill>
+          <p:spPr>
+            <a:xfrm>
+              <a:off x="7092425" y="2126950"/>
+              <a:ext cx="1801878" cy="1917000"/>
+            </a:xfrm>
+            <a:prstGeom prst="rect">
+              <a:avLst/>
+            </a:prstGeom>
+            <a:noFill/>
+            <a:ln>
+              <a:noFill/>
+            </a:ln>
+          </p:spPr>
+        </p:pic>
+      </p:grpSp>
     </p:spTree>
   </p:cSld>
   <p:clrMapOvr>
@@ -10126,7 +14600,7 @@
   <p:cSld>
     <p:spTree>
       <p:nvGrpSpPr>
-        <p:cNvPr id="197" name="Shape 197"/>
+        <p:cNvPr id="236" name="Shape 236"/>
         <p:cNvGrpSpPr/>
         <p:nvPr/>
       </p:nvGrpSpPr>
@@ -10140,7 +14614,7 @@
       </p:grpSpPr>
       <p:sp>
         <p:nvSpPr>
-          <p:cNvPr id="198" name="Google Shape;198;p32"/>
+          <p:cNvPr id="237" name="Google Shape;237;p32"/>
           <p:cNvSpPr txBox="1"/>
           <p:nvPr>
             <p:ph type="title"/>
@@ -10171,16 +14645,16 @@
               <a:buNone/>
             </a:pPr>
             <a:r>
-              <a:rPr lang="ko" sz="2000"/>
-              <a:t>6. Statistical Models, Supervised Learning and Function Approximation</a:t>
-            </a:r>
-            <a:endParaRPr sz="2000"/>
+              <a:rPr lang="ko"/>
+              <a:t>5. Local Methods in High Dimensions</a:t>
+            </a:r>
+            <a:endParaRPr/>
           </a:p>
         </p:txBody>
       </p:sp>
       <p:sp>
         <p:nvSpPr>
-          <p:cNvPr id="199" name="Google Shape;199;p32"/>
+          <p:cNvPr id="238" name="Google Shape;238;p32"/>
           <p:cNvSpPr txBox="1"/>
           <p:nvPr>
             <p:ph idx="12" type="sldNum"/>
@@ -10220,7 +14694,7 @@
       </p:sp>
       <p:sp>
         <p:nvSpPr>
-          <p:cNvPr id="200" name="Google Shape;200;p32"/>
+          <p:cNvPr id="239" name="Google Shape;239;p32"/>
           <p:cNvSpPr txBox="1"/>
           <p:nvPr>
             <p:ph idx="2" type="title"/>
@@ -10252,7 +14726,79 @@
             </a:pPr>
             <a:r>
               <a:rPr lang="ko"/>
-              <a:t>Function Approximation</a:t>
+              <a:t>2</a:t>
+            </a:r>
+            <a:r>
+              <a:rPr lang="ko"/>
+              <a:t>. Be close to an edge of sample</a:t>
+            </a:r>
+            <a:endParaRPr/>
+          </a:p>
+        </p:txBody>
+      </p:sp>
+      <p:pic>
+        <p:nvPicPr>
+          <p:cNvPr id="240" name="Google Shape;240;p32"/>
+          <p:cNvPicPr preferRelativeResize="0"/>
+          <p:nvPr/>
+        </p:nvPicPr>
+        <p:blipFill>
+          <a:blip r:embed="rId3">
+            <a:alphaModFix/>
+          </a:blip>
+          <a:stretch>
+            <a:fillRect/>
+          </a:stretch>
+        </p:blipFill>
+        <p:spPr>
+          <a:xfrm>
+            <a:off x="854200" y="1874725"/>
+            <a:ext cx="3562350" cy="523875"/>
+          </a:xfrm>
+          <a:prstGeom prst="rect">
+            <a:avLst/>
+          </a:prstGeom>
+          <a:noFill/>
+          <a:ln>
+            <a:noFill/>
+          </a:ln>
+        </p:spPr>
+      </p:pic>
+      <p:sp>
+        <p:nvSpPr>
+          <p:cNvPr id="241" name="Google Shape;241;p32"/>
+          <p:cNvSpPr txBox="1"/>
+          <p:nvPr>
+            <p:ph idx="2" type="title"/>
+          </p:nvPr>
+        </p:nvSpPr>
+        <p:spPr>
+          <a:xfrm>
+            <a:off x="5154802" y="606100"/>
+            <a:ext cx="3526800" cy="572700"/>
+          </a:xfrm>
+          <a:prstGeom prst="rect">
+            <a:avLst/>
+          </a:prstGeom>
+        </p:spPr>
+        <p:txBody>
+          <a:bodyPr anchorCtr="0" anchor="t" bIns="91425" lIns="91425" spcFirstLastPara="1" rIns="91425" wrap="square" tIns="91425">
+            <a:noAutofit/>
+          </a:bodyPr>
+          <a:lstStyle/>
+          <a:p>
+            <a:pPr indent="0" lvl="0" marL="0" rtl="0" algn="l">
+              <a:spcBef>
+                <a:spcPts val="0"/>
+              </a:spcBef>
+              <a:spcAft>
+                <a:spcPts val="0"/>
+              </a:spcAft>
+              <a:buNone/>
+            </a:pPr>
+            <a:r>
+              <a:rPr lang="ko"/>
+              <a:t>3. Diminishing sampling density</a:t>
             </a:r>
             <a:endParaRPr/>
           </a:p>
@@ -10528,7 +15074,7 @@
   <p:cSld>
     <p:spTree>
       <p:nvGrpSpPr>
-        <p:cNvPr id="204" name="Shape 204"/>
+        <p:cNvPr id="245" name="Shape 245"/>
         <p:cNvGrpSpPr/>
         <p:nvPr/>
       </p:nvGrpSpPr>
@@ -10542,7 +15088,7 @@
       </p:grpSpPr>
       <p:sp>
         <p:nvSpPr>
-          <p:cNvPr id="205" name="Google Shape;205;p33"/>
+          <p:cNvPr id="246" name="Google Shape;246;p33"/>
           <p:cNvSpPr txBox="1"/>
           <p:nvPr>
             <p:ph type="title"/>
@@ -10573,20 +15119,16 @@
               <a:buNone/>
             </a:pPr>
             <a:r>
-              <a:rPr lang="ko" sz="2000"/>
-              <a:t>7</a:t>
-            </a:r>
-            <a:r>
-              <a:rPr lang="ko" sz="2000"/>
-              <a:t>. Structured Regression Models</a:t>
-            </a:r>
-            <a:endParaRPr sz="2000"/>
+              <a:rPr lang="ko"/>
+              <a:t>5. Local Methods in High Dimensions</a:t>
+            </a:r>
+            <a:endParaRPr/>
           </a:p>
         </p:txBody>
       </p:sp>
       <p:sp>
         <p:nvSpPr>
-          <p:cNvPr id="206" name="Google Shape;206;p33"/>
+          <p:cNvPr id="247" name="Google Shape;247;p33"/>
           <p:cNvSpPr txBox="1"/>
           <p:nvPr>
             <p:ph idx="12" type="sldNum"/>
@@ -10624,6 +15166,159 @@
           </a:p>
         </p:txBody>
       </p:sp>
+      <p:sp>
+        <p:nvSpPr>
+          <p:cNvPr id="248" name="Google Shape;248;p33"/>
+          <p:cNvSpPr txBox="1"/>
+          <p:nvPr>
+            <p:ph idx="2" type="title"/>
+          </p:nvPr>
+        </p:nvSpPr>
+        <p:spPr>
+          <a:xfrm>
+            <a:off x="373700" y="606100"/>
+            <a:ext cx="8520600" cy="572700"/>
+          </a:xfrm>
+          <a:prstGeom prst="rect">
+            <a:avLst/>
+          </a:prstGeom>
+        </p:spPr>
+        <p:txBody>
+          <a:bodyPr anchorCtr="0" anchor="t" bIns="91425" lIns="91425" spcFirstLastPara="1" rIns="91425" wrap="square" tIns="91425">
+            <a:noAutofit/>
+          </a:bodyPr>
+          <a:lstStyle/>
+          <a:p>
+            <a:pPr indent="0" lvl="0" marL="0" rtl="0" algn="l">
+              <a:spcBef>
+                <a:spcPts val="0"/>
+              </a:spcBef>
+              <a:spcAft>
+                <a:spcPts val="0"/>
+              </a:spcAft>
+              <a:buNone/>
+            </a:pPr>
+            <a:r>
+              <a:rPr lang="ko"/>
+              <a:t>About Bias and Variance</a:t>
+            </a:r>
+            <a:endParaRPr/>
+          </a:p>
+        </p:txBody>
+      </p:sp>
+      <p:grpSp>
+        <p:nvGrpSpPr>
+          <p:cNvPr id="249" name="Google Shape;249;p33"/>
+          <p:cNvGrpSpPr/>
+          <p:nvPr/>
+        </p:nvGrpSpPr>
+        <p:grpSpPr>
+          <a:xfrm>
+            <a:off x="258863" y="1363100"/>
+            <a:ext cx="8626276" cy="2417306"/>
+            <a:chOff x="318675" y="1363100"/>
+            <a:chExt cx="8626276" cy="2417306"/>
+          </a:xfrm>
+        </p:grpSpPr>
+        <p:grpSp>
+          <p:nvGrpSpPr>
+            <p:cNvPr id="250" name="Google Shape;250;p33"/>
+            <p:cNvGrpSpPr/>
+            <p:nvPr/>
+          </p:nvGrpSpPr>
+          <p:grpSpPr>
+            <a:xfrm>
+              <a:off x="318675" y="1934188"/>
+              <a:ext cx="4443825" cy="1275125"/>
+              <a:chOff x="318675" y="1860000"/>
+              <a:chExt cx="4443825" cy="1275125"/>
+            </a:xfrm>
+          </p:grpSpPr>
+          <p:pic>
+            <p:nvPicPr>
+              <p:cNvPr id="251" name="Google Shape;251;p33"/>
+              <p:cNvPicPr preferRelativeResize="0"/>
+              <p:nvPr/>
+            </p:nvPicPr>
+            <p:blipFill>
+              <a:blip r:embed="rId3">
+                <a:alphaModFix/>
+              </a:blip>
+              <a:stretch>
+                <a:fillRect/>
+              </a:stretch>
+            </p:blipFill>
+            <p:spPr>
+              <a:xfrm>
+                <a:off x="318675" y="2413775"/>
+                <a:ext cx="4443825" cy="721350"/>
+              </a:xfrm>
+              <a:prstGeom prst="rect">
+                <a:avLst/>
+              </a:prstGeom>
+              <a:noFill/>
+              <a:ln>
+                <a:noFill/>
+              </a:ln>
+            </p:spPr>
+          </p:pic>
+          <p:pic>
+            <p:nvPicPr>
+              <p:cNvPr id="252" name="Google Shape;252;p33"/>
+              <p:cNvPicPr preferRelativeResize="0"/>
+              <p:nvPr/>
+            </p:nvPicPr>
+            <p:blipFill rotWithShape="1">
+              <a:blip r:embed="rId4">
+                <a:alphaModFix/>
+              </a:blip>
+              <a:srcRect b="0" l="269" r="0" t="0"/>
+              <a:stretch/>
+            </p:blipFill>
+            <p:spPr>
+              <a:xfrm>
+                <a:off x="373700" y="1860000"/>
+                <a:ext cx="1766250" cy="291675"/>
+              </a:xfrm>
+              <a:prstGeom prst="rect">
+                <a:avLst/>
+              </a:prstGeom>
+              <a:noFill/>
+              <a:ln>
+                <a:noFill/>
+              </a:ln>
+            </p:spPr>
+          </p:pic>
+        </p:grpSp>
+        <p:pic>
+          <p:nvPicPr>
+            <p:cNvPr id="253" name="Google Shape;253;p33"/>
+            <p:cNvPicPr preferRelativeResize="0"/>
+            <p:nvPr/>
+          </p:nvPicPr>
+          <p:blipFill>
+            <a:blip r:embed="rId5">
+              <a:alphaModFix/>
+            </a:blip>
+            <a:stretch>
+              <a:fillRect/>
+            </a:stretch>
+          </p:blipFill>
+          <p:spPr>
+            <a:xfrm>
+              <a:off x="5165450" y="1363100"/>
+              <a:ext cx="3779501" cy="2417306"/>
+            </a:xfrm>
+            <a:prstGeom prst="rect">
+              <a:avLst/>
+            </a:prstGeom>
+            <a:noFill/>
+            <a:ln>
+              <a:noFill/>
+            </a:ln>
+          </p:spPr>
+        </p:pic>
+      </p:grpSp>
     </p:spTree>
   </p:cSld>
   <p:clrMapOvr>
@@ -10637,7 +15332,7 @@
   <p:cSld>
     <p:spTree>
       <p:nvGrpSpPr>
-        <p:cNvPr id="210" name="Shape 210"/>
+        <p:cNvPr id="257" name="Shape 257"/>
         <p:cNvGrpSpPr/>
         <p:nvPr/>
       </p:nvGrpSpPr>
@@ -10651,7 +15346,7 @@
       </p:grpSpPr>
       <p:sp>
         <p:nvSpPr>
-          <p:cNvPr id="211" name="Google Shape;211;p34"/>
+          <p:cNvPr id="258" name="Google Shape;258;p34"/>
           <p:cNvSpPr txBox="1"/>
           <p:nvPr>
             <p:ph type="title"/>
@@ -10682,20 +15377,16 @@
               <a:buNone/>
             </a:pPr>
             <a:r>
-              <a:rPr lang="ko" sz="2000"/>
-              <a:t>8</a:t>
-            </a:r>
-            <a:r>
-              <a:rPr lang="ko" sz="2000"/>
-              <a:t>. Classes of Restricted Estimator</a:t>
-            </a:r>
-            <a:endParaRPr sz="2000"/>
+              <a:rPr lang="ko"/>
+              <a:t>5. Local Methods in High Dimensions</a:t>
+            </a:r>
+            <a:endParaRPr/>
           </a:p>
         </p:txBody>
       </p:sp>
       <p:sp>
         <p:nvSpPr>
-          <p:cNvPr id="212" name="Google Shape;212;p34"/>
+          <p:cNvPr id="259" name="Google Shape;259;p34"/>
           <p:cNvSpPr txBox="1"/>
           <p:nvPr>
             <p:ph idx="12" type="sldNum"/>
@@ -10735,7 +15426,7 @@
       </p:sp>
       <p:sp>
         <p:nvSpPr>
-          <p:cNvPr id="213" name="Google Shape;213;p34"/>
+          <p:cNvPr id="260" name="Google Shape;260;p34"/>
           <p:cNvSpPr txBox="1"/>
           <p:nvPr>
             <p:ph idx="2" type="title"/>
@@ -10767,12 +15458,39 @@
             </a:pPr>
             <a:r>
               <a:rPr lang="ko"/>
-              <a:t>Roughness Penalty and Bayesian Methods</a:t>
+              <a:t>About Bias and Variance</a:t>
             </a:r>
             <a:endParaRPr/>
           </a:p>
         </p:txBody>
       </p:sp>
+      <p:pic>
+        <p:nvPicPr>
+          <p:cNvPr id="261" name="Google Shape;261;p34"/>
+          <p:cNvPicPr preferRelativeResize="0"/>
+          <p:nvPr/>
+        </p:nvPicPr>
+        <p:blipFill rotWithShape="1">
+          <a:blip r:embed="rId3">
+            <a:alphaModFix/>
+          </a:blip>
+          <a:srcRect b="24202" l="0" r="0" t="0"/>
+          <a:stretch/>
+        </p:blipFill>
+        <p:spPr>
+          <a:xfrm>
+            <a:off x="2657475" y="1012850"/>
+            <a:ext cx="3625850" cy="4000475"/>
+          </a:xfrm>
+          <a:prstGeom prst="rect">
+            <a:avLst/>
+          </a:prstGeom>
+          <a:noFill/>
+          <a:ln>
+            <a:noFill/>
+          </a:ln>
+        </p:spPr>
+      </p:pic>
     </p:spTree>
   </p:cSld>
   <p:clrMapOvr>
@@ -10786,7 +15504,7 @@
   <p:cSld>
     <p:spTree>
       <p:nvGrpSpPr>
-        <p:cNvPr id="217" name="Shape 217"/>
+        <p:cNvPr id="265" name="Shape 265"/>
         <p:cNvGrpSpPr/>
         <p:nvPr/>
       </p:nvGrpSpPr>
@@ -10800,7 +15518,7 @@
       </p:grpSpPr>
       <p:sp>
         <p:nvSpPr>
-          <p:cNvPr id="218" name="Google Shape;218;p35"/>
+          <p:cNvPr id="266" name="Google Shape;266;p35"/>
           <p:cNvSpPr txBox="1"/>
           <p:nvPr>
             <p:ph type="title"/>
@@ -10831,16 +15549,16 @@
               <a:buNone/>
             </a:pPr>
             <a:r>
-              <a:rPr lang="ko" sz="2000"/>
-              <a:t>8. Classes of Restricted Estimator</a:t>
-            </a:r>
-            <a:endParaRPr sz="2000"/>
+              <a:rPr lang="ko"/>
+              <a:t>5. Local Methods in High Dimensions</a:t>
+            </a:r>
+            <a:endParaRPr/>
           </a:p>
         </p:txBody>
       </p:sp>
       <p:sp>
         <p:nvSpPr>
-          <p:cNvPr id="219" name="Google Shape;219;p35"/>
+          <p:cNvPr id="267" name="Google Shape;267;p35"/>
           <p:cNvSpPr txBox="1"/>
           <p:nvPr>
             <p:ph idx="12" type="sldNum"/>
@@ -10880,7 +15598,7 @@
       </p:sp>
       <p:sp>
         <p:nvSpPr>
-          <p:cNvPr id="220" name="Google Shape;220;p35"/>
+          <p:cNvPr id="268" name="Google Shape;268;p35"/>
           <p:cNvSpPr txBox="1"/>
           <p:nvPr>
             <p:ph idx="2" type="title"/>
@@ -10912,12 +15630,96 @@
             </a:pPr>
             <a:r>
               <a:rPr lang="ko"/>
-              <a:t>Kernel Methods and Local Regression</a:t>
+              <a:t>Overcome the Curse in Linear model</a:t>
             </a:r>
             <a:endParaRPr/>
           </a:p>
         </p:txBody>
       </p:sp>
+      <p:pic>
+        <p:nvPicPr>
+          <p:cNvPr id="269" name="Google Shape;269;p35"/>
+          <p:cNvPicPr preferRelativeResize="0"/>
+          <p:nvPr/>
+        </p:nvPicPr>
+        <p:blipFill>
+          <a:blip r:embed="rId3">
+            <a:alphaModFix/>
+          </a:blip>
+          <a:stretch>
+            <a:fillRect/>
+          </a:stretch>
+        </p:blipFill>
+        <p:spPr>
+          <a:xfrm>
+            <a:off x="373700" y="2026525"/>
+            <a:ext cx="3200400" cy="333375"/>
+          </a:xfrm>
+          <a:prstGeom prst="rect">
+            <a:avLst/>
+          </a:prstGeom>
+          <a:noFill/>
+          <a:ln>
+            <a:noFill/>
+          </a:ln>
+        </p:spPr>
+      </p:pic>
+      <p:pic>
+        <p:nvPicPr>
+          <p:cNvPr id="270" name="Google Shape;270;p35"/>
+          <p:cNvPicPr preferRelativeResize="0"/>
+          <p:nvPr/>
+        </p:nvPicPr>
+        <p:blipFill>
+          <a:blip r:embed="rId4">
+            <a:alphaModFix/>
+          </a:blip>
+          <a:stretch>
+            <a:fillRect/>
+          </a:stretch>
+        </p:blipFill>
+        <p:spPr>
+          <a:xfrm>
+            <a:off x="373700" y="2512300"/>
+            <a:ext cx="4368801" cy="987950"/>
+          </a:xfrm>
+          <a:prstGeom prst="rect">
+            <a:avLst/>
+          </a:prstGeom>
+          <a:noFill/>
+          <a:ln>
+            <a:noFill/>
+          </a:ln>
+        </p:spPr>
+      </p:pic>
+      <p:pic>
+        <p:nvPicPr>
+          <p:cNvPr id="271" name="Google Shape;271;p35"/>
+          <p:cNvPicPr preferRelativeResize="0"/>
+          <p:nvPr/>
+        </p:nvPicPr>
+        <p:blipFill>
+          <a:blip r:embed="rId5">
+            <a:alphaModFix/>
+          </a:blip>
+          <a:stretch>
+            <a:fillRect/>
+          </a:stretch>
+        </p:blipFill>
+        <p:spPr>
+          <a:xfrm>
+            <a:off x="5422726" y="741800"/>
+            <a:ext cx="2744924" cy="3659899"/>
+          </a:xfrm>
+          <a:prstGeom prst="rect">
+            <a:avLst/>
+          </a:prstGeom>
+          <a:noFill/>
+          <a:ln>
+            <a:noFill/>
+          </a:ln>
+        </p:spPr>
+      </p:pic>
     </p:spTree>
   </p:cSld>
   <p:clrMapOvr>
@@ -10931,7 +15733,7 @@
   <p:cSld>
     <p:spTree>
       <p:nvGrpSpPr>
-        <p:cNvPr id="224" name="Shape 224"/>
+        <p:cNvPr id="275" name="Shape 275"/>
         <p:cNvGrpSpPr/>
         <p:nvPr/>
       </p:nvGrpSpPr>
@@ -10945,7 +15747,7 @@
       </p:grpSpPr>
       <p:sp>
         <p:nvSpPr>
-          <p:cNvPr id="225" name="Google Shape;225;p36"/>
+          <p:cNvPr id="276" name="Google Shape;276;p36"/>
           <p:cNvSpPr txBox="1"/>
           <p:nvPr>
             <p:ph type="title"/>
@@ -10977,7 +15779,11 @@
             </a:pPr>
             <a:r>
               <a:rPr lang="ko" sz="2000"/>
-              <a:t>8. Classes of Restricted Estimator</a:t>
+              <a:t>6</a:t>
+            </a:r>
+            <a:r>
+              <a:rPr lang="ko" sz="2000"/>
+              <a:t>. Statistical Models, Supervised Learning and Function Approximation</a:t>
             </a:r>
             <a:endParaRPr sz="2000"/>
           </a:p>
@@ -10985,7 +15791,7 @@
       </p:sp>
       <p:sp>
         <p:nvSpPr>
-          <p:cNvPr id="226" name="Google Shape;226;p36"/>
+          <p:cNvPr id="277" name="Google Shape;277;p36"/>
           <p:cNvSpPr txBox="1"/>
           <p:nvPr>
             <p:ph idx="12" type="sldNum"/>
@@ -11025,7 +15831,7 @@
       </p:sp>
       <p:sp>
         <p:nvSpPr>
-          <p:cNvPr id="227" name="Google Shape;227;p36"/>
+          <p:cNvPr id="278" name="Google Shape;278;p36"/>
           <p:cNvSpPr txBox="1"/>
           <p:nvPr>
             <p:ph idx="2" type="title"/>
@@ -11057,7 +15863,7 @@
             </a:pPr>
             <a:r>
               <a:rPr lang="ko"/>
-              <a:t>Basis Functions and Dictionary Methods</a:t>
+              <a:t>Statistical Model from the Joint Distribution</a:t>
             </a:r>
             <a:endParaRPr/>
           </a:p>
@@ -11076,7 +15882,7 @@
   <p:cSld>
     <p:spTree>
       <p:nvGrpSpPr>
-        <p:cNvPr id="231" name="Shape 231"/>
+        <p:cNvPr id="282" name="Shape 282"/>
         <p:cNvGrpSpPr/>
         <p:nvPr/>
       </p:nvGrpSpPr>
@@ -11090,7 +15896,7 @@
       </p:grpSpPr>
       <p:sp>
         <p:nvSpPr>
-          <p:cNvPr id="232" name="Google Shape;232;p37"/>
+          <p:cNvPr id="283" name="Google Shape;283;p37"/>
           <p:cNvSpPr txBox="1"/>
           <p:nvPr>
             <p:ph type="title"/>
@@ -11122,11 +15928,7 @@
             </a:pPr>
             <a:r>
               <a:rPr lang="ko" sz="2000"/>
-              <a:t>9</a:t>
-            </a:r>
-            <a:r>
-              <a:rPr lang="ko" sz="2000"/>
-              <a:t>. Model Selection and Bias-Variance Trade off</a:t>
+              <a:t>6. Statistical Models, Supervised Learning and Function Approximation</a:t>
             </a:r>
             <a:endParaRPr sz="2000"/>
           </a:p>
@@ -11134,7 +15936,7 @@
       </p:sp>
       <p:sp>
         <p:nvSpPr>
-          <p:cNvPr id="233" name="Google Shape;233;p37"/>
+          <p:cNvPr id="284" name="Google Shape;284;p37"/>
           <p:cNvSpPr txBox="1"/>
           <p:nvPr>
             <p:ph idx="12" type="sldNum"/>
@@ -11168,6 +15970,739 @@
               <a:rPr lang="ko"/>
               <a:t>‹#›</a:t>
             </a:fld>
+            <a:endParaRPr/>
+          </a:p>
+        </p:txBody>
+      </p:sp>
+      <p:sp>
+        <p:nvSpPr>
+          <p:cNvPr id="285" name="Google Shape;285;p37"/>
+          <p:cNvSpPr txBox="1"/>
+          <p:nvPr>
+            <p:ph idx="2" type="title"/>
+          </p:nvPr>
+        </p:nvSpPr>
+        <p:spPr>
+          <a:xfrm>
+            <a:off x="373700" y="606100"/>
+            <a:ext cx="8520600" cy="572700"/>
+          </a:xfrm>
+          <a:prstGeom prst="rect">
+            <a:avLst/>
+          </a:prstGeom>
+        </p:spPr>
+        <p:txBody>
+          <a:bodyPr anchorCtr="0" anchor="t" bIns="91425" lIns="91425" spcFirstLastPara="1" rIns="91425" wrap="square" tIns="91425">
+            <a:noAutofit/>
+          </a:bodyPr>
+          <a:lstStyle/>
+          <a:p>
+            <a:pPr indent="0" lvl="0" marL="0" rtl="0" algn="l">
+              <a:spcBef>
+                <a:spcPts val="0"/>
+              </a:spcBef>
+              <a:spcAft>
+                <a:spcPts val="0"/>
+              </a:spcAft>
+              <a:buNone/>
+            </a:pPr>
+            <a:r>
+              <a:rPr lang="ko"/>
+              <a:t>Supervised Learning</a:t>
+            </a:r>
+            <a:endParaRPr/>
+          </a:p>
+        </p:txBody>
+      </p:sp>
+    </p:spTree>
+  </p:cSld>
+  <p:clrMapOvr>
+    <a:masterClrMapping/>
+  </p:clrMapOvr>
+</p:sld>
+</file>
+
+<file path=ppt/slides/slide25.xml><?xml version="1.0" encoding="utf-8"?>
+<p:sld xmlns:a="http://schemas.openxmlformats.org/drawingml/2006/main" xmlns:r="http://schemas.openxmlformats.org/officeDocument/2006/relationships" xmlns:mc="http://schemas.openxmlformats.org/markup-compatibility/2006" xmlns:mv="urn:schemas-microsoft-com:mac:vml" xmlns:p="http://schemas.openxmlformats.org/presentationml/2006/main" xmlns:c="http://schemas.openxmlformats.org/drawingml/2006/chart" xmlns:dgm="http://schemas.openxmlformats.org/drawingml/2006/diagram" xmlns:o="urn:schemas-microsoft-com:office:office" xmlns:v="urn:schemas-microsoft-com:vml" xmlns:pvml="urn:schemas-microsoft-com:office:powerpoint" xmlns:com="http://schemas.openxmlformats.org/drawingml/2006/compatibility" xmlns:p14="http://schemas.microsoft.com/office/powerpoint/2010/main" xmlns:p15="http://schemas.microsoft.com/office/powerpoint/2012/main" xmlns:ahyp="http://schemas.microsoft.com/office/drawing/2018/hyperlinkcolor">
+  <p:cSld>
+    <p:spTree>
+      <p:nvGrpSpPr>
+        <p:cNvPr id="289" name="Shape 289"/>
+        <p:cNvGrpSpPr/>
+        <p:nvPr/>
+      </p:nvGrpSpPr>
+      <p:grpSpPr>
+        <a:xfrm>
+          <a:off x="0" y="0"/>
+          <a:ext cx="0" cy="0"/>
+          <a:chOff x="0" y="0"/>
+          <a:chExt cx="0" cy="0"/>
+        </a:xfrm>
+      </p:grpSpPr>
+      <p:sp>
+        <p:nvSpPr>
+          <p:cNvPr id="290" name="Google Shape;290;p38"/>
+          <p:cNvSpPr txBox="1"/>
+          <p:nvPr>
+            <p:ph type="title"/>
+          </p:nvPr>
+        </p:nvSpPr>
+        <p:spPr>
+          <a:xfrm>
+            <a:off x="161000" y="135500"/>
+            <a:ext cx="8520600" cy="572700"/>
+          </a:xfrm>
+          <a:prstGeom prst="rect">
+            <a:avLst/>
+          </a:prstGeom>
+        </p:spPr>
+        <p:txBody>
+          <a:bodyPr anchorCtr="0" anchor="t" bIns="91425" lIns="91425" spcFirstLastPara="1" rIns="91425" wrap="square" tIns="91425">
+            <a:noAutofit/>
+          </a:bodyPr>
+          <a:lstStyle/>
+          <a:p>
+            <a:pPr indent="0" lvl="0" marL="0" rtl="0" algn="l">
+              <a:spcBef>
+                <a:spcPts val="0"/>
+              </a:spcBef>
+              <a:spcAft>
+                <a:spcPts val="0"/>
+              </a:spcAft>
+              <a:buNone/>
+            </a:pPr>
+            <a:r>
+              <a:rPr lang="ko" sz="2000"/>
+              <a:t>6. Statistical Models, Supervised Learning and Function Approximation</a:t>
+            </a:r>
+            <a:endParaRPr sz="2000"/>
+          </a:p>
+        </p:txBody>
+      </p:sp>
+      <p:sp>
+        <p:nvSpPr>
+          <p:cNvPr id="291" name="Google Shape;291;p38"/>
+          <p:cNvSpPr txBox="1"/>
+          <p:nvPr>
+            <p:ph idx="12" type="sldNum"/>
+          </p:nvPr>
+        </p:nvSpPr>
+        <p:spPr>
+          <a:xfrm>
+            <a:off x="8472458" y="4663217"/>
+            <a:ext cx="548700" cy="393600"/>
+          </a:xfrm>
+          <a:prstGeom prst="rect">
+            <a:avLst/>
+          </a:prstGeom>
+        </p:spPr>
+        <p:txBody>
+          <a:bodyPr anchorCtr="0" anchor="ctr" bIns="91425" lIns="91425" spcFirstLastPara="1" rIns="91425" wrap="square" tIns="91425">
+            <a:noAutofit/>
+          </a:bodyPr>
+          <a:lstStyle/>
+          <a:p>
+            <a:pPr indent="0" lvl="0" marL="0" rtl="0" algn="r">
+              <a:spcBef>
+                <a:spcPts val="0"/>
+              </a:spcBef>
+              <a:spcAft>
+                <a:spcPts val="0"/>
+              </a:spcAft>
+              <a:buNone/>
+            </a:pPr>
+            <a:fld id="{00000000-1234-1234-1234-123412341234}" type="slidenum">
+              <a:rPr lang="ko"/>
+              <a:t>‹#›</a:t>
+            </a:fld>
+            <a:endParaRPr/>
+          </a:p>
+        </p:txBody>
+      </p:sp>
+      <p:sp>
+        <p:nvSpPr>
+          <p:cNvPr id="292" name="Google Shape;292;p38"/>
+          <p:cNvSpPr txBox="1"/>
+          <p:nvPr>
+            <p:ph idx="2" type="title"/>
+          </p:nvPr>
+        </p:nvSpPr>
+        <p:spPr>
+          <a:xfrm>
+            <a:off x="373700" y="606100"/>
+            <a:ext cx="8520600" cy="572700"/>
+          </a:xfrm>
+          <a:prstGeom prst="rect">
+            <a:avLst/>
+          </a:prstGeom>
+        </p:spPr>
+        <p:txBody>
+          <a:bodyPr anchorCtr="0" anchor="t" bIns="91425" lIns="91425" spcFirstLastPara="1" rIns="91425" wrap="square" tIns="91425">
+            <a:noAutofit/>
+          </a:bodyPr>
+          <a:lstStyle/>
+          <a:p>
+            <a:pPr indent="0" lvl="0" marL="0" rtl="0" algn="l">
+              <a:spcBef>
+                <a:spcPts val="0"/>
+              </a:spcBef>
+              <a:spcAft>
+                <a:spcPts val="0"/>
+              </a:spcAft>
+              <a:buNone/>
+            </a:pPr>
+            <a:r>
+              <a:rPr lang="ko"/>
+              <a:t>Function Approximation</a:t>
+            </a:r>
+            <a:endParaRPr/>
+          </a:p>
+        </p:txBody>
+      </p:sp>
+    </p:spTree>
+  </p:cSld>
+  <p:clrMapOvr>
+    <a:masterClrMapping/>
+  </p:clrMapOvr>
+</p:sld>
+</file>
+
+<file path=ppt/slides/slide26.xml><?xml version="1.0" encoding="utf-8"?>
+<p:sld xmlns:a="http://schemas.openxmlformats.org/drawingml/2006/main" xmlns:r="http://schemas.openxmlformats.org/officeDocument/2006/relationships" xmlns:mc="http://schemas.openxmlformats.org/markup-compatibility/2006" xmlns:mv="urn:schemas-microsoft-com:mac:vml" xmlns:p="http://schemas.openxmlformats.org/presentationml/2006/main" xmlns:c="http://schemas.openxmlformats.org/drawingml/2006/chart" xmlns:dgm="http://schemas.openxmlformats.org/drawingml/2006/diagram" xmlns:o="urn:schemas-microsoft-com:office:office" xmlns:v="urn:schemas-microsoft-com:vml" xmlns:pvml="urn:schemas-microsoft-com:office:powerpoint" xmlns:com="http://schemas.openxmlformats.org/drawingml/2006/compatibility" xmlns:p14="http://schemas.microsoft.com/office/powerpoint/2010/main" xmlns:p15="http://schemas.microsoft.com/office/powerpoint/2012/main" xmlns:ahyp="http://schemas.microsoft.com/office/drawing/2018/hyperlinkcolor">
+  <p:cSld>
+    <p:spTree>
+      <p:nvGrpSpPr>
+        <p:cNvPr id="296" name="Shape 296"/>
+        <p:cNvGrpSpPr/>
+        <p:nvPr/>
+      </p:nvGrpSpPr>
+      <p:grpSpPr>
+        <a:xfrm>
+          <a:off x="0" y="0"/>
+          <a:ext cx="0" cy="0"/>
+          <a:chOff x="0" y="0"/>
+          <a:chExt cx="0" cy="0"/>
+        </a:xfrm>
+      </p:grpSpPr>
+      <p:sp>
+        <p:nvSpPr>
+          <p:cNvPr id="297" name="Google Shape;297;p39"/>
+          <p:cNvSpPr txBox="1"/>
+          <p:nvPr>
+            <p:ph type="title"/>
+          </p:nvPr>
+        </p:nvSpPr>
+        <p:spPr>
+          <a:xfrm>
+            <a:off x="161000" y="135500"/>
+            <a:ext cx="8520600" cy="572700"/>
+          </a:xfrm>
+          <a:prstGeom prst="rect">
+            <a:avLst/>
+          </a:prstGeom>
+        </p:spPr>
+        <p:txBody>
+          <a:bodyPr anchorCtr="0" anchor="t" bIns="91425" lIns="91425" spcFirstLastPara="1" rIns="91425" wrap="square" tIns="91425">
+            <a:noAutofit/>
+          </a:bodyPr>
+          <a:lstStyle/>
+          <a:p>
+            <a:pPr indent="0" lvl="0" marL="0" rtl="0" algn="l">
+              <a:spcBef>
+                <a:spcPts val="0"/>
+              </a:spcBef>
+              <a:spcAft>
+                <a:spcPts val="0"/>
+              </a:spcAft>
+              <a:buNone/>
+            </a:pPr>
+            <a:r>
+              <a:rPr lang="ko" sz="2000"/>
+              <a:t>7</a:t>
+            </a:r>
+            <a:r>
+              <a:rPr lang="ko" sz="2000"/>
+              <a:t>. Structured Regression Models</a:t>
+            </a:r>
+            <a:endParaRPr sz="2000"/>
+          </a:p>
+        </p:txBody>
+      </p:sp>
+      <p:sp>
+        <p:nvSpPr>
+          <p:cNvPr id="298" name="Google Shape;298;p39"/>
+          <p:cNvSpPr txBox="1"/>
+          <p:nvPr>
+            <p:ph idx="12" type="sldNum"/>
+          </p:nvPr>
+        </p:nvSpPr>
+        <p:spPr>
+          <a:xfrm>
+            <a:off x="8472458" y="4663217"/>
+            <a:ext cx="548700" cy="393600"/>
+          </a:xfrm>
+          <a:prstGeom prst="rect">
+            <a:avLst/>
+          </a:prstGeom>
+        </p:spPr>
+        <p:txBody>
+          <a:bodyPr anchorCtr="0" anchor="ctr" bIns="91425" lIns="91425" spcFirstLastPara="1" rIns="91425" wrap="square" tIns="91425">
+            <a:noAutofit/>
+          </a:bodyPr>
+          <a:lstStyle/>
+          <a:p>
+            <a:pPr indent="0" lvl="0" marL="0" rtl="0" algn="r">
+              <a:spcBef>
+                <a:spcPts val="0"/>
+              </a:spcBef>
+              <a:spcAft>
+                <a:spcPts val="0"/>
+              </a:spcAft>
+              <a:buNone/>
+            </a:pPr>
+            <a:fld id="{00000000-1234-1234-1234-123412341234}" type="slidenum">
+              <a:rPr lang="ko"/>
+              <a:t>‹#›</a:t>
+            </a:fld>
+            <a:endParaRPr/>
+          </a:p>
+        </p:txBody>
+      </p:sp>
+    </p:spTree>
+  </p:cSld>
+  <p:clrMapOvr>
+    <a:masterClrMapping/>
+  </p:clrMapOvr>
+</p:sld>
+</file>
+
+<file path=ppt/slides/slide27.xml><?xml version="1.0" encoding="utf-8"?>
+<p:sld xmlns:a="http://schemas.openxmlformats.org/drawingml/2006/main" xmlns:r="http://schemas.openxmlformats.org/officeDocument/2006/relationships" xmlns:mc="http://schemas.openxmlformats.org/markup-compatibility/2006" xmlns:mv="urn:schemas-microsoft-com:mac:vml" xmlns:p="http://schemas.openxmlformats.org/presentationml/2006/main" xmlns:c="http://schemas.openxmlformats.org/drawingml/2006/chart" xmlns:dgm="http://schemas.openxmlformats.org/drawingml/2006/diagram" xmlns:o="urn:schemas-microsoft-com:office:office" xmlns:v="urn:schemas-microsoft-com:vml" xmlns:pvml="urn:schemas-microsoft-com:office:powerpoint" xmlns:com="http://schemas.openxmlformats.org/drawingml/2006/compatibility" xmlns:p14="http://schemas.microsoft.com/office/powerpoint/2010/main" xmlns:p15="http://schemas.microsoft.com/office/powerpoint/2012/main" xmlns:ahyp="http://schemas.microsoft.com/office/drawing/2018/hyperlinkcolor">
+  <p:cSld>
+    <p:spTree>
+      <p:nvGrpSpPr>
+        <p:cNvPr id="302" name="Shape 302"/>
+        <p:cNvGrpSpPr/>
+        <p:nvPr/>
+      </p:nvGrpSpPr>
+      <p:grpSpPr>
+        <a:xfrm>
+          <a:off x="0" y="0"/>
+          <a:ext cx="0" cy="0"/>
+          <a:chOff x="0" y="0"/>
+          <a:chExt cx="0" cy="0"/>
+        </a:xfrm>
+      </p:grpSpPr>
+      <p:sp>
+        <p:nvSpPr>
+          <p:cNvPr id="303" name="Google Shape;303;p40"/>
+          <p:cNvSpPr txBox="1"/>
+          <p:nvPr>
+            <p:ph type="title"/>
+          </p:nvPr>
+        </p:nvSpPr>
+        <p:spPr>
+          <a:xfrm>
+            <a:off x="161000" y="135500"/>
+            <a:ext cx="8520600" cy="572700"/>
+          </a:xfrm>
+          <a:prstGeom prst="rect">
+            <a:avLst/>
+          </a:prstGeom>
+        </p:spPr>
+        <p:txBody>
+          <a:bodyPr anchorCtr="0" anchor="t" bIns="91425" lIns="91425" spcFirstLastPara="1" rIns="91425" wrap="square" tIns="91425">
+            <a:noAutofit/>
+          </a:bodyPr>
+          <a:lstStyle/>
+          <a:p>
+            <a:pPr indent="0" lvl="0" marL="0" rtl="0" algn="l">
+              <a:spcBef>
+                <a:spcPts val="0"/>
+              </a:spcBef>
+              <a:spcAft>
+                <a:spcPts val="0"/>
+              </a:spcAft>
+              <a:buNone/>
+            </a:pPr>
+            <a:r>
+              <a:rPr lang="ko" sz="2000"/>
+              <a:t>8</a:t>
+            </a:r>
+            <a:r>
+              <a:rPr lang="ko" sz="2000"/>
+              <a:t>. Classes of Restricted Estimator</a:t>
+            </a:r>
+            <a:endParaRPr sz="2000"/>
+          </a:p>
+        </p:txBody>
+      </p:sp>
+      <p:sp>
+        <p:nvSpPr>
+          <p:cNvPr id="304" name="Google Shape;304;p40"/>
+          <p:cNvSpPr txBox="1"/>
+          <p:nvPr>
+            <p:ph idx="12" type="sldNum"/>
+          </p:nvPr>
+        </p:nvSpPr>
+        <p:spPr>
+          <a:xfrm>
+            <a:off x="8472458" y="4663217"/>
+            <a:ext cx="548700" cy="393600"/>
+          </a:xfrm>
+          <a:prstGeom prst="rect">
+            <a:avLst/>
+          </a:prstGeom>
+        </p:spPr>
+        <p:txBody>
+          <a:bodyPr anchorCtr="0" anchor="ctr" bIns="91425" lIns="91425" spcFirstLastPara="1" rIns="91425" wrap="square" tIns="91425">
+            <a:noAutofit/>
+          </a:bodyPr>
+          <a:lstStyle/>
+          <a:p>
+            <a:pPr indent="0" lvl="0" marL="0" rtl="0" algn="r">
+              <a:spcBef>
+                <a:spcPts val="0"/>
+              </a:spcBef>
+              <a:spcAft>
+                <a:spcPts val="0"/>
+              </a:spcAft>
+              <a:buNone/>
+            </a:pPr>
+            <a:fld id="{00000000-1234-1234-1234-123412341234}" type="slidenum">
+              <a:rPr lang="ko"/>
+              <a:t>‹#›</a:t>
+            </a:fld>
+            <a:endParaRPr/>
+          </a:p>
+        </p:txBody>
+      </p:sp>
+      <p:sp>
+        <p:nvSpPr>
+          <p:cNvPr id="305" name="Google Shape;305;p40"/>
+          <p:cNvSpPr txBox="1"/>
+          <p:nvPr>
+            <p:ph idx="2" type="title"/>
+          </p:nvPr>
+        </p:nvSpPr>
+        <p:spPr>
+          <a:xfrm>
+            <a:off x="373700" y="606100"/>
+            <a:ext cx="8520600" cy="572700"/>
+          </a:xfrm>
+          <a:prstGeom prst="rect">
+            <a:avLst/>
+          </a:prstGeom>
+        </p:spPr>
+        <p:txBody>
+          <a:bodyPr anchorCtr="0" anchor="t" bIns="91425" lIns="91425" spcFirstLastPara="1" rIns="91425" wrap="square" tIns="91425">
+            <a:noAutofit/>
+          </a:bodyPr>
+          <a:lstStyle/>
+          <a:p>
+            <a:pPr indent="0" lvl="0" marL="0" rtl="0" algn="l">
+              <a:spcBef>
+                <a:spcPts val="0"/>
+              </a:spcBef>
+              <a:spcAft>
+                <a:spcPts val="0"/>
+              </a:spcAft>
+              <a:buNone/>
+            </a:pPr>
+            <a:r>
+              <a:rPr lang="ko"/>
+              <a:t>Roughness Penalty and Bayesian Methods</a:t>
+            </a:r>
+            <a:endParaRPr/>
+          </a:p>
+        </p:txBody>
+      </p:sp>
+    </p:spTree>
+  </p:cSld>
+  <p:clrMapOvr>
+    <a:masterClrMapping/>
+  </p:clrMapOvr>
+</p:sld>
+</file>
+
+<file path=ppt/slides/slide28.xml><?xml version="1.0" encoding="utf-8"?>
+<p:sld xmlns:a="http://schemas.openxmlformats.org/drawingml/2006/main" xmlns:r="http://schemas.openxmlformats.org/officeDocument/2006/relationships" xmlns:mc="http://schemas.openxmlformats.org/markup-compatibility/2006" xmlns:mv="urn:schemas-microsoft-com:mac:vml" xmlns:p="http://schemas.openxmlformats.org/presentationml/2006/main" xmlns:c="http://schemas.openxmlformats.org/drawingml/2006/chart" xmlns:dgm="http://schemas.openxmlformats.org/drawingml/2006/diagram" xmlns:o="urn:schemas-microsoft-com:office:office" xmlns:v="urn:schemas-microsoft-com:vml" xmlns:pvml="urn:schemas-microsoft-com:office:powerpoint" xmlns:com="http://schemas.openxmlformats.org/drawingml/2006/compatibility" xmlns:p14="http://schemas.microsoft.com/office/powerpoint/2010/main" xmlns:p15="http://schemas.microsoft.com/office/powerpoint/2012/main" xmlns:ahyp="http://schemas.microsoft.com/office/drawing/2018/hyperlinkcolor">
+  <p:cSld>
+    <p:spTree>
+      <p:nvGrpSpPr>
+        <p:cNvPr id="309" name="Shape 309"/>
+        <p:cNvGrpSpPr/>
+        <p:nvPr/>
+      </p:nvGrpSpPr>
+      <p:grpSpPr>
+        <a:xfrm>
+          <a:off x="0" y="0"/>
+          <a:ext cx="0" cy="0"/>
+          <a:chOff x="0" y="0"/>
+          <a:chExt cx="0" cy="0"/>
+        </a:xfrm>
+      </p:grpSpPr>
+      <p:sp>
+        <p:nvSpPr>
+          <p:cNvPr id="310" name="Google Shape;310;p41"/>
+          <p:cNvSpPr txBox="1"/>
+          <p:nvPr>
+            <p:ph type="title"/>
+          </p:nvPr>
+        </p:nvSpPr>
+        <p:spPr>
+          <a:xfrm>
+            <a:off x="161000" y="135500"/>
+            <a:ext cx="8520600" cy="572700"/>
+          </a:xfrm>
+          <a:prstGeom prst="rect">
+            <a:avLst/>
+          </a:prstGeom>
+        </p:spPr>
+        <p:txBody>
+          <a:bodyPr anchorCtr="0" anchor="t" bIns="91425" lIns="91425" spcFirstLastPara="1" rIns="91425" wrap="square" tIns="91425">
+            <a:noAutofit/>
+          </a:bodyPr>
+          <a:lstStyle/>
+          <a:p>
+            <a:pPr indent="0" lvl="0" marL="0" rtl="0" algn="l">
+              <a:spcBef>
+                <a:spcPts val="0"/>
+              </a:spcBef>
+              <a:spcAft>
+                <a:spcPts val="0"/>
+              </a:spcAft>
+              <a:buNone/>
+            </a:pPr>
+            <a:r>
+              <a:rPr lang="ko" sz="2000"/>
+              <a:t>8. Classes of Restricted Estimator</a:t>
+            </a:r>
+            <a:endParaRPr sz="2000"/>
+          </a:p>
+        </p:txBody>
+      </p:sp>
+      <p:sp>
+        <p:nvSpPr>
+          <p:cNvPr id="311" name="Google Shape;311;p41"/>
+          <p:cNvSpPr txBox="1"/>
+          <p:nvPr>
+            <p:ph idx="12" type="sldNum"/>
+          </p:nvPr>
+        </p:nvSpPr>
+        <p:spPr>
+          <a:xfrm>
+            <a:off x="8472458" y="4663217"/>
+            <a:ext cx="548700" cy="393600"/>
+          </a:xfrm>
+          <a:prstGeom prst="rect">
+            <a:avLst/>
+          </a:prstGeom>
+        </p:spPr>
+        <p:txBody>
+          <a:bodyPr anchorCtr="0" anchor="ctr" bIns="91425" lIns="91425" spcFirstLastPara="1" rIns="91425" wrap="square" tIns="91425">
+            <a:noAutofit/>
+          </a:bodyPr>
+          <a:lstStyle/>
+          <a:p>
+            <a:pPr indent="0" lvl="0" marL="0" rtl="0" algn="r">
+              <a:spcBef>
+                <a:spcPts val="0"/>
+              </a:spcBef>
+              <a:spcAft>
+                <a:spcPts val="0"/>
+              </a:spcAft>
+              <a:buNone/>
+            </a:pPr>
+            <a:fld id="{00000000-1234-1234-1234-123412341234}" type="slidenum">
+              <a:rPr lang="ko"/>
+              <a:t>‹#›</a:t>
+            </a:fld>
+            <a:endParaRPr/>
+          </a:p>
+        </p:txBody>
+      </p:sp>
+      <p:sp>
+        <p:nvSpPr>
+          <p:cNvPr id="312" name="Google Shape;312;p41"/>
+          <p:cNvSpPr txBox="1"/>
+          <p:nvPr>
+            <p:ph idx="2" type="title"/>
+          </p:nvPr>
+        </p:nvSpPr>
+        <p:spPr>
+          <a:xfrm>
+            <a:off x="373700" y="606100"/>
+            <a:ext cx="8520600" cy="572700"/>
+          </a:xfrm>
+          <a:prstGeom prst="rect">
+            <a:avLst/>
+          </a:prstGeom>
+        </p:spPr>
+        <p:txBody>
+          <a:bodyPr anchorCtr="0" anchor="t" bIns="91425" lIns="91425" spcFirstLastPara="1" rIns="91425" wrap="square" tIns="91425">
+            <a:noAutofit/>
+          </a:bodyPr>
+          <a:lstStyle/>
+          <a:p>
+            <a:pPr indent="0" lvl="0" marL="0" rtl="0" algn="l">
+              <a:spcBef>
+                <a:spcPts val="0"/>
+              </a:spcBef>
+              <a:spcAft>
+                <a:spcPts val="0"/>
+              </a:spcAft>
+              <a:buNone/>
+            </a:pPr>
+            <a:r>
+              <a:rPr lang="ko"/>
+              <a:t>Kernel Methods and Local Regression</a:t>
+            </a:r>
+            <a:endParaRPr/>
+          </a:p>
+        </p:txBody>
+      </p:sp>
+    </p:spTree>
+  </p:cSld>
+  <p:clrMapOvr>
+    <a:masterClrMapping/>
+  </p:clrMapOvr>
+</p:sld>
+</file>
+
+<file path=ppt/slides/slide29.xml><?xml version="1.0" encoding="utf-8"?>
+<p:sld xmlns:a="http://schemas.openxmlformats.org/drawingml/2006/main" xmlns:r="http://schemas.openxmlformats.org/officeDocument/2006/relationships" xmlns:mc="http://schemas.openxmlformats.org/markup-compatibility/2006" xmlns:mv="urn:schemas-microsoft-com:mac:vml" xmlns:p="http://schemas.openxmlformats.org/presentationml/2006/main" xmlns:c="http://schemas.openxmlformats.org/drawingml/2006/chart" xmlns:dgm="http://schemas.openxmlformats.org/drawingml/2006/diagram" xmlns:o="urn:schemas-microsoft-com:office:office" xmlns:v="urn:schemas-microsoft-com:vml" xmlns:pvml="urn:schemas-microsoft-com:office:powerpoint" xmlns:com="http://schemas.openxmlformats.org/drawingml/2006/compatibility" xmlns:p14="http://schemas.microsoft.com/office/powerpoint/2010/main" xmlns:p15="http://schemas.microsoft.com/office/powerpoint/2012/main" xmlns:ahyp="http://schemas.microsoft.com/office/drawing/2018/hyperlinkcolor">
+  <p:cSld>
+    <p:spTree>
+      <p:nvGrpSpPr>
+        <p:cNvPr id="316" name="Shape 316"/>
+        <p:cNvGrpSpPr/>
+        <p:nvPr/>
+      </p:nvGrpSpPr>
+      <p:grpSpPr>
+        <a:xfrm>
+          <a:off x="0" y="0"/>
+          <a:ext cx="0" cy="0"/>
+          <a:chOff x="0" y="0"/>
+          <a:chExt cx="0" cy="0"/>
+        </a:xfrm>
+      </p:grpSpPr>
+      <p:sp>
+        <p:nvSpPr>
+          <p:cNvPr id="317" name="Google Shape;317;p42"/>
+          <p:cNvSpPr txBox="1"/>
+          <p:nvPr>
+            <p:ph type="title"/>
+          </p:nvPr>
+        </p:nvSpPr>
+        <p:spPr>
+          <a:xfrm>
+            <a:off x="161000" y="135500"/>
+            <a:ext cx="8520600" cy="572700"/>
+          </a:xfrm>
+          <a:prstGeom prst="rect">
+            <a:avLst/>
+          </a:prstGeom>
+        </p:spPr>
+        <p:txBody>
+          <a:bodyPr anchorCtr="0" anchor="t" bIns="91425" lIns="91425" spcFirstLastPara="1" rIns="91425" wrap="square" tIns="91425">
+            <a:noAutofit/>
+          </a:bodyPr>
+          <a:lstStyle/>
+          <a:p>
+            <a:pPr indent="0" lvl="0" marL="0" rtl="0" algn="l">
+              <a:spcBef>
+                <a:spcPts val="0"/>
+              </a:spcBef>
+              <a:spcAft>
+                <a:spcPts val="0"/>
+              </a:spcAft>
+              <a:buNone/>
+            </a:pPr>
+            <a:r>
+              <a:rPr lang="ko" sz="2000"/>
+              <a:t>8. Classes of Restricted Estimator</a:t>
+            </a:r>
+            <a:endParaRPr sz="2000"/>
+          </a:p>
+        </p:txBody>
+      </p:sp>
+      <p:sp>
+        <p:nvSpPr>
+          <p:cNvPr id="318" name="Google Shape;318;p42"/>
+          <p:cNvSpPr txBox="1"/>
+          <p:nvPr>
+            <p:ph idx="12" type="sldNum"/>
+          </p:nvPr>
+        </p:nvSpPr>
+        <p:spPr>
+          <a:xfrm>
+            <a:off x="8472458" y="4663217"/>
+            <a:ext cx="548700" cy="393600"/>
+          </a:xfrm>
+          <a:prstGeom prst="rect">
+            <a:avLst/>
+          </a:prstGeom>
+        </p:spPr>
+        <p:txBody>
+          <a:bodyPr anchorCtr="0" anchor="ctr" bIns="91425" lIns="91425" spcFirstLastPara="1" rIns="91425" wrap="square" tIns="91425">
+            <a:noAutofit/>
+          </a:bodyPr>
+          <a:lstStyle/>
+          <a:p>
+            <a:pPr indent="0" lvl="0" marL="0" rtl="0" algn="r">
+              <a:spcBef>
+                <a:spcPts val="0"/>
+              </a:spcBef>
+              <a:spcAft>
+                <a:spcPts val="0"/>
+              </a:spcAft>
+              <a:buNone/>
+            </a:pPr>
+            <a:fld id="{00000000-1234-1234-1234-123412341234}" type="slidenum">
+              <a:rPr lang="ko"/>
+              <a:t>‹#›</a:t>
+            </a:fld>
+            <a:endParaRPr/>
+          </a:p>
+        </p:txBody>
+      </p:sp>
+      <p:sp>
+        <p:nvSpPr>
+          <p:cNvPr id="319" name="Google Shape;319;p42"/>
+          <p:cNvSpPr txBox="1"/>
+          <p:nvPr>
+            <p:ph idx="2" type="title"/>
+          </p:nvPr>
+        </p:nvSpPr>
+        <p:spPr>
+          <a:xfrm>
+            <a:off x="373700" y="606100"/>
+            <a:ext cx="8520600" cy="572700"/>
+          </a:xfrm>
+          <a:prstGeom prst="rect">
+            <a:avLst/>
+          </a:prstGeom>
+        </p:spPr>
+        <p:txBody>
+          <a:bodyPr anchorCtr="0" anchor="t" bIns="91425" lIns="91425" spcFirstLastPara="1" rIns="91425" wrap="square" tIns="91425">
+            <a:noAutofit/>
+          </a:bodyPr>
+          <a:lstStyle/>
+          <a:p>
+            <a:pPr indent="0" lvl="0" marL="0" rtl="0" algn="l">
+              <a:spcBef>
+                <a:spcPts val="0"/>
+              </a:spcBef>
+              <a:spcAft>
+                <a:spcPts val="0"/>
+              </a:spcAft>
+              <a:buNone/>
+            </a:pPr>
+            <a:r>
+              <a:rPr lang="ko"/>
+              <a:t>Basis Functions and Dictionary Methods</a:t>
+            </a:r>
             <a:endParaRPr/>
           </a:p>
         </p:txBody>
@@ -11305,6 +16840,115 @@
           </a:ln>
         </p:spPr>
       </p:pic>
+    </p:spTree>
+  </p:cSld>
+  <p:clrMapOvr>
+    <a:masterClrMapping/>
+  </p:clrMapOvr>
+</p:sld>
+</file>
+
+<file path=ppt/slides/slide30.xml><?xml version="1.0" encoding="utf-8"?>
+<p:sld xmlns:a="http://schemas.openxmlformats.org/drawingml/2006/main" xmlns:r="http://schemas.openxmlformats.org/officeDocument/2006/relationships" xmlns:mc="http://schemas.openxmlformats.org/markup-compatibility/2006" xmlns:mv="urn:schemas-microsoft-com:mac:vml" xmlns:p="http://schemas.openxmlformats.org/presentationml/2006/main" xmlns:c="http://schemas.openxmlformats.org/drawingml/2006/chart" xmlns:dgm="http://schemas.openxmlformats.org/drawingml/2006/diagram" xmlns:o="urn:schemas-microsoft-com:office:office" xmlns:v="urn:schemas-microsoft-com:vml" xmlns:pvml="urn:schemas-microsoft-com:office:powerpoint" xmlns:com="http://schemas.openxmlformats.org/drawingml/2006/compatibility" xmlns:p14="http://schemas.microsoft.com/office/powerpoint/2010/main" xmlns:p15="http://schemas.microsoft.com/office/powerpoint/2012/main" xmlns:ahyp="http://schemas.microsoft.com/office/drawing/2018/hyperlinkcolor">
+  <p:cSld>
+    <p:spTree>
+      <p:nvGrpSpPr>
+        <p:cNvPr id="323" name="Shape 323"/>
+        <p:cNvGrpSpPr/>
+        <p:nvPr/>
+      </p:nvGrpSpPr>
+      <p:grpSpPr>
+        <a:xfrm>
+          <a:off x="0" y="0"/>
+          <a:ext cx="0" cy="0"/>
+          <a:chOff x="0" y="0"/>
+          <a:chExt cx="0" cy="0"/>
+        </a:xfrm>
+      </p:grpSpPr>
+      <p:sp>
+        <p:nvSpPr>
+          <p:cNvPr id="324" name="Google Shape;324;p43"/>
+          <p:cNvSpPr txBox="1"/>
+          <p:nvPr>
+            <p:ph type="title"/>
+          </p:nvPr>
+        </p:nvSpPr>
+        <p:spPr>
+          <a:xfrm>
+            <a:off x="161000" y="135500"/>
+            <a:ext cx="8520600" cy="572700"/>
+          </a:xfrm>
+          <a:prstGeom prst="rect">
+            <a:avLst/>
+          </a:prstGeom>
+        </p:spPr>
+        <p:txBody>
+          <a:bodyPr anchorCtr="0" anchor="t" bIns="91425" lIns="91425" spcFirstLastPara="1" rIns="91425" wrap="square" tIns="91425">
+            <a:noAutofit/>
+          </a:bodyPr>
+          <a:lstStyle/>
+          <a:p>
+            <a:pPr indent="0" lvl="0" marL="0" rtl="0" algn="l">
+              <a:spcBef>
+                <a:spcPts val="0"/>
+              </a:spcBef>
+              <a:spcAft>
+                <a:spcPts val="0"/>
+              </a:spcAft>
+              <a:buNone/>
+            </a:pPr>
+            <a:r>
+              <a:rPr lang="ko" sz="2000"/>
+              <a:t>9</a:t>
+            </a:r>
+            <a:r>
+              <a:rPr lang="ko" sz="2000"/>
+              <a:t>. Model Selection and Bias-Variance Trade off</a:t>
+            </a:r>
+            <a:endParaRPr sz="2000"/>
+          </a:p>
+        </p:txBody>
+      </p:sp>
+      <p:sp>
+        <p:nvSpPr>
+          <p:cNvPr id="325" name="Google Shape;325;p43"/>
+          <p:cNvSpPr txBox="1"/>
+          <p:nvPr>
+            <p:ph idx="12" type="sldNum"/>
+          </p:nvPr>
+        </p:nvSpPr>
+        <p:spPr>
+          <a:xfrm>
+            <a:off x="8472458" y="4663217"/>
+            <a:ext cx="548700" cy="393600"/>
+          </a:xfrm>
+          <a:prstGeom prst="rect">
+            <a:avLst/>
+          </a:prstGeom>
+        </p:spPr>
+        <p:txBody>
+          <a:bodyPr anchorCtr="0" anchor="ctr" bIns="91425" lIns="91425" spcFirstLastPara="1" rIns="91425" wrap="square" tIns="91425">
+            <a:noAutofit/>
+          </a:bodyPr>
+          <a:lstStyle/>
+          <a:p>
+            <a:pPr indent="0" lvl="0" marL="0" rtl="0" algn="r">
+              <a:spcBef>
+                <a:spcPts val="0"/>
+              </a:spcBef>
+              <a:spcAft>
+                <a:spcPts val="0"/>
+              </a:spcAft>
+              <a:buNone/>
+            </a:pPr>
+            <a:fld id="{00000000-1234-1234-1234-123412341234}" type="slidenum">
+              <a:rPr lang="ko"/>
+              <a:t>‹#›</a:t>
+            </a:fld>
+            <a:endParaRPr/>
+          </a:p>
+        </p:txBody>
+      </p:sp>
     </p:spTree>
   </p:cSld>
   <p:clrMapOvr>
@@ -12391,12 +18035,40 @@
             </a:pPr>
             <a:r>
               <a:rPr lang="ko"/>
-              <a:t>k-nearest neighbor</a:t>
+              <a:t>linear model and least squares</a:t>
             </a:r>
             <a:endParaRPr/>
           </a:p>
         </p:txBody>
       </p:sp>
+      <p:pic>
+        <p:nvPicPr>
+          <p:cNvPr id="124" name="Google Shape;124;p21"/>
+          <p:cNvPicPr preferRelativeResize="0"/>
+          <p:nvPr/>
+        </p:nvPicPr>
+        <p:blipFill>
+          <a:blip r:embed="rId3">
+            <a:alphaModFix/>
+          </a:blip>
+          <a:stretch>
+            <a:fillRect/>
+          </a:stretch>
+        </p:blipFill>
+        <p:spPr>
+          <a:xfrm>
+            <a:off x="2836813" y="1178800"/>
+            <a:ext cx="3594374" cy="3411599"/>
+          </a:xfrm>
+          <a:prstGeom prst="rect">
+            <a:avLst/>
+          </a:prstGeom>
+          <a:noFill/>
+          <a:ln>
+            <a:noFill/>
+          </a:ln>
+        </p:spPr>
+      </p:pic>
     </p:spTree>
   </p:cSld>
   <p:clrMapOvr>
@@ -12410,7 +18082,7 @@
   <p:cSld>
     <p:spTree>
       <p:nvGrpSpPr>
-        <p:cNvPr id="127" name="Shape 127"/>
+        <p:cNvPr id="128" name="Shape 128"/>
         <p:cNvGrpSpPr/>
         <p:nvPr/>
       </p:nvGrpSpPr>
@@ -12424,7 +18096,7 @@
       </p:grpSpPr>
       <p:sp>
         <p:nvSpPr>
-          <p:cNvPr id="128" name="Google Shape;128;p22"/>
+          <p:cNvPr id="129" name="Google Shape;129;p22"/>
           <p:cNvSpPr txBox="1"/>
           <p:nvPr>
             <p:ph type="title"/>
@@ -12464,7 +18136,7 @@
       </p:sp>
       <p:sp>
         <p:nvSpPr>
-          <p:cNvPr id="129" name="Google Shape;129;p22"/>
+          <p:cNvPr id="130" name="Google Shape;130;p22"/>
           <p:cNvSpPr txBox="1"/>
           <p:nvPr>
             <p:ph idx="12" type="sldNum"/>
@@ -12504,7 +18176,7 @@
       </p:sp>
       <p:sp>
         <p:nvSpPr>
-          <p:cNvPr id="130" name="Google Shape;130;p22"/>
+          <p:cNvPr id="131" name="Google Shape;131;p22"/>
           <p:cNvSpPr txBox="1"/>
           <p:nvPr>
             <p:ph idx="2" type="title"/>
@@ -12536,12 +18208,68 @@
             </a:pPr>
             <a:r>
               <a:rPr lang="ko"/>
-              <a:t>comparison</a:t>
+              <a:t>k-nearest neighbor</a:t>
             </a:r>
             <a:endParaRPr/>
           </a:p>
         </p:txBody>
       </p:sp>
+      <p:pic>
+        <p:nvPicPr>
+          <p:cNvPr id="132" name="Google Shape;132;p22"/>
+          <p:cNvPicPr preferRelativeResize="0"/>
+          <p:nvPr/>
+        </p:nvPicPr>
+        <p:blipFill>
+          <a:blip r:embed="rId3">
+            <a:alphaModFix/>
+          </a:blip>
+          <a:stretch>
+            <a:fillRect/>
+          </a:stretch>
+        </p:blipFill>
+        <p:spPr>
+          <a:xfrm>
+            <a:off x="373700" y="1541425"/>
+            <a:ext cx="4148124" cy="2405650"/>
+          </a:xfrm>
+          <a:prstGeom prst="rect">
+            <a:avLst/>
+          </a:prstGeom>
+          <a:noFill/>
+          <a:ln>
+            <a:noFill/>
+          </a:ln>
+        </p:spPr>
+      </p:pic>
+      <p:pic>
+        <p:nvPicPr>
+          <p:cNvPr id="133" name="Google Shape;133;p22"/>
+          <p:cNvPicPr preferRelativeResize="0"/>
+          <p:nvPr/>
+        </p:nvPicPr>
+        <p:blipFill>
+          <a:blip r:embed="rId4">
+            <a:alphaModFix/>
+          </a:blip>
+          <a:stretch>
+            <a:fillRect/>
+          </a:stretch>
+        </p:blipFill>
+        <p:spPr>
+          <a:xfrm>
+            <a:off x="5133350" y="2457900"/>
+            <a:ext cx="3548250" cy="572700"/>
+          </a:xfrm>
+          <a:prstGeom prst="rect">
+            <a:avLst/>
+          </a:prstGeom>
+          <a:noFill/>
+          <a:ln>
+            <a:noFill/>
+          </a:ln>
+        </p:spPr>
+      </p:pic>
     </p:spTree>
   </p:cSld>
   <p:clrMapOvr>

--- a/ch2. Supervised Learning/presentation/ch2. Overview of Supervised Learning.pptx
+++ b/ch2. Supervised Learning/presentation/ch2. Overview of Supervised Learning.pptx
@@ -3549,7 +3549,7 @@
   <p:cSld>
     <p:spTree>
       <p:nvGrpSpPr>
-        <p:cNvPr id="242" name="Shape 242"/>
+        <p:cNvPr id="250" name="Shape 250"/>
         <p:cNvGrpSpPr/>
         <p:nvPr/>
       </p:nvGrpSpPr>
@@ -3563,7 +3563,7 @@
       </p:grpSpPr>
       <p:sp>
         <p:nvSpPr>
-          <p:cNvPr id="243" name="Google Shape;243;gaa0f91eac0_0_103:notes"/>
+          <p:cNvPr id="251" name="Google Shape;251;gaa0f91eac0_0_103:notes"/>
           <p:cNvSpPr/>
           <p:nvPr>
             <p:ph idx="2" type="sldImg"/>
@@ -3598,7 +3598,7 @@
       </p:sp>
       <p:sp>
         <p:nvSpPr>
-          <p:cNvPr id="244" name="Google Shape;244;gaa0f91eac0_0_103:notes"/>
+          <p:cNvPr id="252" name="Google Shape;252;gaa0f91eac0_0_103:notes"/>
           <p:cNvSpPr txBox="1"/>
           <p:nvPr>
             <p:ph idx="1" type="body"/>
@@ -3630,7 +3630,23 @@
             </a:pPr>
             <a:r>
               <a:rPr lang="ko"/>
-              <a:t>for checking MSE variation by dimensions, define one example there are 1000 data points xi uniformly on [-1,1]^p and Y = f(X) = e −8||X||.</a:t>
+              <a:t>Now, we gonna talk about Bias and Variance in MSE of example for understanding eq 2.25 and Figure 2.7.</a:t>
+            </a:r>
+            <a:endParaRPr/>
+          </a:p>
+          <a:p>
+            <a:pPr indent="0" lvl="0" marL="0" rtl="0" algn="l">
+              <a:spcBef>
+                <a:spcPts val="0"/>
+              </a:spcBef>
+              <a:spcAft>
+                <a:spcPts val="0"/>
+              </a:spcAft>
+              <a:buNone/>
+            </a:pPr>
+            <a:r>
+              <a:rPr lang="ko"/>
+              <a:t>for checking MSE, define one example there are 1000 data points xi uniformly on [-1,1]^p and Y = f(X) = e −8||X||.</a:t>
             </a:r>
             <a:endParaRPr/>
           </a:p>
@@ -3677,23 +3693,23 @@
             </a:pPr>
             <a:r>
               <a:rPr lang="ko"/>
-              <a:t>how to get MSE value at x0 point via Square Error btw optimal function f(x0) and prediction value y hat 0 like top of those.</a:t>
-            </a:r>
-            <a:endParaRPr/>
-          </a:p>
-          <a:p>
-            <a:pPr indent="0" lvl="0" marL="0" rtl="0" algn="l">
-              <a:spcBef>
-                <a:spcPts val="0"/>
-              </a:spcBef>
-              <a:spcAft>
-                <a:spcPts val="0"/>
-              </a:spcAft>
-              <a:buNone/>
-            </a:pPr>
-            <a:r>
-              <a:rPr lang="ko"/>
-              <a:t>for doing that, we need to do some excecutions of y hats like getting sample using data samples and average them for estimating MSE.</a:t>
+              <a:t>how to get MSE value at x0 point via Expectation of Square Error btw optimal function f(x0) and prediction value y hat 0 like top of eq 2.25.</a:t>
+            </a:r>
+            <a:endParaRPr/>
+          </a:p>
+          <a:p>
+            <a:pPr indent="0" lvl="0" marL="0" rtl="0" algn="l">
+              <a:spcBef>
+                <a:spcPts val="0"/>
+              </a:spcBef>
+              <a:spcAft>
+                <a:spcPts val="0"/>
+              </a:spcAft>
+              <a:buNone/>
+            </a:pPr>
+            <a:r>
+              <a:rPr lang="ko"/>
+              <a:t>for doing that, we need to do some excecutions of y0 hats like getting sample using another data samples and average them for estimating MSE.</a:t>
             </a:r>
             <a:endParaRPr/>
           </a:p>
@@ -3724,22 +3740,6 @@
               <a:buNone/>
             </a:pPr>
             <a:r>
-              <a:rPr lang="ko"/>
-              <a:t>  </a:t>
-            </a:r>
-            <a:endParaRPr/>
-          </a:p>
-          <a:p>
-            <a:pPr indent="0" lvl="0" marL="0" rtl="0" algn="l">
-              <a:spcBef>
-                <a:spcPts val="0"/>
-              </a:spcBef>
-              <a:spcAft>
-                <a:spcPts val="0"/>
-              </a:spcAft>
-              <a:buNone/>
-            </a:pPr>
-            <a:r>
               <a:t/>
             </a:r>
             <a:endParaRPr/>
@@ -3755,38 +3755,388 @@
               <a:buNone/>
             </a:pPr>
             <a:r>
+              <a:rPr lang="ko"/>
+              <a:t>adding addition </a:t>
+            </a:r>
+            <a:r>
+              <a:rPr lang="ko">
+                <a:solidFill>
+                  <a:schemeClr val="dk1"/>
+                </a:solidFill>
+              </a:rPr>
+              <a:t>and substraction of Et(y hat 0) itself on top of eq 2.25.</a:t>
+            </a:r>
+            <a:endParaRPr>
+              <a:solidFill>
+                <a:schemeClr val="dk1"/>
+              </a:solidFill>
+            </a:endParaRPr>
+          </a:p>
+          <a:p>
+            <a:pPr indent="0" lvl="0" marL="0" rtl="0" algn="l">
+              <a:spcBef>
+                <a:spcPts val="0"/>
+              </a:spcBef>
+              <a:spcAft>
+                <a:spcPts val="0"/>
+              </a:spcAft>
+              <a:buNone/>
+            </a:pPr>
+            <a:r>
+              <a:rPr lang="ko">
+                <a:solidFill>
+                  <a:schemeClr val="dk1"/>
+                </a:solidFill>
+              </a:rPr>
+              <a:t>it seems like second line of picture on the right side of slide.</a:t>
+            </a:r>
+            <a:endParaRPr>
+              <a:solidFill>
+                <a:schemeClr val="dk1"/>
+              </a:solidFill>
+            </a:endParaRPr>
+          </a:p>
+          <a:p>
+            <a:pPr indent="0" lvl="0" marL="0" rtl="0" algn="l">
+              <a:spcBef>
+                <a:spcPts val="0"/>
+              </a:spcBef>
+              <a:spcAft>
+                <a:spcPts val="0"/>
+              </a:spcAft>
+              <a:buNone/>
+            </a:pPr>
+            <a:r>
+              <a:rPr lang="ko">
+                <a:solidFill>
+                  <a:schemeClr val="dk1"/>
+                </a:solidFill>
+              </a:rPr>
+              <a:t>And then substitution left red line as A and right red line as B.</a:t>
+            </a:r>
+            <a:endParaRPr>
+              <a:solidFill>
+                <a:schemeClr val="dk1"/>
+              </a:solidFill>
+            </a:endParaRPr>
+          </a:p>
+          <a:p>
+            <a:pPr indent="0" lvl="0" marL="0" rtl="0" algn="l">
+              <a:spcBef>
+                <a:spcPts val="0"/>
+              </a:spcBef>
+              <a:spcAft>
+                <a:spcPts val="0"/>
+              </a:spcAft>
+              <a:buNone/>
+            </a:pPr>
+            <a:r>
+              <a:rPr lang="ko">
+                <a:solidFill>
+                  <a:schemeClr val="dk1"/>
+                </a:solidFill>
+              </a:rPr>
+              <a:t>It will be sqaure on sum of two variables, A and B.</a:t>
+            </a:r>
+            <a:endParaRPr>
+              <a:solidFill>
+                <a:schemeClr val="dk1"/>
+              </a:solidFill>
+            </a:endParaRPr>
+          </a:p>
+          <a:p>
+            <a:pPr indent="0" lvl="0" marL="0" rtl="0" algn="l">
+              <a:spcBef>
+                <a:spcPts val="0"/>
+              </a:spcBef>
+              <a:spcAft>
+                <a:spcPts val="0"/>
+              </a:spcAft>
+              <a:buNone/>
+            </a:pPr>
+            <a:r>
+              <a:rPr lang="ko">
+                <a:solidFill>
+                  <a:schemeClr val="dk1"/>
+                </a:solidFill>
+              </a:rPr>
+              <a:t>according to another equations below, finally we could get </a:t>
+            </a:r>
+            <a:r>
+              <a:rPr lang="ko" sz="1050">
+                <a:solidFill>
+                  <a:srgbClr val="C5A332"/>
+                </a:solidFill>
+                <a:highlight>
+                  <a:srgbClr val="F9F9F9"/>
+                </a:highlight>
+                <a:latin typeface="Courier New"/>
+                <a:ea typeface="Courier New"/>
+                <a:cs typeface="Courier New"/>
+                <a:sym typeface="Courier New"/>
+              </a:rPr>
+              <a:t>\{\hat{y_0}-E_t(\hat{y_0})\}^2+E_t[E_t(\hat{y_0})-\hat{y_0}]^2</a:t>
+            </a:r>
+            <a:r>
+              <a:rPr lang="ko">
+                <a:solidFill>
+                  <a:schemeClr val="dk1"/>
+                </a:solidFill>
+              </a:rPr>
+              <a:t>, the second line from the bottom.</a:t>
+            </a:r>
+            <a:endParaRPr>
+              <a:solidFill>
+                <a:schemeClr val="dk1"/>
+              </a:solidFill>
+            </a:endParaRPr>
+          </a:p>
+          <a:p>
+            <a:pPr indent="0" lvl="0" marL="0" rtl="0" algn="l">
+              <a:spcBef>
+                <a:spcPts val="0"/>
+              </a:spcBef>
+              <a:spcAft>
+                <a:spcPts val="0"/>
+              </a:spcAft>
+              <a:buNone/>
+            </a:pPr>
+            <a:r>
+              <a:rPr lang="ko">
+                <a:solidFill>
+                  <a:schemeClr val="dk1"/>
+                </a:solidFill>
+              </a:rPr>
+              <a:t>the left side of it be as Bias and the right side of if be as Variance using words what I commented in previous slide.</a:t>
+            </a:r>
+            <a:endParaRPr>
+              <a:solidFill>
+                <a:schemeClr val="dk1"/>
+              </a:solidFill>
+            </a:endParaRPr>
+          </a:p>
+          <a:p>
+            <a:pPr indent="0" lvl="0" marL="0" rtl="0" algn="l">
+              <a:spcBef>
+                <a:spcPts val="0"/>
+              </a:spcBef>
+              <a:spcAft>
+                <a:spcPts val="0"/>
+              </a:spcAft>
+              <a:buNone/>
+            </a:pPr>
+            <a:r>
               <a:t/>
             </a:r>
-            <a:endParaRPr/>
-          </a:p>
-          <a:p>
-            <a:pPr indent="0" lvl="0" marL="0" rtl="0" algn="l">
-              <a:spcBef>
-                <a:spcPts val="0"/>
-              </a:spcBef>
-              <a:spcAft>
-                <a:spcPts val="0"/>
-              </a:spcAft>
+            <a:endParaRPr>
+              <a:solidFill>
+                <a:schemeClr val="dk1"/>
+              </a:solidFill>
+            </a:endParaRPr>
+          </a:p>
+          <a:p>
+            <a:pPr indent="0" lvl="0" marL="0" rtl="0" algn="l">
+              <a:spcBef>
+                <a:spcPts val="0"/>
+              </a:spcBef>
+              <a:spcAft>
+                <a:spcPts val="0"/>
+              </a:spcAft>
+              <a:buNone/>
+            </a:pPr>
+            <a:r>
+              <a:rPr lang="ko"/>
+              <a:t>then, what is bias and variance?</a:t>
+            </a:r>
+            <a:endParaRPr/>
+          </a:p>
+          <a:p>
+            <a:pPr indent="0" lvl="0" marL="0" rtl="0" algn="l">
+              <a:spcBef>
+                <a:spcPts val="0"/>
+              </a:spcBef>
+              <a:spcAft>
+                <a:spcPts val="0"/>
+              </a:spcAft>
+              <a:buClr>
+                <a:schemeClr val="dk1"/>
+              </a:buClr>
+              <a:buSzPts val="1100"/>
+              <a:buFont typeface="Arial"/>
+              <a:buNone/>
+            </a:pPr>
+            <a:r>
+              <a:rPr lang="ko" sz="1400">
+                <a:solidFill>
+                  <a:schemeClr val="dk1"/>
+                </a:solidFill>
+              </a:rPr>
+              <a:t>Bias: how much close samples average result with answer</a:t>
+            </a:r>
+            <a:endParaRPr sz="1400">
+              <a:solidFill>
+                <a:schemeClr val="dk1"/>
+              </a:solidFill>
+            </a:endParaRPr>
+          </a:p>
+          <a:p>
+            <a:pPr indent="-317500" lvl="0" marL="457200" rtl="0" algn="l">
+              <a:spcBef>
+                <a:spcPts val="0"/>
+              </a:spcBef>
+              <a:spcAft>
+                <a:spcPts val="0"/>
+              </a:spcAft>
+              <a:buClr>
+                <a:schemeClr val="dk1"/>
+              </a:buClr>
+              <a:buSzPts val="1400"/>
+              <a:buChar char="●"/>
+            </a:pPr>
+            <a:r>
+              <a:rPr lang="ko" sz="1400">
+                <a:solidFill>
+                  <a:schemeClr val="dk1"/>
+                </a:solidFill>
+              </a:rPr>
+              <a:t>low - good prediction via repeats </a:t>
+            </a:r>
+            <a:endParaRPr sz="1400">
+              <a:solidFill>
+                <a:schemeClr val="dk1"/>
+              </a:solidFill>
+            </a:endParaRPr>
+          </a:p>
+          <a:p>
+            <a:pPr indent="-317500" lvl="0" marL="457200" rtl="0" algn="l">
+              <a:spcBef>
+                <a:spcPts val="0"/>
+              </a:spcBef>
+              <a:spcAft>
+                <a:spcPts val="0"/>
+              </a:spcAft>
+              <a:buClr>
+                <a:schemeClr val="dk1"/>
+              </a:buClr>
+              <a:buSzPts val="1400"/>
+              <a:buChar char="●"/>
+            </a:pPr>
+            <a:r>
+              <a:rPr lang="ko" sz="1400">
+                <a:solidFill>
+                  <a:schemeClr val="dk1"/>
+                </a:solidFill>
+              </a:rPr>
+              <a:t>high - not good prediction despite to do many repeats</a:t>
+            </a:r>
+            <a:endParaRPr sz="1400">
+              <a:solidFill>
+                <a:schemeClr val="dk1"/>
+              </a:solidFill>
+            </a:endParaRPr>
+          </a:p>
+          <a:p>
+            <a:pPr indent="0" lvl="0" marL="0" rtl="0" algn="l">
+              <a:spcBef>
+                <a:spcPts val="0"/>
+              </a:spcBef>
+              <a:spcAft>
+                <a:spcPts val="0"/>
+              </a:spcAft>
+              <a:buClr>
+                <a:schemeClr val="dk1"/>
+              </a:buClr>
+              <a:buSzPts val="1100"/>
+              <a:buFont typeface="Arial"/>
               <a:buNone/>
             </a:pPr>
             <a:r>
               <a:t/>
             </a:r>
-            <a:endParaRPr/>
-          </a:p>
-          <a:p>
-            <a:pPr indent="0" lvl="0" marL="0" rtl="0" algn="l">
-              <a:spcBef>
-                <a:spcPts val="0"/>
-              </a:spcBef>
-              <a:spcAft>
-                <a:spcPts val="0"/>
-              </a:spcAft>
-              <a:buNone/>
-            </a:pPr>
-            <a:r>
-              <a:rPr lang="ko"/>
-              <a:t>due to that the problem is deterministic now, we could get MSE for estimation f(0) like below.</a:t>
+            <a:endParaRPr sz="1400">
+              <a:solidFill>
+                <a:schemeClr val="dk1"/>
+              </a:solidFill>
+            </a:endParaRPr>
+          </a:p>
+          <a:p>
+            <a:pPr indent="0" lvl="0" marL="0" rtl="0" algn="l">
+              <a:spcBef>
+                <a:spcPts val="0"/>
+              </a:spcBef>
+              <a:spcAft>
+                <a:spcPts val="0"/>
+              </a:spcAft>
+              <a:buClr>
+                <a:schemeClr val="dk1"/>
+              </a:buClr>
+              <a:buSzPts val="1100"/>
+              <a:buFont typeface="Arial"/>
+              <a:buNone/>
+            </a:pPr>
+            <a:r>
+              <a:rPr lang="ko" sz="1400">
+                <a:solidFill>
+                  <a:schemeClr val="dk1"/>
+                </a:solidFill>
+              </a:rPr>
+              <a:t>Variance: difference between samples average and one sample</a:t>
+            </a:r>
+            <a:endParaRPr sz="1400">
+              <a:solidFill>
+                <a:schemeClr val="dk1"/>
+              </a:solidFill>
+            </a:endParaRPr>
+          </a:p>
+          <a:p>
+            <a:pPr indent="-317500" lvl="0" marL="457200" rtl="0" algn="l">
+              <a:spcBef>
+                <a:spcPts val="0"/>
+              </a:spcBef>
+              <a:spcAft>
+                <a:spcPts val="0"/>
+              </a:spcAft>
+              <a:buClr>
+                <a:schemeClr val="dk1"/>
+              </a:buClr>
+              <a:buSzPts val="1400"/>
+              <a:buChar char="●"/>
+            </a:pPr>
+            <a:r>
+              <a:rPr lang="ko" sz="1400">
+                <a:solidFill>
+                  <a:schemeClr val="dk1"/>
+                </a:solidFill>
+              </a:rPr>
+              <a:t>low - constant approximation value by changes of sample</a:t>
+            </a:r>
+            <a:endParaRPr sz="1400">
+              <a:solidFill>
+                <a:schemeClr val="dk1"/>
+              </a:solidFill>
+            </a:endParaRPr>
+          </a:p>
+          <a:p>
+            <a:pPr indent="-317500" lvl="0" marL="457200" rtl="0" algn="l">
+              <a:spcBef>
+                <a:spcPts val="0"/>
+              </a:spcBef>
+              <a:spcAft>
+                <a:spcPts val="0"/>
+              </a:spcAft>
+              <a:buClr>
+                <a:schemeClr val="dk1"/>
+              </a:buClr>
+              <a:buSzPts val="1400"/>
+              <a:buChar char="●"/>
+            </a:pPr>
+            <a:r>
+              <a:rPr lang="ko" sz="1400">
+                <a:solidFill>
+                  <a:schemeClr val="dk1"/>
+                </a:solidFill>
+              </a:rPr>
+              <a:t>high- volatile approximation value by changes of sample </a:t>
             </a:r>
             <a:endParaRPr/>
           </a:p>
@@ -3817,38 +4167,23 @@
             </a:pPr>
             <a:r>
               <a:rPr lang="ko"/>
-              <a:t> MSE(x0) = ET [f(x0) − yˆ0] 2 = ET [ˆy0 − ET (ˆy0)]2 + [ET (ˆy0) − f(x0)]2 = VarT (ˆy0) + Bias2 (ˆy0). (2.25)</a:t>
-            </a:r>
-            <a:endParaRPr/>
-          </a:p>
-          <a:p>
-            <a:pPr indent="0" lvl="0" marL="0" rtl="0" algn="l">
-              <a:spcBef>
-                <a:spcPts val="0"/>
-              </a:spcBef>
-              <a:spcAft>
-                <a:spcPts val="0"/>
-              </a:spcAft>
-              <a:buNone/>
-            </a:pPr>
-            <a:r>
-              <a:t/>
-            </a:r>
-            <a:endParaRPr/>
-          </a:p>
-          <a:p>
-            <a:pPr indent="0" lvl="0" marL="0" rtl="0" algn="l">
-              <a:spcBef>
-                <a:spcPts val="0"/>
-              </a:spcBef>
-              <a:spcAft>
-                <a:spcPts val="0"/>
-              </a:spcAft>
-              <a:buNone/>
-            </a:pPr>
-            <a:r>
-              <a:rPr lang="ko"/>
-              <a:t>Through the result of MSE equation 2.25, It could be divided into two part as Variance and Bias. </a:t>
+              <a:t>So, we decompose bias and variance using Expectation of Loss function using example.</a:t>
+            </a:r>
+            <a:endParaRPr/>
+          </a:p>
+          <a:p>
+            <a:pPr indent="0" lvl="0" marL="0" rtl="0" algn="l">
+              <a:spcBef>
+                <a:spcPts val="0"/>
+              </a:spcBef>
+              <a:spcAft>
+                <a:spcPts val="0"/>
+              </a:spcAft>
+              <a:buNone/>
+            </a:pPr>
+            <a:r>
+              <a:rPr lang="ko"/>
+              <a:t>It’s called Bias-Variance Decomposition and two concepts have adopts to check the degree of ML model training. </a:t>
             </a:r>
             <a:endParaRPr/>
           </a:p>
@@ -3999,7 +4334,7 @@
   <p:cSld>
     <p:spTree>
       <p:nvGrpSpPr>
-        <p:cNvPr id="254" name="Shape 254"/>
+        <p:cNvPr id="262" name="Shape 262"/>
         <p:cNvGrpSpPr/>
         <p:nvPr/>
       </p:nvGrpSpPr>
@@ -4013,7 +4348,7 @@
       </p:grpSpPr>
       <p:sp>
         <p:nvSpPr>
-          <p:cNvPr id="255" name="Google Shape;255;gaa0f91eac0_0_131:notes"/>
+          <p:cNvPr id="263" name="Google Shape;263;gaa0f91eac0_0_131:notes"/>
           <p:cNvSpPr/>
           <p:nvPr>
             <p:ph idx="2" type="sldImg"/>
@@ -4048,7 +4383,7 @@
       </p:sp>
       <p:sp>
         <p:nvSpPr>
-          <p:cNvPr id="256" name="Google Shape;256;gaa0f91eac0_0_131:notes"/>
+          <p:cNvPr id="264" name="Google Shape;264;gaa0f91eac0_0_131:notes"/>
           <p:cNvSpPr txBox="1"/>
           <p:nvPr>
             <p:ph idx="1" type="body"/>
@@ -4080,23 +4415,7 @@
             </a:pPr>
             <a:r>
               <a:rPr lang="ko"/>
-              <a:t>for checking MSE variation by dimensions, define one example there are 1000 data points xi uniformly on [-1,1]^p and Y = f(X) = e −8||X||.</a:t>
-            </a:r>
-            <a:endParaRPr/>
-          </a:p>
-          <a:p>
-            <a:pPr indent="0" lvl="0" marL="0" rtl="0" algn="l">
-              <a:spcBef>
-                <a:spcPts val="0"/>
-              </a:spcBef>
-              <a:spcAft>
-                <a:spcPts val="0"/>
-              </a:spcAft>
-              <a:buNone/>
-            </a:pPr>
-            <a:r>
-              <a:rPr lang="ko"/>
-              <a:t>and to get MSE value in simple way, it uses 1-nearest-neighbor. and think about x0 point only.</a:t>
+              <a:t>Then let us turn back the result of example.</a:t>
             </a:r>
             <a:endParaRPr/>
           </a:p>
@@ -4127,55 +4446,23 @@
             </a:pPr>
             <a:r>
               <a:rPr lang="ko"/>
-              <a:t>how to get MSE value at x0 point via Square Error btw optimal function f(x0) and prediction value y hat 0 like top of those.</a:t>
-            </a:r>
-            <a:endParaRPr/>
-          </a:p>
-          <a:p>
-            <a:pPr indent="0" lvl="0" marL="0" rtl="0" algn="l">
-              <a:spcBef>
-                <a:spcPts val="0"/>
-              </a:spcBef>
-              <a:spcAft>
-                <a:spcPts val="0"/>
-              </a:spcAft>
-              <a:buNone/>
-            </a:pPr>
-            <a:r>
-              <a:rPr lang="ko"/>
-              <a:t>for doing that, we need to do some excecutions of y hats like getting sample using data samples and average them for estimating MSE.</a:t>
-            </a:r>
-            <a:endParaRPr/>
-          </a:p>
-          <a:p>
-            <a:pPr indent="0" lvl="0" marL="0" rtl="0" algn="l">
-              <a:spcBef>
-                <a:spcPts val="0"/>
-              </a:spcBef>
-              <a:spcAft>
-                <a:spcPts val="0"/>
-              </a:spcAft>
-              <a:buNone/>
-            </a:pPr>
-            <a:r>
-              <a:rPr lang="ko"/>
-              <a:t>the simbol what I’m saying now is Et(y hat 0) means Expectation of y hat 0 via some datasets.</a:t>
-            </a:r>
-            <a:endParaRPr/>
-          </a:p>
-          <a:p>
-            <a:pPr indent="0" lvl="0" marL="0" rtl="0" algn="l">
-              <a:spcBef>
-                <a:spcPts val="0"/>
-              </a:spcBef>
-              <a:spcAft>
-                <a:spcPts val="0"/>
-              </a:spcAft>
-              <a:buNone/>
-            </a:pPr>
-            <a:r>
-              <a:rPr lang="ko"/>
-              <a:t>  </a:t>
+              <a:t>like some symptoms of the curse, the distance is getting far away with neighbor by increasing number of dimensions.</a:t>
+            </a:r>
+            <a:endParaRPr/>
+          </a:p>
+          <a:p>
+            <a:pPr indent="0" lvl="0" marL="0" rtl="0" algn="l">
+              <a:spcBef>
+                <a:spcPts val="0"/>
+              </a:spcBef>
+              <a:spcAft>
+                <a:spcPts val="0"/>
+              </a:spcAft>
+              <a:buNone/>
+            </a:pPr>
+            <a:r>
+              <a:rPr lang="ko"/>
+              <a:t>due to that, a data point needs to predict will be far away from target point, So, square of bias will be increased enormousely of MSE.</a:t>
             </a:r>
             <a:endParaRPr/>
           </a:p>
@@ -4206,171 +4493,6 @@
             </a:pPr>
             <a:r>
               <a:t/>
-            </a:r>
-            <a:endParaRPr/>
-          </a:p>
-          <a:p>
-            <a:pPr indent="0" lvl="0" marL="0" rtl="0" algn="l">
-              <a:spcBef>
-                <a:spcPts val="0"/>
-              </a:spcBef>
-              <a:spcAft>
-                <a:spcPts val="0"/>
-              </a:spcAft>
-              <a:buNone/>
-            </a:pPr>
-            <a:r>
-              <a:t/>
-            </a:r>
-            <a:endParaRPr/>
-          </a:p>
-          <a:p>
-            <a:pPr indent="0" lvl="0" marL="0" rtl="0" algn="l">
-              <a:spcBef>
-                <a:spcPts val="0"/>
-              </a:spcBef>
-              <a:spcAft>
-                <a:spcPts val="0"/>
-              </a:spcAft>
-              <a:buNone/>
-            </a:pPr>
-            <a:r>
-              <a:rPr lang="ko"/>
-              <a:t>due to that the problem is deterministic now, we could get MSE for estimation f(0) like below.</a:t>
-            </a:r>
-            <a:endParaRPr/>
-          </a:p>
-          <a:p>
-            <a:pPr indent="0" lvl="0" marL="0" rtl="0" algn="l">
-              <a:spcBef>
-                <a:spcPts val="0"/>
-              </a:spcBef>
-              <a:spcAft>
-                <a:spcPts val="0"/>
-              </a:spcAft>
-              <a:buNone/>
-            </a:pPr>
-            <a:r>
-              <a:t/>
-            </a:r>
-            <a:endParaRPr/>
-          </a:p>
-          <a:p>
-            <a:pPr indent="0" lvl="0" marL="0" rtl="0" algn="l">
-              <a:spcBef>
-                <a:spcPts val="0"/>
-              </a:spcBef>
-              <a:spcAft>
-                <a:spcPts val="0"/>
-              </a:spcAft>
-              <a:buNone/>
-            </a:pPr>
-            <a:r>
-              <a:rPr lang="ko"/>
-              <a:t> MSE(x0) = ET [f(x0) − yˆ0] 2 = ET [ˆy0 − ET (ˆy0)]2 + [ET (ˆy0) − f(x0)]2 = VarT (ˆy0) + Bias2 (ˆy0). (2.25)</a:t>
-            </a:r>
-            <a:endParaRPr/>
-          </a:p>
-          <a:p>
-            <a:pPr indent="0" lvl="0" marL="0" rtl="0" algn="l">
-              <a:spcBef>
-                <a:spcPts val="0"/>
-              </a:spcBef>
-              <a:spcAft>
-                <a:spcPts val="0"/>
-              </a:spcAft>
-              <a:buNone/>
-            </a:pPr>
-            <a:r>
-              <a:t/>
-            </a:r>
-            <a:endParaRPr/>
-          </a:p>
-          <a:p>
-            <a:pPr indent="0" lvl="0" marL="0" rtl="0" algn="l">
-              <a:spcBef>
-                <a:spcPts val="0"/>
-              </a:spcBef>
-              <a:spcAft>
-                <a:spcPts val="0"/>
-              </a:spcAft>
-              <a:buNone/>
-            </a:pPr>
-            <a:r>
-              <a:rPr lang="ko"/>
-              <a:t>Through the result of MSE equation 2.25, It could be divided into two part as Variance and Bias. </a:t>
-            </a:r>
-            <a:endParaRPr/>
-          </a:p>
-          <a:p>
-            <a:pPr indent="0" lvl="0" marL="0" rtl="0" algn="l">
-              <a:spcBef>
-                <a:spcPts val="0"/>
-              </a:spcBef>
-              <a:spcAft>
-                <a:spcPts val="0"/>
-              </a:spcAft>
-              <a:buNone/>
-            </a:pPr>
-            <a:r>
-              <a:t/>
-            </a:r>
-            <a:endParaRPr/>
-          </a:p>
-          <a:p>
-            <a:pPr indent="0" lvl="0" marL="0" rtl="0" algn="l">
-              <a:spcBef>
-                <a:spcPts val="0"/>
-              </a:spcBef>
-              <a:spcAft>
-                <a:spcPts val="0"/>
-              </a:spcAft>
-              <a:buNone/>
-            </a:pPr>
-            <a:r>
-              <a:t/>
-            </a:r>
-            <a:endParaRPr/>
-          </a:p>
-          <a:p>
-            <a:pPr indent="0" lvl="0" marL="0" rtl="0" algn="l">
-              <a:spcBef>
-                <a:spcPts val="0"/>
-              </a:spcBef>
-              <a:spcAft>
-                <a:spcPts val="0"/>
-              </a:spcAft>
-              <a:buNone/>
-            </a:pPr>
-            <a:r>
-              <a:rPr lang="ko" u="sng">
-                <a:solidFill>
-                  <a:schemeClr val="hlink"/>
-                </a:solidFill>
-                <a:hlinkClick r:id="rId2"/>
-              </a:rPr>
-              <a:t>https://ratsgo.github.io/machine%20learning/2017/05/19/biasvar/</a:t>
-            </a:r>
-            <a:endParaRPr/>
-          </a:p>
-          <a:p>
-            <a:pPr indent="0" lvl="0" marL="0" rtl="0" algn="l">
-              <a:spcBef>
-                <a:spcPts val="0"/>
-              </a:spcBef>
-              <a:spcAft>
-                <a:spcPts val="0"/>
-              </a:spcAft>
-              <a:buNone/>
-            </a:pPr>
-            <a:r>
-              <a:rPr lang="ko" u="sng">
-                <a:solidFill>
-                  <a:schemeClr val="hlink"/>
-                </a:solidFill>
-                <a:hlinkClick r:id="rId3"/>
-              </a:rPr>
-              <a:t>https://www.youtube.com/watch?v=mZwszY3kQBg</a:t>
             </a:r>
             <a:endParaRPr/>
           </a:p>
@@ -4449,7 +4571,7 @@
   <p:cSld>
     <p:spTree>
       <p:nvGrpSpPr>
-        <p:cNvPr id="262" name="Shape 262"/>
+        <p:cNvPr id="271" name="Shape 271"/>
         <p:cNvGrpSpPr/>
         <p:nvPr/>
       </p:nvGrpSpPr>
@@ -4463,7 +4585,7 @@
       </p:grpSpPr>
       <p:sp>
         <p:nvSpPr>
-          <p:cNvPr id="263" name="Google Shape;263;gaa0f91eac0_0_111:notes"/>
+          <p:cNvPr id="272" name="Google Shape;272;gaa19f022b4_0_14:notes"/>
           <p:cNvSpPr/>
           <p:nvPr>
             <p:ph idx="2" type="sldImg"/>
@@ -4498,7 +4620,7 @@
       </p:sp>
       <p:sp>
         <p:nvSpPr>
-          <p:cNvPr id="264" name="Google Shape;264;gaa0f91eac0_0_111:notes"/>
+          <p:cNvPr id="273" name="Google Shape;273;gaa19f022b4_0_14:notes"/>
           <p:cNvSpPr txBox="1"/>
           <p:nvPr>
             <p:ph idx="1" type="body"/>
@@ -4518,6 +4640,172 @@
             <a:noAutofit/>
           </a:bodyPr>
           <a:lstStyle/>
+          <a:p>
+            <a:pPr indent="0" lvl="0" marL="0" rtl="0" algn="l">
+              <a:spcBef>
+                <a:spcPts val="0"/>
+              </a:spcBef>
+              <a:spcAft>
+                <a:spcPts val="0"/>
+              </a:spcAft>
+              <a:buNone/>
+            </a:pPr>
+            <a:r>
+              <a:rPr lang="ko"/>
+              <a:t>if function f(x) become more complex than first example, f(x</a:t>
+            </a:r>
+            <a:r>
+              <a:rPr lang="ko">
+                <a:solidFill>
+                  <a:schemeClr val="dk1"/>
+                </a:solidFill>
+              </a:rPr>
+              <a:t>)</a:t>
+            </a:r>
+            <a:r>
+              <a:rPr lang="ko"/>
+              <a:t> be cubic equation than previous linear one.</a:t>
+            </a:r>
+            <a:endParaRPr/>
+          </a:p>
+          <a:p>
+            <a:pPr indent="0" lvl="0" marL="0" rtl="0" algn="l">
+              <a:spcBef>
+                <a:spcPts val="0"/>
+              </a:spcBef>
+              <a:spcAft>
+                <a:spcPts val="0"/>
+              </a:spcAft>
+              <a:buNone/>
+            </a:pPr>
+            <a:r>
+              <a:t/>
+            </a:r>
+            <a:endParaRPr/>
+          </a:p>
+          <a:p>
+            <a:pPr indent="0" lvl="0" marL="0" rtl="0" algn="l">
+              <a:spcBef>
+                <a:spcPts val="0"/>
+              </a:spcBef>
+              <a:spcAft>
+                <a:spcPts val="0"/>
+              </a:spcAft>
+              <a:buNone/>
+            </a:pPr>
+            <a:r>
+              <a:rPr lang="ko"/>
+              <a:t>the function what it’s more complex variance dominates in MSE unlike previous function.</a:t>
+            </a:r>
+            <a:endParaRPr/>
+          </a:p>
+          <a:p>
+            <a:pPr indent="0" lvl="0" marL="0" rtl="0" algn="l">
+              <a:spcBef>
+                <a:spcPts val="0"/>
+              </a:spcBef>
+              <a:spcAft>
+                <a:spcPts val="0"/>
+              </a:spcAft>
+              <a:buNone/>
+            </a:pPr>
+            <a:r>
+              <a:t/>
+            </a:r>
+            <a:endParaRPr/>
+          </a:p>
+          <a:p>
+            <a:pPr indent="0" lvl="0" marL="0" rtl="0" algn="l">
+              <a:spcBef>
+                <a:spcPts val="0"/>
+              </a:spcBef>
+              <a:spcAft>
+                <a:spcPts val="0"/>
+              </a:spcAft>
+              <a:buNone/>
+            </a:pPr>
+            <a:r>
+              <a:rPr lang="ko"/>
+              <a:t>I think the reason why it says about Bias and Variance by function(Model) Complexity is for showing the changes of those by complexity like Bias-Variance Trade-off problem. by handling simple example of 1-nn example.</a:t>
+            </a:r>
+            <a:endParaRPr/>
+          </a:p>
+          <a:p>
+            <a:pPr indent="0" lvl="0" marL="0" rtl="0" algn="l">
+              <a:spcBef>
+                <a:spcPts val="0"/>
+              </a:spcBef>
+              <a:spcAft>
+                <a:spcPts val="0"/>
+              </a:spcAft>
+              <a:buNone/>
+            </a:pPr>
+            <a:r>
+              <a:t/>
+            </a:r>
+            <a:endParaRPr/>
+          </a:p>
+          <a:p>
+            <a:pPr indent="0" lvl="0" marL="0" rtl="0" algn="l">
+              <a:spcBef>
+                <a:spcPts val="0"/>
+              </a:spcBef>
+              <a:spcAft>
+                <a:spcPts val="0"/>
+              </a:spcAft>
+              <a:buNone/>
+            </a:pPr>
+            <a:r>
+              <a:rPr lang="ko"/>
+              <a:t>https://stats.stackexchange.com/questions/144245/how-can-increasing-the-dimension-increase-the-variance-without-increasing-the-bi</a:t>
+            </a:r>
+            <a:endParaRPr/>
+          </a:p>
+          <a:p>
+            <a:pPr indent="0" lvl="0" marL="0" rtl="0" algn="l">
+              <a:spcBef>
+                <a:spcPts val="0"/>
+              </a:spcBef>
+              <a:spcAft>
+                <a:spcPts val="0"/>
+              </a:spcAft>
+              <a:buNone/>
+            </a:pPr>
+            <a:r>
+              <a:t/>
+            </a:r>
+            <a:endParaRPr/>
+          </a:p>
+          <a:p>
+            <a:pPr indent="0" lvl="0" marL="0" rtl="0" algn="l">
+              <a:spcBef>
+                <a:spcPts val="0"/>
+              </a:spcBef>
+              <a:spcAft>
+                <a:spcPts val="0"/>
+              </a:spcAft>
+              <a:buNone/>
+            </a:pPr>
+            <a:r>
+              <a:t/>
+            </a:r>
+            <a:endParaRPr/>
+          </a:p>
+          <a:p>
+            <a:pPr indent="0" lvl="0" marL="0" rtl="0" algn="l">
+              <a:spcBef>
+                <a:spcPts val="0"/>
+              </a:spcBef>
+              <a:spcAft>
+                <a:spcPts val="0"/>
+              </a:spcAft>
+              <a:buNone/>
+            </a:pPr>
+            <a:r>
+              <a:t/>
+            </a:r>
+            <a:endParaRPr/>
+          </a:p>
           <a:p>
             <a:pPr indent="0" lvl="0" marL="0" rtl="0" algn="l">
               <a:spcBef>
@@ -4548,7 +4836,7 @@
   <p:cSld>
     <p:spTree>
       <p:nvGrpSpPr>
-        <p:cNvPr id="272" name="Shape 272"/>
+        <p:cNvPr id="280" name="Shape 280"/>
         <p:cNvGrpSpPr/>
         <p:nvPr/>
       </p:nvGrpSpPr>
@@ -4562,7 +4850,7 @@
       </p:grpSpPr>
       <p:sp>
         <p:nvSpPr>
-          <p:cNvPr id="273" name="Google Shape;273;gb2c654c6d7_0_92:notes"/>
+          <p:cNvPr id="281" name="Google Shape;281;gaa0f91eac0_0_111:notes"/>
           <p:cNvSpPr/>
           <p:nvPr>
             <p:ph idx="2" type="sldImg"/>
@@ -4597,7 +4885,7 @@
       </p:sp>
       <p:sp>
         <p:nvSpPr>
-          <p:cNvPr id="274" name="Google Shape;274;gb2c654c6d7_0_92:notes"/>
+          <p:cNvPr id="282" name="Google Shape;282;gaa0f91eac0_0_111:notes"/>
           <p:cNvSpPr txBox="1"/>
           <p:nvPr>
             <p:ph idx="1" type="body"/>
@@ -4628,7 +4916,155 @@
               <a:buNone/>
             </a:pPr>
             <a:r>
+              <a:rPr lang="ko"/>
+              <a:t>as next to nn model, take a look at the linear model like eq.2.26</a:t>
+            </a:r>
+            <a:endParaRPr/>
+          </a:p>
+          <a:p>
+            <a:pPr indent="0" lvl="0" marL="0" rtl="0" algn="l">
+              <a:spcBef>
+                <a:spcPts val="0"/>
+              </a:spcBef>
+              <a:spcAft>
+                <a:spcPts val="0"/>
+              </a:spcAft>
+              <a:buNone/>
+            </a:pPr>
+            <a:r>
+              <a:rPr lang="ko"/>
+              <a:t>There is epsilon variable for taking prediction error between actual and prediction value. </a:t>
+            </a:r>
+            <a:endParaRPr/>
+          </a:p>
+          <a:p>
+            <a:pPr indent="0" lvl="0" marL="0" rtl="0" algn="l">
+              <a:spcBef>
+                <a:spcPts val="0"/>
+              </a:spcBef>
+              <a:spcAft>
+                <a:spcPts val="0"/>
+              </a:spcAft>
+              <a:buNone/>
+            </a:pPr>
+            <a:r>
+              <a:rPr lang="ko"/>
+              <a:t>Through similar development process like nn-model, we could derive last equation that consist of prediction error sigma square, variance, and bias square. and the variance depends on x0.</a:t>
+            </a:r>
+            <a:endParaRPr/>
+          </a:p>
+          <a:p>
+            <a:pPr indent="0" lvl="0" marL="0" rtl="0" algn="l">
+              <a:spcBef>
+                <a:spcPts val="0"/>
+              </a:spcBef>
+              <a:spcAft>
+                <a:spcPts val="0"/>
+              </a:spcAft>
+              <a:buNone/>
+            </a:pPr>
+            <a:r>
               <a:t/>
+            </a:r>
+            <a:endParaRPr/>
+          </a:p>
+          <a:p>
+            <a:pPr indent="0" lvl="0" marL="0" rtl="0" algn="l">
+              <a:spcBef>
+                <a:spcPts val="0"/>
+              </a:spcBef>
+              <a:spcAft>
+                <a:spcPts val="0"/>
+              </a:spcAft>
+              <a:buNone/>
+            </a:pPr>
+            <a:r>
+              <a:rPr lang="ko"/>
+              <a:t>and if we take more assumption on the equation 2.27.</a:t>
+            </a:r>
+            <a:endParaRPr/>
+          </a:p>
+          <a:p>
+            <a:pPr indent="0" lvl="0" marL="0" rtl="0" algn="l">
+              <a:spcBef>
+                <a:spcPts val="0"/>
+              </a:spcBef>
+              <a:spcAft>
+                <a:spcPts val="0"/>
+              </a:spcAft>
+              <a:buNone/>
+            </a:pPr>
+            <a:r>
+              <a:rPr lang="ko"/>
+              <a:t>These are N is large and T were selected at random, and Expectation of X is 0.</a:t>
+            </a:r>
+            <a:endParaRPr/>
+          </a:p>
+          <a:p>
+            <a:pPr indent="0" lvl="0" marL="0" rtl="0" algn="l">
+              <a:spcBef>
+                <a:spcPts val="0"/>
+              </a:spcBef>
+              <a:spcAft>
+                <a:spcPts val="0"/>
+              </a:spcAft>
+              <a:buNone/>
+            </a:pPr>
+            <a:r>
+              <a:rPr lang="ko"/>
+              <a:t>Then </a:t>
+            </a:r>
+            <a:r>
+              <a:rPr lang="ko"/>
+              <a:t>XT X → NCov(X). It will be derived like equation 2.28.</a:t>
+            </a:r>
+            <a:endParaRPr/>
+          </a:p>
+          <a:p>
+            <a:pPr indent="0" lvl="0" marL="0" rtl="0" algn="l">
+              <a:spcBef>
+                <a:spcPts val="0"/>
+              </a:spcBef>
+              <a:spcAft>
+                <a:spcPts val="0"/>
+              </a:spcAft>
+              <a:buNone/>
+            </a:pPr>
+            <a:r>
+              <a:rPr lang="ko"/>
+              <a:t>according to eq 2.28, EPE increased linearly as function of p, with slope sigma square divide N.</a:t>
+            </a:r>
+            <a:endParaRPr/>
+          </a:p>
+          <a:p>
+            <a:pPr indent="0" lvl="0" marL="0" rtl="0" algn="l">
+              <a:spcBef>
+                <a:spcPts val="0"/>
+              </a:spcBef>
+              <a:spcAft>
+                <a:spcPts val="0"/>
+              </a:spcAft>
+              <a:buNone/>
+            </a:pPr>
+            <a:r>
+              <a:rPr lang="ko"/>
+              <a:t>if N is large sigma square is small, effectness of p value is negligible.</a:t>
+            </a:r>
+            <a:endParaRPr/>
+          </a:p>
+          <a:p>
+            <a:pPr indent="0" lvl="0" marL="0" rtl="0" algn="l">
+              <a:spcBef>
+                <a:spcPts val="0"/>
+              </a:spcBef>
+              <a:spcAft>
+                <a:spcPts val="0"/>
+              </a:spcAft>
+              <a:buNone/>
+            </a:pPr>
+            <a:r>
+              <a:rPr lang="ko"/>
+              <a:t>Thus, linear model could handle to effect of increasing dimensionality via some restrictions like above.</a:t>
             </a:r>
             <a:endParaRPr/>
           </a:p>
@@ -4647,7 +5083,7 @@
   <p:cSld>
     <p:spTree>
       <p:nvGrpSpPr>
-        <p:cNvPr id="279" name="Shape 279"/>
+        <p:cNvPr id="291" name="Shape 291"/>
         <p:cNvGrpSpPr/>
         <p:nvPr/>
       </p:nvGrpSpPr>
@@ -4661,7 +5097,7 @@
       </p:grpSpPr>
       <p:sp>
         <p:nvSpPr>
-          <p:cNvPr id="280" name="Google Shape;280;gb2c654c6d7_0_98:notes"/>
+          <p:cNvPr id="292" name="Google Shape;292;gb2c654c6d7_0_104:notes"/>
           <p:cNvSpPr/>
           <p:nvPr>
             <p:ph idx="2" type="sldImg"/>
@@ -4696,7 +5132,7 @@
       </p:sp>
       <p:sp>
         <p:nvSpPr>
-          <p:cNvPr id="281" name="Google Shape;281;gb2c654c6d7_0_98:notes"/>
+          <p:cNvPr id="293" name="Google Shape;293;gb2c654c6d7_0_104:notes"/>
           <p:cNvSpPr txBox="1"/>
           <p:nvPr>
             <p:ph idx="1" type="body"/>
@@ -4724,12 +5160,405 @@
               <a:spcAft>
                 <a:spcPts val="0"/>
               </a:spcAft>
+              <a:buClr>
+                <a:schemeClr val="dk1"/>
+              </a:buClr>
+              <a:buSzPts val="1100"/>
+              <a:buFont typeface="Arial"/>
+              <a:buNone/>
+            </a:pPr>
+            <a:r>
+              <a:rPr lang="ko">
+                <a:solidFill>
+                  <a:schemeClr val="dk1"/>
+                </a:solidFill>
+              </a:rPr>
+              <a:t>There is a statistical model equation 2.29.</a:t>
+            </a:r>
+            <a:endParaRPr>
+              <a:solidFill>
+                <a:schemeClr val="dk1"/>
+              </a:solidFill>
+            </a:endParaRPr>
+          </a:p>
+          <a:p>
+            <a:pPr indent="0" lvl="0" marL="0" rtl="0" algn="l">
+              <a:spcBef>
+                <a:spcPts val="0"/>
+              </a:spcBef>
+              <a:spcAft>
+                <a:spcPts val="0"/>
+              </a:spcAft>
+              <a:buClr>
+                <a:schemeClr val="dk1"/>
+              </a:buClr>
+              <a:buSzPts val="1100"/>
+              <a:buFont typeface="Arial"/>
+              <a:buNone/>
+            </a:pPr>
+            <a:r>
+              <a:rPr lang="ko">
+                <a:solidFill>
+                  <a:schemeClr val="dk1"/>
+                </a:solidFill>
+              </a:rPr>
+              <a:t>there is epsilon with target function f. what is epsilon here?</a:t>
+            </a:r>
+            <a:endParaRPr>
+              <a:solidFill>
+                <a:schemeClr val="dk1"/>
+              </a:solidFill>
+            </a:endParaRPr>
+          </a:p>
+          <a:p>
+            <a:pPr indent="0" lvl="0" marL="0" rtl="0" algn="l">
+              <a:spcBef>
+                <a:spcPts val="0"/>
+              </a:spcBef>
+              <a:spcAft>
+                <a:spcPts val="0"/>
+              </a:spcAft>
+              <a:buClr>
+                <a:schemeClr val="dk1"/>
+              </a:buClr>
+              <a:buSzPts val="1100"/>
+              <a:buFont typeface="Arial"/>
+              <a:buNone/>
+            </a:pPr>
+            <a:r>
+              <a:rPr lang="ko">
+                <a:solidFill>
+                  <a:schemeClr val="dk1"/>
+                </a:solidFill>
+              </a:rPr>
+              <a:t>epsilon is measurement error as parameter for useful approximation to the truth. </a:t>
+            </a:r>
+            <a:endParaRPr>
+              <a:solidFill>
+                <a:schemeClr val="dk1"/>
+              </a:solidFill>
+            </a:endParaRPr>
+          </a:p>
+          <a:p>
+            <a:pPr indent="0" lvl="0" marL="0" rtl="0" algn="l">
+              <a:spcBef>
+                <a:spcPts val="0"/>
+              </a:spcBef>
+              <a:spcAft>
+                <a:spcPts val="0"/>
+              </a:spcAft>
+              <a:buClr>
+                <a:schemeClr val="dk1"/>
+              </a:buClr>
+              <a:buSzPts val="1100"/>
+              <a:buFont typeface="Arial"/>
+              <a:buNone/>
+            </a:pPr>
+            <a:r>
+              <a:rPr lang="ko">
+                <a:solidFill>
+                  <a:schemeClr val="dk1"/>
+                </a:solidFill>
+              </a:rPr>
+              <a:t>so, we need something to be close the truth that’s error epsilon. </a:t>
+            </a:r>
+            <a:endParaRPr>
+              <a:solidFill>
+                <a:schemeClr val="dk1"/>
+              </a:solidFill>
+            </a:endParaRPr>
+          </a:p>
+          <a:p>
+            <a:pPr indent="0" lvl="0" marL="0" rtl="0" algn="l">
+              <a:spcBef>
+                <a:spcPts val="0"/>
+              </a:spcBef>
+              <a:spcAft>
+                <a:spcPts val="0"/>
+              </a:spcAft>
               <a:buNone/>
             </a:pPr>
             <a:r>
               <a:t/>
             </a:r>
-            <a:endParaRPr/>
+            <a:endParaRPr>
+              <a:solidFill>
+                <a:schemeClr val="dk1"/>
+              </a:solidFill>
+            </a:endParaRPr>
+          </a:p>
+          <a:p>
+            <a:pPr indent="0" lvl="0" marL="0" rtl="0" algn="l">
+              <a:spcBef>
+                <a:spcPts val="0"/>
+              </a:spcBef>
+              <a:spcAft>
+                <a:spcPts val="0"/>
+              </a:spcAft>
+              <a:buNone/>
+            </a:pPr>
+            <a:r>
+              <a:rPr lang="ko">
+                <a:solidFill>
+                  <a:schemeClr val="dk1"/>
+                </a:solidFill>
+              </a:rPr>
+              <a:t>To statistical model, There are two similar words by education perspective.</a:t>
+            </a:r>
+            <a:endParaRPr>
+              <a:solidFill>
+                <a:schemeClr val="dk1"/>
+              </a:solidFill>
+            </a:endParaRPr>
+          </a:p>
+          <a:p>
+            <a:pPr indent="0" lvl="0" marL="0" rtl="0" algn="l">
+              <a:spcBef>
+                <a:spcPts val="0"/>
+              </a:spcBef>
+              <a:spcAft>
+                <a:spcPts val="0"/>
+              </a:spcAft>
+              <a:buNone/>
+            </a:pPr>
+            <a:r>
+              <a:t/>
+            </a:r>
+            <a:endParaRPr>
+              <a:solidFill>
+                <a:schemeClr val="dk1"/>
+              </a:solidFill>
+            </a:endParaRPr>
+          </a:p>
+          <a:p>
+            <a:pPr indent="0" lvl="0" marL="0" rtl="0" algn="l">
+              <a:spcBef>
+                <a:spcPts val="0"/>
+              </a:spcBef>
+              <a:spcAft>
+                <a:spcPts val="0"/>
+              </a:spcAft>
+              <a:buClr>
+                <a:schemeClr val="dk1"/>
+              </a:buClr>
+              <a:buSzPts val="1100"/>
+              <a:buFont typeface="Arial"/>
+              <a:buNone/>
+            </a:pPr>
+            <a:r>
+              <a:rPr lang="ko">
+                <a:solidFill>
+                  <a:schemeClr val="dk1"/>
+                </a:solidFill>
+              </a:rPr>
+              <a:t>First, it’s called Supervised Learning by ML perspective.</a:t>
+            </a:r>
+            <a:endParaRPr>
+              <a:solidFill>
+                <a:schemeClr val="dk1"/>
+              </a:solidFill>
+            </a:endParaRPr>
+          </a:p>
+          <a:p>
+            <a:pPr indent="0" lvl="0" marL="0" rtl="0" algn="l">
+              <a:spcBef>
+                <a:spcPts val="0"/>
+              </a:spcBef>
+              <a:spcAft>
+                <a:spcPts val="0"/>
+              </a:spcAft>
+              <a:buClr>
+                <a:schemeClr val="dk1"/>
+              </a:buClr>
+              <a:buSzPts val="1100"/>
+              <a:buFont typeface="Arial"/>
+              <a:buNone/>
+            </a:pPr>
+            <a:r>
+              <a:rPr lang="ko">
+                <a:solidFill>
+                  <a:schemeClr val="dk1"/>
+                </a:solidFill>
+              </a:rPr>
+              <a:t>In supervised learning, we would feed training data passed by predicting function f via learning algorithm.</a:t>
+            </a:r>
+            <a:endParaRPr>
+              <a:solidFill>
+                <a:schemeClr val="dk1"/>
+              </a:solidFill>
+            </a:endParaRPr>
+          </a:p>
+          <a:p>
+            <a:pPr indent="0" lvl="0" marL="0" rtl="0" algn="l">
+              <a:spcBef>
+                <a:spcPts val="0"/>
+              </a:spcBef>
+              <a:spcAft>
+                <a:spcPts val="0"/>
+              </a:spcAft>
+              <a:buClr>
+                <a:schemeClr val="dk1"/>
+              </a:buClr>
+              <a:buSzPts val="1100"/>
+              <a:buFont typeface="Arial"/>
+              <a:buNone/>
+            </a:pPr>
+            <a:r>
+              <a:rPr lang="ko">
+                <a:solidFill>
+                  <a:schemeClr val="dk1"/>
+                </a:solidFill>
+              </a:rPr>
+              <a:t>during the training, output will be generated f hat x per training data point.</a:t>
+            </a:r>
+            <a:endParaRPr>
+              <a:solidFill>
+                <a:schemeClr val="dk1"/>
+              </a:solidFill>
+            </a:endParaRPr>
+          </a:p>
+          <a:p>
+            <a:pPr indent="0" lvl="0" marL="0" rtl="0" algn="l">
+              <a:spcBef>
+                <a:spcPts val="0"/>
+              </a:spcBef>
+              <a:spcAft>
+                <a:spcPts val="0"/>
+              </a:spcAft>
+              <a:buNone/>
+            </a:pPr>
+            <a:r>
+              <a:rPr lang="ko">
+                <a:solidFill>
+                  <a:schemeClr val="dk1"/>
+                </a:solidFill>
+              </a:rPr>
+              <a:t>And prediction value and actual value utilize to approximate optimal f function via differences between them.</a:t>
+            </a:r>
+            <a:endParaRPr>
+              <a:solidFill>
+                <a:schemeClr val="dk1"/>
+              </a:solidFill>
+            </a:endParaRPr>
+          </a:p>
+          <a:p>
+            <a:pPr indent="0" lvl="0" marL="0" rtl="0" algn="l">
+              <a:spcBef>
+                <a:spcPts val="0"/>
+              </a:spcBef>
+              <a:spcAft>
+                <a:spcPts val="0"/>
+              </a:spcAft>
+              <a:buNone/>
+            </a:pPr>
+            <a:r>
+              <a:t/>
+            </a:r>
+            <a:endParaRPr>
+              <a:solidFill>
+                <a:schemeClr val="dk1"/>
+              </a:solidFill>
+            </a:endParaRPr>
+          </a:p>
+          <a:p>
+            <a:pPr indent="0" lvl="0" marL="0" rtl="0" algn="l">
+              <a:spcBef>
+                <a:spcPts val="0"/>
+              </a:spcBef>
+              <a:spcAft>
+                <a:spcPts val="0"/>
+              </a:spcAft>
+              <a:buNone/>
+            </a:pPr>
+            <a:r>
+              <a:t/>
+            </a:r>
+            <a:endParaRPr>
+              <a:solidFill>
+                <a:schemeClr val="dk1"/>
+              </a:solidFill>
+            </a:endParaRPr>
+          </a:p>
+          <a:p>
+            <a:pPr indent="0" lvl="0" marL="0" rtl="0" algn="l">
+              <a:spcBef>
+                <a:spcPts val="0"/>
+              </a:spcBef>
+              <a:spcAft>
+                <a:spcPts val="0"/>
+              </a:spcAft>
+              <a:buNone/>
+            </a:pPr>
+            <a:r>
+              <a:t/>
+            </a:r>
+            <a:endParaRPr>
+              <a:solidFill>
+                <a:schemeClr val="dk1"/>
+              </a:solidFill>
+            </a:endParaRPr>
+          </a:p>
+          <a:p>
+            <a:pPr indent="0" lvl="0" marL="0" rtl="0" algn="l">
+              <a:spcBef>
+                <a:spcPts val="0"/>
+              </a:spcBef>
+              <a:spcAft>
+                <a:spcPts val="0"/>
+              </a:spcAft>
+              <a:buNone/>
+            </a:pPr>
+            <a:r>
+              <a:t/>
+            </a:r>
+            <a:endParaRPr>
+              <a:solidFill>
+                <a:schemeClr val="dk1"/>
+              </a:solidFill>
+            </a:endParaRPr>
+          </a:p>
+          <a:p>
+            <a:pPr indent="0" lvl="0" marL="0" rtl="0" algn="l">
+              <a:spcBef>
+                <a:spcPts val="0"/>
+              </a:spcBef>
+              <a:spcAft>
+                <a:spcPts val="0"/>
+              </a:spcAft>
+              <a:buNone/>
+            </a:pPr>
+            <a:r>
+              <a:t/>
+            </a:r>
+            <a:endParaRPr>
+              <a:solidFill>
+                <a:schemeClr val="dk1"/>
+              </a:solidFill>
+            </a:endParaRPr>
+          </a:p>
+          <a:p>
+            <a:pPr indent="0" lvl="0" marL="0" rtl="0" algn="l">
+              <a:spcBef>
+                <a:spcPts val="0"/>
+              </a:spcBef>
+              <a:spcAft>
+                <a:spcPts val="0"/>
+              </a:spcAft>
+              <a:buClr>
+                <a:schemeClr val="dk1"/>
+              </a:buClr>
+              <a:buSzPts val="1100"/>
+              <a:buFont typeface="Arial"/>
+              <a:buNone/>
+            </a:pPr>
+            <a:r>
+              <a:t/>
+            </a:r>
+            <a:endParaRPr>
+              <a:solidFill>
+                <a:schemeClr val="dk1"/>
+              </a:solidFill>
+            </a:endParaRPr>
           </a:p>
         </p:txBody>
       </p:sp>
@@ -4746,7 +5575,7 @@
   <p:cSld>
     <p:spTree>
       <p:nvGrpSpPr>
-        <p:cNvPr id="286" name="Shape 286"/>
+        <p:cNvPr id="299" name="Shape 299"/>
         <p:cNvGrpSpPr/>
         <p:nvPr/>
       </p:nvGrpSpPr>
@@ -4760,7 +5589,7 @@
       </p:grpSpPr>
       <p:sp>
         <p:nvSpPr>
-          <p:cNvPr id="287" name="Google Shape;287;gb2c654c6d7_0_104:notes"/>
+          <p:cNvPr id="300" name="Google Shape;300;gaa19f022b4_0_32:notes"/>
           <p:cNvSpPr/>
           <p:nvPr>
             <p:ph idx="2" type="sldImg"/>
@@ -4795,7 +5624,7 @@
       </p:sp>
       <p:sp>
         <p:nvSpPr>
-          <p:cNvPr id="288" name="Google Shape;288;gb2c654c6d7_0_104:notes"/>
+          <p:cNvPr id="301" name="Google Shape;301;gaa19f022b4_0_32:notes"/>
           <p:cNvSpPr txBox="1"/>
           <p:nvPr>
             <p:ph idx="1" type="body"/>
@@ -4826,9 +5655,237 @@
               <a:buNone/>
             </a:pPr>
             <a:r>
+              <a:rPr lang="ko">
+                <a:solidFill>
+                  <a:schemeClr val="dk1"/>
+                </a:solidFill>
+              </a:rPr>
+              <a:t>The goal of Function Approximation is obtain a useful approximation to target function f(x) for all x, given the representations in T(Training dataset p-dimensional Real Value Matrix R^p). the book’s main approach is looking at Supervised Learning as Function Approximation.</a:t>
+            </a:r>
+            <a:endParaRPr>
+              <a:solidFill>
+                <a:schemeClr val="dk1"/>
+              </a:solidFill>
+            </a:endParaRPr>
+          </a:p>
+          <a:p>
+            <a:pPr indent="0" lvl="0" marL="0" rtl="0" algn="l">
+              <a:spcBef>
+                <a:spcPts val="0"/>
+              </a:spcBef>
+              <a:spcAft>
+                <a:spcPts val="0"/>
+              </a:spcAft>
+              <a:buNone/>
+            </a:pPr>
+            <a:r>
               <a:t/>
             </a:r>
-            <a:endParaRPr/>
+            <a:endParaRPr>
+              <a:solidFill>
+                <a:schemeClr val="dk1"/>
+              </a:solidFill>
+            </a:endParaRPr>
+          </a:p>
+          <a:p>
+            <a:pPr indent="0" lvl="0" marL="0" rtl="0" algn="l">
+              <a:spcBef>
+                <a:spcPts val="0"/>
+              </a:spcBef>
+              <a:spcAft>
+                <a:spcPts val="0"/>
+              </a:spcAft>
+              <a:buNone/>
+            </a:pPr>
+            <a:r>
+              <a:rPr lang="ko">
+                <a:solidFill>
+                  <a:schemeClr val="dk1"/>
+                </a:solidFill>
+              </a:rPr>
+              <a:t>we could represent linear model what have seen above like equation 2.30 as theta is beta and hk is transformation function of input vector x. if we without hk it seems same with eq 2.2.</a:t>
+            </a:r>
+            <a:endParaRPr>
+              <a:solidFill>
+                <a:schemeClr val="dk1"/>
+              </a:solidFill>
+            </a:endParaRPr>
+          </a:p>
+          <a:p>
+            <a:pPr indent="0" lvl="0" marL="0" rtl="0" algn="l">
+              <a:spcBef>
+                <a:spcPts val="0"/>
+              </a:spcBef>
+              <a:spcAft>
+                <a:spcPts val="0"/>
+              </a:spcAft>
+              <a:buNone/>
+            </a:pPr>
+            <a:r>
+              <a:t/>
+            </a:r>
+            <a:endParaRPr>
+              <a:solidFill>
+                <a:schemeClr val="dk1"/>
+              </a:solidFill>
+            </a:endParaRPr>
+          </a:p>
+          <a:p>
+            <a:pPr indent="0" lvl="0" marL="0" rtl="0" algn="l">
+              <a:spcBef>
+                <a:spcPts val="0"/>
+              </a:spcBef>
+              <a:spcAft>
+                <a:spcPts val="0"/>
+              </a:spcAft>
+              <a:buNone/>
+            </a:pPr>
+            <a:r>
+              <a:rPr lang="ko">
+                <a:solidFill>
+                  <a:schemeClr val="dk1"/>
+                </a:solidFill>
+              </a:rPr>
+              <a:t>if dimension value p is 2, the graph of f theta looks like figure 2.10. and residual btw actual and prediction is black bar from red point to optimal graph. optimal function f theta also could be derived RSS like eq.2.32. </a:t>
+            </a:r>
+            <a:endParaRPr>
+              <a:solidFill>
+                <a:schemeClr val="dk1"/>
+              </a:solidFill>
+            </a:endParaRPr>
+          </a:p>
+          <a:p>
+            <a:pPr indent="0" lvl="0" marL="0" rtl="0" algn="l">
+              <a:spcBef>
+                <a:spcPts val="0"/>
+              </a:spcBef>
+              <a:spcAft>
+                <a:spcPts val="0"/>
+              </a:spcAft>
+              <a:buNone/>
+            </a:pPr>
+            <a:r>
+              <a:t/>
+            </a:r>
+            <a:endParaRPr>
+              <a:solidFill>
+                <a:schemeClr val="dk1"/>
+              </a:solidFill>
+            </a:endParaRPr>
+          </a:p>
+          <a:p>
+            <a:pPr indent="0" lvl="0" marL="0" rtl="0" algn="l">
+              <a:spcBef>
+                <a:spcPts val="0"/>
+              </a:spcBef>
+              <a:spcAft>
+                <a:spcPts val="0"/>
+              </a:spcAft>
+              <a:buNone/>
+            </a:pPr>
+            <a:r>
+              <a:t/>
+            </a:r>
+            <a:endParaRPr>
+              <a:solidFill>
+                <a:schemeClr val="dk1"/>
+              </a:solidFill>
+            </a:endParaRPr>
+          </a:p>
+          <a:p>
+            <a:pPr indent="0" lvl="0" marL="0" rtl="0" algn="l">
+              <a:spcBef>
+                <a:spcPts val="0"/>
+              </a:spcBef>
+              <a:spcAft>
+                <a:spcPts val="0"/>
+              </a:spcAft>
+              <a:buNone/>
+            </a:pPr>
+            <a:r>
+              <a:t/>
+            </a:r>
+            <a:endParaRPr>
+              <a:solidFill>
+                <a:schemeClr val="dk1"/>
+              </a:solidFill>
+            </a:endParaRPr>
+          </a:p>
+          <a:p>
+            <a:pPr indent="0" lvl="0" marL="0" rtl="0" algn="l">
+              <a:spcBef>
+                <a:spcPts val="0"/>
+              </a:spcBef>
+              <a:spcAft>
+                <a:spcPts val="0"/>
+              </a:spcAft>
+              <a:buNone/>
+            </a:pPr>
+            <a:r>
+              <a:t/>
+            </a:r>
+            <a:endParaRPr>
+              <a:solidFill>
+                <a:schemeClr val="dk1"/>
+              </a:solidFill>
+            </a:endParaRPr>
+          </a:p>
+          <a:p>
+            <a:pPr indent="0" lvl="0" marL="0" rtl="0" algn="l">
+              <a:spcBef>
+                <a:spcPts val="0"/>
+              </a:spcBef>
+              <a:spcAft>
+                <a:spcPts val="0"/>
+              </a:spcAft>
+              <a:buNone/>
+            </a:pPr>
+            <a:r>
+              <a:t/>
+            </a:r>
+            <a:endParaRPr>
+              <a:solidFill>
+                <a:schemeClr val="dk1"/>
+              </a:solidFill>
+            </a:endParaRPr>
+          </a:p>
+          <a:p>
+            <a:pPr indent="0" lvl="0" marL="0" rtl="0" algn="l">
+              <a:spcBef>
+                <a:spcPts val="0"/>
+              </a:spcBef>
+              <a:spcAft>
+                <a:spcPts val="0"/>
+              </a:spcAft>
+              <a:buNone/>
+            </a:pPr>
+            <a:r>
+              <a:t/>
+            </a:r>
+            <a:endParaRPr>
+              <a:solidFill>
+                <a:schemeClr val="dk1"/>
+              </a:solidFill>
+            </a:endParaRPr>
+          </a:p>
+          <a:p>
+            <a:pPr indent="0" lvl="0" marL="0" rtl="0" algn="l">
+              <a:spcBef>
+                <a:spcPts val="0"/>
+              </a:spcBef>
+              <a:spcAft>
+                <a:spcPts val="0"/>
+              </a:spcAft>
+              <a:buNone/>
+            </a:pPr>
+            <a:r>
+              <a:t/>
+            </a:r>
+            <a:endParaRPr>
+              <a:solidFill>
+                <a:schemeClr val="dk1"/>
+              </a:solidFill>
+            </a:endParaRPr>
           </a:p>
         </p:txBody>
       </p:sp>
@@ -4845,7 +5902,7 @@
   <p:cSld>
     <p:spTree>
       <p:nvGrpSpPr>
-        <p:cNvPr id="293" name="Shape 293"/>
+        <p:cNvPr id="309" name="Shape 309"/>
         <p:cNvGrpSpPr/>
         <p:nvPr/>
       </p:nvGrpSpPr>
@@ -4859,7 +5916,7 @@
       </p:grpSpPr>
       <p:sp>
         <p:nvSpPr>
-          <p:cNvPr id="294" name="Google Shape;294;gb2c654c6d7_0_110:notes"/>
+          <p:cNvPr id="310" name="Google Shape;310;gaa19f022b4_0_43:notes"/>
           <p:cNvSpPr/>
           <p:nvPr>
             <p:ph idx="2" type="sldImg"/>
@@ -4894,7 +5951,7 @@
       </p:sp>
       <p:sp>
         <p:nvSpPr>
-          <p:cNvPr id="295" name="Google Shape;295;gb2c654c6d7_0_110:notes"/>
+          <p:cNvPr id="311" name="Google Shape;311;gaa19f022b4_0_43:notes"/>
           <p:cNvSpPr txBox="1"/>
           <p:nvPr>
             <p:ph idx="1" type="body"/>
@@ -4925,9 +5982,171 @@
               <a:buNone/>
             </a:pPr>
             <a:r>
+              <a:rPr lang="ko">
+                <a:solidFill>
+                  <a:schemeClr val="dk1"/>
+                </a:solidFill>
+              </a:rPr>
+              <a:t>However, RSS is not the only criterion to approximate function.</a:t>
+            </a:r>
+            <a:endParaRPr>
+              <a:solidFill>
+                <a:schemeClr val="dk1"/>
+              </a:solidFill>
+            </a:endParaRPr>
+          </a:p>
+          <a:p>
+            <a:pPr indent="0" lvl="0" marL="0" rtl="0" algn="l">
+              <a:spcBef>
+                <a:spcPts val="0"/>
+              </a:spcBef>
+              <a:spcAft>
+                <a:spcPts val="0"/>
+              </a:spcAft>
+              <a:buNone/>
+            </a:pPr>
+            <a:r>
+              <a:rPr lang="ko">
+                <a:solidFill>
+                  <a:schemeClr val="dk1"/>
+                </a:solidFill>
+              </a:rPr>
+              <a:t>Another general principle is maximum likelihood estimation.</a:t>
+            </a:r>
+            <a:endParaRPr>
+              <a:solidFill>
+                <a:schemeClr val="dk1"/>
+              </a:solidFill>
+            </a:endParaRPr>
+          </a:p>
+          <a:p>
+            <a:pPr indent="0" lvl="0" marL="0" rtl="0" algn="l">
+              <a:spcBef>
+                <a:spcPts val="0"/>
+              </a:spcBef>
+              <a:spcAft>
+                <a:spcPts val="0"/>
+              </a:spcAft>
+              <a:buNone/>
+            </a:pPr>
+            <a:r>
+              <a:rPr lang="ko">
+                <a:solidFill>
+                  <a:schemeClr val="dk1"/>
+                </a:solidFill>
+              </a:rPr>
+              <a:t>It’s equation is 2.33. summation of density via observed sample’s value yi with log.</a:t>
+            </a:r>
+            <a:endParaRPr>
+              <a:solidFill>
+                <a:schemeClr val="dk1"/>
+              </a:solidFill>
+            </a:endParaRPr>
+          </a:p>
+          <a:p>
+            <a:pPr indent="0" lvl="0" marL="0" rtl="0" algn="l">
+              <a:spcBef>
+                <a:spcPts val="0"/>
+              </a:spcBef>
+              <a:spcAft>
+                <a:spcPts val="0"/>
+              </a:spcAft>
+              <a:buNone/>
+            </a:pPr>
+            <a:r>
               <a:t/>
             </a:r>
-            <a:endParaRPr/>
+            <a:endParaRPr>
+              <a:solidFill>
+                <a:schemeClr val="dk1"/>
+              </a:solidFill>
+            </a:endParaRPr>
+          </a:p>
+          <a:p>
+            <a:pPr indent="0" lvl="0" marL="0" rtl="0" algn="l">
+              <a:spcBef>
+                <a:spcPts val="0"/>
+              </a:spcBef>
+              <a:spcAft>
+                <a:spcPts val="0"/>
+              </a:spcAft>
+              <a:buNone/>
+            </a:pPr>
+            <a:r>
+              <a:rPr lang="ko">
+                <a:solidFill>
+                  <a:schemeClr val="dk1"/>
+                </a:solidFill>
+              </a:rPr>
+              <a:t>The principle of maximum likelihood assume that the most reasonable values for theta are the those for which the probability of the observed sample is largest. and MLE problem is defined like 2.34 has same objective RSS method.</a:t>
+            </a:r>
+            <a:endParaRPr>
+              <a:solidFill>
+                <a:schemeClr val="dk1"/>
+              </a:solidFill>
+            </a:endParaRPr>
+          </a:p>
+          <a:p>
+            <a:pPr indent="0" lvl="0" marL="0" rtl="0" algn="l">
+              <a:spcBef>
+                <a:spcPts val="0"/>
+              </a:spcBef>
+              <a:spcAft>
+                <a:spcPts val="0"/>
+              </a:spcAft>
+              <a:buNone/>
+            </a:pPr>
+            <a:r>
+              <a:rPr lang="ko">
+                <a:solidFill>
+                  <a:schemeClr val="dk1"/>
+                </a:solidFill>
+              </a:rPr>
+              <a:t>Then, how MLE works?? let’s talk about next slide</a:t>
+            </a:r>
+            <a:endParaRPr>
+              <a:solidFill>
+                <a:schemeClr val="dk1"/>
+              </a:solidFill>
+            </a:endParaRPr>
+          </a:p>
+          <a:p>
+            <a:pPr indent="0" lvl="0" marL="0" rtl="0" algn="l">
+              <a:spcBef>
+                <a:spcPts val="0"/>
+              </a:spcBef>
+              <a:spcAft>
+                <a:spcPts val="0"/>
+              </a:spcAft>
+              <a:buNone/>
+            </a:pPr>
+            <a:r>
+              <a:t/>
+            </a:r>
+            <a:endParaRPr>
+              <a:solidFill>
+                <a:schemeClr val="dk1"/>
+              </a:solidFill>
+            </a:endParaRPr>
+          </a:p>
+          <a:p>
+            <a:pPr indent="0" lvl="0" marL="0" rtl="0" algn="l">
+              <a:spcBef>
+                <a:spcPts val="0"/>
+              </a:spcBef>
+              <a:spcAft>
+                <a:spcPts val="0"/>
+              </a:spcAft>
+              <a:buNone/>
+            </a:pPr>
+            <a:r>
+              <a:t/>
+            </a:r>
+            <a:endParaRPr>
+              <a:solidFill>
+                <a:schemeClr val="dk1"/>
+              </a:solidFill>
+            </a:endParaRPr>
           </a:p>
         </p:txBody>
       </p:sp>
@@ -4944,7 +6163,7 @@
   <p:cSld>
     <p:spTree>
       <p:nvGrpSpPr>
-        <p:cNvPr id="299" name="Shape 299"/>
+        <p:cNvPr id="319" name="Shape 319"/>
         <p:cNvGrpSpPr/>
         <p:nvPr/>
       </p:nvGrpSpPr>
@@ -4958,7 +6177,7 @@
       </p:grpSpPr>
       <p:sp>
         <p:nvSpPr>
-          <p:cNvPr id="300" name="Google Shape;300;gb2c654c6d7_0_121:notes"/>
+          <p:cNvPr id="320" name="Google Shape;320;gaa19f022b4_0_55:notes"/>
           <p:cNvSpPr/>
           <p:nvPr>
             <p:ph idx="2" type="sldImg"/>
@@ -4993,7 +6212,7 @@
       </p:sp>
       <p:sp>
         <p:nvSpPr>
-          <p:cNvPr id="301" name="Google Shape;301;gb2c654c6d7_0_121:notes"/>
+          <p:cNvPr id="321" name="Google Shape;321;gaa19f022b4_0_55:notes"/>
           <p:cNvSpPr txBox="1"/>
           <p:nvPr>
             <p:ph idx="1" type="body"/>
@@ -5024,9 +6243,42 @@
               <a:buNone/>
             </a:pPr>
             <a:r>
-              <a:t/>
-            </a:r>
-            <a:endParaRPr/>
+              <a:rPr lang="ko">
+                <a:solidFill>
+                  <a:schemeClr val="dk1"/>
+                </a:solidFill>
+              </a:rPr>
+              <a:t>Let me talk about simple question how MLE works.</a:t>
+            </a:r>
+            <a:endParaRPr>
+              <a:solidFill>
+                <a:schemeClr val="dk1"/>
+              </a:solidFill>
+            </a:endParaRPr>
+          </a:p>
+          <a:p>
+            <a:pPr indent="0" lvl="0" marL="0" rtl="0" algn="l">
+              <a:spcBef>
+                <a:spcPts val="0"/>
+              </a:spcBef>
+              <a:spcAft>
+                <a:spcPts val="0"/>
+              </a:spcAft>
+              <a:buNone/>
+            </a:pPr>
+            <a:r>
+              <a:rPr lang="ko">
+                <a:solidFill>
+                  <a:schemeClr val="dk1"/>
+                </a:solidFill>
+              </a:rPr>
+              <a:t>let’s see this problem as probability distribution problem.</a:t>
+            </a:r>
+            <a:endParaRPr>
+              <a:solidFill>
+                <a:schemeClr val="dk1"/>
+              </a:solidFill>
+            </a:endParaRPr>
           </a:p>
         </p:txBody>
       </p:sp>
@@ -5043,7 +6295,7 @@
   <p:cSld>
     <p:spTree>
       <p:nvGrpSpPr>
-        <p:cNvPr id="306" name="Shape 306"/>
+        <p:cNvPr id="329" name="Shape 329"/>
         <p:cNvGrpSpPr/>
         <p:nvPr/>
       </p:nvGrpSpPr>
@@ -5057,7 +6309,7 @@
       </p:grpSpPr>
       <p:sp>
         <p:nvSpPr>
-          <p:cNvPr id="307" name="Google Shape;307;gb2c654c6d7_0_127:notes"/>
+          <p:cNvPr id="330" name="Google Shape;330;gaa19f022b4_0_78:notes"/>
           <p:cNvSpPr/>
           <p:nvPr>
             <p:ph idx="2" type="sldImg"/>
@@ -5092,7 +6344,7 @@
       </p:sp>
       <p:sp>
         <p:nvSpPr>
-          <p:cNvPr id="308" name="Google Shape;308;gb2c654c6d7_0_127:notes"/>
+          <p:cNvPr id="331" name="Google Shape;331;gaa19f022b4_0_78:notes"/>
           <p:cNvSpPr txBox="1"/>
           <p:nvPr>
             <p:ph idx="1" type="body"/>
@@ -5123,9 +6375,18 @@
               <a:buNone/>
             </a:pPr>
             <a:r>
-              <a:t/>
-            </a:r>
-            <a:endParaRPr/>
+              <a:rPr lang="ko">
+                <a:solidFill>
+                  <a:schemeClr val="dk1"/>
+                </a:solidFill>
+              </a:rPr>
+              <a:t>I think this is the why it said statistical model as joint distribution probability in chapter 2.6.1.</a:t>
+            </a:r>
+            <a:endParaRPr>
+              <a:solidFill>
+                <a:schemeClr val="dk1"/>
+              </a:solidFill>
+            </a:endParaRPr>
           </a:p>
         </p:txBody>
       </p:sp>
@@ -5142,7 +6403,7 @@
   <p:cSld>
     <p:spTree>
       <p:nvGrpSpPr>
-        <p:cNvPr id="313" name="Shape 313"/>
+        <p:cNvPr id="339" name="Shape 339"/>
         <p:cNvGrpSpPr/>
         <p:nvPr/>
       </p:nvGrpSpPr>
@@ -5156,7 +6417,7 @@
       </p:grpSpPr>
       <p:sp>
         <p:nvSpPr>
-          <p:cNvPr id="314" name="Google Shape;314;gb2c654c6d7_0_133:notes"/>
+          <p:cNvPr id="340" name="Google Shape;340;gaa19f022b4_0_90:notes"/>
           <p:cNvSpPr/>
           <p:nvPr>
             <p:ph idx="2" type="sldImg"/>
@@ -5191,7 +6452,7 @@
       </p:sp>
       <p:sp>
         <p:nvSpPr>
-          <p:cNvPr id="315" name="Google Shape;315;gb2c654c6d7_0_133:notes"/>
+          <p:cNvPr id="341" name="Google Shape;341;gaa19f022b4_0_90:notes"/>
           <p:cNvSpPr txBox="1"/>
           <p:nvPr>
             <p:ph idx="1" type="body"/>
@@ -5224,7 +6485,30 @@
             <a:r>
               <a:t/>
             </a:r>
-            <a:endParaRPr/>
+            <a:endParaRPr>
+              <a:solidFill>
+                <a:schemeClr val="dk1"/>
+              </a:solidFill>
+            </a:endParaRPr>
+          </a:p>
+          <a:p>
+            <a:pPr indent="0" lvl="0" marL="0" rtl="0" algn="l">
+              <a:spcBef>
+                <a:spcPts val="0"/>
+              </a:spcBef>
+              <a:spcAft>
+                <a:spcPts val="0"/>
+              </a:spcAft>
+              <a:buNone/>
+            </a:pPr>
+            <a:r>
+              <a:t/>
+            </a:r>
+            <a:endParaRPr>
+              <a:solidFill>
+                <a:schemeClr val="dk1"/>
+              </a:solidFill>
+            </a:endParaRPr>
           </a:p>
         </p:txBody>
       </p:sp>
@@ -5419,7 +6703,7 @@
   <p:cSld>
     <p:spTree>
       <p:nvGrpSpPr>
-        <p:cNvPr id="320" name="Shape 320"/>
+        <p:cNvPr id="349" name="Shape 349"/>
         <p:cNvGrpSpPr/>
         <p:nvPr/>
       </p:nvGrpSpPr>
@@ -5433,7 +6717,7 @@
       </p:grpSpPr>
       <p:sp>
         <p:nvSpPr>
-          <p:cNvPr id="321" name="Google Shape;321;gb2c654c6d7_0_139:notes"/>
+          <p:cNvPr id="350" name="Google Shape;350;gb2c654c6d7_0_139:notes"/>
           <p:cNvSpPr/>
           <p:nvPr>
             <p:ph idx="2" type="sldImg"/>
@@ -5468,7 +6752,7 @@
       </p:sp>
       <p:sp>
         <p:nvSpPr>
-          <p:cNvPr id="322" name="Google Shape;322;gb2c654c6d7_0_139:notes"/>
+          <p:cNvPr id="351" name="Google Shape;351;gb2c654c6d7_0_139:notes"/>
           <p:cNvSpPr txBox="1"/>
           <p:nvPr>
             <p:ph idx="1" type="body"/>
@@ -14736,24 +16020,196 @@
           </a:p>
         </p:txBody>
       </p:sp>
-      <p:pic>
-        <p:nvPicPr>
+      <p:sp>
+        <p:nvSpPr>
           <p:cNvPr id="240" name="Google Shape;240;p32"/>
-          <p:cNvPicPr preferRelativeResize="0"/>
+          <p:cNvSpPr txBox="1"/>
+          <p:nvPr>
+            <p:ph idx="2" type="title"/>
+          </p:nvPr>
+        </p:nvSpPr>
+        <p:spPr>
+          <a:xfrm>
+            <a:off x="5154802" y="606100"/>
+            <a:ext cx="3526800" cy="572700"/>
+          </a:xfrm>
+          <a:prstGeom prst="rect">
+            <a:avLst/>
+          </a:prstGeom>
+        </p:spPr>
+        <p:txBody>
+          <a:bodyPr anchorCtr="0" anchor="t" bIns="91425" lIns="91425" spcFirstLastPara="1" rIns="91425" wrap="square" tIns="91425">
+            <a:noAutofit/>
+          </a:bodyPr>
+          <a:lstStyle/>
+          <a:p>
+            <a:pPr indent="0" lvl="0" marL="0" rtl="0" algn="l">
+              <a:spcBef>
+                <a:spcPts val="0"/>
+              </a:spcBef>
+              <a:spcAft>
+                <a:spcPts val="0"/>
+              </a:spcAft>
+              <a:buNone/>
+            </a:pPr>
+            <a:r>
+              <a:rPr lang="ko"/>
+              <a:t>3. Diminishing sampling density</a:t>
+            </a:r>
+            <a:endParaRPr/>
+          </a:p>
+        </p:txBody>
+      </p:sp>
+      <p:grpSp>
+        <p:nvGrpSpPr>
+          <p:cNvPr id="241" name="Google Shape;241;p32"/>
+          <p:cNvGrpSpPr/>
           <p:nvPr/>
-        </p:nvPicPr>
-        <p:blipFill>
-          <a:blip r:embed="rId3">
-            <a:alphaModFix/>
-          </a:blip>
-          <a:stretch>
-            <a:fillRect/>
-          </a:stretch>
-        </p:blipFill>
-        <p:spPr>
-          <a:xfrm>
-            <a:off x="854200" y="1874725"/>
-            <a:ext cx="3562350" cy="523875"/>
+        </p:nvGrpSpPr>
+        <p:grpSpPr>
+          <a:xfrm>
+            <a:off x="228221" y="1702382"/>
+            <a:ext cx="4533072" cy="2357357"/>
+            <a:chOff x="83500" y="1516425"/>
+            <a:chExt cx="5056974" cy="2629805"/>
+          </a:xfrm>
+        </p:grpSpPr>
+        <p:pic>
+          <p:nvPicPr>
+            <p:cNvPr id="242" name="Google Shape;242;p32"/>
+            <p:cNvPicPr preferRelativeResize="0"/>
+            <p:nvPr/>
+          </p:nvPicPr>
+          <p:blipFill>
+            <a:blip r:embed="rId3">
+              <a:alphaModFix/>
+            </a:blip>
+            <a:stretch>
+              <a:fillRect/>
+            </a:stretch>
+          </p:blipFill>
+          <p:spPr>
+            <a:xfrm>
+              <a:off x="664813" y="1516425"/>
+              <a:ext cx="3894360" cy="572700"/>
+            </a:xfrm>
+            <a:prstGeom prst="rect">
+              <a:avLst/>
+            </a:prstGeom>
+            <a:noFill/>
+            <a:ln>
+              <a:noFill/>
+            </a:ln>
+          </p:spPr>
+        </p:pic>
+        <p:grpSp>
+          <p:nvGrpSpPr>
+            <p:cNvPr id="243" name="Google Shape;243;p32"/>
+            <p:cNvGrpSpPr/>
+            <p:nvPr/>
+          </p:nvGrpSpPr>
+          <p:grpSpPr>
+            <a:xfrm>
+              <a:off x="83500" y="2365000"/>
+              <a:ext cx="5056974" cy="1781230"/>
+              <a:chOff x="83500" y="2365000"/>
+              <a:chExt cx="5056974" cy="1781230"/>
+            </a:xfrm>
+          </p:grpSpPr>
+          <p:pic>
+            <p:nvPicPr>
+              <p:cNvPr id="244" name="Google Shape;244;p32"/>
+              <p:cNvPicPr preferRelativeResize="0"/>
+              <p:nvPr/>
+            </p:nvPicPr>
+            <p:blipFill>
+              <a:blip r:embed="rId4">
+                <a:alphaModFix/>
+              </a:blip>
+              <a:stretch>
+                <a:fillRect/>
+              </a:stretch>
+            </p:blipFill>
+            <p:spPr>
+              <a:xfrm>
+                <a:off x="83500" y="2365000"/>
+                <a:ext cx="2493678" cy="1781201"/>
+              </a:xfrm>
+              <a:prstGeom prst="rect">
+                <a:avLst/>
+              </a:prstGeom>
+              <a:noFill/>
+              <a:ln>
+                <a:noFill/>
+              </a:ln>
+            </p:spPr>
+          </p:pic>
+          <p:pic>
+            <p:nvPicPr>
+              <p:cNvPr id="245" name="Google Shape;245;p32"/>
+              <p:cNvPicPr preferRelativeResize="0"/>
+              <p:nvPr/>
+            </p:nvPicPr>
+            <p:blipFill>
+              <a:blip r:embed="rId5">
+                <a:alphaModFix/>
+              </a:blip>
+              <a:stretch>
+                <a:fillRect/>
+              </a:stretch>
+            </p:blipFill>
+            <p:spPr>
+              <a:xfrm>
+                <a:off x="2646800" y="2365000"/>
+                <a:ext cx="2493674" cy="1781230"/>
+              </a:xfrm>
+              <a:prstGeom prst="rect">
+                <a:avLst/>
+              </a:prstGeom>
+              <a:noFill/>
+              <a:ln>
+                <a:noFill/>
+              </a:ln>
+            </p:spPr>
+          </p:pic>
+        </p:grpSp>
+      </p:grpSp>
+      <p:cxnSp>
+        <p:nvCxnSpPr>
+          <p:cNvPr id="246" name="Google Shape;246;p32"/>
+          <p:cNvCxnSpPr/>
+          <p:nvPr/>
+        </p:nvCxnSpPr>
+        <p:spPr>
+          <a:xfrm>
+            <a:off x="4892425" y="1178800"/>
+            <a:ext cx="0" cy="3266100"/>
+          </a:xfrm>
+          <a:prstGeom prst="straightConnector1">
+            <a:avLst/>
+          </a:prstGeom>
+          <a:noFill/>
+          <a:ln cap="flat" cmpd="sng" w="9525">
+            <a:solidFill>
+              <a:schemeClr val="dk2"/>
+            </a:solidFill>
+            <a:prstDash val="solid"/>
+            <a:round/>
+            <a:headEnd len="med" w="med" type="none"/>
+            <a:tailEnd len="med" w="med" type="none"/>
+          </a:ln>
+        </p:spPr>
+      </p:cxnSp>
+      <p:sp>
+        <p:nvSpPr>
+          <p:cNvPr id="247" name="Google Shape;247;p32"/>
+          <p:cNvSpPr txBox="1"/>
+          <p:nvPr/>
+        </p:nvSpPr>
+        <p:spPr>
+          <a:xfrm>
+            <a:off x="5250725" y="1626225"/>
+            <a:ext cx="3643500" cy="2357400"/>
           </a:xfrm>
           <a:prstGeom prst="rect">
             <a:avLst/>
@@ -14763,24 +16219,6 @@
             <a:noFill/>
           </a:ln>
         </p:spPr>
-      </p:pic>
-      <p:sp>
-        <p:nvSpPr>
-          <p:cNvPr id="241" name="Google Shape;241;p32"/>
-          <p:cNvSpPr txBox="1"/>
-          <p:nvPr>
-            <p:ph idx="2" type="title"/>
-          </p:nvPr>
-        </p:nvSpPr>
-        <p:spPr>
-          <a:xfrm>
-            <a:off x="5154802" y="606100"/>
-            <a:ext cx="3526800" cy="572700"/>
-          </a:xfrm>
-          <a:prstGeom prst="rect">
-            <a:avLst/>
-          </a:prstGeom>
-        </p:spPr>
         <p:txBody>
           <a:bodyPr anchorCtr="0" anchor="t" bIns="91425" lIns="91425" spcFirstLastPara="1" rIns="91425" wrap="square" tIns="91425">
             <a:noAutofit/>
@@ -14797,13 +16235,206 @@
               <a:buNone/>
             </a:pPr>
             <a:r>
-              <a:rPr lang="ko"/>
-              <a:t>3. Diminishing sampling density</a:t>
+              <a:t/>
+            </a:r>
+            <a:endParaRPr/>
+          </a:p>
+          <a:p>
+            <a:pPr indent="0" lvl="0" marL="0" rtl="0" algn="l">
+              <a:spcBef>
+                <a:spcPts val="0"/>
+              </a:spcBef>
+              <a:spcAft>
+                <a:spcPts val="0"/>
+              </a:spcAft>
+              <a:buNone/>
+            </a:pPr>
+            <a:r>
+              <a:t/>
+            </a:r>
+            <a:endParaRPr/>
+          </a:p>
+          <a:p>
+            <a:pPr indent="0" lvl="0" marL="0" rtl="0" algn="l">
+              <a:spcBef>
+                <a:spcPts val="0"/>
+              </a:spcBef>
+              <a:spcAft>
+                <a:spcPts val="0"/>
+              </a:spcAft>
+              <a:buNone/>
+            </a:pPr>
+            <a:r>
+              <a:rPr lang="ko"/>
+              <a:t>N1=100, dimension=1; sample size=100;</a:t>
+            </a:r>
+            <a:endParaRPr/>
+          </a:p>
+          <a:p>
+            <a:pPr indent="0" lvl="0" marL="0" rtl="0" algn="l">
+              <a:spcBef>
+                <a:spcPts val="0"/>
+              </a:spcBef>
+              <a:spcAft>
+                <a:spcPts val="0"/>
+              </a:spcAft>
+              <a:buNone/>
+            </a:pPr>
+            <a:r>
+              <a:t/>
+            </a:r>
+            <a:endParaRPr/>
+          </a:p>
+          <a:p>
+            <a:pPr indent="0" lvl="0" marL="0" rtl="0" algn="l">
+              <a:spcBef>
+                <a:spcPts val="0"/>
+              </a:spcBef>
+              <a:spcAft>
+                <a:spcPts val="0"/>
+              </a:spcAft>
+              <a:buNone/>
+            </a:pPr>
+            <a:r>
+              <a:rPr lang="ko"/>
+              <a:t>for same proportion in 10 dimension,</a:t>
+            </a:r>
+            <a:endParaRPr/>
+          </a:p>
+          <a:p>
+            <a:pPr indent="0" lvl="0" marL="0" rtl="0" algn="l">
+              <a:spcBef>
+                <a:spcPts val="0"/>
+              </a:spcBef>
+              <a:spcAft>
+                <a:spcPts val="0"/>
+              </a:spcAft>
+              <a:buNone/>
+            </a:pPr>
+            <a:r>
+              <a:t/>
+            </a:r>
+            <a:endParaRPr/>
+          </a:p>
+          <a:p>
+            <a:pPr indent="0" lvl="0" marL="0" rtl="0" algn="l">
+              <a:spcBef>
+                <a:spcPts val="0"/>
+              </a:spcBef>
+              <a:spcAft>
+                <a:spcPts val="0"/>
+              </a:spcAft>
+              <a:buNone/>
+            </a:pPr>
+            <a:r>
+              <a:t/>
+            </a:r>
+            <a:endParaRPr/>
+          </a:p>
+          <a:p>
+            <a:pPr indent="0" lvl="0" marL="0" rtl="0" algn="l">
+              <a:spcBef>
+                <a:spcPts val="0"/>
+              </a:spcBef>
+              <a:spcAft>
+                <a:spcPts val="0"/>
+              </a:spcAft>
+              <a:buNone/>
+            </a:pPr>
+            <a:r>
+              <a:t/>
+            </a:r>
+            <a:endParaRPr/>
+          </a:p>
+          <a:p>
+            <a:pPr indent="0" lvl="0" marL="0" rtl="0" algn="l">
+              <a:spcBef>
+                <a:spcPts val="0"/>
+              </a:spcBef>
+              <a:spcAft>
+                <a:spcPts val="0"/>
+              </a:spcAft>
+              <a:buNone/>
+            </a:pPr>
+            <a:r>
+              <a:rPr lang="ko"/>
+              <a:t>amount of samples above is needed</a:t>
+            </a:r>
+            <a:endParaRPr/>
+          </a:p>
+          <a:p>
+            <a:pPr indent="0" lvl="0" marL="0" rtl="0" algn="l">
+              <a:spcBef>
+                <a:spcPts val="0"/>
+              </a:spcBef>
+              <a:spcAft>
+                <a:spcPts val="0"/>
+              </a:spcAft>
+              <a:buNone/>
+            </a:pPr>
+            <a:r>
+              <a:t/>
             </a:r>
             <a:endParaRPr/>
           </a:p>
         </p:txBody>
       </p:sp>
+      <p:pic>
+        <p:nvPicPr>
+          <p:cNvPr id="248" name="Google Shape;248;p32"/>
+          <p:cNvPicPr preferRelativeResize="0"/>
+          <p:nvPr/>
+        </p:nvPicPr>
+        <p:blipFill>
+          <a:blip r:embed="rId6">
+            <a:alphaModFix/>
+          </a:blip>
+          <a:stretch>
+            <a:fillRect/>
+          </a:stretch>
+        </p:blipFill>
+        <p:spPr>
+          <a:xfrm>
+            <a:off x="5326925" y="1626230"/>
+            <a:ext cx="723900" cy="400050"/>
+          </a:xfrm>
+          <a:prstGeom prst="rect">
+            <a:avLst/>
+          </a:prstGeom>
+          <a:noFill/>
+          <a:ln>
+            <a:noFill/>
+          </a:ln>
+        </p:spPr>
+      </p:pic>
+      <p:pic>
+        <p:nvPicPr>
+          <p:cNvPr id="249" name="Google Shape;249;p32"/>
+          <p:cNvPicPr preferRelativeResize="0"/>
+          <p:nvPr/>
+        </p:nvPicPr>
+        <p:blipFill>
+          <a:blip r:embed="rId7">
+            <a:alphaModFix/>
+          </a:blip>
+          <a:stretch>
+            <a:fillRect/>
+          </a:stretch>
+        </p:blipFill>
+        <p:spPr>
+          <a:xfrm>
+            <a:off x="5326925" y="2865351"/>
+            <a:ext cx="1549276" cy="393600"/>
+          </a:xfrm>
+          <a:prstGeom prst="rect">
+            <a:avLst/>
+          </a:prstGeom>
+          <a:noFill/>
+          <a:ln>
+            <a:noFill/>
+          </a:ln>
+        </p:spPr>
+      </p:pic>
     </p:spTree>
   </p:cSld>
   <p:clrMapOvr>
@@ -14920,7 +16551,7 @@
         <p:spPr>
           <a:xfrm>
             <a:off x="311700" y="1276200"/>
-            <a:ext cx="8520600" cy="2591100"/>
+            <a:ext cx="8520600" cy="3022500"/>
           </a:xfrm>
           <a:prstGeom prst="rect">
             <a:avLst/>
@@ -15039,7 +16670,7 @@
             </a:pPr>
             <a:r>
               <a:rPr lang="ko" sz="2000"/>
-              <a:t>7. Structured Regression Models</a:t>
+              <a:t>7. Structured Regression Models - (skip)</a:t>
             </a:r>
             <a:endParaRPr sz="2000"/>
           </a:p>
@@ -15055,7 +16686,23 @@
             </a:pPr>
             <a:r>
               <a:rPr lang="ko" sz="2000"/>
-              <a:t>8. Classes of Restricted Estimator</a:t>
+              <a:t>8. Classes of Restricted Estimator - (skip)</a:t>
+            </a:r>
+            <a:endParaRPr sz="2000"/>
+          </a:p>
+          <a:p>
+            <a:pPr indent="0" lvl="0" marL="0" rtl="0" algn="l">
+              <a:spcBef>
+                <a:spcPts val="0"/>
+              </a:spcBef>
+              <a:spcAft>
+                <a:spcPts val="0"/>
+              </a:spcAft>
+              <a:buNone/>
+            </a:pPr>
+            <a:r>
+              <a:rPr lang="ko" sz="2000"/>
+              <a:t>9. Model Selection and the Bias-Variance Tradeoff</a:t>
             </a:r>
             <a:endParaRPr sz="2000"/>
           </a:p>
@@ -15074,7 +16721,7 @@
   <p:cSld>
     <p:spTree>
       <p:nvGrpSpPr>
-        <p:cNvPr id="245" name="Shape 245"/>
+        <p:cNvPr id="253" name="Shape 253"/>
         <p:cNvGrpSpPr/>
         <p:nvPr/>
       </p:nvGrpSpPr>
@@ -15088,7 +16735,7 @@
       </p:grpSpPr>
       <p:sp>
         <p:nvSpPr>
-          <p:cNvPr id="246" name="Google Shape;246;p33"/>
+          <p:cNvPr id="254" name="Google Shape;254;p33"/>
           <p:cNvSpPr txBox="1"/>
           <p:nvPr>
             <p:ph type="title"/>
@@ -15128,7 +16775,7 @@
       </p:sp>
       <p:sp>
         <p:nvSpPr>
-          <p:cNvPr id="247" name="Google Shape;247;p33"/>
+          <p:cNvPr id="255" name="Google Shape;255;p33"/>
           <p:cNvSpPr txBox="1"/>
           <p:nvPr>
             <p:ph idx="12" type="sldNum"/>
@@ -15168,7 +16815,7 @@
       </p:sp>
       <p:sp>
         <p:nvSpPr>
-          <p:cNvPr id="248" name="Google Shape;248;p33"/>
+          <p:cNvPr id="256" name="Google Shape;256;p33"/>
           <p:cNvSpPr txBox="1"/>
           <p:nvPr>
             <p:ph idx="2" type="title"/>
@@ -15208,96 +16855,26 @@
       </p:sp>
       <p:grpSp>
         <p:nvGrpSpPr>
-          <p:cNvPr id="249" name="Google Shape;249;p33"/>
+          <p:cNvPr id="257" name="Google Shape;257;p33"/>
           <p:cNvGrpSpPr/>
           <p:nvPr/>
         </p:nvGrpSpPr>
         <p:grpSpPr>
           <a:xfrm>
-            <a:off x="258863" y="1363100"/>
-            <a:ext cx="8626276" cy="2417306"/>
-            <a:chOff x="318675" y="1363100"/>
-            <a:chExt cx="8626276" cy="2417306"/>
+            <a:off x="160988" y="1400788"/>
+            <a:ext cx="4443825" cy="1275125"/>
+            <a:chOff x="318675" y="1555200"/>
+            <a:chExt cx="4443825" cy="1275125"/>
           </a:xfrm>
         </p:grpSpPr>
-        <p:grpSp>
-          <p:nvGrpSpPr>
-            <p:cNvPr id="250" name="Google Shape;250;p33"/>
-            <p:cNvGrpSpPr/>
-            <p:nvPr/>
-          </p:nvGrpSpPr>
-          <p:grpSpPr>
-            <a:xfrm>
-              <a:off x="318675" y="1934188"/>
-              <a:ext cx="4443825" cy="1275125"/>
-              <a:chOff x="318675" y="1860000"/>
-              <a:chExt cx="4443825" cy="1275125"/>
-            </a:xfrm>
-          </p:grpSpPr>
-          <p:pic>
-            <p:nvPicPr>
-              <p:cNvPr id="251" name="Google Shape;251;p33"/>
-              <p:cNvPicPr preferRelativeResize="0"/>
-              <p:nvPr/>
-            </p:nvPicPr>
-            <p:blipFill>
-              <a:blip r:embed="rId3">
-                <a:alphaModFix/>
-              </a:blip>
-              <a:stretch>
-                <a:fillRect/>
-              </a:stretch>
-            </p:blipFill>
-            <p:spPr>
-              <a:xfrm>
-                <a:off x="318675" y="2413775"/>
-                <a:ext cx="4443825" cy="721350"/>
-              </a:xfrm>
-              <a:prstGeom prst="rect">
-                <a:avLst/>
-              </a:prstGeom>
-              <a:noFill/>
-              <a:ln>
-                <a:noFill/>
-              </a:ln>
-            </p:spPr>
-          </p:pic>
-          <p:pic>
-            <p:nvPicPr>
-              <p:cNvPr id="252" name="Google Shape;252;p33"/>
-              <p:cNvPicPr preferRelativeResize="0"/>
-              <p:nvPr/>
-            </p:nvPicPr>
-            <p:blipFill rotWithShape="1">
-              <a:blip r:embed="rId4">
-                <a:alphaModFix/>
-              </a:blip>
-              <a:srcRect b="0" l="269" r="0" t="0"/>
-              <a:stretch/>
-            </p:blipFill>
-            <p:spPr>
-              <a:xfrm>
-                <a:off x="373700" y="1860000"/>
-                <a:ext cx="1766250" cy="291675"/>
-              </a:xfrm>
-              <a:prstGeom prst="rect">
-                <a:avLst/>
-              </a:prstGeom>
-              <a:noFill/>
-              <a:ln>
-                <a:noFill/>
-              </a:ln>
-            </p:spPr>
-          </p:pic>
-        </p:grpSp>
         <p:pic>
           <p:nvPicPr>
-            <p:cNvPr id="253" name="Google Shape;253;p33"/>
+            <p:cNvPr id="258" name="Google Shape;258;p33"/>
             <p:cNvPicPr preferRelativeResize="0"/>
             <p:nvPr/>
           </p:nvPicPr>
           <p:blipFill>
-            <a:blip r:embed="rId5">
+            <a:blip r:embed="rId3">
               <a:alphaModFix/>
             </a:blip>
             <a:stretch>
@@ -15306,8 +16883,35 @@
           </p:blipFill>
           <p:spPr>
             <a:xfrm>
-              <a:off x="5165450" y="1363100"/>
-              <a:ext cx="3779501" cy="2417306"/>
+              <a:off x="318675" y="2108975"/>
+              <a:ext cx="4443825" cy="721350"/>
+            </a:xfrm>
+            <a:prstGeom prst="rect">
+              <a:avLst/>
+            </a:prstGeom>
+            <a:noFill/>
+            <a:ln>
+              <a:noFill/>
+            </a:ln>
+          </p:spPr>
+        </p:pic>
+        <p:pic>
+          <p:nvPicPr>
+            <p:cNvPr id="259" name="Google Shape;259;p33"/>
+            <p:cNvPicPr preferRelativeResize="0"/>
+            <p:nvPr/>
+          </p:nvPicPr>
+          <p:blipFill rotWithShape="1">
+            <a:blip r:embed="rId4">
+              <a:alphaModFix/>
+            </a:blip>
+            <a:srcRect b="0" l="269" r="0" t="0"/>
+            <a:stretch/>
+          </p:blipFill>
+          <p:spPr>
+            <a:xfrm>
+              <a:off x="373700" y="1555200"/>
+              <a:ext cx="1766250" cy="291675"/>
             </a:xfrm>
             <a:prstGeom prst="rect">
               <a:avLst/>
@@ -15319,6 +16923,209 @@
           </p:spPr>
         </p:pic>
       </p:grpSp>
+      <p:pic>
+        <p:nvPicPr>
+          <p:cNvPr id="260" name="Google Shape;260;p33"/>
+          <p:cNvPicPr preferRelativeResize="0"/>
+          <p:nvPr/>
+        </p:nvPicPr>
+        <p:blipFill>
+          <a:blip r:embed="rId5">
+            <a:alphaModFix/>
+          </a:blip>
+          <a:stretch>
+            <a:fillRect/>
+          </a:stretch>
+        </p:blipFill>
+        <p:spPr>
+          <a:xfrm>
+            <a:off x="5269212" y="1591700"/>
+            <a:ext cx="3779501" cy="2417306"/>
+          </a:xfrm>
+          <a:prstGeom prst="rect">
+            <a:avLst/>
+          </a:prstGeom>
+          <a:noFill/>
+          <a:ln>
+            <a:noFill/>
+          </a:ln>
+        </p:spPr>
+      </p:pic>
+      <p:sp>
+        <p:nvSpPr>
+          <p:cNvPr id="261" name="Google Shape;261;p33"/>
+          <p:cNvSpPr txBox="1"/>
+          <p:nvPr/>
+        </p:nvSpPr>
+        <p:spPr>
+          <a:xfrm>
+            <a:off x="92100" y="2778025"/>
+            <a:ext cx="5244000" cy="1656600"/>
+          </a:xfrm>
+          <a:prstGeom prst="rect">
+            <a:avLst/>
+          </a:prstGeom>
+          <a:noFill/>
+          <a:ln>
+            <a:noFill/>
+          </a:ln>
+        </p:spPr>
+        <p:txBody>
+          <a:bodyPr anchorCtr="0" anchor="t" bIns="91425" lIns="91425" spcFirstLastPara="1" rIns="91425" wrap="square" tIns="91425">
+            <a:noAutofit/>
+          </a:bodyPr>
+          <a:lstStyle/>
+          <a:p>
+            <a:pPr indent="0" lvl="0" marL="0" rtl="0" algn="l">
+              <a:spcBef>
+                <a:spcPts val="0"/>
+              </a:spcBef>
+              <a:spcAft>
+                <a:spcPts val="0"/>
+              </a:spcAft>
+              <a:buNone/>
+            </a:pPr>
+            <a:r>
+              <a:rPr lang="ko"/>
+              <a:t>Bias: how much close samples average result with answer</a:t>
+            </a:r>
+            <a:endParaRPr/>
+          </a:p>
+          <a:p>
+            <a:pPr indent="-317500" lvl="0" marL="457200" rtl="0" algn="l">
+              <a:spcBef>
+                <a:spcPts val="0"/>
+              </a:spcBef>
+              <a:spcAft>
+                <a:spcPts val="0"/>
+              </a:spcAft>
+              <a:buSzPts val="1400"/>
+              <a:buChar char="●"/>
+            </a:pPr>
+            <a:r>
+              <a:rPr lang="ko"/>
+              <a:t>low - good prediction via repeats </a:t>
+            </a:r>
+            <a:endParaRPr/>
+          </a:p>
+          <a:p>
+            <a:pPr indent="-317500" lvl="0" marL="457200" rtl="0" algn="l">
+              <a:spcBef>
+                <a:spcPts val="0"/>
+              </a:spcBef>
+              <a:spcAft>
+                <a:spcPts val="0"/>
+              </a:spcAft>
+              <a:buSzPts val="1400"/>
+              <a:buChar char="●"/>
+            </a:pPr>
+            <a:r>
+              <a:rPr lang="ko"/>
+              <a:t>high - not good prediction despite to do many repeats</a:t>
+            </a:r>
+            <a:endParaRPr/>
+          </a:p>
+          <a:p>
+            <a:pPr indent="0" lvl="0" marL="0" rtl="0" algn="l">
+              <a:spcBef>
+                <a:spcPts val="0"/>
+              </a:spcBef>
+              <a:spcAft>
+                <a:spcPts val="0"/>
+              </a:spcAft>
+              <a:buNone/>
+            </a:pPr>
+            <a:r>
+              <a:t/>
+            </a:r>
+            <a:endParaRPr/>
+          </a:p>
+          <a:p>
+            <a:pPr indent="0" lvl="0" marL="0" rtl="0" algn="l">
+              <a:spcBef>
+                <a:spcPts val="0"/>
+              </a:spcBef>
+              <a:spcAft>
+                <a:spcPts val="0"/>
+              </a:spcAft>
+              <a:buNone/>
+            </a:pPr>
+            <a:r>
+              <a:rPr lang="ko"/>
+              <a:t>Variance: difference between </a:t>
+            </a:r>
+            <a:r>
+              <a:rPr lang="ko">
+                <a:solidFill>
+                  <a:schemeClr val="dk1"/>
+                </a:solidFill>
+              </a:rPr>
+              <a:t>samples average and one sample</a:t>
+            </a:r>
+            <a:endParaRPr>
+              <a:solidFill>
+                <a:schemeClr val="dk1"/>
+              </a:solidFill>
+            </a:endParaRPr>
+          </a:p>
+          <a:p>
+            <a:pPr indent="-317500" lvl="0" marL="457200" rtl="0" algn="l">
+              <a:spcBef>
+                <a:spcPts val="0"/>
+              </a:spcBef>
+              <a:spcAft>
+                <a:spcPts val="0"/>
+              </a:spcAft>
+              <a:buClr>
+                <a:schemeClr val="dk1"/>
+              </a:buClr>
+              <a:buSzPts val="1400"/>
+              <a:buChar char="●"/>
+            </a:pPr>
+            <a:r>
+              <a:rPr lang="ko">
+                <a:solidFill>
+                  <a:schemeClr val="dk1"/>
+                </a:solidFill>
+              </a:rPr>
+              <a:t>low - constant approximation value by changes of sample</a:t>
+            </a:r>
+            <a:endParaRPr>
+              <a:solidFill>
+                <a:schemeClr val="dk1"/>
+              </a:solidFill>
+            </a:endParaRPr>
+          </a:p>
+          <a:p>
+            <a:pPr indent="-317500" lvl="0" marL="457200" rtl="0" algn="l">
+              <a:spcBef>
+                <a:spcPts val="0"/>
+              </a:spcBef>
+              <a:spcAft>
+                <a:spcPts val="0"/>
+              </a:spcAft>
+              <a:buClr>
+                <a:schemeClr val="dk1"/>
+              </a:buClr>
+              <a:buSzPts val="1400"/>
+              <a:buChar char="●"/>
+            </a:pPr>
+            <a:r>
+              <a:rPr lang="ko">
+                <a:solidFill>
+                  <a:schemeClr val="dk1"/>
+                </a:solidFill>
+              </a:rPr>
+              <a:t>high - volatile approximation value by changes of sample </a:t>
+            </a:r>
+            <a:endParaRPr>
+              <a:solidFill>
+                <a:schemeClr val="dk1"/>
+              </a:solidFill>
+            </a:endParaRPr>
+          </a:p>
+        </p:txBody>
+      </p:sp>
     </p:spTree>
   </p:cSld>
   <p:clrMapOvr>
@@ -15328,178 +17135,6 @@
 </file>
 
 <file path=ppt/slides/slide21.xml><?xml version="1.0" encoding="utf-8"?>
-<p:sld xmlns:a="http://schemas.openxmlformats.org/drawingml/2006/main" xmlns:r="http://schemas.openxmlformats.org/officeDocument/2006/relationships" xmlns:mc="http://schemas.openxmlformats.org/markup-compatibility/2006" xmlns:mv="urn:schemas-microsoft-com:mac:vml" xmlns:p="http://schemas.openxmlformats.org/presentationml/2006/main" xmlns:c="http://schemas.openxmlformats.org/drawingml/2006/chart" xmlns:dgm="http://schemas.openxmlformats.org/drawingml/2006/diagram" xmlns:o="urn:schemas-microsoft-com:office:office" xmlns:v="urn:schemas-microsoft-com:vml" xmlns:pvml="urn:schemas-microsoft-com:office:powerpoint" xmlns:com="http://schemas.openxmlformats.org/drawingml/2006/compatibility" xmlns:p14="http://schemas.microsoft.com/office/powerpoint/2010/main" xmlns:p15="http://schemas.microsoft.com/office/powerpoint/2012/main" xmlns:ahyp="http://schemas.microsoft.com/office/drawing/2018/hyperlinkcolor">
-  <p:cSld>
-    <p:spTree>
-      <p:nvGrpSpPr>
-        <p:cNvPr id="257" name="Shape 257"/>
-        <p:cNvGrpSpPr/>
-        <p:nvPr/>
-      </p:nvGrpSpPr>
-      <p:grpSpPr>
-        <a:xfrm>
-          <a:off x="0" y="0"/>
-          <a:ext cx="0" cy="0"/>
-          <a:chOff x="0" y="0"/>
-          <a:chExt cx="0" cy="0"/>
-        </a:xfrm>
-      </p:grpSpPr>
-      <p:sp>
-        <p:nvSpPr>
-          <p:cNvPr id="258" name="Google Shape;258;p34"/>
-          <p:cNvSpPr txBox="1"/>
-          <p:nvPr>
-            <p:ph type="title"/>
-          </p:nvPr>
-        </p:nvSpPr>
-        <p:spPr>
-          <a:xfrm>
-            <a:off x="161000" y="135500"/>
-            <a:ext cx="8520600" cy="572700"/>
-          </a:xfrm>
-          <a:prstGeom prst="rect">
-            <a:avLst/>
-          </a:prstGeom>
-        </p:spPr>
-        <p:txBody>
-          <a:bodyPr anchorCtr="0" anchor="t" bIns="91425" lIns="91425" spcFirstLastPara="1" rIns="91425" wrap="square" tIns="91425">
-            <a:noAutofit/>
-          </a:bodyPr>
-          <a:lstStyle/>
-          <a:p>
-            <a:pPr indent="0" lvl="0" marL="0" rtl="0" algn="l">
-              <a:spcBef>
-                <a:spcPts val="0"/>
-              </a:spcBef>
-              <a:spcAft>
-                <a:spcPts val="0"/>
-              </a:spcAft>
-              <a:buNone/>
-            </a:pPr>
-            <a:r>
-              <a:rPr lang="ko"/>
-              <a:t>5. Local Methods in High Dimensions</a:t>
-            </a:r>
-            <a:endParaRPr/>
-          </a:p>
-        </p:txBody>
-      </p:sp>
-      <p:sp>
-        <p:nvSpPr>
-          <p:cNvPr id="259" name="Google Shape;259;p34"/>
-          <p:cNvSpPr txBox="1"/>
-          <p:nvPr>
-            <p:ph idx="12" type="sldNum"/>
-          </p:nvPr>
-        </p:nvSpPr>
-        <p:spPr>
-          <a:xfrm>
-            <a:off x="8472458" y="4663217"/>
-            <a:ext cx="548700" cy="393600"/>
-          </a:xfrm>
-          <a:prstGeom prst="rect">
-            <a:avLst/>
-          </a:prstGeom>
-        </p:spPr>
-        <p:txBody>
-          <a:bodyPr anchorCtr="0" anchor="ctr" bIns="91425" lIns="91425" spcFirstLastPara="1" rIns="91425" wrap="square" tIns="91425">
-            <a:noAutofit/>
-          </a:bodyPr>
-          <a:lstStyle/>
-          <a:p>
-            <a:pPr indent="0" lvl="0" marL="0" rtl="0" algn="r">
-              <a:spcBef>
-                <a:spcPts val="0"/>
-              </a:spcBef>
-              <a:spcAft>
-                <a:spcPts val="0"/>
-              </a:spcAft>
-              <a:buNone/>
-            </a:pPr>
-            <a:fld id="{00000000-1234-1234-1234-123412341234}" type="slidenum">
-              <a:rPr lang="ko"/>
-              <a:t>‹#›</a:t>
-            </a:fld>
-            <a:endParaRPr/>
-          </a:p>
-        </p:txBody>
-      </p:sp>
-      <p:sp>
-        <p:nvSpPr>
-          <p:cNvPr id="260" name="Google Shape;260;p34"/>
-          <p:cNvSpPr txBox="1"/>
-          <p:nvPr>
-            <p:ph idx="2" type="title"/>
-          </p:nvPr>
-        </p:nvSpPr>
-        <p:spPr>
-          <a:xfrm>
-            <a:off x="373700" y="606100"/>
-            <a:ext cx="8520600" cy="572700"/>
-          </a:xfrm>
-          <a:prstGeom prst="rect">
-            <a:avLst/>
-          </a:prstGeom>
-        </p:spPr>
-        <p:txBody>
-          <a:bodyPr anchorCtr="0" anchor="t" bIns="91425" lIns="91425" spcFirstLastPara="1" rIns="91425" wrap="square" tIns="91425">
-            <a:noAutofit/>
-          </a:bodyPr>
-          <a:lstStyle/>
-          <a:p>
-            <a:pPr indent="0" lvl="0" marL="0" rtl="0" algn="l">
-              <a:spcBef>
-                <a:spcPts val="0"/>
-              </a:spcBef>
-              <a:spcAft>
-                <a:spcPts val="0"/>
-              </a:spcAft>
-              <a:buNone/>
-            </a:pPr>
-            <a:r>
-              <a:rPr lang="ko"/>
-              <a:t>About Bias and Variance</a:t>
-            </a:r>
-            <a:endParaRPr/>
-          </a:p>
-        </p:txBody>
-      </p:sp>
-      <p:pic>
-        <p:nvPicPr>
-          <p:cNvPr id="261" name="Google Shape;261;p34"/>
-          <p:cNvPicPr preferRelativeResize="0"/>
-          <p:nvPr/>
-        </p:nvPicPr>
-        <p:blipFill rotWithShape="1">
-          <a:blip r:embed="rId3">
-            <a:alphaModFix/>
-          </a:blip>
-          <a:srcRect b="24202" l="0" r="0" t="0"/>
-          <a:stretch/>
-        </p:blipFill>
-        <p:spPr>
-          <a:xfrm>
-            <a:off x="2657475" y="1012850"/>
-            <a:ext cx="3625850" cy="4000475"/>
-          </a:xfrm>
-          <a:prstGeom prst="rect">
-            <a:avLst/>
-          </a:prstGeom>
-          <a:noFill/>
-          <a:ln>
-            <a:noFill/>
-          </a:ln>
-        </p:spPr>
-      </p:pic>
-    </p:spTree>
-  </p:cSld>
-  <p:clrMapOvr>
-    <a:masterClrMapping/>
-  </p:clrMapOvr>
-</p:sld>
-</file>
-
-<file path=ppt/slides/slide22.xml><?xml version="1.0" encoding="utf-8"?>
 <p:sld xmlns:a="http://schemas.openxmlformats.org/drawingml/2006/main" xmlns:r="http://schemas.openxmlformats.org/officeDocument/2006/relationships" xmlns:mc="http://schemas.openxmlformats.org/markup-compatibility/2006" xmlns:mv="urn:schemas-microsoft-com:mac:vml" xmlns:p="http://schemas.openxmlformats.org/presentationml/2006/main" xmlns:c="http://schemas.openxmlformats.org/drawingml/2006/chart" xmlns:dgm="http://schemas.openxmlformats.org/drawingml/2006/diagram" xmlns:o="urn:schemas-microsoft-com:office:office" xmlns:v="urn:schemas-microsoft-com:vml" xmlns:pvml="urn:schemas-microsoft-com:office:powerpoint" xmlns:com="http://schemas.openxmlformats.org/drawingml/2006/compatibility" xmlns:p14="http://schemas.microsoft.com/office/powerpoint/2010/main" xmlns:p15="http://schemas.microsoft.com/office/powerpoint/2012/main" xmlns:ahyp="http://schemas.microsoft.com/office/drawing/2018/hyperlinkcolor">
   <p:cSld>
     <p:spTree>
@@ -15518,7 +17153,7 @@
       </p:grpSpPr>
       <p:sp>
         <p:nvSpPr>
-          <p:cNvPr id="266" name="Google Shape;266;p35"/>
+          <p:cNvPr id="266" name="Google Shape;266;p34"/>
           <p:cNvSpPr txBox="1"/>
           <p:nvPr>
             <p:ph type="title"/>
@@ -15558,7 +17193,7 @@
       </p:sp>
       <p:sp>
         <p:nvSpPr>
-          <p:cNvPr id="267" name="Google Shape;267;p35"/>
+          <p:cNvPr id="267" name="Google Shape;267;p34"/>
           <p:cNvSpPr txBox="1"/>
           <p:nvPr>
             <p:ph idx="12" type="sldNum"/>
@@ -15598,7 +17233,7 @@
       </p:sp>
       <p:sp>
         <p:nvSpPr>
-          <p:cNvPr id="268" name="Google Shape;268;p35"/>
+          <p:cNvPr id="268" name="Google Shape;268;p34"/>
           <p:cNvSpPr txBox="1"/>
           <p:nvPr>
             <p:ph idx="2" type="title"/>
@@ -15630,7 +17265,7 @@
             </a:pPr>
             <a:r>
               <a:rPr lang="ko"/>
-              <a:t>Overcome the Curse in Linear model</a:t>
+              <a:t>About Bias and Variance</a:t>
             </a:r>
             <a:endParaRPr/>
           </a:p>
@@ -15638,7 +17273,206 @@
       </p:sp>
       <p:pic>
         <p:nvPicPr>
-          <p:cNvPr id="269" name="Google Shape;269;p35"/>
+          <p:cNvPr id="269" name="Google Shape;269;p34"/>
+          <p:cNvPicPr preferRelativeResize="0"/>
+          <p:nvPr/>
+        </p:nvPicPr>
+        <p:blipFill rotWithShape="1">
+          <a:blip r:embed="rId3">
+            <a:alphaModFix/>
+          </a:blip>
+          <a:srcRect b="24202" l="0" r="0" t="0"/>
+          <a:stretch/>
+        </p:blipFill>
+        <p:spPr>
+          <a:xfrm>
+            <a:off x="4759550" y="708200"/>
+            <a:ext cx="3625850" cy="4000475"/>
+          </a:xfrm>
+          <a:prstGeom prst="rect">
+            <a:avLst/>
+          </a:prstGeom>
+          <a:noFill/>
+          <a:ln>
+            <a:noFill/>
+          </a:ln>
+        </p:spPr>
+      </p:pic>
+      <p:pic>
+        <p:nvPicPr>
+          <p:cNvPr id="270" name="Google Shape;270;p34"/>
+          <p:cNvPicPr preferRelativeResize="0"/>
+          <p:nvPr/>
+        </p:nvPicPr>
+        <p:blipFill rotWithShape="1">
+          <a:blip r:embed="rId4">
+            <a:alphaModFix/>
+          </a:blip>
+          <a:srcRect b="0" l="269" r="0" t="0"/>
+          <a:stretch/>
+        </p:blipFill>
+        <p:spPr>
+          <a:xfrm>
+            <a:off x="629484" y="2453650"/>
+            <a:ext cx="3085601" cy="509550"/>
+          </a:xfrm>
+          <a:prstGeom prst="rect">
+            <a:avLst/>
+          </a:prstGeom>
+          <a:noFill/>
+          <a:ln>
+            <a:noFill/>
+          </a:ln>
+        </p:spPr>
+      </p:pic>
+    </p:spTree>
+  </p:cSld>
+  <p:clrMapOvr>
+    <a:masterClrMapping/>
+  </p:clrMapOvr>
+</p:sld>
+</file>
+
+<file path=ppt/slides/slide22.xml><?xml version="1.0" encoding="utf-8"?>
+<p:sld xmlns:a="http://schemas.openxmlformats.org/drawingml/2006/main" xmlns:r="http://schemas.openxmlformats.org/officeDocument/2006/relationships" xmlns:mc="http://schemas.openxmlformats.org/markup-compatibility/2006" xmlns:mv="urn:schemas-microsoft-com:mac:vml" xmlns:p="http://schemas.openxmlformats.org/presentationml/2006/main" xmlns:c="http://schemas.openxmlformats.org/drawingml/2006/chart" xmlns:dgm="http://schemas.openxmlformats.org/drawingml/2006/diagram" xmlns:o="urn:schemas-microsoft-com:office:office" xmlns:v="urn:schemas-microsoft-com:vml" xmlns:pvml="urn:schemas-microsoft-com:office:powerpoint" xmlns:com="http://schemas.openxmlformats.org/drawingml/2006/compatibility" xmlns:p14="http://schemas.microsoft.com/office/powerpoint/2010/main" xmlns:p15="http://schemas.microsoft.com/office/powerpoint/2012/main" xmlns:ahyp="http://schemas.microsoft.com/office/drawing/2018/hyperlinkcolor">
+  <p:cSld>
+    <p:spTree>
+      <p:nvGrpSpPr>
+        <p:cNvPr id="274" name="Shape 274"/>
+        <p:cNvGrpSpPr/>
+        <p:nvPr/>
+      </p:nvGrpSpPr>
+      <p:grpSpPr>
+        <a:xfrm>
+          <a:off x="0" y="0"/>
+          <a:ext cx="0" cy="0"/>
+          <a:chOff x="0" y="0"/>
+          <a:chExt cx="0" cy="0"/>
+        </a:xfrm>
+      </p:grpSpPr>
+      <p:sp>
+        <p:nvSpPr>
+          <p:cNvPr id="275" name="Google Shape;275;p35"/>
+          <p:cNvSpPr txBox="1"/>
+          <p:nvPr>
+            <p:ph type="title"/>
+          </p:nvPr>
+        </p:nvSpPr>
+        <p:spPr>
+          <a:xfrm>
+            <a:off x="161000" y="135500"/>
+            <a:ext cx="8520600" cy="572700"/>
+          </a:xfrm>
+          <a:prstGeom prst="rect">
+            <a:avLst/>
+          </a:prstGeom>
+        </p:spPr>
+        <p:txBody>
+          <a:bodyPr anchorCtr="0" anchor="t" bIns="91425" lIns="91425" spcFirstLastPara="1" rIns="91425" wrap="square" tIns="91425">
+            <a:noAutofit/>
+          </a:bodyPr>
+          <a:lstStyle/>
+          <a:p>
+            <a:pPr indent="0" lvl="0" marL="0" rtl="0" algn="l">
+              <a:spcBef>
+                <a:spcPts val="0"/>
+              </a:spcBef>
+              <a:spcAft>
+                <a:spcPts val="0"/>
+              </a:spcAft>
+              <a:buNone/>
+            </a:pPr>
+            <a:r>
+              <a:rPr lang="ko"/>
+              <a:t>5. Local Methods in High Dimensions</a:t>
+            </a:r>
+            <a:endParaRPr/>
+          </a:p>
+        </p:txBody>
+      </p:sp>
+      <p:sp>
+        <p:nvSpPr>
+          <p:cNvPr id="276" name="Google Shape;276;p35"/>
+          <p:cNvSpPr txBox="1"/>
+          <p:nvPr>
+            <p:ph idx="12" type="sldNum"/>
+          </p:nvPr>
+        </p:nvSpPr>
+        <p:spPr>
+          <a:xfrm>
+            <a:off x="8472458" y="4663217"/>
+            <a:ext cx="548700" cy="393600"/>
+          </a:xfrm>
+          <a:prstGeom prst="rect">
+            <a:avLst/>
+          </a:prstGeom>
+        </p:spPr>
+        <p:txBody>
+          <a:bodyPr anchorCtr="0" anchor="ctr" bIns="91425" lIns="91425" spcFirstLastPara="1" rIns="91425" wrap="square" tIns="91425">
+            <a:noAutofit/>
+          </a:bodyPr>
+          <a:lstStyle/>
+          <a:p>
+            <a:pPr indent="0" lvl="0" marL="0" rtl="0" algn="r">
+              <a:spcBef>
+                <a:spcPts val="0"/>
+              </a:spcBef>
+              <a:spcAft>
+                <a:spcPts val="0"/>
+              </a:spcAft>
+              <a:buNone/>
+            </a:pPr>
+            <a:fld id="{00000000-1234-1234-1234-123412341234}" type="slidenum">
+              <a:rPr lang="ko"/>
+              <a:t>‹#›</a:t>
+            </a:fld>
+            <a:endParaRPr/>
+          </a:p>
+        </p:txBody>
+      </p:sp>
+      <p:sp>
+        <p:nvSpPr>
+          <p:cNvPr id="277" name="Google Shape;277;p35"/>
+          <p:cNvSpPr txBox="1"/>
+          <p:nvPr>
+            <p:ph idx="2" type="title"/>
+          </p:nvPr>
+        </p:nvSpPr>
+        <p:spPr>
+          <a:xfrm>
+            <a:off x="373700" y="606100"/>
+            <a:ext cx="8520600" cy="572700"/>
+          </a:xfrm>
+          <a:prstGeom prst="rect">
+            <a:avLst/>
+          </a:prstGeom>
+        </p:spPr>
+        <p:txBody>
+          <a:bodyPr anchorCtr="0" anchor="t" bIns="91425" lIns="91425" spcFirstLastPara="1" rIns="91425" wrap="square" tIns="91425">
+            <a:noAutofit/>
+          </a:bodyPr>
+          <a:lstStyle/>
+          <a:p>
+            <a:pPr indent="0" lvl="0" marL="0" rtl="0" algn="l">
+              <a:spcBef>
+                <a:spcPts val="0"/>
+              </a:spcBef>
+              <a:spcAft>
+                <a:spcPts val="0"/>
+              </a:spcAft>
+              <a:buNone/>
+            </a:pPr>
+            <a:r>
+              <a:rPr lang="ko"/>
+              <a:t>About Bias and Variance</a:t>
+            </a:r>
+            <a:endParaRPr/>
+          </a:p>
+        </p:txBody>
+      </p:sp>
+      <p:pic>
+        <p:nvPicPr>
+          <p:cNvPr id="278" name="Google Shape;278;p35"/>
           <p:cNvPicPr preferRelativeResize="0"/>
           <p:nvPr/>
         </p:nvPicPr>
@@ -15652,8 +17486,8 @@
         </p:blipFill>
         <p:spPr>
           <a:xfrm>
-            <a:off x="373700" y="2026525"/>
-            <a:ext cx="3200400" cy="333375"/>
+            <a:off x="3328550" y="1082325"/>
+            <a:ext cx="5353050" cy="3514725"/>
           </a:xfrm>
           <a:prstGeom prst="rect">
             <a:avLst/>
@@ -15666,7 +17500,7 @@
       </p:pic>
       <p:pic>
         <p:nvPicPr>
-          <p:cNvPr id="270" name="Google Shape;270;p35"/>
+          <p:cNvPr id="279" name="Google Shape;279;p35"/>
           <p:cNvPicPr preferRelativeResize="0"/>
           <p:nvPr/>
         </p:nvPicPr>
@@ -15680,36 +17514,8 @@
         </p:blipFill>
         <p:spPr>
           <a:xfrm>
-            <a:off x="373700" y="2512300"/>
-            <a:ext cx="4368801" cy="987950"/>
-          </a:xfrm>
-          <a:prstGeom prst="rect">
-            <a:avLst/>
-          </a:prstGeom>
-          <a:noFill/>
-          <a:ln>
-            <a:noFill/>
-          </a:ln>
-        </p:spPr>
-      </p:pic>
-      <p:pic>
-        <p:nvPicPr>
-          <p:cNvPr id="271" name="Google Shape;271;p35"/>
-          <p:cNvPicPr preferRelativeResize="0"/>
-          <p:nvPr/>
-        </p:nvPicPr>
-        <p:blipFill>
-          <a:blip r:embed="rId5">
-            <a:alphaModFix/>
-          </a:blip>
-          <a:stretch>
-            <a:fillRect/>
-          </a:stretch>
-        </p:blipFill>
-        <p:spPr>
-          <a:xfrm>
-            <a:off x="5422726" y="741800"/>
-            <a:ext cx="2744924" cy="3659899"/>
+            <a:off x="373700" y="2325087"/>
+            <a:ext cx="2637375" cy="724400"/>
           </a:xfrm>
           <a:prstGeom prst="rect">
             <a:avLst/>
@@ -15733,7 +17539,7 @@
   <p:cSld>
     <p:spTree>
       <p:nvGrpSpPr>
-        <p:cNvPr id="275" name="Shape 275"/>
+        <p:cNvPr id="283" name="Shape 283"/>
         <p:cNvGrpSpPr/>
         <p:nvPr/>
       </p:nvGrpSpPr>
@@ -15747,7 +17553,7 @@
       </p:grpSpPr>
       <p:sp>
         <p:nvSpPr>
-          <p:cNvPr id="276" name="Google Shape;276;p36"/>
+          <p:cNvPr id="284" name="Google Shape;284;p36"/>
           <p:cNvSpPr txBox="1"/>
           <p:nvPr>
             <p:ph type="title"/>
@@ -15778,20 +17584,16 @@
               <a:buNone/>
             </a:pPr>
             <a:r>
-              <a:rPr lang="ko" sz="2000"/>
-              <a:t>6</a:t>
-            </a:r>
-            <a:r>
-              <a:rPr lang="ko" sz="2000"/>
-              <a:t>. Statistical Models, Supervised Learning and Function Approximation</a:t>
-            </a:r>
-            <a:endParaRPr sz="2000"/>
+              <a:rPr lang="ko"/>
+              <a:t>5. Local Methods in High Dimensions</a:t>
+            </a:r>
+            <a:endParaRPr/>
           </a:p>
         </p:txBody>
       </p:sp>
       <p:sp>
         <p:nvSpPr>
-          <p:cNvPr id="277" name="Google Shape;277;p36"/>
+          <p:cNvPr id="285" name="Google Shape;285;p36"/>
           <p:cNvSpPr txBox="1"/>
           <p:nvPr>
             <p:ph idx="12" type="sldNum"/>
@@ -15831,7 +17633,7 @@
       </p:sp>
       <p:sp>
         <p:nvSpPr>
-          <p:cNvPr id="278" name="Google Shape;278;p36"/>
+          <p:cNvPr id="286" name="Google Shape;286;p36"/>
           <p:cNvSpPr txBox="1"/>
           <p:nvPr>
             <p:ph idx="2" type="title"/>
@@ -15863,12 +17665,124 @@
             </a:pPr>
             <a:r>
               <a:rPr lang="ko"/>
-              <a:t>Statistical Model from the Joint Distribution</a:t>
+              <a:t>Overcome the Curse in Linear model</a:t>
             </a:r>
             <a:endParaRPr/>
           </a:p>
         </p:txBody>
       </p:sp>
+      <p:pic>
+        <p:nvPicPr>
+          <p:cNvPr id="287" name="Google Shape;287;p36"/>
+          <p:cNvPicPr preferRelativeResize="0"/>
+          <p:nvPr/>
+        </p:nvPicPr>
+        <p:blipFill>
+          <a:blip r:embed="rId3">
+            <a:alphaModFix/>
+          </a:blip>
+          <a:stretch>
+            <a:fillRect/>
+          </a:stretch>
+        </p:blipFill>
+        <p:spPr>
+          <a:xfrm>
+            <a:off x="373700" y="1493125"/>
+            <a:ext cx="3200400" cy="333375"/>
+          </a:xfrm>
+          <a:prstGeom prst="rect">
+            <a:avLst/>
+          </a:prstGeom>
+          <a:noFill/>
+          <a:ln>
+            <a:noFill/>
+          </a:ln>
+        </p:spPr>
+      </p:pic>
+      <p:pic>
+        <p:nvPicPr>
+          <p:cNvPr id="288" name="Google Shape;288;p36"/>
+          <p:cNvPicPr preferRelativeResize="0"/>
+          <p:nvPr/>
+        </p:nvPicPr>
+        <p:blipFill>
+          <a:blip r:embed="rId4">
+            <a:alphaModFix/>
+          </a:blip>
+          <a:stretch>
+            <a:fillRect/>
+          </a:stretch>
+        </p:blipFill>
+        <p:spPr>
+          <a:xfrm>
+            <a:off x="373700" y="2131300"/>
+            <a:ext cx="4368801" cy="987950"/>
+          </a:xfrm>
+          <a:prstGeom prst="rect">
+            <a:avLst/>
+          </a:prstGeom>
+          <a:noFill/>
+          <a:ln>
+            <a:noFill/>
+          </a:ln>
+        </p:spPr>
+      </p:pic>
+      <p:pic>
+        <p:nvPicPr>
+          <p:cNvPr id="289" name="Google Shape;289;p36"/>
+          <p:cNvPicPr preferRelativeResize="0"/>
+          <p:nvPr/>
+        </p:nvPicPr>
+        <p:blipFill>
+          <a:blip r:embed="rId5">
+            <a:alphaModFix/>
+          </a:blip>
+          <a:stretch>
+            <a:fillRect/>
+          </a:stretch>
+        </p:blipFill>
+        <p:spPr>
+          <a:xfrm>
+            <a:off x="5164501" y="855763"/>
+            <a:ext cx="3328221" cy="3659899"/>
+          </a:xfrm>
+          <a:prstGeom prst="rect">
+            <a:avLst/>
+          </a:prstGeom>
+          <a:noFill/>
+          <a:ln>
+            <a:noFill/>
+          </a:ln>
+        </p:spPr>
+      </p:pic>
+      <p:pic>
+        <p:nvPicPr>
+          <p:cNvPr id="290" name="Google Shape;290;p36"/>
+          <p:cNvPicPr preferRelativeResize="0"/>
+          <p:nvPr/>
+        </p:nvPicPr>
+        <p:blipFill>
+          <a:blip r:embed="rId6">
+            <a:alphaModFix/>
+          </a:blip>
+          <a:stretch>
+            <a:fillRect/>
+          </a:stretch>
+        </p:blipFill>
+        <p:spPr>
+          <a:xfrm>
+            <a:off x="373696" y="3420271"/>
+            <a:ext cx="4368800" cy="774133"/>
+          </a:xfrm>
+          <a:prstGeom prst="rect">
+            <a:avLst/>
+          </a:prstGeom>
+          <a:noFill/>
+          <a:ln>
+            <a:noFill/>
+          </a:ln>
+        </p:spPr>
+      </p:pic>
     </p:spTree>
   </p:cSld>
   <p:clrMapOvr>
@@ -15882,7 +17796,7 @@
   <p:cSld>
     <p:spTree>
       <p:nvGrpSpPr>
-        <p:cNvPr id="282" name="Shape 282"/>
+        <p:cNvPr id="294" name="Shape 294"/>
         <p:cNvGrpSpPr/>
         <p:nvPr/>
       </p:nvGrpSpPr>
@@ -15896,7 +17810,7 @@
       </p:grpSpPr>
       <p:sp>
         <p:nvSpPr>
-          <p:cNvPr id="283" name="Google Shape;283;p37"/>
+          <p:cNvPr id="295" name="Google Shape;295;p37"/>
           <p:cNvSpPr txBox="1"/>
           <p:nvPr>
             <p:ph type="title"/>
@@ -15936,7 +17850,7 @@
       </p:sp>
       <p:sp>
         <p:nvSpPr>
-          <p:cNvPr id="284" name="Google Shape;284;p37"/>
+          <p:cNvPr id="296" name="Google Shape;296;p37"/>
           <p:cNvSpPr txBox="1"/>
           <p:nvPr>
             <p:ph idx="12" type="sldNum"/>
@@ -15974,22 +17888,52 @@
           </a:p>
         </p:txBody>
       </p:sp>
-      <p:sp>
-        <p:nvSpPr>
-          <p:cNvPr id="285" name="Google Shape;285;p37"/>
-          <p:cNvSpPr txBox="1"/>
-          <p:nvPr>
-            <p:ph idx="2" type="title"/>
-          </p:nvPr>
-        </p:nvSpPr>
-        <p:spPr>
-          <a:xfrm>
-            <a:off x="373700" y="606100"/>
-            <a:ext cx="8520600" cy="572700"/>
+      <p:pic>
+        <p:nvPicPr>
+          <p:cNvPr id="297" name="Google Shape;297;p37"/>
+          <p:cNvPicPr preferRelativeResize="0"/>
+          <p:nvPr/>
+        </p:nvPicPr>
+        <p:blipFill>
+          <a:blip r:embed="rId3">
+            <a:alphaModFix/>
+          </a:blip>
+          <a:stretch>
+            <a:fillRect/>
+          </a:stretch>
+        </p:blipFill>
+        <p:spPr>
+          <a:xfrm>
+            <a:off x="1987950" y="1932913"/>
+            <a:ext cx="4419600" cy="419100"/>
           </a:xfrm>
           <a:prstGeom prst="rect">
             <a:avLst/>
           </a:prstGeom>
+          <a:noFill/>
+          <a:ln>
+            <a:noFill/>
+          </a:ln>
+        </p:spPr>
+      </p:pic>
+      <p:sp>
+        <p:nvSpPr>
+          <p:cNvPr id="298" name="Google Shape;298;p37"/>
+          <p:cNvSpPr txBox="1"/>
+          <p:nvPr/>
+        </p:nvSpPr>
+        <p:spPr>
+          <a:xfrm>
+            <a:off x="1987950" y="2529888"/>
+            <a:ext cx="5168100" cy="680700"/>
+          </a:xfrm>
+          <a:prstGeom prst="rect">
+            <a:avLst/>
+          </a:prstGeom>
+          <a:noFill/>
+          <a:ln>
+            <a:noFill/>
+          </a:ln>
         </p:spPr>
         <p:txBody>
           <a:bodyPr anchorCtr="0" anchor="t" bIns="91425" lIns="91425" spcFirstLastPara="1" rIns="91425" wrap="square" tIns="91425">
@@ -15997,18 +17941,60 @@
           </a:bodyPr>
           <a:lstStyle/>
           <a:p>
-            <a:pPr indent="0" lvl="0" marL="0" rtl="0" algn="l">
-              <a:spcBef>
-                <a:spcPts val="0"/>
-              </a:spcBef>
-              <a:spcAft>
-                <a:spcPts val="0"/>
-              </a:spcAft>
-              <a:buNone/>
-            </a:pPr>
-            <a:r>
-              <a:rPr lang="ko"/>
-              <a:t>Supervised Learning</a:t>
+            <a:pPr indent="-317500" lvl="0" marL="457200" rtl="0" algn="l">
+              <a:spcBef>
+                <a:spcPts val="0"/>
+              </a:spcBef>
+              <a:spcAft>
+                <a:spcPts val="0"/>
+              </a:spcAft>
+              <a:buSzPts val="1400"/>
+              <a:buChar char="●"/>
+            </a:pPr>
+            <a:r>
+              <a:rPr lang="ko"/>
+              <a:t>Supervised Learning (</a:t>
+            </a:r>
+            <a:r>
+              <a:rPr lang="ko">
+                <a:solidFill>
+                  <a:schemeClr val="dk1"/>
+                </a:solidFill>
+              </a:rPr>
+              <a:t>ML</a:t>
+            </a:r>
+            <a:r>
+              <a:rPr lang="ko"/>
+              <a:t>)</a:t>
+            </a:r>
+            <a:endParaRPr/>
+          </a:p>
+          <a:p>
+            <a:pPr indent="-317500" lvl="0" marL="457200" rtl="0" algn="l">
+              <a:spcBef>
+                <a:spcPts val="0"/>
+              </a:spcBef>
+              <a:spcAft>
+                <a:spcPts val="0"/>
+              </a:spcAft>
+              <a:buSzPts val="1400"/>
+              <a:buChar char="●"/>
+            </a:pPr>
+            <a:r>
+              <a:rPr lang="ko"/>
+              <a:t>Function Approximation (</a:t>
+            </a:r>
+            <a:r>
+              <a:rPr lang="ko">
+                <a:solidFill>
+                  <a:schemeClr val="dk1"/>
+                </a:solidFill>
+              </a:rPr>
+              <a:t>Statistics</a:t>
+            </a:r>
+            <a:r>
+              <a:rPr lang="ko"/>
+              <a:t>)</a:t>
             </a:r>
             <a:endParaRPr/>
           </a:p>
@@ -16023,260 +18009,6 @@
 </file>
 
 <file path=ppt/slides/slide25.xml><?xml version="1.0" encoding="utf-8"?>
-<p:sld xmlns:a="http://schemas.openxmlformats.org/drawingml/2006/main" xmlns:r="http://schemas.openxmlformats.org/officeDocument/2006/relationships" xmlns:mc="http://schemas.openxmlformats.org/markup-compatibility/2006" xmlns:mv="urn:schemas-microsoft-com:mac:vml" xmlns:p="http://schemas.openxmlformats.org/presentationml/2006/main" xmlns:c="http://schemas.openxmlformats.org/drawingml/2006/chart" xmlns:dgm="http://schemas.openxmlformats.org/drawingml/2006/diagram" xmlns:o="urn:schemas-microsoft-com:office:office" xmlns:v="urn:schemas-microsoft-com:vml" xmlns:pvml="urn:schemas-microsoft-com:office:powerpoint" xmlns:com="http://schemas.openxmlformats.org/drawingml/2006/compatibility" xmlns:p14="http://schemas.microsoft.com/office/powerpoint/2010/main" xmlns:p15="http://schemas.microsoft.com/office/powerpoint/2012/main" xmlns:ahyp="http://schemas.microsoft.com/office/drawing/2018/hyperlinkcolor">
-  <p:cSld>
-    <p:spTree>
-      <p:nvGrpSpPr>
-        <p:cNvPr id="289" name="Shape 289"/>
-        <p:cNvGrpSpPr/>
-        <p:nvPr/>
-      </p:nvGrpSpPr>
-      <p:grpSpPr>
-        <a:xfrm>
-          <a:off x="0" y="0"/>
-          <a:ext cx="0" cy="0"/>
-          <a:chOff x="0" y="0"/>
-          <a:chExt cx="0" cy="0"/>
-        </a:xfrm>
-      </p:grpSpPr>
-      <p:sp>
-        <p:nvSpPr>
-          <p:cNvPr id="290" name="Google Shape;290;p38"/>
-          <p:cNvSpPr txBox="1"/>
-          <p:nvPr>
-            <p:ph type="title"/>
-          </p:nvPr>
-        </p:nvSpPr>
-        <p:spPr>
-          <a:xfrm>
-            <a:off x="161000" y="135500"/>
-            <a:ext cx="8520600" cy="572700"/>
-          </a:xfrm>
-          <a:prstGeom prst="rect">
-            <a:avLst/>
-          </a:prstGeom>
-        </p:spPr>
-        <p:txBody>
-          <a:bodyPr anchorCtr="0" anchor="t" bIns="91425" lIns="91425" spcFirstLastPara="1" rIns="91425" wrap="square" tIns="91425">
-            <a:noAutofit/>
-          </a:bodyPr>
-          <a:lstStyle/>
-          <a:p>
-            <a:pPr indent="0" lvl="0" marL="0" rtl="0" algn="l">
-              <a:spcBef>
-                <a:spcPts val="0"/>
-              </a:spcBef>
-              <a:spcAft>
-                <a:spcPts val="0"/>
-              </a:spcAft>
-              <a:buNone/>
-            </a:pPr>
-            <a:r>
-              <a:rPr lang="ko" sz="2000"/>
-              <a:t>6. Statistical Models, Supervised Learning and Function Approximation</a:t>
-            </a:r>
-            <a:endParaRPr sz="2000"/>
-          </a:p>
-        </p:txBody>
-      </p:sp>
-      <p:sp>
-        <p:nvSpPr>
-          <p:cNvPr id="291" name="Google Shape;291;p38"/>
-          <p:cNvSpPr txBox="1"/>
-          <p:nvPr>
-            <p:ph idx="12" type="sldNum"/>
-          </p:nvPr>
-        </p:nvSpPr>
-        <p:spPr>
-          <a:xfrm>
-            <a:off x="8472458" y="4663217"/>
-            <a:ext cx="548700" cy="393600"/>
-          </a:xfrm>
-          <a:prstGeom prst="rect">
-            <a:avLst/>
-          </a:prstGeom>
-        </p:spPr>
-        <p:txBody>
-          <a:bodyPr anchorCtr="0" anchor="ctr" bIns="91425" lIns="91425" spcFirstLastPara="1" rIns="91425" wrap="square" tIns="91425">
-            <a:noAutofit/>
-          </a:bodyPr>
-          <a:lstStyle/>
-          <a:p>
-            <a:pPr indent="0" lvl="0" marL="0" rtl="0" algn="r">
-              <a:spcBef>
-                <a:spcPts val="0"/>
-              </a:spcBef>
-              <a:spcAft>
-                <a:spcPts val="0"/>
-              </a:spcAft>
-              <a:buNone/>
-            </a:pPr>
-            <a:fld id="{00000000-1234-1234-1234-123412341234}" type="slidenum">
-              <a:rPr lang="ko"/>
-              <a:t>‹#›</a:t>
-            </a:fld>
-            <a:endParaRPr/>
-          </a:p>
-        </p:txBody>
-      </p:sp>
-      <p:sp>
-        <p:nvSpPr>
-          <p:cNvPr id="292" name="Google Shape;292;p38"/>
-          <p:cNvSpPr txBox="1"/>
-          <p:nvPr>
-            <p:ph idx="2" type="title"/>
-          </p:nvPr>
-        </p:nvSpPr>
-        <p:spPr>
-          <a:xfrm>
-            <a:off x="373700" y="606100"/>
-            <a:ext cx="8520600" cy="572700"/>
-          </a:xfrm>
-          <a:prstGeom prst="rect">
-            <a:avLst/>
-          </a:prstGeom>
-        </p:spPr>
-        <p:txBody>
-          <a:bodyPr anchorCtr="0" anchor="t" bIns="91425" lIns="91425" spcFirstLastPara="1" rIns="91425" wrap="square" tIns="91425">
-            <a:noAutofit/>
-          </a:bodyPr>
-          <a:lstStyle/>
-          <a:p>
-            <a:pPr indent="0" lvl="0" marL="0" rtl="0" algn="l">
-              <a:spcBef>
-                <a:spcPts val="0"/>
-              </a:spcBef>
-              <a:spcAft>
-                <a:spcPts val="0"/>
-              </a:spcAft>
-              <a:buNone/>
-            </a:pPr>
-            <a:r>
-              <a:rPr lang="ko"/>
-              <a:t>Function Approximation</a:t>
-            </a:r>
-            <a:endParaRPr/>
-          </a:p>
-        </p:txBody>
-      </p:sp>
-    </p:spTree>
-  </p:cSld>
-  <p:clrMapOvr>
-    <a:masterClrMapping/>
-  </p:clrMapOvr>
-</p:sld>
-</file>
-
-<file path=ppt/slides/slide26.xml><?xml version="1.0" encoding="utf-8"?>
-<p:sld xmlns:a="http://schemas.openxmlformats.org/drawingml/2006/main" xmlns:r="http://schemas.openxmlformats.org/officeDocument/2006/relationships" xmlns:mc="http://schemas.openxmlformats.org/markup-compatibility/2006" xmlns:mv="urn:schemas-microsoft-com:mac:vml" xmlns:p="http://schemas.openxmlformats.org/presentationml/2006/main" xmlns:c="http://schemas.openxmlformats.org/drawingml/2006/chart" xmlns:dgm="http://schemas.openxmlformats.org/drawingml/2006/diagram" xmlns:o="urn:schemas-microsoft-com:office:office" xmlns:v="urn:schemas-microsoft-com:vml" xmlns:pvml="urn:schemas-microsoft-com:office:powerpoint" xmlns:com="http://schemas.openxmlformats.org/drawingml/2006/compatibility" xmlns:p14="http://schemas.microsoft.com/office/powerpoint/2010/main" xmlns:p15="http://schemas.microsoft.com/office/powerpoint/2012/main" xmlns:ahyp="http://schemas.microsoft.com/office/drawing/2018/hyperlinkcolor">
-  <p:cSld>
-    <p:spTree>
-      <p:nvGrpSpPr>
-        <p:cNvPr id="296" name="Shape 296"/>
-        <p:cNvGrpSpPr/>
-        <p:nvPr/>
-      </p:nvGrpSpPr>
-      <p:grpSpPr>
-        <a:xfrm>
-          <a:off x="0" y="0"/>
-          <a:ext cx="0" cy="0"/>
-          <a:chOff x="0" y="0"/>
-          <a:chExt cx="0" cy="0"/>
-        </a:xfrm>
-      </p:grpSpPr>
-      <p:sp>
-        <p:nvSpPr>
-          <p:cNvPr id="297" name="Google Shape;297;p39"/>
-          <p:cNvSpPr txBox="1"/>
-          <p:nvPr>
-            <p:ph type="title"/>
-          </p:nvPr>
-        </p:nvSpPr>
-        <p:spPr>
-          <a:xfrm>
-            <a:off x="161000" y="135500"/>
-            <a:ext cx="8520600" cy="572700"/>
-          </a:xfrm>
-          <a:prstGeom prst="rect">
-            <a:avLst/>
-          </a:prstGeom>
-        </p:spPr>
-        <p:txBody>
-          <a:bodyPr anchorCtr="0" anchor="t" bIns="91425" lIns="91425" spcFirstLastPara="1" rIns="91425" wrap="square" tIns="91425">
-            <a:noAutofit/>
-          </a:bodyPr>
-          <a:lstStyle/>
-          <a:p>
-            <a:pPr indent="0" lvl="0" marL="0" rtl="0" algn="l">
-              <a:spcBef>
-                <a:spcPts val="0"/>
-              </a:spcBef>
-              <a:spcAft>
-                <a:spcPts val="0"/>
-              </a:spcAft>
-              <a:buNone/>
-            </a:pPr>
-            <a:r>
-              <a:rPr lang="ko" sz="2000"/>
-              <a:t>7</a:t>
-            </a:r>
-            <a:r>
-              <a:rPr lang="ko" sz="2000"/>
-              <a:t>. Structured Regression Models</a:t>
-            </a:r>
-            <a:endParaRPr sz="2000"/>
-          </a:p>
-        </p:txBody>
-      </p:sp>
-      <p:sp>
-        <p:nvSpPr>
-          <p:cNvPr id="298" name="Google Shape;298;p39"/>
-          <p:cNvSpPr txBox="1"/>
-          <p:nvPr>
-            <p:ph idx="12" type="sldNum"/>
-          </p:nvPr>
-        </p:nvSpPr>
-        <p:spPr>
-          <a:xfrm>
-            <a:off x="8472458" y="4663217"/>
-            <a:ext cx="548700" cy="393600"/>
-          </a:xfrm>
-          <a:prstGeom prst="rect">
-            <a:avLst/>
-          </a:prstGeom>
-        </p:spPr>
-        <p:txBody>
-          <a:bodyPr anchorCtr="0" anchor="ctr" bIns="91425" lIns="91425" spcFirstLastPara="1" rIns="91425" wrap="square" tIns="91425">
-            <a:noAutofit/>
-          </a:bodyPr>
-          <a:lstStyle/>
-          <a:p>
-            <a:pPr indent="0" lvl="0" marL="0" rtl="0" algn="r">
-              <a:spcBef>
-                <a:spcPts val="0"/>
-              </a:spcBef>
-              <a:spcAft>
-                <a:spcPts val="0"/>
-              </a:spcAft>
-              <a:buNone/>
-            </a:pPr>
-            <a:fld id="{00000000-1234-1234-1234-123412341234}" type="slidenum">
-              <a:rPr lang="ko"/>
-              <a:t>‹#›</a:t>
-            </a:fld>
-            <a:endParaRPr/>
-          </a:p>
-        </p:txBody>
-      </p:sp>
-    </p:spTree>
-  </p:cSld>
-  <p:clrMapOvr>
-    <a:masterClrMapping/>
-  </p:clrMapOvr>
-</p:sld>
-</file>
-
-<file path=ppt/slides/slide27.xml><?xml version="1.0" encoding="utf-8"?>
 <p:sld xmlns:a="http://schemas.openxmlformats.org/drawingml/2006/main" xmlns:r="http://schemas.openxmlformats.org/officeDocument/2006/relationships" xmlns:mc="http://schemas.openxmlformats.org/markup-compatibility/2006" xmlns:mv="urn:schemas-microsoft-com:mac:vml" xmlns:p="http://schemas.openxmlformats.org/presentationml/2006/main" xmlns:c="http://schemas.openxmlformats.org/drawingml/2006/chart" xmlns:dgm="http://schemas.openxmlformats.org/drawingml/2006/diagram" xmlns:o="urn:schemas-microsoft-com:office:office" xmlns:v="urn:schemas-microsoft-com:vml" xmlns:pvml="urn:schemas-microsoft-com:office:powerpoint" xmlns:com="http://schemas.openxmlformats.org/drawingml/2006/compatibility" xmlns:p14="http://schemas.microsoft.com/office/powerpoint/2010/main" xmlns:p15="http://schemas.microsoft.com/office/powerpoint/2012/main" xmlns:ahyp="http://schemas.microsoft.com/office/drawing/2018/hyperlinkcolor">
   <p:cSld>
     <p:spTree>
@@ -16295,7 +18027,7 @@
       </p:grpSpPr>
       <p:sp>
         <p:nvSpPr>
-          <p:cNvPr id="303" name="Google Shape;303;p40"/>
+          <p:cNvPr id="303" name="Google Shape;303;p38"/>
           <p:cNvSpPr txBox="1"/>
           <p:nvPr>
             <p:ph type="title"/>
@@ -16327,11 +18059,7 @@
             </a:pPr>
             <a:r>
               <a:rPr lang="ko" sz="2000"/>
-              <a:t>8</a:t>
-            </a:r>
-            <a:r>
-              <a:rPr lang="ko" sz="2000"/>
-              <a:t>. Classes of Restricted Estimator</a:t>
+              <a:t>6. Statistical Models, Supervised Learning and Function Approximation</a:t>
             </a:r>
             <a:endParaRPr sz="2000"/>
           </a:p>
@@ -16339,7 +18067,7 @@
       </p:sp>
       <p:sp>
         <p:nvSpPr>
-          <p:cNvPr id="304" name="Google Shape;304;p40"/>
+          <p:cNvPr id="304" name="Google Shape;304;p38"/>
           <p:cNvSpPr txBox="1"/>
           <p:nvPr>
             <p:ph idx="12" type="sldNum"/>
@@ -16377,9 +18105,254 @@
           </a:p>
         </p:txBody>
       </p:sp>
+      <p:pic>
+        <p:nvPicPr>
+          <p:cNvPr id="305" name="Google Shape;305;p38"/>
+          <p:cNvPicPr preferRelativeResize="0"/>
+          <p:nvPr/>
+        </p:nvPicPr>
+        <p:blipFill>
+          <a:blip r:embed="rId3">
+            <a:alphaModFix/>
+          </a:blip>
+          <a:stretch>
+            <a:fillRect/>
+          </a:stretch>
+        </p:blipFill>
+        <p:spPr>
+          <a:xfrm>
+            <a:off x="483175" y="1506125"/>
+            <a:ext cx="4013520" cy="680115"/>
+          </a:xfrm>
+          <a:prstGeom prst="rect">
+            <a:avLst/>
+          </a:prstGeom>
+          <a:noFill/>
+          <a:ln>
+            <a:noFill/>
+          </a:ln>
+        </p:spPr>
+      </p:pic>
+      <p:pic>
+        <p:nvPicPr>
+          <p:cNvPr id="306" name="Google Shape;306;p38"/>
+          <p:cNvPicPr preferRelativeResize="0"/>
+          <p:nvPr/>
+        </p:nvPicPr>
+        <p:blipFill>
+          <a:blip r:embed="rId4">
+            <a:alphaModFix/>
+          </a:blip>
+          <a:stretch>
+            <a:fillRect/>
+          </a:stretch>
+        </p:blipFill>
+        <p:spPr>
+          <a:xfrm>
+            <a:off x="483175" y="2320584"/>
+            <a:ext cx="4265414" cy="638133"/>
+          </a:xfrm>
+          <a:prstGeom prst="rect">
+            <a:avLst/>
+          </a:prstGeom>
+          <a:noFill/>
+          <a:ln>
+            <a:noFill/>
+          </a:ln>
+        </p:spPr>
+      </p:pic>
+      <p:pic>
+        <p:nvPicPr>
+          <p:cNvPr id="307" name="Google Shape;307;p38"/>
+          <p:cNvPicPr preferRelativeResize="0"/>
+          <p:nvPr/>
+        </p:nvPicPr>
+        <p:blipFill>
+          <a:blip r:embed="rId5">
+            <a:alphaModFix/>
+          </a:blip>
+          <a:stretch>
+            <a:fillRect/>
+          </a:stretch>
+        </p:blipFill>
+        <p:spPr>
+          <a:xfrm>
+            <a:off x="483175" y="3093060"/>
+            <a:ext cx="4299000" cy="680115"/>
+          </a:xfrm>
+          <a:prstGeom prst="rect">
+            <a:avLst/>
+          </a:prstGeom>
+          <a:noFill/>
+          <a:ln>
+            <a:noFill/>
+          </a:ln>
+        </p:spPr>
+      </p:pic>
+      <p:pic>
+        <p:nvPicPr>
+          <p:cNvPr id="308" name="Google Shape;308;p38"/>
+          <p:cNvPicPr preferRelativeResize="0"/>
+          <p:nvPr/>
+        </p:nvPicPr>
+        <p:blipFill>
+          <a:blip r:embed="rId6">
+            <a:alphaModFix/>
+          </a:blip>
+          <a:stretch>
+            <a:fillRect/>
+          </a:stretch>
+        </p:blipFill>
+        <p:spPr>
+          <a:xfrm>
+            <a:off x="5181600" y="1317800"/>
+            <a:ext cx="3810001" cy="2607787"/>
+          </a:xfrm>
+          <a:prstGeom prst="rect">
+            <a:avLst/>
+          </a:prstGeom>
+          <a:noFill/>
+          <a:ln>
+            <a:noFill/>
+          </a:ln>
+        </p:spPr>
+      </p:pic>
+    </p:spTree>
+  </p:cSld>
+  <p:clrMapOvr>
+    <a:masterClrMapping/>
+  </p:clrMapOvr>
+</p:sld>
+</file>
+
+<file path=ppt/slides/slide26.xml><?xml version="1.0" encoding="utf-8"?>
+<p:sld xmlns:a="http://schemas.openxmlformats.org/drawingml/2006/main" xmlns:r="http://schemas.openxmlformats.org/officeDocument/2006/relationships" xmlns:mc="http://schemas.openxmlformats.org/markup-compatibility/2006" xmlns:mv="urn:schemas-microsoft-com:mac:vml" xmlns:p="http://schemas.openxmlformats.org/presentationml/2006/main" xmlns:c="http://schemas.openxmlformats.org/drawingml/2006/chart" xmlns:dgm="http://schemas.openxmlformats.org/drawingml/2006/diagram" xmlns:o="urn:schemas-microsoft-com:office:office" xmlns:v="urn:schemas-microsoft-com:vml" xmlns:pvml="urn:schemas-microsoft-com:office:powerpoint" xmlns:com="http://schemas.openxmlformats.org/drawingml/2006/compatibility" xmlns:p14="http://schemas.microsoft.com/office/powerpoint/2010/main" xmlns:p15="http://schemas.microsoft.com/office/powerpoint/2012/main" xmlns:ahyp="http://schemas.microsoft.com/office/drawing/2018/hyperlinkcolor">
+  <p:cSld>
+    <p:spTree>
+      <p:nvGrpSpPr>
+        <p:cNvPr id="312" name="Shape 312"/>
+        <p:cNvGrpSpPr/>
+        <p:nvPr/>
+      </p:nvGrpSpPr>
+      <p:grpSpPr>
+        <a:xfrm>
+          <a:off x="0" y="0"/>
+          <a:ext cx="0" cy="0"/>
+          <a:chOff x="0" y="0"/>
+          <a:chExt cx="0" cy="0"/>
+        </a:xfrm>
+      </p:grpSpPr>
       <p:sp>
         <p:nvSpPr>
-          <p:cNvPr id="305" name="Google Shape;305;p40"/>
+          <p:cNvPr id="313" name="Google Shape;313;p39"/>
+          <p:cNvSpPr txBox="1"/>
+          <p:nvPr>
+            <p:ph type="title"/>
+          </p:nvPr>
+        </p:nvSpPr>
+        <p:spPr>
+          <a:xfrm>
+            <a:off x="161000" y="135500"/>
+            <a:ext cx="8520600" cy="572700"/>
+          </a:xfrm>
+          <a:prstGeom prst="rect">
+            <a:avLst/>
+          </a:prstGeom>
+        </p:spPr>
+        <p:txBody>
+          <a:bodyPr anchorCtr="0" anchor="t" bIns="91425" lIns="91425" spcFirstLastPara="1" rIns="91425" wrap="square" tIns="91425">
+            <a:noAutofit/>
+          </a:bodyPr>
+          <a:lstStyle/>
+          <a:p>
+            <a:pPr indent="0" lvl="0" marL="0" rtl="0" algn="l">
+              <a:spcBef>
+                <a:spcPts val="0"/>
+              </a:spcBef>
+              <a:spcAft>
+                <a:spcPts val="0"/>
+              </a:spcAft>
+              <a:buNone/>
+            </a:pPr>
+            <a:r>
+              <a:rPr lang="ko" sz="2000"/>
+              <a:t>6. Statistical Models, Supervised Learning and Function Approximation</a:t>
+            </a:r>
+            <a:endParaRPr sz="2000"/>
+          </a:p>
+        </p:txBody>
+      </p:sp>
+      <p:sp>
+        <p:nvSpPr>
+          <p:cNvPr id="314" name="Google Shape;314;p39"/>
+          <p:cNvSpPr txBox="1"/>
+          <p:nvPr>
+            <p:ph idx="12" type="sldNum"/>
+          </p:nvPr>
+        </p:nvSpPr>
+        <p:spPr>
+          <a:xfrm>
+            <a:off x="8472458" y="4663217"/>
+            <a:ext cx="548700" cy="393600"/>
+          </a:xfrm>
+          <a:prstGeom prst="rect">
+            <a:avLst/>
+          </a:prstGeom>
+        </p:spPr>
+        <p:txBody>
+          <a:bodyPr anchorCtr="0" anchor="ctr" bIns="91425" lIns="91425" spcFirstLastPara="1" rIns="91425" wrap="square" tIns="91425">
+            <a:noAutofit/>
+          </a:bodyPr>
+          <a:lstStyle/>
+          <a:p>
+            <a:pPr indent="0" lvl="0" marL="0" rtl="0" algn="r">
+              <a:spcBef>
+                <a:spcPts val="0"/>
+              </a:spcBef>
+              <a:spcAft>
+                <a:spcPts val="0"/>
+              </a:spcAft>
+              <a:buNone/>
+            </a:pPr>
+            <a:fld id="{00000000-1234-1234-1234-123412341234}" type="slidenum">
+              <a:rPr lang="ko"/>
+              <a:t>‹#›</a:t>
+            </a:fld>
+            <a:endParaRPr/>
+          </a:p>
+        </p:txBody>
+      </p:sp>
+      <p:pic>
+        <p:nvPicPr>
+          <p:cNvPr id="315" name="Google Shape;315;p39"/>
+          <p:cNvPicPr preferRelativeResize="0"/>
+          <p:nvPr/>
+        </p:nvPicPr>
+        <p:blipFill>
+          <a:blip r:embed="rId3">
+            <a:alphaModFix/>
+          </a:blip>
+          <a:stretch>
+            <a:fillRect/>
+          </a:stretch>
+        </p:blipFill>
+        <p:spPr>
+          <a:xfrm>
+            <a:off x="5181600" y="1317800"/>
+            <a:ext cx="3810001" cy="2607787"/>
+          </a:xfrm>
+          <a:prstGeom prst="rect">
+            <a:avLst/>
+          </a:prstGeom>
+          <a:noFill/>
+          <a:ln>
+            <a:noFill/>
+          </a:ln>
+        </p:spPr>
+      </p:pic>
+      <p:sp>
+        <p:nvSpPr>
+          <p:cNvPr id="316" name="Google Shape;316;p39"/>
           <p:cNvSpPr txBox="1"/>
           <p:nvPr>
             <p:ph idx="2" type="title"/>
@@ -16411,12 +18384,515 @@
             </a:pPr>
             <a:r>
               <a:rPr lang="ko"/>
-              <a:t>Roughness Penalty and Bayesian Methods</a:t>
+              <a:t>Maximum Likelihood Estimation</a:t>
             </a:r>
             <a:endParaRPr/>
           </a:p>
         </p:txBody>
       </p:sp>
+      <p:pic>
+        <p:nvPicPr>
+          <p:cNvPr id="317" name="Google Shape;317;p39"/>
+          <p:cNvPicPr preferRelativeResize="0"/>
+          <p:nvPr/>
+        </p:nvPicPr>
+        <p:blipFill>
+          <a:blip r:embed="rId4">
+            <a:alphaModFix/>
+          </a:blip>
+          <a:stretch>
+            <a:fillRect/>
+          </a:stretch>
+        </p:blipFill>
+        <p:spPr>
+          <a:xfrm>
+            <a:off x="373700" y="2053850"/>
+            <a:ext cx="4279050" cy="659097"/>
+          </a:xfrm>
+          <a:prstGeom prst="rect">
+            <a:avLst/>
+          </a:prstGeom>
+          <a:noFill/>
+          <a:ln>
+            <a:noFill/>
+          </a:ln>
+        </p:spPr>
+      </p:pic>
+      <p:pic>
+        <p:nvPicPr>
+          <p:cNvPr id="318" name="Google Shape;318;p39"/>
+          <p:cNvPicPr preferRelativeResize="0"/>
+          <p:nvPr/>
+        </p:nvPicPr>
+        <p:blipFill>
+          <a:blip r:embed="rId5">
+            <a:alphaModFix/>
+          </a:blip>
+          <a:stretch>
+            <a:fillRect/>
+          </a:stretch>
+        </p:blipFill>
+        <p:spPr>
+          <a:xfrm>
+            <a:off x="373700" y="2875186"/>
+            <a:ext cx="3924153" cy="314339"/>
+          </a:xfrm>
+          <a:prstGeom prst="rect">
+            <a:avLst/>
+          </a:prstGeom>
+          <a:noFill/>
+          <a:ln>
+            <a:noFill/>
+          </a:ln>
+        </p:spPr>
+      </p:pic>
+    </p:spTree>
+  </p:cSld>
+  <p:clrMapOvr>
+    <a:masterClrMapping/>
+  </p:clrMapOvr>
+</p:sld>
+</file>
+
+<file path=ppt/slides/slide27.xml><?xml version="1.0" encoding="utf-8"?>
+<p:sld xmlns:a="http://schemas.openxmlformats.org/drawingml/2006/main" xmlns:r="http://schemas.openxmlformats.org/officeDocument/2006/relationships" xmlns:mc="http://schemas.openxmlformats.org/markup-compatibility/2006" xmlns:mv="urn:schemas-microsoft-com:mac:vml" xmlns:p="http://schemas.openxmlformats.org/presentationml/2006/main" xmlns:c="http://schemas.openxmlformats.org/drawingml/2006/chart" xmlns:dgm="http://schemas.openxmlformats.org/drawingml/2006/diagram" xmlns:o="urn:schemas-microsoft-com:office:office" xmlns:v="urn:schemas-microsoft-com:vml" xmlns:pvml="urn:schemas-microsoft-com:office:powerpoint" xmlns:com="http://schemas.openxmlformats.org/drawingml/2006/compatibility" xmlns:p14="http://schemas.microsoft.com/office/powerpoint/2010/main" xmlns:p15="http://schemas.microsoft.com/office/powerpoint/2012/main" xmlns:ahyp="http://schemas.microsoft.com/office/drawing/2018/hyperlinkcolor">
+  <p:cSld>
+    <p:spTree>
+      <p:nvGrpSpPr>
+        <p:cNvPr id="322" name="Shape 322"/>
+        <p:cNvGrpSpPr/>
+        <p:nvPr/>
+      </p:nvGrpSpPr>
+      <p:grpSpPr>
+        <a:xfrm>
+          <a:off x="0" y="0"/>
+          <a:ext cx="0" cy="0"/>
+          <a:chOff x="0" y="0"/>
+          <a:chExt cx="0" cy="0"/>
+        </a:xfrm>
+      </p:grpSpPr>
+      <p:sp>
+        <p:nvSpPr>
+          <p:cNvPr id="323" name="Google Shape;323;p40"/>
+          <p:cNvSpPr txBox="1"/>
+          <p:nvPr>
+            <p:ph type="title"/>
+          </p:nvPr>
+        </p:nvSpPr>
+        <p:spPr>
+          <a:xfrm>
+            <a:off x="161000" y="135500"/>
+            <a:ext cx="8520600" cy="572700"/>
+          </a:xfrm>
+          <a:prstGeom prst="rect">
+            <a:avLst/>
+          </a:prstGeom>
+        </p:spPr>
+        <p:txBody>
+          <a:bodyPr anchorCtr="0" anchor="t" bIns="91425" lIns="91425" spcFirstLastPara="1" rIns="91425" wrap="square" tIns="91425">
+            <a:noAutofit/>
+          </a:bodyPr>
+          <a:lstStyle/>
+          <a:p>
+            <a:pPr indent="0" lvl="0" marL="0" rtl="0" algn="l">
+              <a:spcBef>
+                <a:spcPts val="0"/>
+              </a:spcBef>
+              <a:spcAft>
+                <a:spcPts val="0"/>
+              </a:spcAft>
+              <a:buNone/>
+            </a:pPr>
+            <a:r>
+              <a:rPr lang="ko" sz="2000"/>
+              <a:t>6. Statistical Models, Supervised Learning and Function Approximation</a:t>
+            </a:r>
+            <a:endParaRPr sz="2000"/>
+          </a:p>
+        </p:txBody>
+      </p:sp>
+      <p:sp>
+        <p:nvSpPr>
+          <p:cNvPr id="324" name="Google Shape;324;p40"/>
+          <p:cNvSpPr txBox="1"/>
+          <p:nvPr>
+            <p:ph idx="12" type="sldNum"/>
+          </p:nvPr>
+        </p:nvSpPr>
+        <p:spPr>
+          <a:xfrm>
+            <a:off x="8472458" y="4663217"/>
+            <a:ext cx="548700" cy="393600"/>
+          </a:xfrm>
+          <a:prstGeom prst="rect">
+            <a:avLst/>
+          </a:prstGeom>
+        </p:spPr>
+        <p:txBody>
+          <a:bodyPr anchorCtr="0" anchor="ctr" bIns="91425" lIns="91425" spcFirstLastPara="1" rIns="91425" wrap="square" tIns="91425">
+            <a:noAutofit/>
+          </a:bodyPr>
+          <a:lstStyle/>
+          <a:p>
+            <a:pPr indent="0" lvl="0" marL="0" rtl="0" algn="r">
+              <a:spcBef>
+                <a:spcPts val="0"/>
+              </a:spcBef>
+              <a:spcAft>
+                <a:spcPts val="0"/>
+              </a:spcAft>
+              <a:buNone/>
+            </a:pPr>
+            <a:fld id="{00000000-1234-1234-1234-123412341234}" type="slidenum">
+              <a:rPr lang="ko"/>
+              <a:t>‹#›</a:t>
+            </a:fld>
+            <a:endParaRPr/>
+          </a:p>
+        </p:txBody>
+      </p:sp>
+      <p:sp>
+        <p:nvSpPr>
+          <p:cNvPr id="325" name="Google Shape;325;p40"/>
+          <p:cNvSpPr txBox="1"/>
+          <p:nvPr>
+            <p:ph idx="2" type="title"/>
+          </p:nvPr>
+        </p:nvSpPr>
+        <p:spPr>
+          <a:xfrm>
+            <a:off x="373700" y="606100"/>
+            <a:ext cx="8520600" cy="572700"/>
+          </a:xfrm>
+          <a:prstGeom prst="rect">
+            <a:avLst/>
+          </a:prstGeom>
+        </p:spPr>
+        <p:txBody>
+          <a:bodyPr anchorCtr="0" anchor="t" bIns="91425" lIns="91425" spcFirstLastPara="1" rIns="91425" wrap="square" tIns="91425">
+            <a:noAutofit/>
+          </a:bodyPr>
+          <a:lstStyle/>
+          <a:p>
+            <a:pPr indent="0" lvl="0" marL="0" rtl="0" algn="l">
+              <a:spcBef>
+                <a:spcPts val="0"/>
+              </a:spcBef>
+              <a:spcAft>
+                <a:spcPts val="0"/>
+              </a:spcAft>
+              <a:buNone/>
+            </a:pPr>
+            <a:r>
+              <a:rPr lang="ko"/>
+              <a:t>Maximum Likelihood Estimation</a:t>
+            </a:r>
+            <a:endParaRPr/>
+          </a:p>
+        </p:txBody>
+      </p:sp>
+      <p:sp>
+        <p:nvSpPr>
+          <p:cNvPr id="326" name="Google Shape;326;p40"/>
+          <p:cNvSpPr txBox="1"/>
+          <p:nvPr/>
+        </p:nvSpPr>
+        <p:spPr>
+          <a:xfrm>
+            <a:off x="441000" y="1143050"/>
+            <a:ext cx="8351700" cy="3279300"/>
+          </a:xfrm>
+          <a:prstGeom prst="rect">
+            <a:avLst/>
+          </a:prstGeom>
+          <a:noFill/>
+          <a:ln>
+            <a:noFill/>
+          </a:ln>
+        </p:spPr>
+        <p:txBody>
+          <a:bodyPr anchorCtr="0" anchor="t" bIns="91425" lIns="91425" spcFirstLastPara="1" rIns="91425" wrap="square" tIns="91425">
+            <a:noAutofit/>
+          </a:bodyPr>
+          <a:lstStyle/>
+          <a:p>
+            <a:pPr indent="0" lvl="0" marL="0" rtl="0" algn="l">
+              <a:spcBef>
+                <a:spcPts val="0"/>
+              </a:spcBef>
+              <a:spcAft>
+                <a:spcPts val="0"/>
+              </a:spcAft>
+              <a:buNone/>
+            </a:pPr>
+            <a:r>
+              <a:rPr lang="ko"/>
+              <a:t>There is a problem to predict weight using height.</a:t>
+            </a:r>
+            <a:endParaRPr/>
+          </a:p>
+          <a:p>
+            <a:pPr indent="0" lvl="0" marL="0" rtl="0" algn="l">
+              <a:spcBef>
+                <a:spcPts val="0"/>
+              </a:spcBef>
+              <a:spcAft>
+                <a:spcPts val="0"/>
+              </a:spcAft>
+              <a:buNone/>
+            </a:pPr>
+            <a:r>
+              <a:rPr lang="ko"/>
+              <a:t>=&gt; X: height, Y: weight, w: parameters to describe relationship between them.</a:t>
+            </a:r>
+            <a:endParaRPr/>
+          </a:p>
+          <a:p>
+            <a:pPr indent="0" lvl="0" marL="0" rtl="0" algn="l">
+              <a:spcBef>
+                <a:spcPts val="0"/>
+              </a:spcBef>
+              <a:spcAft>
+                <a:spcPts val="0"/>
+              </a:spcAft>
+              <a:buNone/>
+            </a:pPr>
+            <a:r>
+              <a:rPr lang="ko"/>
+              <a:t>To functional representation,</a:t>
+            </a:r>
+            <a:endParaRPr/>
+          </a:p>
+          <a:p>
+            <a:pPr indent="0" lvl="0" marL="0" rtl="0" algn="l">
+              <a:spcBef>
+                <a:spcPts val="0"/>
+              </a:spcBef>
+              <a:spcAft>
+                <a:spcPts val="0"/>
+              </a:spcAft>
+              <a:buNone/>
+            </a:pPr>
+            <a:r>
+              <a:rPr lang="ko"/>
+              <a:t>t[weight] = y(x|w) … conditional probability x on parameter w.</a:t>
+            </a:r>
+            <a:endParaRPr/>
+          </a:p>
+          <a:p>
+            <a:pPr indent="0" lvl="0" marL="0" rtl="0" algn="l">
+              <a:spcBef>
+                <a:spcPts val="0"/>
+              </a:spcBef>
+              <a:spcAft>
+                <a:spcPts val="0"/>
+              </a:spcAft>
+              <a:buNone/>
+            </a:pPr>
+            <a:r>
+              <a:rPr lang="ko"/>
+              <a:t>but, it needs error variable(epsilon) like linear model to approximate target and prediction value.</a:t>
+            </a:r>
+            <a:endParaRPr/>
+          </a:p>
+          <a:p>
+            <a:pPr indent="0" lvl="0" marL="0" rtl="0" algn="l">
+              <a:spcBef>
+                <a:spcPts val="0"/>
+              </a:spcBef>
+              <a:spcAft>
+                <a:spcPts val="0"/>
+              </a:spcAft>
+              <a:buNone/>
+            </a:pPr>
+            <a:r>
+              <a:rPr lang="ko"/>
+              <a:t>and w contains bias and coefficient of linear model.</a:t>
+            </a:r>
+            <a:endParaRPr/>
+          </a:p>
+          <a:p>
+            <a:pPr indent="0" lvl="0" marL="0" rtl="0" algn="l">
+              <a:spcBef>
+                <a:spcPts val="0"/>
+              </a:spcBef>
+              <a:spcAft>
+                <a:spcPts val="0"/>
+              </a:spcAft>
+              <a:buNone/>
+            </a:pPr>
+            <a:r>
+              <a:t/>
+            </a:r>
+            <a:endParaRPr/>
+          </a:p>
+          <a:p>
+            <a:pPr indent="0" lvl="0" marL="0" rtl="0" algn="l">
+              <a:spcBef>
+                <a:spcPts val="0"/>
+              </a:spcBef>
+              <a:spcAft>
+                <a:spcPts val="0"/>
+              </a:spcAft>
+              <a:buNone/>
+            </a:pPr>
+            <a:r>
+              <a:rPr lang="ko"/>
+              <a:t>according to above, weight t can be represented gaussian distribution.</a:t>
+            </a:r>
+            <a:endParaRPr/>
+          </a:p>
+          <a:p>
+            <a:pPr indent="0" lvl="0" marL="0" rtl="0" algn="l">
+              <a:spcBef>
+                <a:spcPts val="0"/>
+              </a:spcBef>
+              <a:spcAft>
+                <a:spcPts val="0"/>
+              </a:spcAft>
+              <a:buNone/>
+            </a:pPr>
+            <a:r>
+              <a:rPr lang="ko"/>
+              <a:t>t ~ N(y(x|w), σ2),</a:t>
+            </a:r>
+            <a:endParaRPr/>
+          </a:p>
+          <a:p>
+            <a:pPr indent="0" lvl="0" marL="0" rtl="0" algn="l">
+              <a:spcBef>
+                <a:spcPts val="0"/>
+              </a:spcBef>
+              <a:spcAft>
+                <a:spcPts val="0"/>
+              </a:spcAft>
+              <a:buNone/>
+            </a:pPr>
+            <a:r>
+              <a:t/>
+            </a:r>
+            <a:endParaRPr/>
+          </a:p>
+          <a:p>
+            <a:pPr indent="0" lvl="0" marL="0" rtl="0" algn="l">
+              <a:spcBef>
+                <a:spcPts val="0"/>
+              </a:spcBef>
+              <a:spcAft>
+                <a:spcPts val="0"/>
+              </a:spcAft>
+              <a:buNone/>
+            </a:pPr>
+            <a:r>
+              <a:t/>
+            </a:r>
+            <a:endParaRPr/>
+          </a:p>
+          <a:p>
+            <a:pPr indent="0" lvl="0" marL="0" rtl="0" algn="l">
+              <a:spcBef>
+                <a:spcPts val="0"/>
+              </a:spcBef>
+              <a:spcAft>
+                <a:spcPts val="0"/>
+              </a:spcAft>
+              <a:buNone/>
+            </a:pPr>
+            <a:r>
+              <a:t/>
+            </a:r>
+            <a:endParaRPr/>
+          </a:p>
+          <a:p>
+            <a:pPr indent="0" lvl="0" marL="0" rtl="0" algn="l">
+              <a:spcBef>
+                <a:spcPts val="0"/>
+              </a:spcBef>
+              <a:spcAft>
+                <a:spcPts val="0"/>
+              </a:spcAft>
+              <a:buNone/>
+            </a:pPr>
+            <a:r>
+              <a:rPr lang="ko"/>
+              <a:t>due to that w and sigma are the parameter what needs to be approximate,</a:t>
+            </a:r>
+            <a:endParaRPr/>
+          </a:p>
+          <a:p>
+            <a:pPr indent="0" lvl="0" marL="0" rtl="0" algn="l">
+              <a:spcBef>
+                <a:spcPts val="0"/>
+              </a:spcBef>
+              <a:spcAft>
+                <a:spcPts val="0"/>
+              </a:spcAft>
+              <a:buNone/>
+            </a:pPr>
+            <a:r>
+              <a:rPr lang="ko"/>
+              <a:t> </a:t>
+            </a:r>
+            <a:endParaRPr/>
+          </a:p>
+        </p:txBody>
+      </p:sp>
+      <p:pic>
+        <p:nvPicPr>
+          <p:cNvPr id="327" name="Google Shape;327;p40"/>
+          <p:cNvPicPr preferRelativeResize="0"/>
+          <p:nvPr/>
+        </p:nvPicPr>
+        <p:blipFill>
+          <a:blip r:embed="rId3">
+            <a:alphaModFix/>
+          </a:blip>
+          <a:stretch>
+            <a:fillRect/>
+          </a:stretch>
+        </p:blipFill>
+        <p:spPr>
+          <a:xfrm>
+            <a:off x="516413" y="3213079"/>
+            <a:ext cx="2043304" cy="393600"/>
+          </a:xfrm>
+          <a:prstGeom prst="rect">
+            <a:avLst/>
+          </a:prstGeom>
+          <a:noFill/>
+          <a:ln>
+            <a:noFill/>
+          </a:ln>
+        </p:spPr>
+      </p:pic>
+      <p:pic>
+        <p:nvPicPr>
+          <p:cNvPr id="328" name="Google Shape;328;p40"/>
+          <p:cNvPicPr preferRelativeResize="0"/>
+          <p:nvPr/>
+        </p:nvPicPr>
+        <p:blipFill>
+          <a:blip r:embed="rId4">
+            <a:alphaModFix/>
+          </a:blip>
+          <a:stretch>
+            <a:fillRect/>
+          </a:stretch>
+        </p:blipFill>
+        <p:spPr>
+          <a:xfrm>
+            <a:off x="516425" y="4058675"/>
+            <a:ext cx="1805159" cy="393600"/>
+          </a:xfrm>
+          <a:prstGeom prst="rect">
+            <a:avLst/>
+          </a:prstGeom>
+          <a:noFill/>
+          <a:ln>
+            <a:noFill/>
+          </a:ln>
+        </p:spPr>
+      </p:pic>
     </p:spTree>
   </p:cSld>
   <p:clrMapOvr>
@@ -16430,7 +18906,7 @@
   <p:cSld>
     <p:spTree>
       <p:nvGrpSpPr>
-        <p:cNvPr id="309" name="Shape 309"/>
+        <p:cNvPr id="332" name="Shape 332"/>
         <p:cNvGrpSpPr/>
         <p:nvPr/>
       </p:nvGrpSpPr>
@@ -16444,7 +18920,7 @@
       </p:grpSpPr>
       <p:sp>
         <p:nvSpPr>
-          <p:cNvPr id="310" name="Google Shape;310;p41"/>
+          <p:cNvPr id="333" name="Google Shape;333;p41"/>
           <p:cNvSpPr txBox="1"/>
           <p:nvPr>
             <p:ph type="title"/>
@@ -16476,7 +18952,7 @@
             </a:pPr>
             <a:r>
               <a:rPr lang="ko" sz="2000"/>
-              <a:t>8. Classes of Restricted Estimator</a:t>
+              <a:t>6. Statistical Models, Supervised Learning and Function Approximation</a:t>
             </a:r>
             <a:endParaRPr sz="2000"/>
           </a:p>
@@ -16484,7 +18960,7 @@
       </p:sp>
       <p:sp>
         <p:nvSpPr>
-          <p:cNvPr id="311" name="Google Shape;311;p41"/>
+          <p:cNvPr id="334" name="Google Shape;334;p41"/>
           <p:cNvSpPr txBox="1"/>
           <p:nvPr>
             <p:ph idx="12" type="sldNum"/>
@@ -16524,7 +19000,7 @@
       </p:sp>
       <p:sp>
         <p:nvSpPr>
-          <p:cNvPr id="312" name="Google Shape;312;p41"/>
+          <p:cNvPr id="335" name="Google Shape;335;p41"/>
           <p:cNvSpPr txBox="1"/>
           <p:nvPr>
             <p:ph idx="2" type="title"/>
@@ -16556,12 +19032,349 @@
             </a:pPr>
             <a:r>
               <a:rPr lang="ko"/>
-              <a:t>Kernel Methods and Local Regression</a:t>
+              <a:t>Maximum Likelihood Estimation</a:t>
             </a:r>
             <a:endParaRPr/>
           </a:p>
         </p:txBody>
       </p:sp>
+      <p:sp>
+        <p:nvSpPr>
+          <p:cNvPr id="336" name="Google Shape;336;p41"/>
+          <p:cNvSpPr txBox="1"/>
+          <p:nvPr/>
+        </p:nvSpPr>
+        <p:spPr>
+          <a:xfrm>
+            <a:off x="441000" y="1143050"/>
+            <a:ext cx="8351700" cy="3279300"/>
+          </a:xfrm>
+          <a:prstGeom prst="rect">
+            <a:avLst/>
+          </a:prstGeom>
+          <a:noFill/>
+          <a:ln>
+            <a:noFill/>
+          </a:ln>
+        </p:spPr>
+        <p:txBody>
+          <a:bodyPr anchorCtr="0" anchor="t" bIns="91425" lIns="91425" spcFirstLastPara="1" rIns="91425" wrap="square" tIns="91425">
+            <a:noAutofit/>
+          </a:bodyPr>
+          <a:lstStyle/>
+          <a:p>
+            <a:pPr indent="0" lvl="0" marL="0" rtl="0" algn="l">
+              <a:spcBef>
+                <a:spcPts val="0"/>
+              </a:spcBef>
+              <a:spcAft>
+                <a:spcPts val="0"/>
+              </a:spcAft>
+              <a:buNone/>
+            </a:pPr>
+            <a:r>
+              <a:rPr lang="ko"/>
+              <a:t>And represent the probability of all data points D(all datapoint xi),</a:t>
+            </a:r>
+            <a:endParaRPr/>
+          </a:p>
+          <a:p>
+            <a:pPr indent="0" lvl="0" marL="0" rtl="0" algn="l">
+              <a:spcBef>
+                <a:spcPts val="0"/>
+              </a:spcBef>
+              <a:spcAft>
+                <a:spcPts val="0"/>
+              </a:spcAft>
+              <a:buNone/>
+            </a:pPr>
+            <a:r>
+              <a:t/>
+            </a:r>
+            <a:endParaRPr/>
+          </a:p>
+          <a:p>
+            <a:pPr indent="0" lvl="0" marL="0" rtl="0" algn="l">
+              <a:spcBef>
+                <a:spcPts val="0"/>
+              </a:spcBef>
+              <a:spcAft>
+                <a:spcPts val="0"/>
+              </a:spcAft>
+              <a:buNone/>
+            </a:pPr>
+            <a:r>
+              <a:t/>
+            </a:r>
+            <a:endParaRPr/>
+          </a:p>
+          <a:p>
+            <a:pPr indent="0" lvl="0" marL="0" rtl="0" algn="l">
+              <a:spcBef>
+                <a:spcPts val="0"/>
+              </a:spcBef>
+              <a:spcAft>
+                <a:spcPts val="0"/>
+              </a:spcAft>
+              <a:buNone/>
+            </a:pPr>
+            <a:r>
+              <a:t/>
+            </a:r>
+            <a:endParaRPr/>
+          </a:p>
+          <a:p>
+            <a:pPr indent="0" lvl="0" marL="0" rtl="0" algn="l">
+              <a:spcBef>
+                <a:spcPts val="0"/>
+              </a:spcBef>
+              <a:spcAft>
+                <a:spcPts val="0"/>
+              </a:spcAft>
+              <a:buNone/>
+            </a:pPr>
+            <a:r>
+              <a:t/>
+            </a:r>
+            <a:endParaRPr/>
+          </a:p>
+          <a:p>
+            <a:pPr indent="0" lvl="0" marL="0" rtl="0" algn="l">
+              <a:spcBef>
+                <a:spcPts val="0"/>
+              </a:spcBef>
+              <a:spcAft>
+                <a:spcPts val="0"/>
+              </a:spcAft>
+              <a:buNone/>
+            </a:pPr>
+            <a:r>
+              <a:rPr lang="ko"/>
+              <a:t>By above equation, p(D) will be changed by w. So, p(D) could be replaced with p(D|w).</a:t>
+            </a:r>
+            <a:endParaRPr/>
+          </a:p>
+          <a:p>
+            <a:pPr indent="0" lvl="0" marL="0" rtl="0" algn="l">
+              <a:spcBef>
+                <a:spcPts val="0"/>
+              </a:spcBef>
+              <a:spcAft>
+                <a:spcPts val="0"/>
+              </a:spcAft>
+              <a:buNone/>
+            </a:pPr>
+            <a:r>
+              <a:rPr lang="ko"/>
+              <a:t>Finally, the model that needs to be predicted is maximizing p(D|w) at all of the data points.</a:t>
+            </a:r>
+            <a:endParaRPr/>
+          </a:p>
+          <a:p>
+            <a:pPr indent="0" lvl="0" marL="0" rtl="0" algn="l">
+              <a:spcBef>
+                <a:spcPts val="0"/>
+              </a:spcBef>
+              <a:spcAft>
+                <a:spcPts val="0"/>
+              </a:spcAft>
+              <a:buNone/>
+            </a:pPr>
+            <a:r>
+              <a:rPr lang="ko"/>
+              <a:t>It’s called as ‘Maximum Likelihood Estimation’.</a:t>
+            </a:r>
+            <a:endParaRPr/>
+          </a:p>
+          <a:p>
+            <a:pPr indent="0" lvl="0" marL="0" rtl="0" algn="l">
+              <a:spcBef>
+                <a:spcPts val="0"/>
+              </a:spcBef>
+              <a:spcAft>
+                <a:spcPts val="0"/>
+              </a:spcAft>
+              <a:buNone/>
+            </a:pPr>
+            <a:r>
+              <a:t/>
+            </a:r>
+            <a:endParaRPr/>
+          </a:p>
+          <a:p>
+            <a:pPr indent="0" lvl="0" marL="0" rtl="0" algn="l">
+              <a:spcBef>
+                <a:spcPts val="0"/>
+              </a:spcBef>
+              <a:spcAft>
+                <a:spcPts val="0"/>
+              </a:spcAft>
+              <a:buNone/>
+            </a:pPr>
+            <a:r>
+              <a:rPr lang="ko"/>
+              <a:t>The reason why take log at </a:t>
+            </a:r>
+            <a:r>
+              <a:rPr lang="ko">
+                <a:solidFill>
+                  <a:schemeClr val="dk1"/>
+                </a:solidFill>
+              </a:rPr>
+              <a:t>‘Maximum Likelihood Estimation’ is for convenience at calculation</a:t>
+            </a:r>
+            <a:endParaRPr>
+              <a:solidFill>
+                <a:schemeClr val="dk1"/>
+              </a:solidFill>
+            </a:endParaRPr>
+          </a:p>
+          <a:p>
+            <a:pPr indent="0" lvl="0" marL="0" rtl="0" algn="l">
+              <a:spcBef>
+                <a:spcPts val="0"/>
+              </a:spcBef>
+              <a:spcAft>
+                <a:spcPts val="0"/>
+              </a:spcAft>
+              <a:buNone/>
+            </a:pPr>
+            <a:r>
+              <a:rPr lang="ko">
+                <a:solidFill>
+                  <a:schemeClr val="dk1"/>
+                </a:solidFill>
+              </a:rPr>
+              <a:t>(for converting multiplication to summation using log’s property)</a:t>
+            </a:r>
+            <a:endParaRPr>
+              <a:solidFill>
+                <a:schemeClr val="dk1"/>
+              </a:solidFill>
+            </a:endParaRPr>
+          </a:p>
+          <a:p>
+            <a:pPr indent="0" lvl="0" marL="0" rtl="0" algn="l">
+              <a:spcBef>
+                <a:spcPts val="0"/>
+              </a:spcBef>
+              <a:spcAft>
+                <a:spcPts val="0"/>
+              </a:spcAft>
+              <a:buNone/>
+            </a:pPr>
+            <a:r>
+              <a:t/>
+            </a:r>
+            <a:endParaRPr>
+              <a:solidFill>
+                <a:schemeClr val="dk1"/>
+              </a:solidFill>
+            </a:endParaRPr>
+          </a:p>
+          <a:p>
+            <a:pPr indent="0" lvl="0" marL="0" rtl="0" algn="l">
+              <a:spcBef>
+                <a:spcPts val="0"/>
+              </a:spcBef>
+              <a:spcAft>
+                <a:spcPts val="0"/>
+              </a:spcAft>
+              <a:buNone/>
+            </a:pPr>
+            <a:r>
+              <a:t/>
+            </a:r>
+            <a:endParaRPr/>
+          </a:p>
+          <a:p>
+            <a:pPr indent="0" lvl="0" marL="0" rtl="0" algn="l">
+              <a:spcBef>
+                <a:spcPts val="0"/>
+              </a:spcBef>
+              <a:spcAft>
+                <a:spcPts val="0"/>
+              </a:spcAft>
+              <a:buNone/>
+            </a:pPr>
+            <a:r>
+              <a:t/>
+            </a:r>
+            <a:endParaRPr/>
+          </a:p>
+          <a:p>
+            <a:pPr indent="0" lvl="0" marL="0" rtl="0" algn="l">
+              <a:spcBef>
+                <a:spcPts val="0"/>
+              </a:spcBef>
+              <a:spcAft>
+                <a:spcPts val="0"/>
+              </a:spcAft>
+              <a:buNone/>
+            </a:pPr>
+            <a:r>
+              <a:rPr lang="ko"/>
+              <a:t> </a:t>
+            </a:r>
+            <a:endParaRPr/>
+          </a:p>
+        </p:txBody>
+      </p:sp>
+      <p:pic>
+        <p:nvPicPr>
+          <p:cNvPr id="337" name="Google Shape;337;p41"/>
+          <p:cNvPicPr preferRelativeResize="0"/>
+          <p:nvPr/>
+        </p:nvPicPr>
+        <p:blipFill>
+          <a:blip r:embed="rId3">
+            <a:alphaModFix/>
+          </a:blip>
+          <a:stretch>
+            <a:fillRect/>
+          </a:stretch>
+        </p:blipFill>
+        <p:spPr>
+          <a:xfrm>
+            <a:off x="484375" y="1529450"/>
+            <a:ext cx="4087624" cy="750260"/>
+          </a:xfrm>
+          <a:prstGeom prst="rect">
+            <a:avLst/>
+          </a:prstGeom>
+          <a:noFill/>
+          <a:ln>
+            <a:noFill/>
+          </a:ln>
+        </p:spPr>
+      </p:pic>
+      <p:pic>
+        <p:nvPicPr>
+          <p:cNvPr id="338" name="Google Shape;338;p41"/>
+          <p:cNvPicPr preferRelativeResize="0"/>
+          <p:nvPr/>
+        </p:nvPicPr>
+        <p:blipFill rotWithShape="1">
+          <a:blip r:embed="rId4">
+            <a:alphaModFix/>
+          </a:blip>
+          <a:srcRect b="0" l="199" r="0" t="0"/>
+          <a:stretch/>
+        </p:blipFill>
+        <p:spPr>
+          <a:xfrm>
+            <a:off x="499175" y="3705050"/>
+            <a:ext cx="7408249" cy="829725"/>
+          </a:xfrm>
+          <a:prstGeom prst="rect">
+            <a:avLst/>
+          </a:prstGeom>
+          <a:noFill/>
+          <a:ln>
+            <a:noFill/>
+          </a:ln>
+        </p:spPr>
+      </p:pic>
     </p:spTree>
   </p:cSld>
   <p:clrMapOvr>
@@ -16575,7 +19388,7 @@
   <p:cSld>
     <p:spTree>
       <p:nvGrpSpPr>
-        <p:cNvPr id="316" name="Shape 316"/>
+        <p:cNvPr id="342" name="Shape 342"/>
         <p:cNvGrpSpPr/>
         <p:nvPr/>
       </p:nvGrpSpPr>
@@ -16589,7 +19402,7 @@
       </p:grpSpPr>
       <p:sp>
         <p:nvSpPr>
-          <p:cNvPr id="317" name="Google Shape;317;p42"/>
+          <p:cNvPr id="343" name="Google Shape;343;p42"/>
           <p:cNvSpPr txBox="1"/>
           <p:nvPr>
             <p:ph type="title"/>
@@ -16621,7 +19434,7 @@
             </a:pPr>
             <a:r>
               <a:rPr lang="ko" sz="2000"/>
-              <a:t>8. Classes of Restricted Estimator</a:t>
+              <a:t>6. Statistical Models, Supervised Learning and Function Approximation</a:t>
             </a:r>
             <a:endParaRPr sz="2000"/>
           </a:p>
@@ -16629,7 +19442,7 @@
       </p:sp>
       <p:sp>
         <p:nvSpPr>
-          <p:cNvPr id="318" name="Google Shape;318;p42"/>
+          <p:cNvPr id="344" name="Google Shape;344;p42"/>
           <p:cNvSpPr txBox="1"/>
           <p:nvPr>
             <p:ph idx="12" type="sldNum"/>
@@ -16669,7 +19482,7 @@
       </p:sp>
       <p:sp>
         <p:nvSpPr>
-          <p:cNvPr id="319" name="Google Shape;319;p42"/>
+          <p:cNvPr id="345" name="Google Shape;345;p42"/>
           <p:cNvSpPr txBox="1"/>
           <p:nvPr>
             <p:ph idx="2" type="title"/>
@@ -16701,12 +19514,365 @@
             </a:pPr>
             <a:r>
               <a:rPr lang="ko"/>
-              <a:t>Basis Functions and Dictionary Methods</a:t>
+              <a:t>RSS and MLE</a:t>
             </a:r>
             <a:endParaRPr/>
           </a:p>
         </p:txBody>
       </p:sp>
+      <p:sp>
+        <p:nvSpPr>
+          <p:cNvPr id="346" name="Google Shape;346;p42"/>
+          <p:cNvSpPr txBox="1"/>
+          <p:nvPr/>
+        </p:nvSpPr>
+        <p:spPr>
+          <a:xfrm>
+            <a:off x="441000" y="1143050"/>
+            <a:ext cx="8351700" cy="3279300"/>
+          </a:xfrm>
+          <a:prstGeom prst="rect">
+            <a:avLst/>
+          </a:prstGeom>
+          <a:noFill/>
+          <a:ln>
+            <a:noFill/>
+          </a:ln>
+        </p:spPr>
+        <p:txBody>
+          <a:bodyPr anchorCtr="0" anchor="t" bIns="91425" lIns="91425" spcFirstLastPara="1" rIns="91425" wrap="square" tIns="91425">
+            <a:noAutofit/>
+          </a:bodyPr>
+          <a:lstStyle/>
+          <a:p>
+            <a:pPr indent="0" lvl="0" marL="0" rtl="0" algn="l">
+              <a:spcBef>
+                <a:spcPts val="0"/>
+              </a:spcBef>
+              <a:spcAft>
+                <a:spcPts val="0"/>
+              </a:spcAft>
+              <a:buNone/>
+            </a:pPr>
+            <a:r>
+              <a:rPr lang="ko">
+                <a:solidFill>
+                  <a:schemeClr val="dk1"/>
+                </a:solidFill>
+              </a:rPr>
+              <a:t>People have said like “Maximizing MLE is equal action with Minimizing Squared Loss”.</a:t>
+            </a:r>
+            <a:endParaRPr>
+              <a:solidFill>
+                <a:schemeClr val="dk1"/>
+              </a:solidFill>
+            </a:endParaRPr>
+          </a:p>
+          <a:p>
+            <a:pPr indent="0" lvl="0" marL="0" rtl="0" algn="l">
+              <a:spcBef>
+                <a:spcPts val="0"/>
+              </a:spcBef>
+              <a:spcAft>
+                <a:spcPts val="0"/>
+              </a:spcAft>
+              <a:buNone/>
+            </a:pPr>
+            <a:r>
+              <a:rPr lang="ko">
+                <a:solidFill>
+                  <a:schemeClr val="dk1"/>
+                </a:solidFill>
+              </a:rPr>
+              <a:t>Look at the last equation we said.</a:t>
+            </a:r>
+            <a:endParaRPr>
+              <a:solidFill>
+                <a:schemeClr val="dk1"/>
+              </a:solidFill>
+            </a:endParaRPr>
+          </a:p>
+          <a:p>
+            <a:pPr indent="0" lvl="0" marL="0" rtl="0" algn="l">
+              <a:spcBef>
+                <a:spcPts val="0"/>
+              </a:spcBef>
+              <a:spcAft>
+                <a:spcPts val="0"/>
+              </a:spcAft>
+              <a:buNone/>
+            </a:pPr>
+            <a:r>
+              <a:t/>
+            </a:r>
+            <a:endParaRPr>
+              <a:solidFill>
+                <a:schemeClr val="dk1"/>
+              </a:solidFill>
+            </a:endParaRPr>
+          </a:p>
+          <a:p>
+            <a:pPr indent="0" lvl="0" marL="0" rtl="0" algn="l">
+              <a:spcBef>
+                <a:spcPts val="0"/>
+              </a:spcBef>
+              <a:spcAft>
+                <a:spcPts val="0"/>
+              </a:spcAft>
+              <a:buNone/>
+            </a:pPr>
+            <a:r>
+              <a:t/>
+            </a:r>
+            <a:endParaRPr>
+              <a:solidFill>
+                <a:schemeClr val="dk1"/>
+              </a:solidFill>
+            </a:endParaRPr>
+          </a:p>
+          <a:p>
+            <a:pPr indent="0" lvl="0" marL="0" rtl="0" algn="l">
+              <a:spcBef>
+                <a:spcPts val="0"/>
+              </a:spcBef>
+              <a:spcAft>
+                <a:spcPts val="0"/>
+              </a:spcAft>
+              <a:buNone/>
+            </a:pPr>
+            <a:r>
+              <a:t/>
+            </a:r>
+            <a:endParaRPr/>
+          </a:p>
+          <a:p>
+            <a:pPr indent="0" lvl="0" marL="0" rtl="0" algn="l">
+              <a:spcBef>
+                <a:spcPts val="0"/>
+              </a:spcBef>
+              <a:spcAft>
+                <a:spcPts val="0"/>
+              </a:spcAft>
+              <a:buNone/>
+            </a:pPr>
+            <a:r>
+              <a:t/>
+            </a:r>
+            <a:endParaRPr/>
+          </a:p>
+          <a:p>
+            <a:pPr indent="0" lvl="0" marL="0" rtl="0" algn="l">
+              <a:spcBef>
+                <a:spcPts val="0"/>
+              </a:spcBef>
+              <a:spcAft>
+                <a:spcPts val="0"/>
+              </a:spcAft>
+              <a:buNone/>
+            </a:pPr>
+            <a:r>
+              <a:rPr lang="ko"/>
+              <a:t> </a:t>
+            </a:r>
+            <a:endParaRPr/>
+          </a:p>
+          <a:p>
+            <a:pPr indent="0" lvl="0" marL="0" rtl="0" algn="l">
+              <a:spcBef>
+                <a:spcPts val="0"/>
+              </a:spcBef>
+              <a:spcAft>
+                <a:spcPts val="0"/>
+              </a:spcAft>
+              <a:buNone/>
+            </a:pPr>
+            <a:r>
+              <a:rPr lang="ko"/>
+              <a:t>Remove constants(pi, sigma) what doesn’t contribute to maximize likelihood.</a:t>
+            </a:r>
+            <a:endParaRPr/>
+          </a:p>
+          <a:p>
+            <a:pPr indent="0" lvl="0" marL="0" rtl="0" algn="l">
+              <a:spcBef>
+                <a:spcPts val="0"/>
+              </a:spcBef>
+              <a:spcAft>
+                <a:spcPts val="0"/>
+              </a:spcAft>
+              <a:buNone/>
+            </a:pPr>
+            <a:r>
+              <a:t/>
+            </a:r>
+            <a:endParaRPr/>
+          </a:p>
+          <a:p>
+            <a:pPr indent="0" lvl="0" marL="0" rtl="0" algn="l">
+              <a:spcBef>
+                <a:spcPts val="0"/>
+              </a:spcBef>
+              <a:spcAft>
+                <a:spcPts val="0"/>
+              </a:spcAft>
+              <a:buNone/>
+            </a:pPr>
+            <a:r>
+              <a:t/>
+            </a:r>
+            <a:endParaRPr/>
+          </a:p>
+          <a:p>
+            <a:pPr indent="0" lvl="0" marL="0" rtl="0" algn="l">
+              <a:spcBef>
+                <a:spcPts val="0"/>
+              </a:spcBef>
+              <a:spcAft>
+                <a:spcPts val="0"/>
+              </a:spcAft>
+              <a:buNone/>
+            </a:pPr>
+            <a:r>
+              <a:t/>
+            </a:r>
+            <a:endParaRPr/>
+          </a:p>
+          <a:p>
+            <a:pPr indent="0" lvl="0" marL="0" rtl="0" algn="l">
+              <a:spcBef>
+                <a:spcPts val="0"/>
+              </a:spcBef>
+              <a:spcAft>
+                <a:spcPts val="0"/>
+              </a:spcAft>
+              <a:buNone/>
+            </a:pPr>
+            <a:r>
+              <a:t/>
+            </a:r>
+            <a:endParaRPr/>
+          </a:p>
+          <a:p>
+            <a:pPr indent="0" lvl="0" marL="0" rtl="0" algn="l">
+              <a:spcBef>
+                <a:spcPts val="0"/>
+              </a:spcBef>
+              <a:spcAft>
+                <a:spcPts val="0"/>
+              </a:spcAft>
+              <a:buNone/>
+            </a:pPr>
+            <a:r>
+              <a:rPr lang="ko"/>
+              <a:t>Then, we could get squared loss between target value[ti</a:t>
+            </a:r>
+            <a:r>
+              <a:rPr lang="ko">
+                <a:solidFill>
+                  <a:schemeClr val="dk1"/>
+                </a:solidFill>
+              </a:rPr>
+              <a:t>]</a:t>
+            </a:r>
+            <a:r>
+              <a:rPr lang="ko"/>
+              <a:t> and prediction value[y(xi|w)</a:t>
+            </a:r>
+            <a:r>
+              <a:rPr lang="ko">
+                <a:solidFill>
+                  <a:schemeClr val="dk1"/>
+                </a:solidFill>
+              </a:rPr>
+              <a:t>]</a:t>
+            </a:r>
+            <a:endParaRPr>
+              <a:solidFill>
+                <a:schemeClr val="dk1"/>
+              </a:solidFill>
+            </a:endParaRPr>
+          </a:p>
+          <a:p>
+            <a:pPr indent="0" lvl="0" marL="0" rtl="0" algn="l">
+              <a:spcBef>
+                <a:spcPts val="0"/>
+              </a:spcBef>
+              <a:spcAft>
+                <a:spcPts val="0"/>
+              </a:spcAft>
+              <a:buNone/>
+            </a:pPr>
+            <a:r>
+              <a:rPr lang="ko">
+                <a:solidFill>
+                  <a:schemeClr val="dk1"/>
+                </a:solidFill>
+              </a:rPr>
+              <a:t>So, We could say Maximizing MLE is same way to Minimizing squared loss.</a:t>
+            </a:r>
+            <a:endParaRPr>
+              <a:solidFill>
+                <a:schemeClr val="dk1"/>
+              </a:solidFill>
+            </a:endParaRPr>
+          </a:p>
+        </p:txBody>
+      </p:sp>
+      <p:pic>
+        <p:nvPicPr>
+          <p:cNvPr id="347" name="Google Shape;347;p42"/>
+          <p:cNvPicPr preferRelativeResize="0"/>
+          <p:nvPr/>
+        </p:nvPicPr>
+        <p:blipFill rotWithShape="1">
+          <a:blip r:embed="rId3">
+            <a:alphaModFix/>
+          </a:blip>
+          <a:srcRect b="0" l="199" r="0" t="0"/>
+          <a:stretch/>
+        </p:blipFill>
+        <p:spPr>
+          <a:xfrm>
+            <a:off x="492300" y="1742025"/>
+            <a:ext cx="7408249" cy="829725"/>
+          </a:xfrm>
+          <a:prstGeom prst="rect">
+            <a:avLst/>
+          </a:prstGeom>
+          <a:noFill/>
+          <a:ln>
+            <a:noFill/>
+          </a:ln>
+        </p:spPr>
+      </p:pic>
+      <p:pic>
+        <p:nvPicPr>
+          <p:cNvPr id="348" name="Google Shape;348;p42"/>
+          <p:cNvPicPr preferRelativeResize="0"/>
+          <p:nvPr/>
+        </p:nvPicPr>
+        <p:blipFill>
+          <a:blip r:embed="rId4">
+            <a:alphaModFix/>
+          </a:blip>
+          <a:stretch>
+            <a:fillRect/>
+          </a:stretch>
+        </p:blipFill>
+        <p:spPr>
+          <a:xfrm>
+            <a:off x="492295" y="2994045"/>
+            <a:ext cx="1621575" cy="649800"/>
+          </a:xfrm>
+          <a:prstGeom prst="rect">
+            <a:avLst/>
+          </a:prstGeom>
+          <a:noFill/>
+          <a:ln>
+            <a:noFill/>
+          </a:ln>
+        </p:spPr>
+      </p:pic>
     </p:spTree>
   </p:cSld>
   <p:clrMapOvr>
@@ -16853,7 +20019,7 @@
   <p:cSld>
     <p:spTree>
       <p:nvGrpSpPr>
-        <p:cNvPr id="323" name="Shape 323"/>
+        <p:cNvPr id="352" name="Shape 352"/>
         <p:cNvGrpSpPr/>
         <p:nvPr/>
       </p:nvGrpSpPr>
@@ -16867,7 +20033,7 @@
       </p:grpSpPr>
       <p:sp>
         <p:nvSpPr>
-          <p:cNvPr id="324" name="Google Shape;324;p43"/>
+          <p:cNvPr id="353" name="Google Shape;353;p43"/>
           <p:cNvSpPr txBox="1"/>
           <p:nvPr>
             <p:ph type="title"/>
@@ -16911,7 +20077,7 @@
       </p:sp>
       <p:sp>
         <p:nvSpPr>
-          <p:cNvPr id="325" name="Google Shape;325;p43"/>
+          <p:cNvPr id="354" name="Google Shape;354;p43"/>
           <p:cNvSpPr txBox="1"/>
           <p:nvPr>
             <p:ph idx="12" type="sldNum"/>
@@ -16949,6 +20115,279 @@
           </a:p>
         </p:txBody>
       </p:sp>
+      <p:sp>
+        <p:nvSpPr>
+          <p:cNvPr id="355" name="Google Shape;355;p43"/>
+          <p:cNvSpPr txBox="1"/>
+          <p:nvPr/>
+        </p:nvSpPr>
+        <p:spPr>
+          <a:xfrm>
+            <a:off x="161000" y="1335625"/>
+            <a:ext cx="5547000" cy="2735700"/>
+          </a:xfrm>
+          <a:prstGeom prst="rect">
+            <a:avLst/>
+          </a:prstGeom>
+          <a:noFill/>
+          <a:ln>
+            <a:noFill/>
+          </a:ln>
+        </p:spPr>
+        <p:txBody>
+          <a:bodyPr anchorCtr="0" anchor="t" bIns="91425" lIns="91425" spcFirstLastPara="1" rIns="91425" wrap="square" tIns="91425">
+            <a:noAutofit/>
+          </a:bodyPr>
+          <a:lstStyle/>
+          <a:p>
+            <a:pPr indent="0" lvl="0" marL="0" rtl="0" algn="l">
+              <a:spcBef>
+                <a:spcPts val="0"/>
+              </a:spcBef>
+              <a:spcAft>
+                <a:spcPts val="0"/>
+              </a:spcAft>
+              <a:buNone/>
+            </a:pPr>
+            <a:r>
+              <a:rPr lang="ko"/>
+              <a:t>Look at the EPE(x0) equation of k-NN model below,</a:t>
+            </a:r>
+            <a:endParaRPr/>
+          </a:p>
+          <a:p>
+            <a:pPr indent="0" lvl="0" marL="0" rtl="0" algn="l">
+              <a:spcBef>
+                <a:spcPts val="0"/>
+              </a:spcBef>
+              <a:spcAft>
+                <a:spcPts val="0"/>
+              </a:spcAft>
+              <a:buNone/>
+            </a:pPr>
+            <a:r>
+              <a:t/>
+            </a:r>
+            <a:endParaRPr/>
+          </a:p>
+          <a:p>
+            <a:pPr indent="0" lvl="0" marL="0" rtl="0" algn="l">
+              <a:spcBef>
+                <a:spcPts val="0"/>
+              </a:spcBef>
+              <a:spcAft>
+                <a:spcPts val="0"/>
+              </a:spcAft>
+              <a:buNone/>
+            </a:pPr>
+            <a:r>
+              <a:t/>
+            </a:r>
+            <a:endParaRPr/>
+          </a:p>
+          <a:p>
+            <a:pPr indent="0" lvl="0" marL="0" rtl="0" algn="l">
+              <a:spcBef>
+                <a:spcPts val="0"/>
+              </a:spcBef>
+              <a:spcAft>
+                <a:spcPts val="0"/>
+              </a:spcAft>
+              <a:buNone/>
+            </a:pPr>
+            <a:r>
+              <a:t/>
+            </a:r>
+            <a:endParaRPr/>
+          </a:p>
+          <a:p>
+            <a:pPr indent="0" lvl="0" marL="0" rtl="0" algn="l">
+              <a:spcBef>
+                <a:spcPts val="0"/>
+              </a:spcBef>
+              <a:spcAft>
+                <a:spcPts val="0"/>
+              </a:spcAft>
+              <a:buNone/>
+            </a:pPr>
+            <a:r>
+              <a:t/>
+            </a:r>
+            <a:endParaRPr/>
+          </a:p>
+          <a:p>
+            <a:pPr indent="0" lvl="0" marL="0" rtl="0" algn="l">
+              <a:spcBef>
+                <a:spcPts val="0"/>
+              </a:spcBef>
+              <a:spcAft>
+                <a:spcPts val="0"/>
+              </a:spcAft>
+              <a:buNone/>
+            </a:pPr>
+            <a:r>
+              <a:t/>
+            </a:r>
+            <a:endParaRPr/>
+          </a:p>
+          <a:p>
+            <a:pPr indent="0" lvl="0" marL="0" rtl="0" algn="l">
+              <a:spcBef>
+                <a:spcPts val="0"/>
+              </a:spcBef>
+              <a:spcAft>
+                <a:spcPts val="0"/>
+              </a:spcAft>
+              <a:buNone/>
+            </a:pPr>
+            <a:r>
+              <a:t/>
+            </a:r>
+            <a:endParaRPr/>
+          </a:p>
+          <a:p>
+            <a:pPr indent="0" lvl="0" marL="0" rtl="0" algn="l">
+              <a:spcBef>
+                <a:spcPts val="0"/>
+              </a:spcBef>
+              <a:spcAft>
+                <a:spcPts val="0"/>
+              </a:spcAft>
+              <a:buNone/>
+            </a:pPr>
+            <a:r>
+              <a:rPr lang="ko"/>
+              <a:t>It also could be decompose Bias and Variance above.</a:t>
+            </a:r>
+            <a:endParaRPr/>
+          </a:p>
+          <a:p>
+            <a:pPr indent="0" lvl="0" marL="0" rtl="0" algn="l">
+              <a:spcBef>
+                <a:spcPts val="0"/>
+              </a:spcBef>
+              <a:spcAft>
+                <a:spcPts val="0"/>
+              </a:spcAft>
+              <a:buNone/>
+            </a:pPr>
+            <a:r>
+              <a:rPr lang="ko"/>
+              <a:t>If k value increased,</a:t>
+            </a:r>
+            <a:endParaRPr/>
+          </a:p>
+          <a:p>
+            <a:pPr indent="-317500" lvl="0" marL="457200" rtl="0" algn="l">
+              <a:spcBef>
+                <a:spcPts val="0"/>
+              </a:spcBef>
+              <a:spcAft>
+                <a:spcPts val="0"/>
+              </a:spcAft>
+              <a:buSzPts val="1400"/>
+              <a:buChar char="●"/>
+            </a:pPr>
+            <a:r>
+              <a:rPr lang="ko"/>
+              <a:t>Bias will be increased</a:t>
+            </a:r>
+            <a:endParaRPr/>
+          </a:p>
+          <a:p>
+            <a:pPr indent="-317500" lvl="0" marL="457200" rtl="0" algn="l">
+              <a:spcBef>
+                <a:spcPts val="0"/>
+              </a:spcBef>
+              <a:spcAft>
+                <a:spcPts val="0"/>
+              </a:spcAft>
+              <a:buSzPts val="1400"/>
+              <a:buChar char="●"/>
+            </a:pPr>
+            <a:r>
+              <a:rPr lang="ko"/>
+              <a:t>Variance will be decreased.</a:t>
+            </a:r>
+            <a:endParaRPr/>
+          </a:p>
+          <a:p>
+            <a:pPr indent="0" lvl="0" marL="0" rtl="0" algn="l">
+              <a:spcBef>
+                <a:spcPts val="0"/>
+              </a:spcBef>
+              <a:spcAft>
+                <a:spcPts val="0"/>
+              </a:spcAft>
+              <a:buNone/>
+            </a:pPr>
+            <a:r>
+              <a:t/>
+            </a:r>
+            <a:endParaRPr>
+              <a:solidFill>
+                <a:schemeClr val="dk1"/>
+              </a:solidFill>
+            </a:endParaRPr>
+          </a:p>
+        </p:txBody>
+      </p:sp>
+      <p:pic>
+        <p:nvPicPr>
+          <p:cNvPr id="356" name="Google Shape;356;p43"/>
+          <p:cNvPicPr preferRelativeResize="0"/>
+          <p:nvPr/>
+        </p:nvPicPr>
+        <p:blipFill>
+          <a:blip r:embed="rId3">
+            <a:alphaModFix/>
+          </a:blip>
+          <a:stretch>
+            <a:fillRect/>
+          </a:stretch>
+        </p:blipFill>
+        <p:spPr>
+          <a:xfrm>
+            <a:off x="202575" y="1709350"/>
+            <a:ext cx="4678575" cy="1178550"/>
+          </a:xfrm>
+          <a:prstGeom prst="rect">
+            <a:avLst/>
+          </a:prstGeom>
+          <a:noFill/>
+          <a:ln>
+            <a:noFill/>
+          </a:ln>
+        </p:spPr>
+      </p:pic>
+      <p:pic>
+        <p:nvPicPr>
+          <p:cNvPr id="357" name="Google Shape;357;p43"/>
+          <p:cNvPicPr preferRelativeResize="0"/>
+          <p:nvPr/>
+        </p:nvPicPr>
+        <p:blipFill>
+          <a:blip r:embed="rId4">
+            <a:alphaModFix/>
+          </a:blip>
+          <a:stretch>
+            <a:fillRect/>
+          </a:stretch>
+        </p:blipFill>
+        <p:spPr>
+          <a:xfrm>
+            <a:off x="5068375" y="1369700"/>
+            <a:ext cx="3780925" cy="2404103"/>
+          </a:xfrm>
+          <a:prstGeom prst="rect">
+            <a:avLst/>
+          </a:prstGeom>
+          <a:noFill/>
+          <a:ln>
+            <a:noFill/>
+          </a:ln>
+        </p:spPr>
+      </p:pic>
     </p:spTree>
   </p:cSld>
   <p:clrMapOvr>
@@ -18279,6 +21718,285 @@
 </file>
 
 <file path=ppt/theme/theme1.xml><?xml version="1.0" encoding="utf-8"?>
+<a:theme xmlns:a="http://schemas.openxmlformats.org/drawingml/2006/main" xmlns:r="http://schemas.openxmlformats.org/officeDocument/2006/relationships">
+  <a:themeElements>
+    <a:clrScheme name="Default">
+      <a:dk1>
+        <a:srgbClr val="000000"/>
+      </a:dk1>
+      <a:lt1>
+        <a:srgbClr val="FFFFFF"/>
+      </a:lt1>
+      <a:dk2>
+        <a:srgbClr val="158158"/>
+      </a:dk2>
+      <a:lt2>
+        <a:srgbClr val="F3F3F3"/>
+      </a:lt2>
+      <a:accent1>
+        <a:srgbClr val="058DC7"/>
+      </a:accent1>
+      <a:accent2>
+        <a:srgbClr val="50B432"/>
+      </a:accent2>
+      <a:accent3>
+        <a:srgbClr val="ED561B"/>
+      </a:accent3>
+      <a:accent4>
+        <a:srgbClr val="EDEF00"/>
+      </a:accent4>
+      <a:accent5>
+        <a:srgbClr val="24CBE5"/>
+      </a:accent5>
+      <a:accent6>
+        <a:srgbClr val="64E572"/>
+      </a:accent6>
+      <a:hlink>
+        <a:srgbClr val="2200CC"/>
+      </a:hlink>
+      <a:folHlink>
+        <a:srgbClr val="551A8B"/>
+      </a:folHlink>
+    </a:clrScheme>
+    <a:fontScheme name="Office">
+      <a:majorFont>
+        <a:latin typeface="Arial"/>
+        <a:ea typeface=""/>
+        <a:cs typeface=""/>
+        <a:font script="Jpan" typeface="ＭＳ Ｐゴシック"/>
+        <a:font script="Hang" typeface="맑은 고딕"/>
+        <a:font script="Hans" typeface="宋体"/>
+        <a:font script="Hant" typeface="新細明體"/>
+        <a:font script="Arab" typeface="Times New Roman"/>
+        <a:font script="Hebr" typeface="Times New Roman"/>
+        <a:font script="Thai" typeface="Angsana New"/>
+        <a:font script="Ethi" typeface="Nyala"/>
+        <a:font script="Beng" typeface="Vrinda"/>
+        <a:font script="Gujr" typeface="Shruti"/>
+        <a:font script="Khmr" typeface="MoolBoran"/>
+        <a:font script="Knda" typeface="Tunga"/>
+        <a:font script="Guru" typeface="Raavi"/>
+        <a:font script="Cans" typeface="Euphemia"/>
+        <a:font script="Cher" typeface="Plantagenet Cherokee"/>
+        <a:font script="Yiii" typeface="Microsoft Yi Baiti"/>
+        <a:font script="Tibt" typeface="Microsoft Himalaya"/>
+        <a:font script="Thaa" typeface="MV Boli"/>
+        <a:font script="Deva" typeface="Mangal"/>
+        <a:font script="Telu" typeface="Gautami"/>
+        <a:font script="Taml" typeface="Latha"/>
+        <a:font script="Syrc" typeface="Estrangelo Edessa"/>
+        <a:font script="Orya" typeface="Kalinga"/>
+        <a:font script="Mlym" typeface="Kartika"/>
+        <a:font script="Laoo" typeface="DokChampa"/>
+        <a:font script="Sinh" typeface="Iskoola Pota"/>
+        <a:font script="Mong" typeface="Mongolian Baiti"/>
+        <a:font script="Viet" typeface="Times New Roman"/>
+        <a:font script="Uigh" typeface="Microsoft Uighur"/>
+        <a:font script="Geor" typeface="Sylfaen"/>
+      </a:majorFont>
+      <a:minorFont>
+        <a:latin typeface="Arial"/>
+        <a:ea typeface=""/>
+        <a:cs typeface=""/>
+        <a:font script="Jpan" typeface="ＭＳ Ｐゴシック"/>
+        <a:font script="Hang" typeface="맑은 고딕"/>
+        <a:font script="Hans" typeface="宋体"/>
+        <a:font script="Hant" typeface="新細明體"/>
+        <a:font script="Arab" typeface="Arial"/>
+        <a:font script="Hebr" typeface="Arial"/>
+        <a:font script="Thai" typeface="Cordia New"/>
+        <a:font script="Ethi" typeface="Nyala"/>
+        <a:font script="Beng" typeface="Vrinda"/>
+        <a:font script="Gujr" typeface="Shruti"/>
+        <a:font script="Khmr" typeface="DaunPenh"/>
+        <a:font script="Knda" typeface="Tunga"/>
+        <a:font script="Guru" typeface="Raavi"/>
+        <a:font script="Cans" typeface="Euphemia"/>
+        <a:font script="Cher" typeface="Plantagenet Cherokee"/>
+        <a:font script="Yiii" typeface="Microsoft Yi Baiti"/>
+        <a:font script="Tibt" typeface="Microsoft Himalaya"/>
+        <a:font script="Thaa" typeface="MV Boli"/>
+        <a:font script="Deva" typeface="Mangal"/>
+        <a:font script="Telu" typeface="Gautami"/>
+        <a:font script="Taml" typeface="Latha"/>
+        <a:font script="Syrc" typeface="Estrangelo Edessa"/>
+        <a:font script="Orya" typeface="Kalinga"/>
+        <a:font script="Mlym" typeface="Kartika"/>
+        <a:font script="Laoo" typeface="DokChampa"/>
+        <a:font script="Sinh" typeface="Iskoola Pota"/>
+        <a:font script="Mong" typeface="Mongolian Baiti"/>
+        <a:font script="Viet" typeface="Arial"/>
+        <a:font script="Uigh" typeface="Microsoft Uighur"/>
+        <a:font script="Geor" typeface="Sylfaen"/>
+      </a:minorFont>
+    </a:fontScheme>
+    <a:fmtScheme name="Office">
+      <a:fillStyleLst>
+        <a:solidFill>
+          <a:schemeClr val="phClr"/>
+        </a:solidFill>
+        <a:gradFill rotWithShape="1">
+          <a:gsLst>
+            <a:gs pos="0">
+              <a:schemeClr val="phClr">
+                <a:tint val="50000"/>
+                <a:satMod val="300000"/>
+              </a:schemeClr>
+            </a:gs>
+            <a:gs pos="35000">
+              <a:schemeClr val="phClr">
+                <a:tint val="37000"/>
+                <a:satMod val="300000"/>
+              </a:schemeClr>
+            </a:gs>
+            <a:gs pos="100000">
+              <a:schemeClr val="phClr">
+                <a:tint val="15000"/>
+                <a:satMod val="350000"/>
+              </a:schemeClr>
+            </a:gs>
+          </a:gsLst>
+          <a:lin ang="16200000" scaled="1"/>
+        </a:gradFill>
+        <a:gradFill rotWithShape="1">
+          <a:gsLst>
+            <a:gs pos="0">
+              <a:schemeClr val="phClr">
+                <a:tint val="100000"/>
+                <a:shade val="100000"/>
+                <a:satMod val="130000"/>
+              </a:schemeClr>
+            </a:gs>
+            <a:gs pos="100000">
+              <a:schemeClr val="phClr">
+                <a:tint val="50000"/>
+                <a:shade val="100000"/>
+                <a:satMod val="350000"/>
+              </a:schemeClr>
+            </a:gs>
+          </a:gsLst>
+          <a:lin ang="16200000" scaled="0"/>
+        </a:gradFill>
+      </a:fillStyleLst>
+      <a:lnStyleLst>
+        <a:ln w="9525" cap="flat" cmpd="sng" algn="ctr">
+          <a:solidFill>
+            <a:schemeClr val="phClr">
+              <a:shade val="95000"/>
+              <a:satMod val="105000"/>
+            </a:schemeClr>
+          </a:solidFill>
+          <a:prstDash val="solid"/>
+        </a:ln>
+        <a:ln w="25400" cap="flat" cmpd="sng" algn="ctr">
+          <a:solidFill>
+            <a:schemeClr val="phClr"/>
+          </a:solidFill>
+          <a:prstDash val="solid"/>
+        </a:ln>
+        <a:ln w="38100" cap="flat" cmpd="sng" algn="ctr">
+          <a:solidFill>
+            <a:schemeClr val="phClr"/>
+          </a:solidFill>
+          <a:prstDash val="solid"/>
+        </a:ln>
+      </a:lnStyleLst>
+      <a:effectStyleLst>
+        <a:effectStyle>
+          <a:effectLst>
+            <a:outerShdw blurRad="40000" dist="20000" dir="5400000" rotWithShape="0">
+              <a:srgbClr val="000000">
+                <a:alpha val="38000"/>
+              </a:srgbClr>
+            </a:outerShdw>
+          </a:effectLst>
+        </a:effectStyle>
+        <a:effectStyle>
+          <a:effectLst>
+            <a:outerShdw blurRad="40000" dist="23000" dir="5400000" rotWithShape="0">
+              <a:srgbClr val="000000">
+                <a:alpha val="35000"/>
+              </a:srgbClr>
+            </a:outerShdw>
+          </a:effectLst>
+        </a:effectStyle>
+        <a:effectStyle>
+          <a:effectLst>
+            <a:outerShdw blurRad="40000" dist="23000" dir="5400000" rotWithShape="0">
+              <a:srgbClr val="000000">
+                <a:alpha val="35000"/>
+              </a:srgbClr>
+            </a:outerShdw>
+          </a:effectLst>
+          <a:scene3d>
+            <a:camera prst="orthographicFront">
+              <a:rot lat="0" lon="0" rev="0"/>
+            </a:camera>
+            <a:lightRig rig="threePt" dir="t">
+              <a:rot lat="0" lon="0" rev="1200000"/>
+            </a:lightRig>
+          </a:scene3d>
+          <a:sp3d>
+            <a:bevelT w="63500" h="25400"/>
+          </a:sp3d>
+        </a:effectStyle>
+      </a:effectStyleLst>
+      <a:bgFillStyleLst>
+        <a:solidFill>
+          <a:schemeClr val="phClr"/>
+        </a:solidFill>
+        <a:gradFill rotWithShape="1">
+          <a:gsLst>
+            <a:gs pos="0">
+              <a:schemeClr val="phClr">
+                <a:tint val="40000"/>
+                <a:satMod val="350000"/>
+              </a:schemeClr>
+            </a:gs>
+            <a:gs pos="40000">
+              <a:schemeClr val="phClr">
+                <a:tint val="45000"/>
+                <a:shade val="99000"/>
+                <a:satMod val="350000"/>
+              </a:schemeClr>
+            </a:gs>
+            <a:gs pos="100000">
+              <a:schemeClr val="phClr">
+                <a:shade val="20000"/>
+                <a:satMod val="255000"/>
+              </a:schemeClr>
+            </a:gs>
+          </a:gsLst>
+          <a:path path="circle">
+            <a:fillToRect l="50000" t="-80000" r="50000" b="180000"/>
+          </a:path>
+        </a:gradFill>
+        <a:gradFill rotWithShape="1">
+          <a:gsLst>
+            <a:gs pos="0">
+              <a:schemeClr val="phClr">
+                <a:tint val="80000"/>
+                <a:satMod val="300000"/>
+              </a:schemeClr>
+            </a:gs>
+            <a:gs pos="100000">
+              <a:schemeClr val="phClr">
+                <a:shade val="30000"/>
+                <a:satMod val="200000"/>
+              </a:schemeClr>
+            </a:gs>
+          </a:gsLst>
+          <a:path path="circle">
+            <a:fillToRect l="50000" t="50000" r="50000" b="50000"/>
+          </a:path>
+        </a:gradFill>
+      </a:bgFillStyleLst>
+    </a:fmtScheme>
+  </a:themeElements>
+</a:theme>
+</file>
+
+<file path=ppt/theme/theme2.xml><?xml version="1.0" encoding="utf-8"?>
 <a:theme xmlns:a="http://schemas.openxmlformats.org/drawingml/2006/main" xmlns:r="http://schemas.openxmlformats.org/officeDocument/2006/relationships" name="Simple Light">
   <a:themeElements>
     <a:clrScheme name="Simple Light">
@@ -18555,283 +22273,4 @@
     </a:fmtScheme>
   </a:themeElements>
 </a:theme>
-</file>
-
-<file path=ppt/theme/theme2.xml><?xml version="1.0" encoding="utf-8"?>
-<a:theme xmlns:a="http://schemas.openxmlformats.org/drawingml/2006/main" xmlns:r="http://schemas.openxmlformats.org/officeDocument/2006/relationships">
-  <a:themeElements>
-    <a:clrScheme name="Default">
-      <a:dk1>
-        <a:srgbClr val="000000"/>
-      </a:dk1>
-      <a:lt1>
-        <a:srgbClr val="FFFFFF"/>
-      </a:lt1>
-      <a:dk2>
-        <a:srgbClr val="158158"/>
-      </a:dk2>
-      <a:lt2>
-        <a:srgbClr val="F3F3F3"/>
-      </a:lt2>
-      <a:accent1>
-        <a:srgbClr val="058DC7"/>
-      </a:accent1>
-      <a:accent2>
-        <a:srgbClr val="50B432"/>
-      </a:accent2>
-      <a:accent3>
-        <a:srgbClr val="ED561B"/>
-      </a:accent3>
-      <a:accent4>
-        <a:srgbClr val="EDEF00"/>
-      </a:accent4>
-      <a:accent5>
-        <a:srgbClr val="24CBE5"/>
-      </a:accent5>
-      <a:accent6>
-        <a:srgbClr val="64E572"/>
-      </a:accent6>
-      <a:hlink>
-        <a:srgbClr val="2200CC"/>
-      </a:hlink>
-      <a:folHlink>
-        <a:srgbClr val="551A8B"/>
-      </a:folHlink>
-    </a:clrScheme>
-    <a:fontScheme name="Office">
-      <a:majorFont>
-        <a:latin typeface="Arial"/>
-        <a:ea typeface=""/>
-        <a:cs typeface=""/>
-        <a:font script="Jpan" typeface="ＭＳ Ｐゴシック"/>
-        <a:font script="Hang" typeface="맑은 고딕"/>
-        <a:font script="Hans" typeface="宋体"/>
-        <a:font script="Hant" typeface="新細明體"/>
-        <a:font script="Arab" typeface="Times New Roman"/>
-        <a:font script="Hebr" typeface="Times New Roman"/>
-        <a:font script="Thai" typeface="Angsana New"/>
-        <a:font script="Ethi" typeface="Nyala"/>
-        <a:font script="Beng" typeface="Vrinda"/>
-        <a:font script="Gujr" typeface="Shruti"/>
-        <a:font script="Khmr" typeface="MoolBoran"/>
-        <a:font script="Knda" typeface="Tunga"/>
-        <a:font script="Guru" typeface="Raavi"/>
-        <a:font script="Cans" typeface="Euphemia"/>
-        <a:font script="Cher" typeface="Plantagenet Cherokee"/>
-        <a:font script="Yiii" typeface="Microsoft Yi Baiti"/>
-        <a:font script="Tibt" typeface="Microsoft Himalaya"/>
-        <a:font script="Thaa" typeface="MV Boli"/>
-        <a:font script="Deva" typeface="Mangal"/>
-        <a:font script="Telu" typeface="Gautami"/>
-        <a:font script="Taml" typeface="Latha"/>
-        <a:font script="Syrc" typeface="Estrangelo Edessa"/>
-        <a:font script="Orya" typeface="Kalinga"/>
-        <a:font script="Mlym" typeface="Kartika"/>
-        <a:font script="Laoo" typeface="DokChampa"/>
-        <a:font script="Sinh" typeface="Iskoola Pota"/>
-        <a:font script="Mong" typeface="Mongolian Baiti"/>
-        <a:font script="Viet" typeface="Times New Roman"/>
-        <a:font script="Uigh" typeface="Microsoft Uighur"/>
-        <a:font script="Geor" typeface="Sylfaen"/>
-      </a:majorFont>
-      <a:minorFont>
-        <a:latin typeface="Arial"/>
-        <a:ea typeface=""/>
-        <a:cs typeface=""/>
-        <a:font script="Jpan" typeface="ＭＳ Ｐゴシック"/>
-        <a:font script="Hang" typeface="맑은 고딕"/>
-        <a:font script="Hans" typeface="宋体"/>
-        <a:font script="Hant" typeface="新細明體"/>
-        <a:font script="Arab" typeface="Arial"/>
-        <a:font script="Hebr" typeface="Arial"/>
-        <a:font script="Thai" typeface="Cordia New"/>
-        <a:font script="Ethi" typeface="Nyala"/>
-        <a:font script="Beng" typeface="Vrinda"/>
-        <a:font script="Gujr" typeface="Shruti"/>
-        <a:font script="Khmr" typeface="DaunPenh"/>
-        <a:font script="Knda" typeface="Tunga"/>
-        <a:font script="Guru" typeface="Raavi"/>
-        <a:font script="Cans" typeface="Euphemia"/>
-        <a:font script="Cher" typeface="Plantagenet Cherokee"/>
-        <a:font script="Yiii" typeface="Microsoft Yi Baiti"/>
-        <a:font script="Tibt" typeface="Microsoft Himalaya"/>
-        <a:font script="Thaa" typeface="MV Boli"/>
-        <a:font script="Deva" typeface="Mangal"/>
-        <a:font script="Telu" typeface="Gautami"/>
-        <a:font script="Taml" typeface="Latha"/>
-        <a:font script="Syrc" typeface="Estrangelo Edessa"/>
-        <a:font script="Orya" typeface="Kalinga"/>
-        <a:font script="Mlym" typeface="Kartika"/>
-        <a:font script="Laoo" typeface="DokChampa"/>
-        <a:font script="Sinh" typeface="Iskoola Pota"/>
-        <a:font script="Mong" typeface="Mongolian Baiti"/>
-        <a:font script="Viet" typeface="Arial"/>
-        <a:font script="Uigh" typeface="Microsoft Uighur"/>
-        <a:font script="Geor" typeface="Sylfaen"/>
-      </a:minorFont>
-    </a:fontScheme>
-    <a:fmtScheme name="Office">
-      <a:fillStyleLst>
-        <a:solidFill>
-          <a:schemeClr val="phClr"/>
-        </a:solidFill>
-        <a:gradFill rotWithShape="1">
-          <a:gsLst>
-            <a:gs pos="0">
-              <a:schemeClr val="phClr">
-                <a:tint val="50000"/>
-                <a:satMod val="300000"/>
-              </a:schemeClr>
-            </a:gs>
-            <a:gs pos="35000">
-              <a:schemeClr val="phClr">
-                <a:tint val="37000"/>
-                <a:satMod val="300000"/>
-              </a:schemeClr>
-            </a:gs>
-            <a:gs pos="100000">
-              <a:schemeClr val="phClr">
-                <a:tint val="15000"/>
-                <a:satMod val="350000"/>
-              </a:schemeClr>
-            </a:gs>
-          </a:gsLst>
-          <a:lin ang="16200000" scaled="1"/>
-        </a:gradFill>
-        <a:gradFill rotWithShape="1">
-          <a:gsLst>
-            <a:gs pos="0">
-              <a:schemeClr val="phClr">
-                <a:tint val="100000"/>
-                <a:shade val="100000"/>
-                <a:satMod val="130000"/>
-              </a:schemeClr>
-            </a:gs>
-            <a:gs pos="100000">
-              <a:schemeClr val="phClr">
-                <a:tint val="50000"/>
-                <a:shade val="100000"/>
-                <a:satMod val="350000"/>
-              </a:schemeClr>
-            </a:gs>
-          </a:gsLst>
-          <a:lin ang="16200000" scaled="0"/>
-        </a:gradFill>
-      </a:fillStyleLst>
-      <a:lnStyleLst>
-        <a:ln w="9525" cap="flat" cmpd="sng" algn="ctr">
-          <a:solidFill>
-            <a:schemeClr val="phClr">
-              <a:shade val="95000"/>
-              <a:satMod val="105000"/>
-            </a:schemeClr>
-          </a:solidFill>
-          <a:prstDash val="solid"/>
-        </a:ln>
-        <a:ln w="25400" cap="flat" cmpd="sng" algn="ctr">
-          <a:solidFill>
-            <a:schemeClr val="phClr"/>
-          </a:solidFill>
-          <a:prstDash val="solid"/>
-        </a:ln>
-        <a:ln w="38100" cap="flat" cmpd="sng" algn="ctr">
-          <a:solidFill>
-            <a:schemeClr val="phClr"/>
-          </a:solidFill>
-          <a:prstDash val="solid"/>
-        </a:ln>
-      </a:lnStyleLst>
-      <a:effectStyleLst>
-        <a:effectStyle>
-          <a:effectLst>
-            <a:outerShdw blurRad="40000" dist="20000" dir="5400000" rotWithShape="0">
-              <a:srgbClr val="000000">
-                <a:alpha val="38000"/>
-              </a:srgbClr>
-            </a:outerShdw>
-          </a:effectLst>
-        </a:effectStyle>
-        <a:effectStyle>
-          <a:effectLst>
-            <a:outerShdw blurRad="40000" dist="23000" dir="5400000" rotWithShape="0">
-              <a:srgbClr val="000000">
-                <a:alpha val="35000"/>
-              </a:srgbClr>
-            </a:outerShdw>
-          </a:effectLst>
-        </a:effectStyle>
-        <a:effectStyle>
-          <a:effectLst>
-            <a:outerShdw blurRad="40000" dist="23000" dir="5400000" rotWithShape="0">
-              <a:srgbClr val="000000">
-                <a:alpha val="35000"/>
-              </a:srgbClr>
-            </a:outerShdw>
-          </a:effectLst>
-          <a:scene3d>
-            <a:camera prst="orthographicFront">
-              <a:rot lat="0" lon="0" rev="0"/>
-            </a:camera>
-            <a:lightRig rig="threePt" dir="t">
-              <a:rot lat="0" lon="0" rev="1200000"/>
-            </a:lightRig>
-          </a:scene3d>
-          <a:sp3d>
-            <a:bevelT w="63500" h="25400"/>
-          </a:sp3d>
-        </a:effectStyle>
-      </a:effectStyleLst>
-      <a:bgFillStyleLst>
-        <a:solidFill>
-          <a:schemeClr val="phClr"/>
-        </a:solidFill>
-        <a:gradFill rotWithShape="1">
-          <a:gsLst>
-            <a:gs pos="0">
-              <a:schemeClr val="phClr">
-                <a:tint val="40000"/>
-                <a:satMod val="350000"/>
-              </a:schemeClr>
-            </a:gs>
-            <a:gs pos="40000">
-              <a:schemeClr val="phClr">
-                <a:tint val="45000"/>
-                <a:shade val="99000"/>
-                <a:satMod val="350000"/>
-              </a:schemeClr>
-            </a:gs>
-            <a:gs pos="100000">
-              <a:schemeClr val="phClr">
-                <a:shade val="20000"/>
-                <a:satMod val="255000"/>
-              </a:schemeClr>
-            </a:gs>
-          </a:gsLst>
-          <a:path path="circle">
-            <a:fillToRect l="50000" t="-80000" r="50000" b="180000"/>
-          </a:path>
-        </a:gradFill>
-        <a:gradFill rotWithShape="1">
-          <a:gsLst>
-            <a:gs pos="0">
-              <a:schemeClr val="phClr">
-                <a:tint val="80000"/>
-                <a:satMod val="300000"/>
-              </a:schemeClr>
-            </a:gs>
-            <a:gs pos="100000">
-              <a:schemeClr val="phClr">
-                <a:shade val="30000"/>
-                <a:satMod val="200000"/>
-              </a:schemeClr>
-            </a:gs>
-          </a:gsLst>
-          <a:path path="circle">
-            <a:fillToRect l="50000" t="50000" r="50000" b="50000"/>
-          </a:path>
-        </a:gradFill>
-      </a:bgFillStyleLst>
-    </a:fmtScheme>
-  </a:themeElements>
-</a:theme>
 </file>